--- a/FinalPresentation.pptx
+++ b/FinalPresentation.pptx
@@ -4,12 +4,21 @@
   <p:sldMasterIdLst>
     <p:sldMasterId id="2147483660" r:id="rId1"/>
   </p:sldMasterIdLst>
+  <p:notesMasterIdLst>
+    <p:notesMasterId r:id="rId13"/>
+  </p:notesMasterIdLst>
   <p:sldIdLst>
     <p:sldId id="256" r:id="rId2"/>
     <p:sldId id="257" r:id="rId3"/>
     <p:sldId id="258" r:id="rId4"/>
     <p:sldId id="259" r:id="rId5"/>
     <p:sldId id="260" r:id="rId6"/>
+    <p:sldId id="261" r:id="rId7"/>
+    <p:sldId id="262" r:id="rId8"/>
+    <p:sldId id="263" r:id="rId9"/>
+    <p:sldId id="264" r:id="rId10"/>
+    <p:sldId id="265" r:id="rId11"/>
+    <p:sldId id="266" r:id="rId12"/>
   </p:sldIdLst>
   <p:sldSz cx="9144000" cy="6858000" type="screen4x3"/>
   <p:notesSz cx="6858000" cy="9144000"/>
@@ -109,6 +118,434 @@
     </a:lvl9pPr>
   </p:defaultTextStyle>
 </p:presentation>
+</file>
+
+<file path=ppt/notesMasters/notesMaster1.xml><?xml version="1.0" encoding="utf-8"?>
+<p:notesMaster xmlns:a="http://schemas.openxmlformats.org/drawingml/2006/main" xmlns:r="http://schemas.openxmlformats.org/officeDocument/2006/relationships" xmlns:p="http://schemas.openxmlformats.org/presentationml/2006/main">
+  <p:cSld>
+    <p:bg>
+      <p:bgRef idx="1001">
+        <a:schemeClr val="bg1"/>
+      </p:bgRef>
+    </p:bg>
+    <p:spTree>
+      <p:nvGrpSpPr>
+        <p:cNvPr id="1" name=""/>
+        <p:cNvGrpSpPr/>
+        <p:nvPr/>
+      </p:nvGrpSpPr>
+      <p:grpSpPr>
+        <a:xfrm>
+          <a:off x="0" y="0"/>
+          <a:ext cx="0" cy="0"/>
+          <a:chOff x="0" y="0"/>
+          <a:chExt cx="0" cy="0"/>
+        </a:xfrm>
+      </p:grpSpPr>
+      <p:sp>
+        <p:nvSpPr>
+          <p:cNvPr id="2" name="Header Placeholder 1"/>
+          <p:cNvSpPr>
+            <a:spLocks noGrp="1"/>
+          </p:cNvSpPr>
+          <p:nvPr>
+            <p:ph type="hdr" sz="quarter"/>
+          </p:nvPr>
+        </p:nvSpPr>
+        <p:spPr>
+          <a:xfrm>
+            <a:off x="0" y="0"/>
+            <a:ext cx="2971800" cy="457200"/>
+          </a:xfrm>
+          <a:prstGeom prst="rect">
+            <a:avLst/>
+          </a:prstGeom>
+        </p:spPr>
+        <p:txBody>
+          <a:bodyPr vert="horz" lIns="91440" tIns="45720" rIns="91440" bIns="45720" rtlCol="0"/>
+          <a:lstStyle>
+            <a:lvl1pPr algn="l">
+              <a:defRPr sz="1200"/>
+            </a:lvl1pPr>
+          </a:lstStyle>
+          <a:p>
+            <a:endParaRPr lang="en-US"/>
+          </a:p>
+        </p:txBody>
+      </p:sp>
+      <p:sp>
+        <p:nvSpPr>
+          <p:cNvPr id="3" name="Date Placeholder 2"/>
+          <p:cNvSpPr>
+            <a:spLocks noGrp="1"/>
+          </p:cNvSpPr>
+          <p:nvPr>
+            <p:ph type="dt" idx="1"/>
+          </p:nvPr>
+        </p:nvSpPr>
+        <p:spPr>
+          <a:xfrm>
+            <a:off x="3884613" y="0"/>
+            <a:ext cx="2971800" cy="457200"/>
+          </a:xfrm>
+          <a:prstGeom prst="rect">
+            <a:avLst/>
+          </a:prstGeom>
+        </p:spPr>
+        <p:txBody>
+          <a:bodyPr vert="horz" lIns="91440" tIns="45720" rIns="91440" bIns="45720" rtlCol="0"/>
+          <a:lstStyle>
+            <a:lvl1pPr algn="r">
+              <a:defRPr sz="1200"/>
+            </a:lvl1pPr>
+          </a:lstStyle>
+          <a:p>
+            <a:fld id="{0975D33A-0F28-4FAD-A330-53F184FBBDD9}" type="datetimeFigureOut">
+              <a:rPr lang="en-US" smtClean="0"/>
+              <a:t>5/6/2015</a:t>
+            </a:fld>
+            <a:endParaRPr lang="en-US"/>
+          </a:p>
+        </p:txBody>
+      </p:sp>
+      <p:sp>
+        <p:nvSpPr>
+          <p:cNvPr id="4" name="Slide Image Placeholder 3"/>
+          <p:cNvSpPr>
+            <a:spLocks noGrp="1" noRot="1" noChangeAspect="1"/>
+          </p:cNvSpPr>
+          <p:nvPr>
+            <p:ph type="sldImg" idx="2"/>
+          </p:nvPr>
+        </p:nvSpPr>
+        <p:spPr>
+          <a:xfrm>
+            <a:off x="1143000" y="685800"/>
+            <a:ext cx="4572000" cy="3429000"/>
+          </a:xfrm>
+          <a:prstGeom prst="rect">
+            <a:avLst/>
+          </a:prstGeom>
+          <a:noFill/>
+          <a:ln w="12700">
+            <a:solidFill>
+              <a:prstClr val="black"/>
+            </a:solidFill>
+          </a:ln>
+        </p:spPr>
+        <p:txBody>
+          <a:bodyPr vert="horz" lIns="91440" tIns="45720" rIns="91440" bIns="45720" rtlCol="0" anchor="ctr"/>
+          <a:lstStyle/>
+          <a:p>
+            <a:endParaRPr lang="en-US"/>
+          </a:p>
+        </p:txBody>
+      </p:sp>
+      <p:sp>
+        <p:nvSpPr>
+          <p:cNvPr id="5" name="Notes Placeholder 4"/>
+          <p:cNvSpPr>
+            <a:spLocks noGrp="1"/>
+          </p:cNvSpPr>
+          <p:nvPr>
+            <p:ph type="body" sz="quarter" idx="3"/>
+          </p:nvPr>
+        </p:nvSpPr>
+        <p:spPr>
+          <a:xfrm>
+            <a:off x="685800" y="4343400"/>
+            <a:ext cx="5486400" cy="4114800"/>
+          </a:xfrm>
+          <a:prstGeom prst="rect">
+            <a:avLst/>
+          </a:prstGeom>
+        </p:spPr>
+        <p:txBody>
+          <a:bodyPr vert="horz" lIns="91440" tIns="45720" rIns="91440" bIns="45720" rtlCol="0">
+            <a:normAutofit/>
+          </a:bodyPr>
+          <a:lstStyle/>
+          <a:p>
+            <a:pPr lvl="0"/>
+            <a:r>
+              <a:rPr lang="en-US" smtClean="0"/>
+              <a:t>Click to edit Master text styles</a:t>
+            </a:r>
+          </a:p>
+          <a:p>
+            <a:pPr lvl="1"/>
+            <a:r>
+              <a:rPr lang="en-US" smtClean="0"/>
+              <a:t>Second level</a:t>
+            </a:r>
+          </a:p>
+          <a:p>
+            <a:pPr lvl="2"/>
+            <a:r>
+              <a:rPr lang="en-US" smtClean="0"/>
+              <a:t>Third level</a:t>
+            </a:r>
+          </a:p>
+          <a:p>
+            <a:pPr lvl="3"/>
+            <a:r>
+              <a:rPr lang="en-US" smtClean="0"/>
+              <a:t>Fourth level</a:t>
+            </a:r>
+          </a:p>
+          <a:p>
+            <a:pPr lvl="4"/>
+            <a:r>
+              <a:rPr lang="en-US" smtClean="0"/>
+              <a:t>Fifth level</a:t>
+            </a:r>
+            <a:endParaRPr lang="en-US"/>
+          </a:p>
+        </p:txBody>
+      </p:sp>
+      <p:sp>
+        <p:nvSpPr>
+          <p:cNvPr id="6" name="Footer Placeholder 5"/>
+          <p:cNvSpPr>
+            <a:spLocks noGrp="1"/>
+          </p:cNvSpPr>
+          <p:nvPr>
+            <p:ph type="ftr" sz="quarter" idx="4"/>
+          </p:nvPr>
+        </p:nvSpPr>
+        <p:spPr>
+          <a:xfrm>
+            <a:off x="0" y="8685213"/>
+            <a:ext cx="2971800" cy="457200"/>
+          </a:xfrm>
+          <a:prstGeom prst="rect">
+            <a:avLst/>
+          </a:prstGeom>
+        </p:spPr>
+        <p:txBody>
+          <a:bodyPr vert="horz" lIns="91440" tIns="45720" rIns="91440" bIns="45720" rtlCol="0" anchor="b"/>
+          <a:lstStyle>
+            <a:lvl1pPr algn="l">
+              <a:defRPr sz="1200"/>
+            </a:lvl1pPr>
+          </a:lstStyle>
+          <a:p>
+            <a:endParaRPr lang="en-US"/>
+          </a:p>
+        </p:txBody>
+      </p:sp>
+      <p:sp>
+        <p:nvSpPr>
+          <p:cNvPr id="7" name="Slide Number Placeholder 6"/>
+          <p:cNvSpPr>
+            <a:spLocks noGrp="1"/>
+          </p:cNvSpPr>
+          <p:nvPr>
+            <p:ph type="sldNum" sz="quarter" idx="5"/>
+          </p:nvPr>
+        </p:nvSpPr>
+        <p:spPr>
+          <a:xfrm>
+            <a:off x="3884613" y="8685213"/>
+            <a:ext cx="2971800" cy="457200"/>
+          </a:xfrm>
+          <a:prstGeom prst="rect">
+            <a:avLst/>
+          </a:prstGeom>
+        </p:spPr>
+        <p:txBody>
+          <a:bodyPr vert="horz" lIns="91440" tIns="45720" rIns="91440" bIns="45720" rtlCol="0" anchor="b"/>
+          <a:lstStyle>
+            <a:lvl1pPr algn="r">
+              <a:defRPr sz="1200"/>
+            </a:lvl1pPr>
+          </a:lstStyle>
+          <a:p>
+            <a:fld id="{23306545-94D0-4551-8F67-8C4C880D9DA4}" type="slidenum">
+              <a:rPr lang="en-US" smtClean="0"/>
+              <a:t>‹#›</a:t>
+            </a:fld>
+            <a:endParaRPr lang="en-US"/>
+          </a:p>
+        </p:txBody>
+      </p:sp>
+    </p:spTree>
+  </p:cSld>
+  <p:clrMap bg1="lt1" tx1="dk1" bg2="lt2" tx2="dk2" accent1="accent1" accent2="accent2" accent3="accent3" accent4="accent4" accent5="accent5" accent6="accent6" hlink="hlink" folHlink="folHlink"/>
+  <p:notesStyle>
+    <a:lvl1pPr marL="0" algn="l" defTabSz="914400" rtl="0" eaLnBrk="1" latinLnBrk="0" hangingPunct="1">
+      <a:defRPr sz="1200" kern="1200">
+        <a:solidFill>
+          <a:schemeClr val="tx1"/>
+        </a:solidFill>
+        <a:latin typeface="+mn-lt"/>
+        <a:ea typeface="+mn-ea"/>
+        <a:cs typeface="+mn-cs"/>
+      </a:defRPr>
+    </a:lvl1pPr>
+    <a:lvl2pPr marL="457200" algn="l" defTabSz="914400" rtl="0" eaLnBrk="1" latinLnBrk="0" hangingPunct="1">
+      <a:defRPr sz="1200" kern="1200">
+        <a:solidFill>
+          <a:schemeClr val="tx1"/>
+        </a:solidFill>
+        <a:latin typeface="+mn-lt"/>
+        <a:ea typeface="+mn-ea"/>
+        <a:cs typeface="+mn-cs"/>
+      </a:defRPr>
+    </a:lvl2pPr>
+    <a:lvl3pPr marL="914400" algn="l" defTabSz="914400" rtl="0" eaLnBrk="1" latinLnBrk="0" hangingPunct="1">
+      <a:defRPr sz="1200" kern="1200">
+        <a:solidFill>
+          <a:schemeClr val="tx1"/>
+        </a:solidFill>
+        <a:latin typeface="+mn-lt"/>
+        <a:ea typeface="+mn-ea"/>
+        <a:cs typeface="+mn-cs"/>
+      </a:defRPr>
+    </a:lvl3pPr>
+    <a:lvl4pPr marL="1371600" algn="l" defTabSz="914400" rtl="0" eaLnBrk="1" latinLnBrk="0" hangingPunct="1">
+      <a:defRPr sz="1200" kern="1200">
+        <a:solidFill>
+          <a:schemeClr val="tx1"/>
+        </a:solidFill>
+        <a:latin typeface="+mn-lt"/>
+        <a:ea typeface="+mn-ea"/>
+        <a:cs typeface="+mn-cs"/>
+      </a:defRPr>
+    </a:lvl4pPr>
+    <a:lvl5pPr marL="1828800" algn="l" defTabSz="914400" rtl="0" eaLnBrk="1" latinLnBrk="0" hangingPunct="1">
+      <a:defRPr sz="1200" kern="1200">
+        <a:solidFill>
+          <a:schemeClr val="tx1"/>
+        </a:solidFill>
+        <a:latin typeface="+mn-lt"/>
+        <a:ea typeface="+mn-ea"/>
+        <a:cs typeface="+mn-cs"/>
+      </a:defRPr>
+    </a:lvl5pPr>
+    <a:lvl6pPr marL="2286000" algn="l" defTabSz="914400" rtl="0" eaLnBrk="1" latinLnBrk="0" hangingPunct="1">
+      <a:defRPr sz="1200" kern="1200">
+        <a:solidFill>
+          <a:schemeClr val="tx1"/>
+        </a:solidFill>
+        <a:latin typeface="+mn-lt"/>
+        <a:ea typeface="+mn-ea"/>
+        <a:cs typeface="+mn-cs"/>
+      </a:defRPr>
+    </a:lvl6pPr>
+    <a:lvl7pPr marL="2743200" algn="l" defTabSz="914400" rtl="0" eaLnBrk="1" latinLnBrk="0" hangingPunct="1">
+      <a:defRPr sz="1200" kern="1200">
+        <a:solidFill>
+          <a:schemeClr val="tx1"/>
+        </a:solidFill>
+        <a:latin typeface="+mn-lt"/>
+        <a:ea typeface="+mn-ea"/>
+        <a:cs typeface="+mn-cs"/>
+      </a:defRPr>
+    </a:lvl7pPr>
+    <a:lvl8pPr marL="3200400" algn="l" defTabSz="914400" rtl="0" eaLnBrk="1" latinLnBrk="0" hangingPunct="1">
+      <a:defRPr sz="1200" kern="1200">
+        <a:solidFill>
+          <a:schemeClr val="tx1"/>
+        </a:solidFill>
+        <a:latin typeface="+mn-lt"/>
+        <a:ea typeface="+mn-ea"/>
+        <a:cs typeface="+mn-cs"/>
+      </a:defRPr>
+    </a:lvl8pPr>
+    <a:lvl9pPr marL="3657600" algn="l" defTabSz="914400" rtl="0" eaLnBrk="1" latinLnBrk="0" hangingPunct="1">
+      <a:defRPr sz="1200" kern="1200">
+        <a:solidFill>
+          <a:schemeClr val="tx1"/>
+        </a:solidFill>
+        <a:latin typeface="+mn-lt"/>
+        <a:ea typeface="+mn-ea"/>
+        <a:cs typeface="+mn-cs"/>
+      </a:defRPr>
+    </a:lvl9pPr>
+  </p:notesStyle>
+</p:notesMaster>
+</file>
+
+<file path=ppt/notesSlides/notesSlide1.xml><?xml version="1.0" encoding="utf-8"?>
+<p:notes xmlns:a="http://schemas.openxmlformats.org/drawingml/2006/main" xmlns:r="http://schemas.openxmlformats.org/officeDocument/2006/relationships" xmlns:p="http://schemas.openxmlformats.org/presentationml/2006/main">
+  <p:cSld>
+    <p:spTree>
+      <p:nvGrpSpPr>
+        <p:cNvPr id="1" name=""/>
+        <p:cNvGrpSpPr/>
+        <p:nvPr/>
+      </p:nvGrpSpPr>
+      <p:grpSpPr>
+        <a:xfrm>
+          <a:off x="0" y="0"/>
+          <a:ext cx="0" cy="0"/>
+          <a:chOff x="0" y="0"/>
+          <a:chExt cx="0" cy="0"/>
+        </a:xfrm>
+      </p:grpSpPr>
+      <p:sp>
+        <p:nvSpPr>
+          <p:cNvPr id="2" name="Slide Image Placeholder 1"/>
+          <p:cNvSpPr>
+            <a:spLocks noGrp="1" noRot="1" noChangeAspect="1"/>
+          </p:cNvSpPr>
+          <p:nvPr>
+            <p:ph type="sldImg"/>
+          </p:nvPr>
+        </p:nvSpPr>
+        <p:spPr/>
+      </p:sp>
+      <p:sp>
+        <p:nvSpPr>
+          <p:cNvPr id="3" name="Notes Placeholder 2"/>
+          <p:cNvSpPr>
+            <a:spLocks noGrp="1"/>
+          </p:cNvSpPr>
+          <p:nvPr>
+            <p:ph type="body" idx="1"/>
+          </p:nvPr>
+        </p:nvSpPr>
+        <p:spPr/>
+        <p:txBody>
+          <a:bodyPr>
+            <a:normAutofit/>
+          </a:bodyPr>
+          <a:lstStyle/>
+          <a:p>
+            <a:endParaRPr lang="en-US" dirty="0"/>
+          </a:p>
+        </p:txBody>
+      </p:sp>
+      <p:sp>
+        <p:nvSpPr>
+          <p:cNvPr id="4" name="Slide Number Placeholder 3"/>
+          <p:cNvSpPr>
+            <a:spLocks noGrp="1"/>
+          </p:cNvSpPr>
+          <p:nvPr>
+            <p:ph type="sldNum" sz="quarter" idx="10"/>
+          </p:nvPr>
+        </p:nvSpPr>
+        <p:spPr/>
+        <p:txBody>
+          <a:bodyPr/>
+          <a:lstStyle/>
+          <a:p>
+            <a:fld id="{23306545-94D0-4551-8F67-8C4C880D9DA4}" type="slidenum">
+              <a:rPr lang="en-US" smtClean="0"/>
+              <a:t>11</a:t>
+            </a:fld>
+            <a:endParaRPr lang="en-US"/>
+          </a:p>
+        </p:txBody>
+      </p:sp>
+    </p:spTree>
+  </p:cSld>
+  <p:clrMapOvr>
+    <a:masterClrMapping/>
+  </p:clrMapOvr>
+</p:notes>
 </file>
 
 <file path=ppt/slideLayouts/slideLayout1.xml><?xml version="1.0" encoding="utf-8"?>
@@ -4215,6 +4652,158 @@
 </p:sld>
 </file>
 
+<file path=ppt/slides/slide10.xml><?xml version="1.0" encoding="utf-8"?>
+<p:sld xmlns:a="http://schemas.openxmlformats.org/drawingml/2006/main" xmlns:r="http://schemas.openxmlformats.org/officeDocument/2006/relationships" xmlns:p="http://schemas.openxmlformats.org/presentationml/2006/main">
+  <p:cSld>
+    <p:spTree>
+      <p:nvGrpSpPr>
+        <p:cNvPr id="1" name=""/>
+        <p:cNvGrpSpPr/>
+        <p:nvPr/>
+      </p:nvGrpSpPr>
+      <p:grpSpPr>
+        <a:xfrm>
+          <a:off x="0" y="0"/>
+          <a:ext cx="0" cy="0"/>
+          <a:chOff x="0" y="0"/>
+          <a:chExt cx="0" cy="0"/>
+        </a:xfrm>
+      </p:grpSpPr>
+      <p:sp>
+        <p:nvSpPr>
+          <p:cNvPr id="2" name="Title 1"/>
+          <p:cNvSpPr>
+            <a:spLocks noGrp="1"/>
+          </p:cNvSpPr>
+          <p:nvPr>
+            <p:ph type="title"/>
+          </p:nvPr>
+        </p:nvSpPr>
+        <p:spPr/>
+        <p:txBody>
+          <a:bodyPr/>
+          <a:lstStyle/>
+          <a:p>
+            <a:r>
+              <a:rPr lang="en-US" dirty="0" smtClean="0"/>
+              <a:t>Test attack 1 failure</a:t>
+            </a:r>
+            <a:endParaRPr lang="en-US" dirty="0"/>
+          </a:p>
+        </p:txBody>
+      </p:sp>
+      <p:pic>
+        <p:nvPicPr>
+          <p:cNvPr id="8194" name="Picture 2" descr="H:\CSCE315\Project4\Final-Project\toto\StegAttackTest.png"/>
+          <p:cNvPicPr>
+            <a:picLocks noGrp="1" noChangeAspect="1" noChangeArrowheads="1"/>
+          </p:cNvPicPr>
+          <p:nvPr>
+            <p:ph idx="1"/>
+          </p:nvPr>
+        </p:nvPicPr>
+        <p:blipFill>
+          <a:blip r:embed="rId2" cstate="print"/>
+          <a:srcRect/>
+          <a:stretch>
+            <a:fillRect/>
+          </a:stretch>
+        </p:blipFill>
+        <p:spPr bwMode="auto">
+          <a:xfrm>
+            <a:off x="980573" y="2406370"/>
+            <a:ext cx="7182853" cy="4010585"/>
+          </a:xfrm>
+          <a:prstGeom prst="rect">
+            <a:avLst/>
+          </a:prstGeom>
+          <a:noFill/>
+        </p:spPr>
+      </p:pic>
+    </p:spTree>
+  </p:cSld>
+  <p:clrMapOvr>
+    <a:masterClrMapping/>
+  </p:clrMapOvr>
+</p:sld>
+</file>
+
+<file path=ppt/slides/slide11.xml><?xml version="1.0" encoding="utf-8"?>
+<p:sld xmlns:a="http://schemas.openxmlformats.org/drawingml/2006/main" xmlns:r="http://schemas.openxmlformats.org/officeDocument/2006/relationships" xmlns:p="http://schemas.openxmlformats.org/presentationml/2006/main">
+  <p:cSld>
+    <p:spTree>
+      <p:nvGrpSpPr>
+        <p:cNvPr id="1" name=""/>
+        <p:cNvGrpSpPr/>
+        <p:nvPr/>
+      </p:nvGrpSpPr>
+      <p:grpSpPr>
+        <a:xfrm>
+          <a:off x="0" y="0"/>
+          <a:ext cx="0" cy="0"/>
+          <a:chOff x="0" y="0"/>
+          <a:chExt cx="0" cy="0"/>
+        </a:xfrm>
+      </p:grpSpPr>
+      <p:sp>
+        <p:nvSpPr>
+          <p:cNvPr id="2" name="Title 1"/>
+          <p:cNvSpPr>
+            <a:spLocks noGrp="1"/>
+          </p:cNvSpPr>
+          <p:nvPr>
+            <p:ph type="title"/>
+          </p:nvPr>
+        </p:nvSpPr>
+        <p:spPr/>
+        <p:txBody>
+          <a:bodyPr/>
+          <a:lstStyle/>
+          <a:p>
+            <a:r>
+              <a:rPr lang="en-US" dirty="0" smtClean="0"/>
+              <a:t>Test attack 1 success</a:t>
+            </a:r>
+            <a:endParaRPr lang="en-US" dirty="0"/>
+          </a:p>
+        </p:txBody>
+      </p:sp>
+      <p:pic>
+        <p:nvPicPr>
+          <p:cNvPr id="9218" name="Picture 2" descr="H:\CSCE315\Project4\Final-Project\toto\StegAttackTest2.png"/>
+          <p:cNvPicPr>
+            <a:picLocks noGrp="1" noChangeAspect="1" noChangeArrowheads="1"/>
+          </p:cNvPicPr>
+          <p:nvPr>
+            <p:ph idx="1"/>
+          </p:nvPr>
+        </p:nvPicPr>
+        <p:blipFill>
+          <a:blip r:embed="rId3" cstate="print"/>
+          <a:srcRect/>
+          <a:stretch>
+            <a:fillRect/>
+          </a:stretch>
+        </p:blipFill>
+        <p:spPr bwMode="auto">
+          <a:xfrm>
+            <a:off x="990100" y="2415897"/>
+            <a:ext cx="7163800" cy="3991532"/>
+          </a:xfrm>
+          <a:prstGeom prst="rect">
+            <a:avLst/>
+          </a:prstGeom>
+          <a:noFill/>
+        </p:spPr>
+      </p:pic>
+    </p:spTree>
+  </p:cSld>
+  <p:clrMapOvr>
+    <a:masterClrMapping/>
+  </p:clrMapOvr>
+</p:sld>
+</file>
+
 <file path=ppt/slides/slide2.xml><?xml version="1.0" encoding="utf-8"?>
 <p:sld xmlns:a="http://schemas.openxmlformats.org/drawingml/2006/main" xmlns:r="http://schemas.openxmlformats.org/officeDocument/2006/relationships" xmlns:p="http://schemas.openxmlformats.org/presentationml/2006/main">
   <p:cSld>
@@ -4676,6 +5265,328 @@
           </a:p>
         </p:txBody>
       </p:sp>
+    </p:spTree>
+  </p:cSld>
+  <p:clrMapOvr>
+    <a:masterClrMapping/>
+  </p:clrMapOvr>
+</p:sld>
+</file>
+
+<file path=ppt/slides/slide6.xml><?xml version="1.0" encoding="utf-8"?>
+<p:sld xmlns:a="http://schemas.openxmlformats.org/drawingml/2006/main" xmlns:r="http://schemas.openxmlformats.org/officeDocument/2006/relationships" xmlns:p="http://schemas.openxmlformats.org/presentationml/2006/main">
+  <p:cSld>
+    <p:spTree>
+      <p:nvGrpSpPr>
+        <p:cNvPr id="1" name=""/>
+        <p:cNvGrpSpPr/>
+        <p:nvPr/>
+      </p:nvGrpSpPr>
+      <p:grpSpPr>
+        <a:xfrm>
+          <a:off x="0" y="0"/>
+          <a:ext cx="0" cy="0"/>
+          <a:chOff x="0" y="0"/>
+          <a:chExt cx="0" cy="0"/>
+        </a:xfrm>
+      </p:grpSpPr>
+      <p:sp>
+        <p:nvSpPr>
+          <p:cNvPr id="2" name="Title 1"/>
+          <p:cNvSpPr>
+            <a:spLocks noGrp="1"/>
+          </p:cNvSpPr>
+          <p:nvPr>
+            <p:ph type="title"/>
+          </p:nvPr>
+        </p:nvSpPr>
+        <p:spPr/>
+        <p:txBody>
+          <a:bodyPr/>
+          <a:lstStyle/>
+          <a:p>
+            <a:r>
+              <a:rPr lang="en-US" dirty="0" smtClean="0"/>
+              <a:t>Tests</a:t>
+            </a:r>
+            <a:endParaRPr lang="en-US" dirty="0"/>
+          </a:p>
+        </p:txBody>
+      </p:sp>
+      <p:sp>
+        <p:nvSpPr>
+          <p:cNvPr id="3" name="Content Placeholder 2"/>
+          <p:cNvSpPr>
+            <a:spLocks noGrp="1"/>
+          </p:cNvSpPr>
+          <p:nvPr>
+            <p:ph idx="1"/>
+          </p:nvPr>
+        </p:nvSpPr>
+        <p:spPr/>
+        <p:txBody>
+          <a:bodyPr/>
+          <a:lstStyle/>
+          <a:p>
+            <a:r>
+              <a:rPr lang="en-US" dirty="0" smtClean="0"/>
+              <a:t>Test 1: </a:t>
+            </a:r>
+            <a:r>
+              <a:rPr lang="en-US" dirty="0" smtClean="0"/>
+              <a:t>Message embedded and extracted correctly with fixed size?</a:t>
+            </a:r>
+            <a:endParaRPr lang="en-US" dirty="0" smtClean="0"/>
+          </a:p>
+          <a:p>
+            <a:r>
+              <a:rPr lang="en-US" dirty="0" smtClean="0"/>
+              <a:t>Test2: Size embedded correctly?</a:t>
+            </a:r>
+          </a:p>
+          <a:p>
+            <a:r>
+              <a:rPr lang="en-US" dirty="0" smtClean="0"/>
+              <a:t>Test3: Message embedded and extracted correctly using size embedded?</a:t>
+            </a:r>
+          </a:p>
+          <a:p>
+            <a:r>
+              <a:rPr lang="en-US" dirty="0" smtClean="0"/>
+              <a:t>Test4: Message is not the same as before the attack?</a:t>
+            </a:r>
+            <a:endParaRPr lang="en-US" dirty="0"/>
+          </a:p>
+        </p:txBody>
+      </p:sp>
+    </p:spTree>
+  </p:cSld>
+  <p:clrMapOvr>
+    <a:masterClrMapping/>
+  </p:clrMapOvr>
+</p:sld>
+</file>
+
+<file path=ppt/slides/slide7.xml><?xml version="1.0" encoding="utf-8"?>
+<p:sld xmlns:a="http://schemas.openxmlformats.org/drawingml/2006/main" xmlns:r="http://schemas.openxmlformats.org/officeDocument/2006/relationships" xmlns:p="http://schemas.openxmlformats.org/presentationml/2006/main">
+  <p:cSld>
+    <p:spTree>
+      <p:nvGrpSpPr>
+        <p:cNvPr id="1" name=""/>
+        <p:cNvGrpSpPr/>
+        <p:nvPr/>
+      </p:nvGrpSpPr>
+      <p:grpSpPr>
+        <a:xfrm>
+          <a:off x="0" y="0"/>
+          <a:ext cx="0" cy="0"/>
+          <a:chOff x="0" y="0"/>
+          <a:chExt cx="0" cy="0"/>
+        </a:xfrm>
+      </p:grpSpPr>
+      <p:sp>
+        <p:nvSpPr>
+          <p:cNvPr id="2" name="Title 1"/>
+          <p:cNvSpPr>
+            <a:spLocks noGrp="1"/>
+          </p:cNvSpPr>
+          <p:nvPr>
+            <p:ph type="title"/>
+          </p:nvPr>
+        </p:nvSpPr>
+        <p:spPr/>
+        <p:txBody>
+          <a:bodyPr/>
+          <a:lstStyle/>
+          <a:p>
+            <a:r>
+              <a:rPr lang="en-US" dirty="0" smtClean="0"/>
+              <a:t>Initial Failures</a:t>
+            </a:r>
+            <a:endParaRPr lang="en-US" dirty="0"/>
+          </a:p>
+        </p:txBody>
+      </p:sp>
+      <p:pic>
+        <p:nvPicPr>
+          <p:cNvPr id="5122" name="Picture 2" descr="H:\CSCE315\Project4\Final-Project\toto\StegEmbTest.png"/>
+          <p:cNvPicPr>
+            <a:picLocks noGrp="1" noChangeAspect="1" noChangeArrowheads="1"/>
+          </p:cNvPicPr>
+          <p:nvPr>
+            <p:ph idx="1"/>
+          </p:nvPr>
+        </p:nvPicPr>
+        <p:blipFill>
+          <a:blip r:embed="rId2" cstate="print"/>
+          <a:srcRect/>
+          <a:stretch>
+            <a:fillRect/>
+          </a:stretch>
+        </p:blipFill>
+        <p:spPr bwMode="auto">
+          <a:xfrm>
+            <a:off x="1409258" y="2415897"/>
+            <a:ext cx="6325483" cy="3991532"/>
+          </a:xfrm>
+          <a:prstGeom prst="rect">
+            <a:avLst/>
+          </a:prstGeom>
+          <a:noFill/>
+        </p:spPr>
+      </p:pic>
+    </p:spTree>
+  </p:cSld>
+  <p:clrMapOvr>
+    <a:masterClrMapping/>
+  </p:clrMapOvr>
+</p:sld>
+</file>
+
+<file path=ppt/slides/slide8.xml><?xml version="1.0" encoding="utf-8"?>
+<p:sld xmlns:a="http://schemas.openxmlformats.org/drawingml/2006/main" xmlns:r="http://schemas.openxmlformats.org/officeDocument/2006/relationships" xmlns:p="http://schemas.openxmlformats.org/presentationml/2006/main">
+  <p:cSld>
+    <p:spTree>
+      <p:nvGrpSpPr>
+        <p:cNvPr id="1" name=""/>
+        <p:cNvGrpSpPr/>
+        <p:nvPr/>
+      </p:nvGrpSpPr>
+      <p:grpSpPr>
+        <a:xfrm>
+          <a:off x="0" y="0"/>
+          <a:ext cx="0" cy="0"/>
+          <a:chOff x="0" y="0"/>
+          <a:chExt cx="0" cy="0"/>
+        </a:xfrm>
+      </p:grpSpPr>
+      <p:sp>
+        <p:nvSpPr>
+          <p:cNvPr id="2" name="Title 1"/>
+          <p:cNvSpPr>
+            <a:spLocks noGrp="1"/>
+          </p:cNvSpPr>
+          <p:nvPr>
+            <p:ph type="title"/>
+          </p:nvPr>
+        </p:nvSpPr>
+        <p:spPr/>
+        <p:txBody>
+          <a:bodyPr/>
+          <a:lstStyle/>
+          <a:p>
+            <a:r>
+              <a:rPr lang="en-US" dirty="0" smtClean="0"/>
+              <a:t>Test 1 success</a:t>
+            </a:r>
+            <a:endParaRPr lang="en-US" dirty="0"/>
+          </a:p>
+        </p:txBody>
+      </p:sp>
+      <p:pic>
+        <p:nvPicPr>
+          <p:cNvPr id="6146" name="Picture 2" descr="H:\CSCE315\Project4\Final-Project\toto\StegEmbTest2.png"/>
+          <p:cNvPicPr>
+            <a:picLocks noGrp="1" noChangeAspect="1" noChangeArrowheads="1"/>
+          </p:cNvPicPr>
+          <p:nvPr>
+            <p:ph idx="1"/>
+          </p:nvPr>
+        </p:nvPicPr>
+        <p:blipFill>
+          <a:blip r:embed="rId2" cstate="print"/>
+          <a:srcRect/>
+          <a:stretch>
+            <a:fillRect/>
+          </a:stretch>
+        </p:blipFill>
+        <p:spPr bwMode="auto">
+          <a:xfrm>
+            <a:off x="1409258" y="2415897"/>
+            <a:ext cx="6325483" cy="3991532"/>
+          </a:xfrm>
+          <a:prstGeom prst="rect">
+            <a:avLst/>
+          </a:prstGeom>
+          <a:noFill/>
+        </p:spPr>
+      </p:pic>
+    </p:spTree>
+  </p:cSld>
+  <p:clrMapOvr>
+    <a:masterClrMapping/>
+  </p:clrMapOvr>
+</p:sld>
+</file>
+
+<file path=ppt/slides/slide9.xml><?xml version="1.0" encoding="utf-8"?>
+<p:sld xmlns:a="http://schemas.openxmlformats.org/drawingml/2006/main" xmlns:r="http://schemas.openxmlformats.org/officeDocument/2006/relationships" xmlns:p="http://schemas.openxmlformats.org/presentationml/2006/main">
+  <p:cSld>
+    <p:spTree>
+      <p:nvGrpSpPr>
+        <p:cNvPr id="1" name=""/>
+        <p:cNvGrpSpPr/>
+        <p:nvPr/>
+      </p:nvGrpSpPr>
+      <p:grpSpPr>
+        <a:xfrm>
+          <a:off x="0" y="0"/>
+          <a:ext cx="0" cy="0"/>
+          <a:chOff x="0" y="0"/>
+          <a:chExt cx="0" cy="0"/>
+        </a:xfrm>
+      </p:grpSpPr>
+      <p:sp>
+        <p:nvSpPr>
+          <p:cNvPr id="2" name="Title 1"/>
+          <p:cNvSpPr>
+            <a:spLocks noGrp="1"/>
+          </p:cNvSpPr>
+          <p:nvPr>
+            <p:ph type="title"/>
+          </p:nvPr>
+        </p:nvSpPr>
+        <p:spPr/>
+        <p:txBody>
+          <a:bodyPr/>
+          <a:lstStyle/>
+          <a:p>
+            <a:r>
+              <a:rPr lang="en-US" dirty="0" smtClean="0"/>
+              <a:t>Test 2 and 3 success</a:t>
+            </a:r>
+            <a:endParaRPr lang="en-US" dirty="0"/>
+          </a:p>
+        </p:txBody>
+      </p:sp>
+      <p:pic>
+        <p:nvPicPr>
+          <p:cNvPr id="7170" name="Picture 2" descr="H:\CSCE315\Project4\Final-Project\toto\StegEmbTest3.png"/>
+          <p:cNvPicPr>
+            <a:picLocks noGrp="1" noChangeAspect="1" noChangeArrowheads="1"/>
+          </p:cNvPicPr>
+          <p:nvPr>
+            <p:ph idx="1"/>
+          </p:nvPr>
+        </p:nvPicPr>
+        <p:blipFill>
+          <a:blip r:embed="rId2" cstate="print"/>
+          <a:srcRect/>
+          <a:stretch>
+            <a:fillRect/>
+          </a:stretch>
+        </p:blipFill>
+        <p:spPr bwMode="auto">
+          <a:xfrm>
+            <a:off x="1428632" y="2249488"/>
+            <a:ext cx="6286735" cy="4324350"/>
+          </a:xfrm>
+          <a:prstGeom prst="rect">
+            <a:avLst/>
+          </a:prstGeom>
+          <a:noFill/>
+        </p:spPr>
+      </p:pic>
     </p:spTree>
   </p:cSld>
   <p:clrMapOvr>
@@ -4962,4 +5873,287 @@
   <a:objectDefaults/>
   <a:extraClrSchemeLst/>
 </a:theme>
+</file>
+
+<file path=ppt/theme/theme2.xml><?xml version="1.0" encoding="utf-8"?>
+<a:theme xmlns:a="http://schemas.openxmlformats.org/drawingml/2006/main" name="Office Theme">
+  <a:themeElements>
+    <a:clrScheme name="Office">
+      <a:dk1>
+        <a:sysClr val="windowText" lastClr="000000"/>
+      </a:dk1>
+      <a:lt1>
+        <a:sysClr val="window" lastClr="FFFFFF"/>
+      </a:lt1>
+      <a:dk2>
+        <a:srgbClr val="1F497D"/>
+      </a:dk2>
+      <a:lt2>
+        <a:srgbClr val="EEECE1"/>
+      </a:lt2>
+      <a:accent1>
+        <a:srgbClr val="4F81BD"/>
+      </a:accent1>
+      <a:accent2>
+        <a:srgbClr val="C0504D"/>
+      </a:accent2>
+      <a:accent3>
+        <a:srgbClr val="9BBB59"/>
+      </a:accent3>
+      <a:accent4>
+        <a:srgbClr val="8064A2"/>
+      </a:accent4>
+      <a:accent5>
+        <a:srgbClr val="4BACC6"/>
+      </a:accent5>
+      <a:accent6>
+        <a:srgbClr val="F79646"/>
+      </a:accent6>
+      <a:hlink>
+        <a:srgbClr val="0000FF"/>
+      </a:hlink>
+      <a:folHlink>
+        <a:srgbClr val="800080"/>
+      </a:folHlink>
+    </a:clrScheme>
+    <a:fontScheme name="Office">
+      <a:majorFont>
+        <a:latin typeface="Calibri"/>
+        <a:ea typeface=""/>
+        <a:cs typeface=""/>
+        <a:font script="Jpan" typeface="ＭＳ Ｐゴシック"/>
+        <a:font script="Hang" typeface="맑은 고딕"/>
+        <a:font script="Hans" typeface="宋体"/>
+        <a:font script="Hant" typeface="新細明體"/>
+        <a:font script="Arab" typeface="Times New Roman"/>
+        <a:font script="Hebr" typeface="Times New Roman"/>
+        <a:font script="Thai" typeface="Angsana New"/>
+        <a:font script="Ethi" typeface="Nyala"/>
+        <a:font script="Beng" typeface="Vrinda"/>
+        <a:font script="Gujr" typeface="Shruti"/>
+        <a:font script="Khmr" typeface="MoolBoran"/>
+        <a:font script="Knda" typeface="Tunga"/>
+        <a:font script="Guru" typeface="Raavi"/>
+        <a:font script="Cans" typeface="Euphemia"/>
+        <a:font script="Cher" typeface="Plantagenet Cherokee"/>
+        <a:font script="Yiii" typeface="Microsoft Yi Baiti"/>
+        <a:font script="Tibt" typeface="Microsoft Himalaya"/>
+        <a:font script="Thaa" typeface="MV Boli"/>
+        <a:font script="Deva" typeface="Mangal"/>
+        <a:font script="Telu" typeface="Gautami"/>
+        <a:font script="Taml" typeface="Latha"/>
+        <a:font script="Syrc" typeface="Estrangelo Edessa"/>
+        <a:font script="Orya" typeface="Kalinga"/>
+        <a:font script="Mlym" typeface="Kartika"/>
+        <a:font script="Laoo" typeface="DokChampa"/>
+        <a:font script="Sinh" typeface="Iskoola Pota"/>
+        <a:font script="Mong" typeface="Mongolian Baiti"/>
+        <a:font script="Viet" typeface="Times New Roman"/>
+        <a:font script="Uigh" typeface="Microsoft Uighur"/>
+      </a:majorFont>
+      <a:minorFont>
+        <a:latin typeface="Calibri"/>
+        <a:ea typeface=""/>
+        <a:cs typeface=""/>
+        <a:font script="Jpan" typeface="ＭＳ Ｐゴシック"/>
+        <a:font script="Hang" typeface="맑은 고딕"/>
+        <a:font script="Hans" typeface="宋体"/>
+        <a:font script="Hant" typeface="新細明體"/>
+        <a:font script="Arab" typeface="Arial"/>
+        <a:font script="Hebr" typeface="Arial"/>
+        <a:font script="Thai" typeface="Cordia New"/>
+        <a:font script="Ethi" typeface="Nyala"/>
+        <a:font script="Beng" typeface="Vrinda"/>
+        <a:font script="Gujr" typeface="Shruti"/>
+        <a:font script="Khmr" typeface="DaunPenh"/>
+        <a:font script="Knda" typeface="Tunga"/>
+        <a:font script="Guru" typeface="Raavi"/>
+        <a:font script="Cans" typeface="Euphemia"/>
+        <a:font script="Cher" typeface="Plantagenet Cherokee"/>
+        <a:font script="Yiii" typeface="Microsoft Yi Baiti"/>
+        <a:font script="Tibt" typeface="Microsoft Himalaya"/>
+        <a:font script="Thaa" typeface="MV Boli"/>
+        <a:font script="Deva" typeface="Mangal"/>
+        <a:font script="Telu" typeface="Gautami"/>
+        <a:font script="Taml" typeface="Latha"/>
+        <a:font script="Syrc" typeface="Estrangelo Edessa"/>
+        <a:font script="Orya" typeface="Kalinga"/>
+        <a:font script="Mlym" typeface="Kartika"/>
+        <a:font script="Laoo" typeface="DokChampa"/>
+        <a:font script="Sinh" typeface="Iskoola Pota"/>
+        <a:font script="Mong" typeface="Mongolian Baiti"/>
+        <a:font script="Viet" typeface="Arial"/>
+        <a:font script="Uigh" typeface="Microsoft Uighur"/>
+      </a:minorFont>
+    </a:fontScheme>
+    <a:fmtScheme name="Office">
+      <a:fillStyleLst>
+        <a:solidFill>
+          <a:schemeClr val="phClr"/>
+        </a:solidFill>
+        <a:gradFill rotWithShape="1">
+          <a:gsLst>
+            <a:gs pos="0">
+              <a:schemeClr val="phClr">
+                <a:tint val="50000"/>
+                <a:satMod val="300000"/>
+              </a:schemeClr>
+            </a:gs>
+            <a:gs pos="35000">
+              <a:schemeClr val="phClr">
+                <a:tint val="37000"/>
+                <a:satMod val="300000"/>
+              </a:schemeClr>
+            </a:gs>
+            <a:gs pos="100000">
+              <a:schemeClr val="phClr">
+                <a:tint val="15000"/>
+                <a:satMod val="350000"/>
+              </a:schemeClr>
+            </a:gs>
+          </a:gsLst>
+          <a:lin ang="16200000" scaled="1"/>
+        </a:gradFill>
+        <a:gradFill rotWithShape="1">
+          <a:gsLst>
+            <a:gs pos="0">
+              <a:schemeClr val="phClr">
+                <a:shade val="51000"/>
+                <a:satMod val="130000"/>
+              </a:schemeClr>
+            </a:gs>
+            <a:gs pos="80000">
+              <a:schemeClr val="phClr">
+                <a:shade val="93000"/>
+                <a:satMod val="130000"/>
+              </a:schemeClr>
+            </a:gs>
+            <a:gs pos="100000">
+              <a:schemeClr val="phClr">
+                <a:shade val="94000"/>
+                <a:satMod val="135000"/>
+              </a:schemeClr>
+            </a:gs>
+          </a:gsLst>
+          <a:lin ang="16200000" scaled="0"/>
+        </a:gradFill>
+      </a:fillStyleLst>
+      <a:lnStyleLst>
+        <a:ln w="9525" cap="flat" cmpd="sng" algn="ctr">
+          <a:solidFill>
+            <a:schemeClr val="phClr">
+              <a:shade val="95000"/>
+              <a:satMod val="105000"/>
+            </a:schemeClr>
+          </a:solidFill>
+          <a:prstDash val="solid"/>
+        </a:ln>
+        <a:ln w="25400" cap="flat" cmpd="sng" algn="ctr">
+          <a:solidFill>
+            <a:schemeClr val="phClr"/>
+          </a:solidFill>
+          <a:prstDash val="solid"/>
+        </a:ln>
+        <a:ln w="38100" cap="flat" cmpd="sng" algn="ctr">
+          <a:solidFill>
+            <a:schemeClr val="phClr"/>
+          </a:solidFill>
+          <a:prstDash val="solid"/>
+        </a:ln>
+      </a:lnStyleLst>
+      <a:effectStyleLst>
+        <a:effectStyle>
+          <a:effectLst>
+            <a:outerShdw blurRad="40000" dist="20000" dir="5400000" rotWithShape="0">
+              <a:srgbClr val="000000">
+                <a:alpha val="38000"/>
+              </a:srgbClr>
+            </a:outerShdw>
+          </a:effectLst>
+        </a:effectStyle>
+        <a:effectStyle>
+          <a:effectLst>
+            <a:outerShdw blurRad="40000" dist="23000" dir="5400000" rotWithShape="0">
+              <a:srgbClr val="000000">
+                <a:alpha val="35000"/>
+              </a:srgbClr>
+            </a:outerShdw>
+          </a:effectLst>
+        </a:effectStyle>
+        <a:effectStyle>
+          <a:effectLst>
+            <a:outerShdw blurRad="40000" dist="23000" dir="5400000" rotWithShape="0">
+              <a:srgbClr val="000000">
+                <a:alpha val="35000"/>
+              </a:srgbClr>
+            </a:outerShdw>
+          </a:effectLst>
+          <a:scene3d>
+            <a:camera prst="orthographicFront">
+              <a:rot lat="0" lon="0" rev="0"/>
+            </a:camera>
+            <a:lightRig rig="threePt" dir="t">
+              <a:rot lat="0" lon="0" rev="1200000"/>
+            </a:lightRig>
+          </a:scene3d>
+          <a:sp3d>
+            <a:bevelT w="63500" h="25400"/>
+          </a:sp3d>
+        </a:effectStyle>
+      </a:effectStyleLst>
+      <a:bgFillStyleLst>
+        <a:solidFill>
+          <a:schemeClr val="phClr"/>
+        </a:solidFill>
+        <a:gradFill rotWithShape="1">
+          <a:gsLst>
+            <a:gs pos="0">
+              <a:schemeClr val="phClr">
+                <a:tint val="40000"/>
+                <a:satMod val="350000"/>
+              </a:schemeClr>
+            </a:gs>
+            <a:gs pos="40000">
+              <a:schemeClr val="phClr">
+                <a:tint val="45000"/>
+                <a:shade val="99000"/>
+                <a:satMod val="350000"/>
+              </a:schemeClr>
+            </a:gs>
+            <a:gs pos="100000">
+              <a:schemeClr val="phClr">
+                <a:shade val="20000"/>
+                <a:satMod val="255000"/>
+              </a:schemeClr>
+            </a:gs>
+          </a:gsLst>
+          <a:path path="circle">
+            <a:fillToRect l="50000" t="-80000" r="50000" b="180000"/>
+          </a:path>
+        </a:gradFill>
+        <a:gradFill rotWithShape="1">
+          <a:gsLst>
+            <a:gs pos="0">
+              <a:schemeClr val="phClr">
+                <a:tint val="80000"/>
+                <a:satMod val="300000"/>
+              </a:schemeClr>
+            </a:gs>
+            <a:gs pos="100000">
+              <a:schemeClr val="phClr">
+                <a:shade val="30000"/>
+                <a:satMod val="200000"/>
+              </a:schemeClr>
+            </a:gs>
+          </a:gsLst>
+          <a:path path="circle">
+            <a:fillToRect l="50000" t="50000" r="50000" b="50000"/>
+          </a:path>
+        </a:gradFill>
+      </a:bgFillStyleLst>
+    </a:fmtScheme>
+  </a:themeElements>
+  <a:objectDefaults/>
+  <a:extraClrSchemeLst/>
+</a:theme>
 </file>
--- a/FinalPresentation.pptx
+++ b/FinalPresentation.pptx
@@ -1,38 +1,435 @@
 
 <file path=ppt/presentation.xml><?xml version="1.0" encoding="utf-8"?>
-<p:presentation xmlns:a="http://schemas.openxmlformats.org/drawingml/2006/main" xmlns:p="http://schemas.openxmlformats.org/presentationml/2006/main" xmlns:r="http://schemas.openxmlformats.org/officeDocument/2006/relationships">
+<p:presentation xmlns:a="http://schemas.openxmlformats.org/drawingml/2006/main" xmlns:r="http://schemas.openxmlformats.org/officeDocument/2006/relationships" xmlns:p="http://schemas.openxmlformats.org/presentationml/2006/main">
   <p:sldMasterIdLst>
-    <p:sldMasterId id="2147483648" r:id="rId2"/>
-    <p:sldMasterId id="2147483661" r:id="rId3"/>
+    <p:sldMasterId id="2147483648" r:id="rId1"/>
+    <p:sldMasterId id="2147483661" r:id="rId2"/>
   </p:sldMasterIdLst>
   <p:notesMasterIdLst>
-    <p:notesMasterId r:id="rId4"/>
+    <p:notesMasterId r:id="rId29"/>
   </p:notesMasterIdLst>
   <p:sldIdLst>
-    <p:sldId id="256" r:id="rId5"/>
-    <p:sldId id="257" r:id="rId6"/>
-    <p:sldId id="258" r:id="rId7"/>
-    <p:sldId id="259" r:id="rId8"/>
-    <p:sldId id="260" r:id="rId9"/>
-    <p:sldId id="261" r:id="rId10"/>
-    <p:sldId id="262" r:id="rId11"/>
-    <p:sldId id="263" r:id="rId12"/>
-    <p:sldId id="264" r:id="rId13"/>
-    <p:sldId id="265" r:id="rId14"/>
-    <p:sldId id="266" r:id="rId15"/>
-    <p:sldId id="267" r:id="rId16"/>
-    <p:sldId id="268" r:id="rId17"/>
-    <p:sldId id="269" r:id="rId18"/>
-    <p:sldId id="270" r:id="rId19"/>
-    <p:sldId id="271" r:id="rId20"/>
+    <p:sldId id="256" r:id="rId3"/>
+    <p:sldId id="257" r:id="rId4"/>
+    <p:sldId id="258" r:id="rId5"/>
+    <p:sldId id="259" r:id="rId6"/>
+    <p:sldId id="260" r:id="rId7"/>
+    <p:sldId id="261" r:id="rId8"/>
+    <p:sldId id="262" r:id="rId9"/>
+    <p:sldId id="263" r:id="rId10"/>
+    <p:sldId id="264" r:id="rId11"/>
+    <p:sldId id="265" r:id="rId12"/>
+    <p:sldId id="266" r:id="rId13"/>
+    <p:sldId id="267" r:id="rId14"/>
+    <p:sldId id="268" r:id="rId15"/>
+    <p:sldId id="269" r:id="rId16"/>
+    <p:sldId id="274" r:id="rId17"/>
+    <p:sldId id="275" r:id="rId18"/>
+    <p:sldId id="277" r:id="rId19"/>
+    <p:sldId id="278" r:id="rId20"/>
+    <p:sldId id="279" r:id="rId21"/>
+    <p:sldId id="280" r:id="rId22"/>
+    <p:sldId id="281" r:id="rId23"/>
+    <p:sldId id="282" r:id="rId24"/>
+    <p:sldId id="270" r:id="rId25"/>
+    <p:sldId id="272" r:id="rId26"/>
+    <p:sldId id="273" r:id="rId27"/>
+    <p:sldId id="271" r:id="rId28"/>
   </p:sldIdLst>
-  <p:sldSz cx="9144000" cy="6858000"/>
+  <p:sldSz cx="9144000" cy="6858000" type="screen4x3"/>
   <p:notesSz cx="6858000" cy="9144000"/>
+  <p:defaultTextStyle>
+    <a:defPPr>
+      <a:defRPr lang="en-US"/>
+    </a:defPPr>
+    <a:lvl1pPr marL="0" algn="l" defTabSz="914400" rtl="0" eaLnBrk="1" latinLnBrk="0" hangingPunct="1">
+      <a:defRPr sz="1800" kern="1200">
+        <a:solidFill>
+          <a:schemeClr val="tx1"/>
+        </a:solidFill>
+        <a:latin typeface="+mn-lt"/>
+        <a:ea typeface="+mn-ea"/>
+        <a:cs typeface="+mn-cs"/>
+      </a:defRPr>
+    </a:lvl1pPr>
+    <a:lvl2pPr marL="457200" algn="l" defTabSz="914400" rtl="0" eaLnBrk="1" latinLnBrk="0" hangingPunct="1">
+      <a:defRPr sz="1800" kern="1200">
+        <a:solidFill>
+          <a:schemeClr val="tx1"/>
+        </a:solidFill>
+        <a:latin typeface="+mn-lt"/>
+        <a:ea typeface="+mn-ea"/>
+        <a:cs typeface="+mn-cs"/>
+      </a:defRPr>
+    </a:lvl2pPr>
+    <a:lvl3pPr marL="914400" algn="l" defTabSz="914400" rtl="0" eaLnBrk="1" latinLnBrk="0" hangingPunct="1">
+      <a:defRPr sz="1800" kern="1200">
+        <a:solidFill>
+          <a:schemeClr val="tx1"/>
+        </a:solidFill>
+        <a:latin typeface="+mn-lt"/>
+        <a:ea typeface="+mn-ea"/>
+        <a:cs typeface="+mn-cs"/>
+      </a:defRPr>
+    </a:lvl3pPr>
+    <a:lvl4pPr marL="1371600" algn="l" defTabSz="914400" rtl="0" eaLnBrk="1" latinLnBrk="0" hangingPunct="1">
+      <a:defRPr sz="1800" kern="1200">
+        <a:solidFill>
+          <a:schemeClr val="tx1"/>
+        </a:solidFill>
+        <a:latin typeface="+mn-lt"/>
+        <a:ea typeface="+mn-ea"/>
+        <a:cs typeface="+mn-cs"/>
+      </a:defRPr>
+    </a:lvl4pPr>
+    <a:lvl5pPr marL="1828800" algn="l" defTabSz="914400" rtl="0" eaLnBrk="1" latinLnBrk="0" hangingPunct="1">
+      <a:defRPr sz="1800" kern="1200">
+        <a:solidFill>
+          <a:schemeClr val="tx1"/>
+        </a:solidFill>
+        <a:latin typeface="+mn-lt"/>
+        <a:ea typeface="+mn-ea"/>
+        <a:cs typeface="+mn-cs"/>
+      </a:defRPr>
+    </a:lvl5pPr>
+    <a:lvl6pPr marL="2286000" algn="l" defTabSz="914400" rtl="0" eaLnBrk="1" latinLnBrk="0" hangingPunct="1">
+      <a:defRPr sz="1800" kern="1200">
+        <a:solidFill>
+          <a:schemeClr val="tx1"/>
+        </a:solidFill>
+        <a:latin typeface="+mn-lt"/>
+        <a:ea typeface="+mn-ea"/>
+        <a:cs typeface="+mn-cs"/>
+      </a:defRPr>
+    </a:lvl6pPr>
+    <a:lvl7pPr marL="2743200" algn="l" defTabSz="914400" rtl="0" eaLnBrk="1" latinLnBrk="0" hangingPunct="1">
+      <a:defRPr sz="1800" kern="1200">
+        <a:solidFill>
+          <a:schemeClr val="tx1"/>
+        </a:solidFill>
+        <a:latin typeface="+mn-lt"/>
+        <a:ea typeface="+mn-ea"/>
+        <a:cs typeface="+mn-cs"/>
+      </a:defRPr>
+    </a:lvl7pPr>
+    <a:lvl8pPr marL="3200400" algn="l" defTabSz="914400" rtl="0" eaLnBrk="1" latinLnBrk="0" hangingPunct="1">
+      <a:defRPr sz="1800" kern="1200">
+        <a:solidFill>
+          <a:schemeClr val="tx1"/>
+        </a:solidFill>
+        <a:latin typeface="+mn-lt"/>
+        <a:ea typeface="+mn-ea"/>
+        <a:cs typeface="+mn-cs"/>
+      </a:defRPr>
+    </a:lvl8pPr>
+    <a:lvl9pPr marL="3657600" algn="l" defTabSz="914400" rtl="0" eaLnBrk="1" latinLnBrk="0" hangingPunct="1">
+      <a:defRPr sz="1800" kern="1200">
+        <a:solidFill>
+          <a:schemeClr val="tx1"/>
+        </a:solidFill>
+        <a:latin typeface="+mn-lt"/>
+        <a:ea typeface="+mn-ea"/>
+        <a:cs typeface="+mn-cs"/>
+      </a:defRPr>
+    </a:lvl9pPr>
+  </p:defaultTextStyle>
 </p:presentation>
 </file>
 
 <file path=ppt/notesMasters/notesMaster1.xml><?xml version="1.0" encoding="utf-8"?>
-<p:notesMaster xmlns:a="http://schemas.openxmlformats.org/drawingml/2006/main" xmlns:p="http://schemas.openxmlformats.org/presentationml/2006/main" xmlns:r="http://schemas.openxmlformats.org/officeDocument/2006/relationships">
+<p:notesMaster xmlns:a="http://schemas.openxmlformats.org/drawingml/2006/main" xmlns:r="http://schemas.openxmlformats.org/officeDocument/2006/relationships" xmlns:p="http://schemas.openxmlformats.org/presentationml/2006/main">
+  <p:cSld>
+    <p:bg>
+      <p:bgRef idx="1001">
+        <a:schemeClr val="bg1"/>
+      </p:bgRef>
+    </p:bg>
+    <p:spTree>
+      <p:nvGrpSpPr>
+        <p:cNvPr id="1" name=""/>
+        <p:cNvGrpSpPr/>
+        <p:nvPr/>
+      </p:nvGrpSpPr>
+      <p:grpSpPr>
+        <a:xfrm>
+          <a:off x="0" y="0"/>
+          <a:ext cx="0" cy="0"/>
+          <a:chOff x="0" y="0"/>
+          <a:chExt cx="0" cy="0"/>
+        </a:xfrm>
+      </p:grpSpPr>
+      <p:sp>
+        <p:nvSpPr>
+          <p:cNvPr id="115" name="PlaceHolder 1"/>
+          <p:cNvSpPr>
+            <a:spLocks noGrp="1"/>
+          </p:cNvSpPr>
+          <p:nvPr>
+            <p:ph type="body"/>
+          </p:nvPr>
+        </p:nvSpPr>
+        <p:spPr>
+          <a:xfrm>
+            <a:off x="777240" y="4777560"/>
+            <a:ext cx="6217560" cy="4525920"/>
+          </a:xfrm>
+          <a:prstGeom prst="rect">
+            <a:avLst/>
+          </a:prstGeom>
+        </p:spPr>
+        <p:txBody>
+          <a:bodyPr lIns="0" tIns="0" rIns="0" bIns="0"/>
+          <a:lstStyle/>
+          <a:p>
+            <a:r>
+              <a:rPr lang="en-US" sz="2000">
+                <a:latin typeface="Arial"/>
+              </a:rPr>
+              <a:t>Click to edit the notes format</a:t>
+            </a:r>
+            <a:endParaRPr/>
+          </a:p>
+        </p:txBody>
+      </p:sp>
+      <p:sp>
+        <p:nvSpPr>
+          <p:cNvPr id="116" name="PlaceHolder 2"/>
+          <p:cNvSpPr>
+            <a:spLocks noGrp="1"/>
+          </p:cNvSpPr>
+          <p:nvPr>
+            <p:ph type="hdr"/>
+          </p:nvPr>
+        </p:nvSpPr>
+        <p:spPr>
+          <a:xfrm>
+            <a:off x="0" y="0"/>
+            <a:ext cx="3372840" cy="502560"/>
+          </a:xfrm>
+          <a:prstGeom prst="rect">
+            <a:avLst/>
+          </a:prstGeom>
+        </p:spPr>
+        <p:txBody>
+          <a:bodyPr lIns="0" tIns="0" rIns="0" bIns="0"/>
+          <a:lstStyle/>
+          <a:p>
+            <a:r>
+              <a:rPr lang="en-US" sz="1400">
+                <a:latin typeface="Times New Roman"/>
+              </a:rPr>
+              <a:t>&lt;header&gt;</a:t>
+            </a:r>
+            <a:endParaRPr/>
+          </a:p>
+        </p:txBody>
+      </p:sp>
+      <p:sp>
+        <p:nvSpPr>
+          <p:cNvPr id="117" name="PlaceHolder 3"/>
+          <p:cNvSpPr>
+            <a:spLocks noGrp="1"/>
+          </p:cNvSpPr>
+          <p:nvPr>
+            <p:ph type="dt"/>
+          </p:nvPr>
+        </p:nvSpPr>
+        <p:spPr>
+          <a:xfrm>
+            <a:off x="4399200" y="0"/>
+            <a:ext cx="3372840" cy="502560"/>
+          </a:xfrm>
+          <a:prstGeom prst="rect">
+            <a:avLst/>
+          </a:prstGeom>
+        </p:spPr>
+        <p:txBody>
+          <a:bodyPr lIns="0" tIns="0" rIns="0" bIns="0"/>
+          <a:lstStyle/>
+          <a:p>
+            <a:pPr algn="r"/>
+            <a:r>
+              <a:rPr lang="en-US" sz="1400">
+                <a:latin typeface="Times New Roman"/>
+              </a:rPr>
+              <a:t>&lt;date/time&gt;</a:t>
+            </a:r>
+            <a:endParaRPr/>
+          </a:p>
+        </p:txBody>
+      </p:sp>
+      <p:sp>
+        <p:nvSpPr>
+          <p:cNvPr id="118" name="PlaceHolder 4"/>
+          <p:cNvSpPr>
+            <a:spLocks noGrp="1"/>
+          </p:cNvSpPr>
+          <p:nvPr>
+            <p:ph type="ftr"/>
+          </p:nvPr>
+        </p:nvSpPr>
+        <p:spPr>
+          <a:xfrm>
+            <a:off x="0" y="9555480"/>
+            <a:ext cx="3372840" cy="502560"/>
+          </a:xfrm>
+          <a:prstGeom prst="rect">
+            <a:avLst/>
+          </a:prstGeom>
+        </p:spPr>
+        <p:txBody>
+          <a:bodyPr lIns="0" tIns="0" rIns="0" bIns="0" anchor="b"/>
+          <a:lstStyle/>
+          <a:p>
+            <a:r>
+              <a:rPr lang="en-US" sz="1400">
+                <a:latin typeface="Times New Roman"/>
+              </a:rPr>
+              <a:t>&lt;footer&gt;</a:t>
+            </a:r>
+            <a:endParaRPr/>
+          </a:p>
+        </p:txBody>
+      </p:sp>
+      <p:sp>
+        <p:nvSpPr>
+          <p:cNvPr id="119" name="PlaceHolder 5"/>
+          <p:cNvSpPr>
+            <a:spLocks noGrp="1"/>
+          </p:cNvSpPr>
+          <p:nvPr>
+            <p:ph type="sldNum"/>
+          </p:nvPr>
+        </p:nvSpPr>
+        <p:spPr>
+          <a:xfrm>
+            <a:off x="4399200" y="9555480"/>
+            <a:ext cx="3372840" cy="502560"/>
+          </a:xfrm>
+          <a:prstGeom prst="rect">
+            <a:avLst/>
+          </a:prstGeom>
+        </p:spPr>
+        <p:txBody>
+          <a:bodyPr lIns="0" tIns="0" rIns="0" bIns="0" anchor="b"/>
+          <a:lstStyle/>
+          <a:p>
+            <a:pPr algn="r"/>
+            <a:fld id="{D8025563-BED2-4246-B2E7-6AC23CFFA9BC}" type="slidenum">
+              <a:rPr lang="en-US" sz="1400">
+                <a:latin typeface="Times New Roman"/>
+              </a:rPr>
+              <a:t>‹#›</a:t>
+            </a:fld>
+            <a:endParaRPr/>
+          </a:p>
+        </p:txBody>
+      </p:sp>
+    </p:spTree>
+    <p:extLst>
+      <p:ext uri="{BB962C8B-B14F-4D97-AF65-F5344CB8AC3E}">
+        <p14:creationId xmlns:p14="http://schemas.microsoft.com/office/powerpoint/2010/main" val="3856401942"/>
+      </p:ext>
+    </p:extLst>
+  </p:cSld>
+  <p:clrMap bg1="lt1" tx1="dk1" bg2="lt2" tx2="dk2" accent1="accent1" accent2="accent2" accent3="accent3" accent4="accent4" accent5="accent5" accent6="accent6" hlink="hlink" folHlink="folHlink"/>
+  <p:notesStyle>
+    <a:lvl1pPr marL="0" algn="l" defTabSz="914400" rtl="0" eaLnBrk="1" latinLnBrk="0" hangingPunct="1">
+      <a:defRPr sz="1200" kern="1200">
+        <a:solidFill>
+          <a:schemeClr val="tx1"/>
+        </a:solidFill>
+        <a:latin typeface="+mn-lt"/>
+        <a:ea typeface="+mn-ea"/>
+        <a:cs typeface="+mn-cs"/>
+      </a:defRPr>
+    </a:lvl1pPr>
+    <a:lvl2pPr marL="457200" algn="l" defTabSz="914400" rtl="0" eaLnBrk="1" latinLnBrk="0" hangingPunct="1">
+      <a:defRPr sz="1200" kern="1200">
+        <a:solidFill>
+          <a:schemeClr val="tx1"/>
+        </a:solidFill>
+        <a:latin typeface="+mn-lt"/>
+        <a:ea typeface="+mn-ea"/>
+        <a:cs typeface="+mn-cs"/>
+      </a:defRPr>
+    </a:lvl2pPr>
+    <a:lvl3pPr marL="914400" algn="l" defTabSz="914400" rtl="0" eaLnBrk="1" latinLnBrk="0" hangingPunct="1">
+      <a:defRPr sz="1200" kern="1200">
+        <a:solidFill>
+          <a:schemeClr val="tx1"/>
+        </a:solidFill>
+        <a:latin typeface="+mn-lt"/>
+        <a:ea typeface="+mn-ea"/>
+        <a:cs typeface="+mn-cs"/>
+      </a:defRPr>
+    </a:lvl3pPr>
+    <a:lvl4pPr marL="1371600" algn="l" defTabSz="914400" rtl="0" eaLnBrk="1" latinLnBrk="0" hangingPunct="1">
+      <a:defRPr sz="1200" kern="1200">
+        <a:solidFill>
+          <a:schemeClr val="tx1"/>
+        </a:solidFill>
+        <a:latin typeface="+mn-lt"/>
+        <a:ea typeface="+mn-ea"/>
+        <a:cs typeface="+mn-cs"/>
+      </a:defRPr>
+    </a:lvl4pPr>
+    <a:lvl5pPr marL="1828800" algn="l" defTabSz="914400" rtl="0" eaLnBrk="1" latinLnBrk="0" hangingPunct="1">
+      <a:defRPr sz="1200" kern="1200">
+        <a:solidFill>
+          <a:schemeClr val="tx1"/>
+        </a:solidFill>
+        <a:latin typeface="+mn-lt"/>
+        <a:ea typeface="+mn-ea"/>
+        <a:cs typeface="+mn-cs"/>
+      </a:defRPr>
+    </a:lvl5pPr>
+    <a:lvl6pPr marL="2286000" algn="l" defTabSz="914400" rtl="0" eaLnBrk="1" latinLnBrk="0" hangingPunct="1">
+      <a:defRPr sz="1200" kern="1200">
+        <a:solidFill>
+          <a:schemeClr val="tx1"/>
+        </a:solidFill>
+        <a:latin typeface="+mn-lt"/>
+        <a:ea typeface="+mn-ea"/>
+        <a:cs typeface="+mn-cs"/>
+      </a:defRPr>
+    </a:lvl6pPr>
+    <a:lvl7pPr marL="2743200" algn="l" defTabSz="914400" rtl="0" eaLnBrk="1" latinLnBrk="0" hangingPunct="1">
+      <a:defRPr sz="1200" kern="1200">
+        <a:solidFill>
+          <a:schemeClr val="tx1"/>
+        </a:solidFill>
+        <a:latin typeface="+mn-lt"/>
+        <a:ea typeface="+mn-ea"/>
+        <a:cs typeface="+mn-cs"/>
+      </a:defRPr>
+    </a:lvl7pPr>
+    <a:lvl8pPr marL="3200400" algn="l" defTabSz="914400" rtl="0" eaLnBrk="1" latinLnBrk="0" hangingPunct="1">
+      <a:defRPr sz="1200" kern="1200">
+        <a:solidFill>
+          <a:schemeClr val="tx1"/>
+        </a:solidFill>
+        <a:latin typeface="+mn-lt"/>
+        <a:ea typeface="+mn-ea"/>
+        <a:cs typeface="+mn-cs"/>
+      </a:defRPr>
+    </a:lvl8pPr>
+    <a:lvl9pPr marL="3657600" algn="l" defTabSz="914400" rtl="0" eaLnBrk="1" latinLnBrk="0" hangingPunct="1">
+      <a:defRPr sz="1200" kern="1200">
+        <a:solidFill>
+          <a:schemeClr val="tx1"/>
+        </a:solidFill>
+        <a:latin typeface="+mn-lt"/>
+        <a:ea typeface="+mn-ea"/>
+        <a:cs typeface="+mn-cs"/>
+      </a:defRPr>
+    </a:lvl9pPr>
+  </p:notesStyle>
+</p:notesMaster>
+</file>
+
+<file path=ppt/notesSlides/notesSlide1.xml><?xml version="1.0" encoding="utf-8"?>
+<p:notes xmlns:a="http://schemas.openxmlformats.org/drawingml/2006/main" xmlns:r="http://schemas.openxmlformats.org/officeDocument/2006/relationships" xmlns:p="http://schemas.openxmlformats.org/presentationml/2006/main">
   <p:cSld>
     <p:spTree>
       <p:nvGrpSpPr>
@@ -50,191 +447,6 @@
       </p:grpSpPr>
       <p:sp>
         <p:nvSpPr>
-          <p:cNvPr id="115" name="PlaceHolder 1"/>
-          <p:cNvSpPr>
-            <a:spLocks noGrp="1"/>
-          </p:cNvSpPr>
-          <p:nvPr>
-            <p:ph type="body"/>
-          </p:nvPr>
-        </p:nvSpPr>
-        <p:spPr>
-          <a:xfrm>
-            <a:off x="777240" y="4777560"/>
-            <a:ext cx="6217560" cy="4525920"/>
-          </a:xfrm>
-          <a:prstGeom prst="rect">
-            <a:avLst/>
-          </a:prstGeom>
-        </p:spPr>
-        <p:txBody>
-          <a:bodyPr lIns="0" rIns="0" tIns="0" bIns="0"/>
-          <a:p>
-            <a:r>
-              <a:rPr lang="en-US" sz="2000">
-                <a:latin typeface="Arial"/>
-              </a:rPr>
-              <a:t>Click to edit the notes format</a:t>
-            </a:r>
-            <a:endParaRPr/>
-          </a:p>
-        </p:txBody>
-      </p:sp>
-      <p:sp>
-        <p:nvSpPr>
-          <p:cNvPr id="116" name="PlaceHolder 2"/>
-          <p:cNvSpPr>
-            <a:spLocks noGrp="1"/>
-          </p:cNvSpPr>
-          <p:nvPr>
-            <p:ph type="hdr"/>
-          </p:nvPr>
-        </p:nvSpPr>
-        <p:spPr>
-          <a:xfrm>
-            <a:off x="0" y="0"/>
-            <a:ext cx="3372840" cy="502560"/>
-          </a:xfrm>
-          <a:prstGeom prst="rect">
-            <a:avLst/>
-          </a:prstGeom>
-        </p:spPr>
-        <p:txBody>
-          <a:bodyPr lIns="0" rIns="0" tIns="0" bIns="0"/>
-          <a:p>
-            <a:r>
-              <a:rPr lang="en-US" sz="1400">
-                <a:latin typeface="Times New Roman"/>
-              </a:rPr>
-              <a:t>&lt;header&gt;</a:t>
-            </a:r>
-            <a:endParaRPr/>
-          </a:p>
-        </p:txBody>
-      </p:sp>
-      <p:sp>
-        <p:nvSpPr>
-          <p:cNvPr id="117" name="PlaceHolder 3"/>
-          <p:cNvSpPr>
-            <a:spLocks noGrp="1"/>
-          </p:cNvSpPr>
-          <p:nvPr>
-            <p:ph type="dt"/>
-          </p:nvPr>
-        </p:nvSpPr>
-        <p:spPr>
-          <a:xfrm>
-            <a:off x="4399200" y="0"/>
-            <a:ext cx="3372840" cy="502560"/>
-          </a:xfrm>
-          <a:prstGeom prst="rect">
-            <a:avLst/>
-          </a:prstGeom>
-        </p:spPr>
-        <p:txBody>
-          <a:bodyPr lIns="0" rIns="0" tIns="0" bIns="0"/>
-          <a:p>
-            <a:pPr algn="r"/>
-            <a:r>
-              <a:rPr lang="en-US" sz="1400">
-                <a:latin typeface="Times New Roman"/>
-              </a:rPr>
-              <a:t>&lt;date/time&gt;</a:t>
-            </a:r>
-            <a:endParaRPr/>
-          </a:p>
-        </p:txBody>
-      </p:sp>
-      <p:sp>
-        <p:nvSpPr>
-          <p:cNvPr id="118" name="PlaceHolder 4"/>
-          <p:cNvSpPr>
-            <a:spLocks noGrp="1"/>
-          </p:cNvSpPr>
-          <p:nvPr>
-            <p:ph type="ftr"/>
-          </p:nvPr>
-        </p:nvSpPr>
-        <p:spPr>
-          <a:xfrm>
-            <a:off x="0" y="9555480"/>
-            <a:ext cx="3372840" cy="502560"/>
-          </a:xfrm>
-          <a:prstGeom prst="rect">
-            <a:avLst/>
-          </a:prstGeom>
-        </p:spPr>
-        <p:txBody>
-          <a:bodyPr lIns="0" rIns="0" tIns="0" bIns="0" anchor="b"/>
-          <a:p>
-            <a:r>
-              <a:rPr lang="en-US" sz="1400">
-                <a:latin typeface="Times New Roman"/>
-              </a:rPr>
-              <a:t>&lt;footer&gt;</a:t>
-            </a:r>
-            <a:endParaRPr/>
-          </a:p>
-        </p:txBody>
-      </p:sp>
-      <p:sp>
-        <p:nvSpPr>
-          <p:cNvPr id="119" name="PlaceHolder 5"/>
-          <p:cNvSpPr>
-            <a:spLocks noGrp="1"/>
-          </p:cNvSpPr>
-          <p:nvPr>
-            <p:ph type="sldNum"/>
-          </p:nvPr>
-        </p:nvSpPr>
-        <p:spPr>
-          <a:xfrm>
-            <a:off x="4399200" y="9555480"/>
-            <a:ext cx="3372840" cy="502560"/>
-          </a:xfrm>
-          <a:prstGeom prst="rect">
-            <a:avLst/>
-          </a:prstGeom>
-        </p:spPr>
-        <p:txBody>
-          <a:bodyPr lIns="0" rIns="0" tIns="0" bIns="0" anchor="b"/>
-          <a:p>
-            <a:pPr algn="r"/>
-            <a:fld id="{D8025563-BED2-4246-B2E7-6AC23CFFA9BC}" type="slidenum">
-              <a:rPr lang="en-US" sz="1400">
-                <a:latin typeface="Times New Roman"/>
-              </a:rPr>
-              <a:t>&lt;number&gt;</a:t>
-            </a:fld>
-            <a:endParaRPr/>
-          </a:p>
-        </p:txBody>
-      </p:sp>
-    </p:spTree>
-  </p:cSld>
-  <p:clrMap bg1="lt1" bg2="lt2" tx1="dk1" tx2="dk2" accent1="accent1" accent2="accent2" accent3="accent3" accent4="accent4" accent5="accent5" accent6="accent6" hlink="hlink" folHlink="folHlink"/>
-</p:notesMaster>
-</file>
-
-<file path=ppt/notesSlides/notesSlide11.xml><?xml version="1.0" encoding="utf-8"?>
-<p:notes xmlns:a="http://schemas.openxmlformats.org/drawingml/2006/main" xmlns:p="http://schemas.openxmlformats.org/presentationml/2006/main" xmlns:r="http://schemas.openxmlformats.org/officeDocument/2006/relationships">
-  <p:cSld>
-    <p:spTree>
-      <p:nvGrpSpPr>
-        <p:cNvPr id="1" name=""/>
-        <p:cNvGrpSpPr/>
-        <p:nvPr/>
-      </p:nvGrpSpPr>
-      <p:grpSpPr>
-        <a:xfrm>
-          <a:off x="0" y="0"/>
-          <a:ext cx="0" cy="0"/>
-          <a:chOff x="0" y="0"/>
-          <a:chExt cx="0" cy="0"/>
-        </a:xfrm>
-      </p:grpSpPr>
-      <p:sp>
-        <p:nvSpPr>
           <p:cNvPr id="154" name="PlaceHolder 1"/>
           <p:cNvSpPr>
             <a:spLocks noGrp="1"/>
@@ -254,6 +466,7 @@
         </p:spPr>
         <p:txBody>
           <a:bodyPr/>
+          <a:lstStyle/>
           <a:p>
             <a:endParaRPr/>
           </a:p>
@@ -280,6 +493,7 @@
         </p:spPr>
         <p:txBody>
           <a:bodyPr anchor="b"/>
+          <a:lstStyle/>
           <a:p>
             <a:pPr algn="r">
               <a:lnSpc>
@@ -294,19 +508,27 @@
                 <a:latin typeface="+mn-lt"/>
                 <a:ea typeface="+mn-ea"/>
               </a:rPr>
-              <a:t>&lt;number&gt;</a:t>
+              <a:t>11</a:t>
             </a:fld>
             <a:endParaRPr/>
           </a:p>
         </p:txBody>
       </p:sp>
     </p:spTree>
+    <p:extLst>
+      <p:ext uri="{BB962C8B-B14F-4D97-AF65-F5344CB8AC3E}">
+        <p14:creationId xmlns:p14="http://schemas.microsoft.com/office/powerpoint/2010/main" val="628828417"/>
+      </p:ext>
+    </p:extLst>
   </p:cSld>
+  <p:clrMapOvr>
+    <a:masterClrMapping/>
+  </p:clrMapOvr>
 </p:notes>
 </file>
 
 <file path=ppt/slideLayouts/slideLayout1.xml><?xml version="1.0" encoding="utf-8"?>
-<p:sldLayout xmlns:a="http://schemas.openxmlformats.org/drawingml/2006/main" xmlns:p="http://schemas.openxmlformats.org/presentationml/2006/main" xmlns:r="http://schemas.openxmlformats.org/officeDocument/2006/relationships" type="blank" preserve="1">
+<p:sldLayout xmlns:a="http://schemas.openxmlformats.org/drawingml/2006/main" xmlns:r="http://schemas.openxmlformats.org/officeDocument/2006/relationships" xmlns:p="http://schemas.openxmlformats.org/presentationml/2006/main" type="blank" preserve="1">
   <p:cSld name="Blank Slide">
     <p:spTree>
       <p:nvGrpSpPr>
@@ -324,11 +546,14 @@
       </p:grpSpPr>
     </p:spTree>
   </p:cSld>
+  <p:clrMapOvr>
+    <a:masterClrMapping/>
+  </p:clrMapOvr>
 </p:sldLayout>
 </file>
 
 <file path=ppt/slideLayouts/slideLayout10.xml><?xml version="1.0" encoding="utf-8"?>
-<p:sldLayout xmlns:a="http://schemas.openxmlformats.org/drawingml/2006/main" xmlns:p="http://schemas.openxmlformats.org/presentationml/2006/main" xmlns:r="http://schemas.openxmlformats.org/officeDocument/2006/relationships" type="objOverTx" preserve="1">
+<p:sldLayout xmlns:a="http://schemas.openxmlformats.org/drawingml/2006/main" xmlns:r="http://schemas.openxmlformats.org/officeDocument/2006/relationships" xmlns:p="http://schemas.openxmlformats.org/presentationml/2006/main" type="objOverTx" preserve="1">
   <p:cSld name="Title, Content over Content">
     <p:spTree>
       <p:nvGrpSpPr>
@@ -364,7 +589,8 @@
           </a:prstGeom>
         </p:spPr>
         <p:txBody>
-          <a:bodyPr lIns="0" rIns="0" tIns="0" bIns="0" anchor="ctr"/>
+          <a:bodyPr lIns="0" tIns="0" rIns="0" bIns="0" anchor="ctr"/>
+          <a:lstStyle/>
           <a:p>
             <a:endParaRPr/>
           </a:p>
@@ -390,7 +616,8 @@
           </a:prstGeom>
         </p:spPr>
         <p:txBody>
-          <a:bodyPr lIns="0" rIns="0" tIns="0" bIns="0"/>
+          <a:bodyPr lIns="0" tIns="0" rIns="0" bIns="0"/>
+          <a:lstStyle/>
           <a:p>
             <a:endParaRPr/>
           </a:p>
@@ -416,7 +643,8 @@
           </a:prstGeom>
         </p:spPr>
         <p:txBody>
-          <a:bodyPr lIns="0" rIns="0" tIns="0" bIns="0"/>
+          <a:bodyPr lIns="0" tIns="0" rIns="0" bIns="0"/>
+          <a:lstStyle/>
           <a:p>
             <a:endParaRPr/>
           </a:p>
@@ -424,11 +652,14 @@
       </p:sp>
     </p:spTree>
   </p:cSld>
+  <p:clrMapOvr>
+    <a:masterClrMapping/>
+  </p:clrMapOvr>
 </p:sldLayout>
 </file>
 
 <file path=ppt/slideLayouts/slideLayout11.xml><?xml version="1.0" encoding="utf-8"?>
-<p:sldLayout xmlns:a="http://schemas.openxmlformats.org/drawingml/2006/main" xmlns:p="http://schemas.openxmlformats.org/presentationml/2006/main" xmlns:r="http://schemas.openxmlformats.org/officeDocument/2006/relationships" type="fourObj" preserve="1">
+<p:sldLayout xmlns:a="http://schemas.openxmlformats.org/drawingml/2006/main" xmlns:r="http://schemas.openxmlformats.org/officeDocument/2006/relationships" xmlns:p="http://schemas.openxmlformats.org/presentationml/2006/main" type="fourObj" preserve="1">
   <p:cSld name="Title, 4 Content">
     <p:spTree>
       <p:nvGrpSpPr>
@@ -464,7 +695,8 @@
           </a:prstGeom>
         </p:spPr>
         <p:txBody>
-          <a:bodyPr lIns="0" rIns="0" tIns="0" bIns="0" anchor="ctr"/>
+          <a:bodyPr lIns="0" tIns="0" rIns="0" bIns="0" anchor="ctr"/>
+          <a:lstStyle/>
           <a:p>
             <a:endParaRPr/>
           </a:p>
@@ -490,7 +722,8 @@
           </a:prstGeom>
         </p:spPr>
         <p:txBody>
-          <a:bodyPr lIns="0" rIns="0" tIns="0" bIns="0"/>
+          <a:bodyPr lIns="0" tIns="0" rIns="0" bIns="0"/>
+          <a:lstStyle/>
           <a:p>
             <a:endParaRPr/>
           </a:p>
@@ -516,7 +749,8 @@
           </a:prstGeom>
         </p:spPr>
         <p:txBody>
-          <a:bodyPr lIns="0" rIns="0" tIns="0" bIns="0"/>
+          <a:bodyPr lIns="0" tIns="0" rIns="0" bIns="0"/>
+          <a:lstStyle/>
           <a:p>
             <a:endParaRPr/>
           </a:p>
@@ -542,7 +776,8 @@
           </a:prstGeom>
         </p:spPr>
         <p:txBody>
-          <a:bodyPr lIns="0" rIns="0" tIns="0" bIns="0"/>
+          <a:bodyPr lIns="0" tIns="0" rIns="0" bIns="0"/>
+          <a:lstStyle/>
           <a:p>
             <a:endParaRPr/>
           </a:p>
@@ -568,7 +803,8 @@
           </a:prstGeom>
         </p:spPr>
         <p:txBody>
-          <a:bodyPr lIns="0" rIns="0" tIns="0" bIns="0"/>
+          <a:bodyPr lIns="0" tIns="0" rIns="0" bIns="0"/>
+          <a:lstStyle/>
           <a:p>
             <a:endParaRPr/>
           </a:p>
@@ -576,11 +812,14 @@
       </p:sp>
     </p:spTree>
   </p:cSld>
+  <p:clrMapOvr>
+    <a:masterClrMapping/>
+  </p:clrMapOvr>
 </p:sldLayout>
 </file>
 
 <file path=ppt/slideLayouts/slideLayout12.xml><?xml version="1.0" encoding="utf-8"?>
-<p:sldLayout xmlns:a="http://schemas.openxmlformats.org/drawingml/2006/main" xmlns:p="http://schemas.openxmlformats.org/presentationml/2006/main" xmlns:r="http://schemas.openxmlformats.org/officeDocument/2006/relationships" type="blank" preserve="1">
+<p:sldLayout xmlns:a="http://schemas.openxmlformats.org/drawingml/2006/main" xmlns:r="http://schemas.openxmlformats.org/officeDocument/2006/relationships" xmlns:p="http://schemas.openxmlformats.org/presentationml/2006/main" type="blank" preserve="1">
   <p:cSld name="Title, 6 Content">
     <p:spTree>
       <p:nvGrpSpPr>
@@ -616,7 +855,8 @@
           </a:prstGeom>
         </p:spPr>
         <p:txBody>
-          <a:bodyPr lIns="0" rIns="0" tIns="0" bIns="0" anchor="ctr"/>
+          <a:bodyPr lIns="0" tIns="0" rIns="0" bIns="0" anchor="ctr"/>
+          <a:lstStyle/>
           <a:p>
             <a:endParaRPr/>
           </a:p>
@@ -642,7 +882,8 @@
           </a:prstGeom>
         </p:spPr>
         <p:txBody>
-          <a:bodyPr lIns="0" rIns="0" tIns="0" bIns="0"/>
+          <a:bodyPr lIns="0" tIns="0" rIns="0" bIns="0"/>
+          <a:lstStyle/>
           <a:p>
             <a:endParaRPr/>
           </a:p>
@@ -668,7 +909,8 @@
           </a:prstGeom>
         </p:spPr>
         <p:txBody>
-          <a:bodyPr lIns="0" rIns="0" tIns="0" bIns="0"/>
+          <a:bodyPr lIns="0" tIns="0" rIns="0" bIns="0"/>
+          <a:lstStyle/>
           <a:p>
             <a:endParaRPr/>
           </a:p>
@@ -676,7 +918,7 @@
       </p:sp>
       <p:pic>
         <p:nvPicPr>
-          <p:cNvPr id="61" name="" descr=""/>
+          <p:cNvPr id="61" name="Picture 60"/>
           <p:cNvPicPr/>
           <p:nvPr/>
         </p:nvPicPr>
@@ -699,12 +941,12 @@
       </p:pic>
       <p:pic>
         <p:nvPicPr>
-          <p:cNvPr id="62" name="" descr=""/>
+          <p:cNvPr id="62" name="Picture 61"/>
           <p:cNvPicPr/>
           <p:nvPr/>
         </p:nvPicPr>
         <p:blipFill>
-          <a:blip r:embed="rId3"/>
+          <a:blip r:embed="rId2"/>
           <a:stretch/>
         </p:blipFill>
         <p:spPr>
@@ -722,11 +964,14 @@
       </p:pic>
     </p:spTree>
   </p:cSld>
+  <p:clrMapOvr>
+    <a:masterClrMapping/>
+  </p:clrMapOvr>
 </p:sldLayout>
 </file>
 
 <file path=ppt/slideLayouts/slideLayout13.xml><?xml version="1.0" encoding="utf-8"?>
-<p:sldLayout xmlns:a="http://schemas.openxmlformats.org/drawingml/2006/main" xmlns:p="http://schemas.openxmlformats.org/presentationml/2006/main" xmlns:r="http://schemas.openxmlformats.org/officeDocument/2006/relationships" type="blank" preserve="1">
+<p:sldLayout xmlns:a="http://schemas.openxmlformats.org/drawingml/2006/main" xmlns:r="http://schemas.openxmlformats.org/officeDocument/2006/relationships" xmlns:p="http://schemas.openxmlformats.org/presentationml/2006/main" type="blank" preserve="1">
   <p:cSld name="Blank Slide">
     <p:spTree>
       <p:nvGrpSpPr>
@@ -744,11 +989,14 @@
       </p:grpSpPr>
     </p:spTree>
   </p:cSld>
+  <p:clrMapOvr>
+    <a:masterClrMapping/>
+  </p:clrMapOvr>
 </p:sldLayout>
 </file>
 
 <file path=ppt/slideLayouts/slideLayout14.xml><?xml version="1.0" encoding="utf-8"?>
-<p:sldLayout xmlns:a="http://schemas.openxmlformats.org/drawingml/2006/main" xmlns:p="http://schemas.openxmlformats.org/presentationml/2006/main" xmlns:r="http://schemas.openxmlformats.org/officeDocument/2006/relationships" type="tx" preserve="1">
+<p:sldLayout xmlns:a="http://schemas.openxmlformats.org/drawingml/2006/main" xmlns:r="http://schemas.openxmlformats.org/officeDocument/2006/relationships" xmlns:p="http://schemas.openxmlformats.org/presentationml/2006/main" type="tx" preserve="1">
   <p:cSld name="Title Slide">
     <p:spTree>
       <p:nvGrpSpPr>
@@ -784,7 +1032,8 @@
           </a:prstGeom>
         </p:spPr>
         <p:txBody>
-          <a:bodyPr lIns="0" rIns="0" tIns="0" bIns="0" anchor="ctr"/>
+          <a:bodyPr lIns="0" tIns="0" rIns="0" bIns="0" anchor="ctr"/>
+          <a:lstStyle/>
           <a:p>
             <a:endParaRPr/>
           </a:p>
@@ -810,7 +1059,8 @@
           </a:prstGeom>
         </p:spPr>
         <p:txBody>
-          <a:bodyPr lIns="0" rIns="0" tIns="0" bIns="0" anchor="ctr"/>
+          <a:bodyPr lIns="0" tIns="0" rIns="0" bIns="0" anchor="ctr"/>
+          <a:lstStyle/>
           <a:p>
             <a:pPr algn="ctr"/>
             <a:endParaRPr/>
@@ -819,11 +1069,14 @@
       </p:sp>
     </p:spTree>
   </p:cSld>
+  <p:clrMapOvr>
+    <a:masterClrMapping/>
+  </p:clrMapOvr>
 </p:sldLayout>
 </file>
 
 <file path=ppt/slideLayouts/slideLayout15.xml><?xml version="1.0" encoding="utf-8"?>
-<p:sldLayout xmlns:a="http://schemas.openxmlformats.org/drawingml/2006/main" xmlns:p="http://schemas.openxmlformats.org/presentationml/2006/main" xmlns:r="http://schemas.openxmlformats.org/officeDocument/2006/relationships" type="obj" preserve="1">
+<p:sldLayout xmlns:a="http://schemas.openxmlformats.org/drawingml/2006/main" xmlns:r="http://schemas.openxmlformats.org/officeDocument/2006/relationships" xmlns:p="http://schemas.openxmlformats.org/presentationml/2006/main" type="obj" preserve="1">
   <p:cSld name="Title, Content">
     <p:spTree>
       <p:nvGrpSpPr>
@@ -859,7 +1112,8 @@
           </a:prstGeom>
         </p:spPr>
         <p:txBody>
-          <a:bodyPr lIns="0" rIns="0" tIns="0" bIns="0" anchor="ctr"/>
+          <a:bodyPr lIns="0" tIns="0" rIns="0" bIns="0" anchor="ctr"/>
+          <a:lstStyle/>
           <a:p>
             <a:endParaRPr/>
           </a:p>
@@ -885,7 +1139,8 @@
           </a:prstGeom>
         </p:spPr>
         <p:txBody>
-          <a:bodyPr lIns="0" rIns="0" tIns="0" bIns="0"/>
+          <a:bodyPr lIns="0" tIns="0" rIns="0" bIns="0"/>
+          <a:lstStyle/>
           <a:p>
             <a:endParaRPr/>
           </a:p>
@@ -893,11 +1148,14 @@
       </p:sp>
     </p:spTree>
   </p:cSld>
+  <p:clrMapOvr>
+    <a:masterClrMapping/>
+  </p:clrMapOvr>
 </p:sldLayout>
 </file>
 
 <file path=ppt/slideLayouts/slideLayout16.xml><?xml version="1.0" encoding="utf-8"?>
-<p:sldLayout xmlns:a="http://schemas.openxmlformats.org/drawingml/2006/main" xmlns:p="http://schemas.openxmlformats.org/presentationml/2006/main" xmlns:r="http://schemas.openxmlformats.org/officeDocument/2006/relationships" type="twoObj" preserve="1">
+<p:sldLayout xmlns:a="http://schemas.openxmlformats.org/drawingml/2006/main" xmlns:r="http://schemas.openxmlformats.org/officeDocument/2006/relationships" xmlns:p="http://schemas.openxmlformats.org/presentationml/2006/main" type="twoObj" preserve="1">
   <p:cSld name="Title, 2 Content">
     <p:spTree>
       <p:nvGrpSpPr>
@@ -933,7 +1191,8 @@
           </a:prstGeom>
         </p:spPr>
         <p:txBody>
-          <a:bodyPr lIns="0" rIns="0" tIns="0" bIns="0" anchor="ctr"/>
+          <a:bodyPr lIns="0" tIns="0" rIns="0" bIns="0" anchor="ctr"/>
+          <a:lstStyle/>
           <a:p>
             <a:endParaRPr/>
           </a:p>
@@ -959,7 +1218,8 @@
           </a:prstGeom>
         </p:spPr>
         <p:txBody>
-          <a:bodyPr lIns="0" rIns="0" tIns="0" bIns="0"/>
+          <a:bodyPr lIns="0" tIns="0" rIns="0" bIns="0"/>
+          <a:lstStyle/>
           <a:p>
             <a:endParaRPr/>
           </a:p>
@@ -985,7 +1245,8 @@
           </a:prstGeom>
         </p:spPr>
         <p:txBody>
-          <a:bodyPr lIns="0" rIns="0" tIns="0" bIns="0"/>
+          <a:bodyPr lIns="0" tIns="0" rIns="0" bIns="0"/>
+          <a:lstStyle/>
           <a:p>
             <a:endParaRPr/>
           </a:p>
@@ -993,11 +1254,14 @@
       </p:sp>
     </p:spTree>
   </p:cSld>
+  <p:clrMapOvr>
+    <a:masterClrMapping/>
+  </p:clrMapOvr>
 </p:sldLayout>
 </file>
 
 <file path=ppt/slideLayouts/slideLayout17.xml><?xml version="1.0" encoding="utf-8"?>
-<p:sldLayout xmlns:a="http://schemas.openxmlformats.org/drawingml/2006/main" xmlns:p="http://schemas.openxmlformats.org/presentationml/2006/main" xmlns:r="http://schemas.openxmlformats.org/officeDocument/2006/relationships" type="titleOnly" preserve="1">
+<p:sldLayout xmlns:a="http://schemas.openxmlformats.org/drawingml/2006/main" xmlns:r="http://schemas.openxmlformats.org/officeDocument/2006/relationships" xmlns:p="http://schemas.openxmlformats.org/presentationml/2006/main" type="titleOnly" preserve="1">
   <p:cSld name="Title Only">
     <p:spTree>
       <p:nvGrpSpPr>
@@ -1033,7 +1297,8 @@
           </a:prstGeom>
         </p:spPr>
         <p:txBody>
-          <a:bodyPr lIns="0" rIns="0" tIns="0" bIns="0" anchor="ctr"/>
+          <a:bodyPr lIns="0" tIns="0" rIns="0" bIns="0" anchor="ctr"/>
+          <a:lstStyle/>
           <a:p>
             <a:endParaRPr/>
           </a:p>
@@ -1041,11 +1306,14 @@
       </p:sp>
     </p:spTree>
   </p:cSld>
+  <p:clrMapOvr>
+    <a:masterClrMapping/>
+  </p:clrMapOvr>
 </p:sldLayout>
 </file>
 
 <file path=ppt/slideLayouts/slideLayout18.xml><?xml version="1.0" encoding="utf-8"?>
-<p:sldLayout xmlns:a="http://schemas.openxmlformats.org/drawingml/2006/main" xmlns:p="http://schemas.openxmlformats.org/presentationml/2006/main" xmlns:r="http://schemas.openxmlformats.org/officeDocument/2006/relationships" type="objOnly" preserve="1">
+<p:sldLayout xmlns:a="http://schemas.openxmlformats.org/drawingml/2006/main" xmlns:r="http://schemas.openxmlformats.org/officeDocument/2006/relationships" xmlns:p="http://schemas.openxmlformats.org/presentationml/2006/main" type="objOnly" preserve="1">
   <p:cSld name="Centered Text">
     <p:spTree>
       <p:nvGrpSpPr>
@@ -1081,7 +1349,8 @@
           </a:prstGeom>
         </p:spPr>
         <p:txBody>
-          <a:bodyPr lIns="0" rIns="0" tIns="0" bIns="0" anchor="ctr"/>
+          <a:bodyPr lIns="0" tIns="0" rIns="0" bIns="0" anchor="ctr"/>
+          <a:lstStyle/>
           <a:p>
             <a:pPr algn="ctr"/>
             <a:endParaRPr/>
@@ -1090,11 +1359,14 @@
       </p:sp>
     </p:spTree>
   </p:cSld>
+  <p:clrMapOvr>
+    <a:masterClrMapping/>
+  </p:clrMapOvr>
 </p:sldLayout>
 </file>
 
 <file path=ppt/slideLayouts/slideLayout19.xml><?xml version="1.0" encoding="utf-8"?>
-<p:sldLayout xmlns:a="http://schemas.openxmlformats.org/drawingml/2006/main" xmlns:p="http://schemas.openxmlformats.org/presentationml/2006/main" xmlns:r="http://schemas.openxmlformats.org/officeDocument/2006/relationships" type="twoObjAndObj" preserve="1">
+<p:sldLayout xmlns:a="http://schemas.openxmlformats.org/drawingml/2006/main" xmlns:r="http://schemas.openxmlformats.org/officeDocument/2006/relationships" xmlns:p="http://schemas.openxmlformats.org/presentationml/2006/main" type="twoObjAndObj" preserve="1">
   <p:cSld name="Title, 2 Content and Content">
     <p:spTree>
       <p:nvGrpSpPr>
@@ -1130,7 +1402,8 @@
           </a:prstGeom>
         </p:spPr>
         <p:txBody>
-          <a:bodyPr lIns="0" rIns="0" tIns="0" bIns="0" anchor="ctr"/>
+          <a:bodyPr lIns="0" tIns="0" rIns="0" bIns="0" anchor="ctr"/>
+          <a:lstStyle/>
           <a:p>
             <a:endParaRPr/>
           </a:p>
@@ -1156,7 +1429,8 @@
           </a:prstGeom>
         </p:spPr>
         <p:txBody>
-          <a:bodyPr lIns="0" rIns="0" tIns="0" bIns="0"/>
+          <a:bodyPr lIns="0" tIns="0" rIns="0" bIns="0"/>
+          <a:lstStyle/>
           <a:p>
             <a:endParaRPr/>
           </a:p>
@@ -1182,7 +1456,8 @@
           </a:prstGeom>
         </p:spPr>
         <p:txBody>
-          <a:bodyPr lIns="0" rIns="0" tIns="0" bIns="0"/>
+          <a:bodyPr lIns="0" tIns="0" rIns="0" bIns="0"/>
+          <a:lstStyle/>
           <a:p>
             <a:endParaRPr/>
           </a:p>
@@ -1208,7 +1483,8 @@
           </a:prstGeom>
         </p:spPr>
         <p:txBody>
-          <a:bodyPr lIns="0" rIns="0" tIns="0" bIns="0"/>
+          <a:bodyPr lIns="0" tIns="0" rIns="0" bIns="0"/>
+          <a:lstStyle/>
           <a:p>
             <a:endParaRPr/>
           </a:p>
@@ -1216,11 +1492,14 @@
       </p:sp>
     </p:spTree>
   </p:cSld>
+  <p:clrMapOvr>
+    <a:masterClrMapping/>
+  </p:clrMapOvr>
 </p:sldLayout>
 </file>
 
 <file path=ppt/slideLayouts/slideLayout2.xml><?xml version="1.0" encoding="utf-8"?>
-<p:sldLayout xmlns:a="http://schemas.openxmlformats.org/drawingml/2006/main" xmlns:p="http://schemas.openxmlformats.org/presentationml/2006/main" xmlns:r="http://schemas.openxmlformats.org/officeDocument/2006/relationships" type="tx" preserve="1">
+<p:sldLayout xmlns:a="http://schemas.openxmlformats.org/drawingml/2006/main" xmlns:r="http://schemas.openxmlformats.org/officeDocument/2006/relationships" xmlns:p="http://schemas.openxmlformats.org/presentationml/2006/main" type="tx" preserve="1">
   <p:cSld name="Title Slide">
     <p:spTree>
       <p:nvGrpSpPr>
@@ -1256,7 +1535,8 @@
           </a:prstGeom>
         </p:spPr>
         <p:txBody>
-          <a:bodyPr lIns="0" rIns="0" tIns="0" bIns="0" anchor="ctr"/>
+          <a:bodyPr lIns="0" tIns="0" rIns="0" bIns="0" anchor="ctr"/>
+          <a:lstStyle/>
           <a:p>
             <a:endParaRPr/>
           </a:p>
@@ -1282,7 +1562,8 @@
           </a:prstGeom>
         </p:spPr>
         <p:txBody>
-          <a:bodyPr lIns="0" rIns="0" tIns="0" bIns="0" anchor="ctr"/>
+          <a:bodyPr lIns="0" tIns="0" rIns="0" bIns="0" anchor="ctr"/>
+          <a:lstStyle/>
           <a:p>
             <a:pPr algn="ctr"/>
             <a:endParaRPr/>
@@ -1291,11 +1572,14 @@
       </p:sp>
     </p:spTree>
   </p:cSld>
+  <p:clrMapOvr>
+    <a:masterClrMapping/>
+  </p:clrMapOvr>
 </p:sldLayout>
 </file>
 
 <file path=ppt/slideLayouts/slideLayout20.xml><?xml version="1.0" encoding="utf-8"?>
-<p:sldLayout xmlns:a="http://schemas.openxmlformats.org/drawingml/2006/main" xmlns:p="http://schemas.openxmlformats.org/presentationml/2006/main" xmlns:r="http://schemas.openxmlformats.org/officeDocument/2006/relationships" type="objAndTwoObj" preserve="1">
+<p:sldLayout xmlns:a="http://schemas.openxmlformats.org/drawingml/2006/main" xmlns:r="http://schemas.openxmlformats.org/officeDocument/2006/relationships" xmlns:p="http://schemas.openxmlformats.org/presentationml/2006/main" type="objAndTwoObj" preserve="1">
   <p:cSld name="Title Content and 2 Content">
     <p:spTree>
       <p:nvGrpSpPr>
@@ -1331,7 +1615,8 @@
           </a:prstGeom>
         </p:spPr>
         <p:txBody>
-          <a:bodyPr lIns="0" rIns="0" tIns="0" bIns="0" anchor="ctr"/>
+          <a:bodyPr lIns="0" tIns="0" rIns="0" bIns="0" anchor="ctr"/>
+          <a:lstStyle/>
           <a:p>
             <a:endParaRPr/>
           </a:p>
@@ -1357,7 +1642,8 @@
           </a:prstGeom>
         </p:spPr>
         <p:txBody>
-          <a:bodyPr lIns="0" rIns="0" tIns="0" bIns="0"/>
+          <a:bodyPr lIns="0" tIns="0" rIns="0" bIns="0"/>
+          <a:lstStyle/>
           <a:p>
             <a:endParaRPr/>
           </a:p>
@@ -1383,7 +1669,8 @@
           </a:prstGeom>
         </p:spPr>
         <p:txBody>
-          <a:bodyPr lIns="0" rIns="0" tIns="0" bIns="0"/>
+          <a:bodyPr lIns="0" tIns="0" rIns="0" bIns="0"/>
+          <a:lstStyle/>
           <a:p>
             <a:endParaRPr/>
           </a:p>
@@ -1409,7 +1696,8 @@
           </a:prstGeom>
         </p:spPr>
         <p:txBody>
-          <a:bodyPr lIns="0" rIns="0" tIns="0" bIns="0"/>
+          <a:bodyPr lIns="0" tIns="0" rIns="0" bIns="0"/>
+          <a:lstStyle/>
           <a:p>
             <a:endParaRPr/>
           </a:p>
@@ -1417,11 +1705,14 @@
       </p:sp>
     </p:spTree>
   </p:cSld>
+  <p:clrMapOvr>
+    <a:masterClrMapping/>
+  </p:clrMapOvr>
 </p:sldLayout>
 </file>
 
 <file path=ppt/slideLayouts/slideLayout21.xml><?xml version="1.0" encoding="utf-8"?>
-<p:sldLayout xmlns:a="http://schemas.openxmlformats.org/drawingml/2006/main" xmlns:p="http://schemas.openxmlformats.org/presentationml/2006/main" xmlns:r="http://schemas.openxmlformats.org/officeDocument/2006/relationships" type="twoObjOverTx" preserve="1">
+<p:sldLayout xmlns:a="http://schemas.openxmlformats.org/drawingml/2006/main" xmlns:r="http://schemas.openxmlformats.org/officeDocument/2006/relationships" xmlns:p="http://schemas.openxmlformats.org/presentationml/2006/main" type="twoObjOverTx" preserve="1">
   <p:cSld name="Title, 2 Content over Content">
     <p:spTree>
       <p:nvGrpSpPr>
@@ -1457,7 +1748,8 @@
           </a:prstGeom>
         </p:spPr>
         <p:txBody>
-          <a:bodyPr lIns="0" rIns="0" tIns="0" bIns="0" anchor="ctr"/>
+          <a:bodyPr lIns="0" tIns="0" rIns="0" bIns="0" anchor="ctr"/>
+          <a:lstStyle/>
           <a:p>
             <a:endParaRPr/>
           </a:p>
@@ -1483,7 +1775,8 @@
           </a:prstGeom>
         </p:spPr>
         <p:txBody>
-          <a:bodyPr lIns="0" rIns="0" tIns="0" bIns="0"/>
+          <a:bodyPr lIns="0" tIns="0" rIns="0" bIns="0"/>
+          <a:lstStyle/>
           <a:p>
             <a:endParaRPr/>
           </a:p>
@@ -1509,7 +1802,8 @@
           </a:prstGeom>
         </p:spPr>
         <p:txBody>
-          <a:bodyPr lIns="0" rIns="0" tIns="0" bIns="0"/>
+          <a:bodyPr lIns="0" tIns="0" rIns="0" bIns="0"/>
+          <a:lstStyle/>
           <a:p>
             <a:endParaRPr/>
           </a:p>
@@ -1535,7 +1829,8 @@
           </a:prstGeom>
         </p:spPr>
         <p:txBody>
-          <a:bodyPr lIns="0" rIns="0" tIns="0" bIns="0"/>
+          <a:bodyPr lIns="0" tIns="0" rIns="0" bIns="0"/>
+          <a:lstStyle/>
           <a:p>
             <a:endParaRPr/>
           </a:p>
@@ -1543,11 +1838,14 @@
       </p:sp>
     </p:spTree>
   </p:cSld>
+  <p:clrMapOvr>
+    <a:masterClrMapping/>
+  </p:clrMapOvr>
 </p:sldLayout>
 </file>
 
 <file path=ppt/slideLayouts/slideLayout22.xml><?xml version="1.0" encoding="utf-8"?>
-<p:sldLayout xmlns:a="http://schemas.openxmlformats.org/drawingml/2006/main" xmlns:p="http://schemas.openxmlformats.org/presentationml/2006/main" xmlns:r="http://schemas.openxmlformats.org/officeDocument/2006/relationships" type="objOverTx" preserve="1">
+<p:sldLayout xmlns:a="http://schemas.openxmlformats.org/drawingml/2006/main" xmlns:r="http://schemas.openxmlformats.org/officeDocument/2006/relationships" xmlns:p="http://schemas.openxmlformats.org/presentationml/2006/main" type="objOverTx" preserve="1">
   <p:cSld name="Title, Content over Content">
     <p:spTree>
       <p:nvGrpSpPr>
@@ -1583,7 +1881,8 @@
           </a:prstGeom>
         </p:spPr>
         <p:txBody>
-          <a:bodyPr lIns="0" rIns="0" tIns="0" bIns="0" anchor="ctr"/>
+          <a:bodyPr lIns="0" tIns="0" rIns="0" bIns="0" anchor="ctr"/>
+          <a:lstStyle/>
           <a:p>
             <a:endParaRPr/>
           </a:p>
@@ -1609,7 +1908,8 @@
           </a:prstGeom>
         </p:spPr>
         <p:txBody>
-          <a:bodyPr lIns="0" rIns="0" tIns="0" bIns="0"/>
+          <a:bodyPr lIns="0" tIns="0" rIns="0" bIns="0"/>
+          <a:lstStyle/>
           <a:p>
             <a:endParaRPr/>
           </a:p>
@@ -1635,7 +1935,8 @@
           </a:prstGeom>
         </p:spPr>
         <p:txBody>
-          <a:bodyPr lIns="0" rIns="0" tIns="0" bIns="0"/>
+          <a:bodyPr lIns="0" tIns="0" rIns="0" bIns="0"/>
+          <a:lstStyle/>
           <a:p>
             <a:endParaRPr/>
           </a:p>
@@ -1643,11 +1944,14 @@
       </p:sp>
     </p:spTree>
   </p:cSld>
+  <p:clrMapOvr>
+    <a:masterClrMapping/>
+  </p:clrMapOvr>
 </p:sldLayout>
 </file>
 
 <file path=ppt/slideLayouts/slideLayout23.xml><?xml version="1.0" encoding="utf-8"?>
-<p:sldLayout xmlns:a="http://schemas.openxmlformats.org/drawingml/2006/main" xmlns:p="http://schemas.openxmlformats.org/presentationml/2006/main" xmlns:r="http://schemas.openxmlformats.org/officeDocument/2006/relationships" type="fourObj" preserve="1">
+<p:sldLayout xmlns:a="http://schemas.openxmlformats.org/drawingml/2006/main" xmlns:r="http://schemas.openxmlformats.org/officeDocument/2006/relationships" xmlns:p="http://schemas.openxmlformats.org/presentationml/2006/main" type="fourObj" preserve="1">
   <p:cSld name="Title, 4 Content">
     <p:spTree>
       <p:nvGrpSpPr>
@@ -1683,7 +1987,8 @@
           </a:prstGeom>
         </p:spPr>
         <p:txBody>
-          <a:bodyPr lIns="0" rIns="0" tIns="0" bIns="0" anchor="ctr"/>
+          <a:bodyPr lIns="0" tIns="0" rIns="0" bIns="0" anchor="ctr"/>
+          <a:lstStyle/>
           <a:p>
             <a:endParaRPr/>
           </a:p>
@@ -1709,7 +2014,8 @@
           </a:prstGeom>
         </p:spPr>
         <p:txBody>
-          <a:bodyPr lIns="0" rIns="0" tIns="0" bIns="0"/>
+          <a:bodyPr lIns="0" tIns="0" rIns="0" bIns="0"/>
+          <a:lstStyle/>
           <a:p>
             <a:endParaRPr/>
           </a:p>
@@ -1735,7 +2041,8 @@
           </a:prstGeom>
         </p:spPr>
         <p:txBody>
-          <a:bodyPr lIns="0" rIns="0" tIns="0" bIns="0"/>
+          <a:bodyPr lIns="0" tIns="0" rIns="0" bIns="0"/>
+          <a:lstStyle/>
           <a:p>
             <a:endParaRPr/>
           </a:p>
@@ -1761,7 +2068,8 @@
           </a:prstGeom>
         </p:spPr>
         <p:txBody>
-          <a:bodyPr lIns="0" rIns="0" tIns="0" bIns="0"/>
+          <a:bodyPr lIns="0" tIns="0" rIns="0" bIns="0"/>
+          <a:lstStyle/>
           <a:p>
             <a:endParaRPr/>
           </a:p>
@@ -1787,7 +2095,8 @@
           </a:prstGeom>
         </p:spPr>
         <p:txBody>
-          <a:bodyPr lIns="0" rIns="0" tIns="0" bIns="0"/>
+          <a:bodyPr lIns="0" tIns="0" rIns="0" bIns="0"/>
+          <a:lstStyle/>
           <a:p>
             <a:endParaRPr/>
           </a:p>
@@ -1795,11 +2104,14 @@
       </p:sp>
     </p:spTree>
   </p:cSld>
+  <p:clrMapOvr>
+    <a:masterClrMapping/>
+  </p:clrMapOvr>
 </p:sldLayout>
 </file>
 
 <file path=ppt/slideLayouts/slideLayout24.xml><?xml version="1.0" encoding="utf-8"?>
-<p:sldLayout xmlns:a="http://schemas.openxmlformats.org/drawingml/2006/main" xmlns:p="http://schemas.openxmlformats.org/presentationml/2006/main" xmlns:r="http://schemas.openxmlformats.org/officeDocument/2006/relationships" type="blank" preserve="1">
+<p:sldLayout xmlns:a="http://schemas.openxmlformats.org/drawingml/2006/main" xmlns:r="http://schemas.openxmlformats.org/officeDocument/2006/relationships" xmlns:p="http://schemas.openxmlformats.org/presentationml/2006/main" type="blank" preserve="1">
   <p:cSld name="Title, 6 Content">
     <p:spTree>
       <p:nvGrpSpPr>
@@ -1835,7 +2147,8 @@
           </a:prstGeom>
         </p:spPr>
         <p:txBody>
-          <a:bodyPr lIns="0" rIns="0" tIns="0" bIns="0" anchor="ctr"/>
+          <a:bodyPr lIns="0" tIns="0" rIns="0" bIns="0" anchor="ctr"/>
+          <a:lstStyle/>
           <a:p>
             <a:endParaRPr/>
           </a:p>
@@ -1861,7 +2174,8 @@
           </a:prstGeom>
         </p:spPr>
         <p:txBody>
-          <a:bodyPr lIns="0" rIns="0" tIns="0" bIns="0"/>
+          <a:bodyPr lIns="0" tIns="0" rIns="0" bIns="0"/>
+          <a:lstStyle/>
           <a:p>
             <a:endParaRPr/>
           </a:p>
@@ -1887,7 +2201,8 @@
           </a:prstGeom>
         </p:spPr>
         <p:txBody>
-          <a:bodyPr lIns="0" rIns="0" tIns="0" bIns="0"/>
+          <a:bodyPr lIns="0" tIns="0" rIns="0" bIns="0"/>
+          <a:lstStyle/>
           <a:p>
             <a:endParaRPr/>
           </a:p>
@@ -1895,7 +2210,7 @@
       </p:sp>
       <p:pic>
         <p:nvPicPr>
-          <p:cNvPr id="113" name="" descr=""/>
+          <p:cNvPr id="113" name="Picture 112"/>
           <p:cNvPicPr/>
           <p:nvPr/>
         </p:nvPicPr>
@@ -1918,12 +2233,12 @@
       </p:pic>
       <p:pic>
         <p:nvPicPr>
-          <p:cNvPr id="114" name="" descr=""/>
+          <p:cNvPr id="114" name="Picture 113"/>
           <p:cNvPicPr/>
           <p:nvPr/>
         </p:nvPicPr>
         <p:blipFill>
-          <a:blip r:embed="rId3"/>
+          <a:blip r:embed="rId2"/>
           <a:stretch/>
         </p:blipFill>
         <p:spPr>
@@ -1941,11 +2256,14 @@
       </p:pic>
     </p:spTree>
   </p:cSld>
+  <p:clrMapOvr>
+    <a:masterClrMapping/>
+  </p:clrMapOvr>
 </p:sldLayout>
 </file>
 
 <file path=ppt/slideLayouts/slideLayout3.xml><?xml version="1.0" encoding="utf-8"?>
-<p:sldLayout xmlns:a="http://schemas.openxmlformats.org/drawingml/2006/main" xmlns:p="http://schemas.openxmlformats.org/presentationml/2006/main" xmlns:r="http://schemas.openxmlformats.org/officeDocument/2006/relationships" type="obj" preserve="1">
+<p:sldLayout xmlns:a="http://schemas.openxmlformats.org/drawingml/2006/main" xmlns:r="http://schemas.openxmlformats.org/officeDocument/2006/relationships" xmlns:p="http://schemas.openxmlformats.org/presentationml/2006/main" type="obj" preserve="1">
   <p:cSld name="Title, Content">
     <p:spTree>
       <p:nvGrpSpPr>
@@ -1981,7 +2299,8 @@
           </a:prstGeom>
         </p:spPr>
         <p:txBody>
-          <a:bodyPr lIns="0" rIns="0" tIns="0" bIns="0" anchor="ctr"/>
+          <a:bodyPr lIns="0" tIns="0" rIns="0" bIns="0" anchor="ctr"/>
+          <a:lstStyle/>
           <a:p>
             <a:endParaRPr/>
           </a:p>
@@ -2007,7 +2326,8 @@
           </a:prstGeom>
         </p:spPr>
         <p:txBody>
-          <a:bodyPr lIns="0" rIns="0" tIns="0" bIns="0"/>
+          <a:bodyPr lIns="0" tIns="0" rIns="0" bIns="0"/>
+          <a:lstStyle/>
           <a:p>
             <a:endParaRPr/>
           </a:p>
@@ -2015,11 +2335,14 @@
       </p:sp>
     </p:spTree>
   </p:cSld>
+  <p:clrMapOvr>
+    <a:masterClrMapping/>
+  </p:clrMapOvr>
 </p:sldLayout>
 </file>
 
 <file path=ppt/slideLayouts/slideLayout4.xml><?xml version="1.0" encoding="utf-8"?>
-<p:sldLayout xmlns:a="http://schemas.openxmlformats.org/drawingml/2006/main" xmlns:p="http://schemas.openxmlformats.org/presentationml/2006/main" xmlns:r="http://schemas.openxmlformats.org/officeDocument/2006/relationships" type="twoObj" preserve="1">
+<p:sldLayout xmlns:a="http://schemas.openxmlformats.org/drawingml/2006/main" xmlns:r="http://schemas.openxmlformats.org/officeDocument/2006/relationships" xmlns:p="http://schemas.openxmlformats.org/presentationml/2006/main" type="twoObj" preserve="1">
   <p:cSld name="Title, 2 Content">
     <p:spTree>
       <p:nvGrpSpPr>
@@ -2055,7 +2378,8 @@
           </a:prstGeom>
         </p:spPr>
         <p:txBody>
-          <a:bodyPr lIns="0" rIns="0" tIns="0" bIns="0" anchor="ctr"/>
+          <a:bodyPr lIns="0" tIns="0" rIns="0" bIns="0" anchor="ctr"/>
+          <a:lstStyle/>
           <a:p>
             <a:endParaRPr/>
           </a:p>
@@ -2081,7 +2405,8 @@
           </a:prstGeom>
         </p:spPr>
         <p:txBody>
-          <a:bodyPr lIns="0" rIns="0" tIns="0" bIns="0"/>
+          <a:bodyPr lIns="0" tIns="0" rIns="0" bIns="0"/>
+          <a:lstStyle/>
           <a:p>
             <a:endParaRPr/>
           </a:p>
@@ -2107,7 +2432,8 @@
           </a:prstGeom>
         </p:spPr>
         <p:txBody>
-          <a:bodyPr lIns="0" rIns="0" tIns="0" bIns="0"/>
+          <a:bodyPr lIns="0" tIns="0" rIns="0" bIns="0"/>
+          <a:lstStyle/>
           <a:p>
             <a:endParaRPr/>
           </a:p>
@@ -2115,11 +2441,14 @@
       </p:sp>
     </p:spTree>
   </p:cSld>
+  <p:clrMapOvr>
+    <a:masterClrMapping/>
+  </p:clrMapOvr>
 </p:sldLayout>
 </file>
 
 <file path=ppt/slideLayouts/slideLayout5.xml><?xml version="1.0" encoding="utf-8"?>
-<p:sldLayout xmlns:a="http://schemas.openxmlformats.org/drawingml/2006/main" xmlns:p="http://schemas.openxmlformats.org/presentationml/2006/main" xmlns:r="http://schemas.openxmlformats.org/officeDocument/2006/relationships" type="titleOnly" preserve="1">
+<p:sldLayout xmlns:a="http://schemas.openxmlformats.org/drawingml/2006/main" xmlns:r="http://schemas.openxmlformats.org/officeDocument/2006/relationships" xmlns:p="http://schemas.openxmlformats.org/presentationml/2006/main" type="titleOnly" preserve="1">
   <p:cSld name="Title Only">
     <p:spTree>
       <p:nvGrpSpPr>
@@ -2155,7 +2484,8 @@
           </a:prstGeom>
         </p:spPr>
         <p:txBody>
-          <a:bodyPr lIns="0" rIns="0" tIns="0" bIns="0" anchor="ctr"/>
+          <a:bodyPr lIns="0" tIns="0" rIns="0" bIns="0" anchor="ctr"/>
+          <a:lstStyle/>
           <a:p>
             <a:endParaRPr/>
           </a:p>
@@ -2163,11 +2493,14 @@
       </p:sp>
     </p:spTree>
   </p:cSld>
+  <p:clrMapOvr>
+    <a:masterClrMapping/>
+  </p:clrMapOvr>
 </p:sldLayout>
 </file>
 
 <file path=ppt/slideLayouts/slideLayout6.xml><?xml version="1.0" encoding="utf-8"?>
-<p:sldLayout xmlns:a="http://schemas.openxmlformats.org/drawingml/2006/main" xmlns:p="http://schemas.openxmlformats.org/presentationml/2006/main" xmlns:r="http://schemas.openxmlformats.org/officeDocument/2006/relationships" type="objOnly" preserve="1">
+<p:sldLayout xmlns:a="http://schemas.openxmlformats.org/drawingml/2006/main" xmlns:r="http://schemas.openxmlformats.org/officeDocument/2006/relationships" xmlns:p="http://schemas.openxmlformats.org/presentationml/2006/main" type="objOnly" preserve="1">
   <p:cSld name="Centered Text">
     <p:spTree>
       <p:nvGrpSpPr>
@@ -2203,7 +2536,8 @@
           </a:prstGeom>
         </p:spPr>
         <p:txBody>
-          <a:bodyPr lIns="0" rIns="0" tIns="0" bIns="0" anchor="ctr"/>
+          <a:bodyPr lIns="0" tIns="0" rIns="0" bIns="0" anchor="ctr"/>
+          <a:lstStyle/>
           <a:p>
             <a:pPr algn="ctr"/>
             <a:endParaRPr/>
@@ -2212,11 +2546,14 @@
       </p:sp>
     </p:spTree>
   </p:cSld>
+  <p:clrMapOvr>
+    <a:masterClrMapping/>
+  </p:clrMapOvr>
 </p:sldLayout>
 </file>
 
 <file path=ppt/slideLayouts/slideLayout7.xml><?xml version="1.0" encoding="utf-8"?>
-<p:sldLayout xmlns:a="http://schemas.openxmlformats.org/drawingml/2006/main" xmlns:p="http://schemas.openxmlformats.org/presentationml/2006/main" xmlns:r="http://schemas.openxmlformats.org/officeDocument/2006/relationships" type="twoObjAndObj" preserve="1">
+<p:sldLayout xmlns:a="http://schemas.openxmlformats.org/drawingml/2006/main" xmlns:r="http://schemas.openxmlformats.org/officeDocument/2006/relationships" xmlns:p="http://schemas.openxmlformats.org/presentationml/2006/main" type="twoObjAndObj" preserve="1">
   <p:cSld name="Title, 2 Content and Content">
     <p:spTree>
       <p:nvGrpSpPr>
@@ -2252,7 +2589,8 @@
           </a:prstGeom>
         </p:spPr>
         <p:txBody>
-          <a:bodyPr lIns="0" rIns="0" tIns="0" bIns="0" anchor="ctr"/>
+          <a:bodyPr lIns="0" tIns="0" rIns="0" bIns="0" anchor="ctr"/>
+          <a:lstStyle/>
           <a:p>
             <a:endParaRPr/>
           </a:p>
@@ -2278,7 +2616,8 @@
           </a:prstGeom>
         </p:spPr>
         <p:txBody>
-          <a:bodyPr lIns="0" rIns="0" tIns="0" bIns="0"/>
+          <a:bodyPr lIns="0" tIns="0" rIns="0" bIns="0"/>
+          <a:lstStyle/>
           <a:p>
             <a:endParaRPr/>
           </a:p>
@@ -2304,7 +2643,8 @@
           </a:prstGeom>
         </p:spPr>
         <p:txBody>
-          <a:bodyPr lIns="0" rIns="0" tIns="0" bIns="0"/>
+          <a:bodyPr lIns="0" tIns="0" rIns="0" bIns="0"/>
+          <a:lstStyle/>
           <a:p>
             <a:endParaRPr/>
           </a:p>
@@ -2330,7 +2670,8 @@
           </a:prstGeom>
         </p:spPr>
         <p:txBody>
-          <a:bodyPr lIns="0" rIns="0" tIns="0" bIns="0"/>
+          <a:bodyPr lIns="0" tIns="0" rIns="0" bIns="0"/>
+          <a:lstStyle/>
           <a:p>
             <a:endParaRPr/>
           </a:p>
@@ -2338,11 +2679,14 @@
       </p:sp>
     </p:spTree>
   </p:cSld>
+  <p:clrMapOvr>
+    <a:masterClrMapping/>
+  </p:clrMapOvr>
 </p:sldLayout>
 </file>
 
 <file path=ppt/slideLayouts/slideLayout8.xml><?xml version="1.0" encoding="utf-8"?>
-<p:sldLayout xmlns:a="http://schemas.openxmlformats.org/drawingml/2006/main" xmlns:p="http://schemas.openxmlformats.org/presentationml/2006/main" xmlns:r="http://schemas.openxmlformats.org/officeDocument/2006/relationships" type="objAndTwoObj" preserve="1">
+<p:sldLayout xmlns:a="http://schemas.openxmlformats.org/drawingml/2006/main" xmlns:r="http://schemas.openxmlformats.org/officeDocument/2006/relationships" xmlns:p="http://schemas.openxmlformats.org/presentationml/2006/main" type="objAndTwoObj" preserve="1">
   <p:cSld name="Title Content and 2 Content">
     <p:spTree>
       <p:nvGrpSpPr>
@@ -2378,7 +2722,8 @@
           </a:prstGeom>
         </p:spPr>
         <p:txBody>
-          <a:bodyPr lIns="0" rIns="0" tIns="0" bIns="0" anchor="ctr"/>
+          <a:bodyPr lIns="0" tIns="0" rIns="0" bIns="0" anchor="ctr"/>
+          <a:lstStyle/>
           <a:p>
             <a:endParaRPr/>
           </a:p>
@@ -2404,7 +2749,8 @@
           </a:prstGeom>
         </p:spPr>
         <p:txBody>
-          <a:bodyPr lIns="0" rIns="0" tIns="0" bIns="0"/>
+          <a:bodyPr lIns="0" tIns="0" rIns="0" bIns="0"/>
+          <a:lstStyle/>
           <a:p>
             <a:endParaRPr/>
           </a:p>
@@ -2430,7 +2776,8 @@
           </a:prstGeom>
         </p:spPr>
         <p:txBody>
-          <a:bodyPr lIns="0" rIns="0" tIns="0" bIns="0"/>
+          <a:bodyPr lIns="0" tIns="0" rIns="0" bIns="0"/>
+          <a:lstStyle/>
           <a:p>
             <a:endParaRPr/>
           </a:p>
@@ -2456,7 +2803,8 @@
           </a:prstGeom>
         </p:spPr>
         <p:txBody>
-          <a:bodyPr lIns="0" rIns="0" tIns="0" bIns="0"/>
+          <a:bodyPr lIns="0" tIns="0" rIns="0" bIns="0"/>
+          <a:lstStyle/>
           <a:p>
             <a:endParaRPr/>
           </a:p>
@@ -2464,11 +2812,14 @@
       </p:sp>
     </p:spTree>
   </p:cSld>
+  <p:clrMapOvr>
+    <a:masterClrMapping/>
+  </p:clrMapOvr>
 </p:sldLayout>
 </file>
 
 <file path=ppt/slideLayouts/slideLayout9.xml><?xml version="1.0" encoding="utf-8"?>
-<p:sldLayout xmlns:a="http://schemas.openxmlformats.org/drawingml/2006/main" xmlns:p="http://schemas.openxmlformats.org/presentationml/2006/main" xmlns:r="http://schemas.openxmlformats.org/officeDocument/2006/relationships" type="twoObjOverTx" preserve="1">
+<p:sldLayout xmlns:a="http://schemas.openxmlformats.org/drawingml/2006/main" xmlns:r="http://schemas.openxmlformats.org/officeDocument/2006/relationships" xmlns:p="http://schemas.openxmlformats.org/presentationml/2006/main" type="twoObjOverTx" preserve="1">
   <p:cSld name="Title, 2 Content over Content">
     <p:spTree>
       <p:nvGrpSpPr>
@@ -2504,7 +2855,8 @@
           </a:prstGeom>
         </p:spPr>
         <p:txBody>
-          <a:bodyPr lIns="0" rIns="0" tIns="0" bIns="0" anchor="ctr"/>
+          <a:bodyPr lIns="0" tIns="0" rIns="0" bIns="0" anchor="ctr"/>
+          <a:lstStyle/>
           <a:p>
             <a:endParaRPr/>
           </a:p>
@@ -2530,7 +2882,8 @@
           </a:prstGeom>
         </p:spPr>
         <p:txBody>
-          <a:bodyPr lIns="0" rIns="0" tIns="0" bIns="0"/>
+          <a:bodyPr lIns="0" tIns="0" rIns="0" bIns="0"/>
+          <a:lstStyle/>
           <a:p>
             <a:endParaRPr/>
           </a:p>
@@ -2556,7 +2909,8 @@
           </a:prstGeom>
         </p:spPr>
         <p:txBody>
-          <a:bodyPr lIns="0" rIns="0" tIns="0" bIns="0"/>
+          <a:bodyPr lIns="0" tIns="0" rIns="0" bIns="0"/>
+          <a:lstStyle/>
           <a:p>
             <a:endParaRPr/>
           </a:p>
@@ -2582,7 +2936,8 @@
           </a:prstGeom>
         </p:spPr>
         <p:txBody>
-          <a:bodyPr lIns="0" rIns="0" tIns="0" bIns="0"/>
+          <a:bodyPr lIns="0" tIns="0" rIns="0" bIns="0"/>
+          <a:lstStyle/>
           <a:p>
             <a:endParaRPr/>
           </a:p>
@@ -2590,17 +2945,21 @@
       </p:sp>
     </p:spTree>
   </p:cSld>
+  <p:clrMapOvr>
+    <a:masterClrMapping/>
+  </p:clrMapOvr>
 </p:sldLayout>
 </file>
 
 <file path=ppt/slideMasters/slideMaster1.xml><?xml version="1.0" encoding="utf-8"?>
-<p:sldMaster xmlns:a="http://schemas.openxmlformats.org/drawingml/2006/main" xmlns:p="http://schemas.openxmlformats.org/presentationml/2006/main" xmlns:r="http://schemas.openxmlformats.org/officeDocument/2006/relationships">
+<p:sldMaster xmlns:a="http://schemas.openxmlformats.org/drawingml/2006/main" xmlns:r="http://schemas.openxmlformats.org/officeDocument/2006/relationships" xmlns:p="http://schemas.openxmlformats.org/presentationml/2006/main">
   <p:cSld>
     <p:bg>
       <p:bgPr>
         <a:solidFill>
-          <a:srgbClr val="ffffff"/>
+          <a:srgbClr val="FFFFFF"/>
         </a:solidFill>
+        <a:effectLst/>
       </p:bgPr>
     </p:bg>
     <p:spTree>
@@ -2619,7 +2978,7 @@
       </p:grpSpPr>
       <p:sp>
         <p:nvSpPr>
-          <p:cNvPr id="0" name="CustomShape 1"/>
+          <p:cNvPr id="29" name="CustomShape 1"/>
           <p:cNvSpPr/>
           <p:nvPr/>
         </p:nvSpPr>
@@ -2640,7 +2999,7 @@
             <a:noFill/>
           </a:ln>
           <a:effectLst>
-            <a:outerShdw blurRad="51500" dir="5400000" dist="25400" rotWithShape="0">
+            <a:outerShdw blurRad="51500" dist="25400" dir="5400000" rotWithShape="0">
               <a:srgbClr val="000000">
                 <a:alpha val="40000"/>
               </a:srgbClr>
@@ -2662,7 +3021,7 @@
       </p:sp>
       <p:sp>
         <p:nvSpPr>
-          <p:cNvPr id="1" name="CustomShape 2"/>
+          <p:cNvPr id="30" name="CustomShape 2"/>
           <p:cNvSpPr/>
           <p:nvPr/>
         </p:nvSpPr>
@@ -2683,7 +3042,7 @@
             <a:noFill/>
           </a:ln>
           <a:effectLst>
-            <a:outerShdw blurRad="51500" dir="5400000" dist="25400" rotWithShape="0">
+            <a:outerShdw blurRad="51500" dist="25400" dir="5400000" rotWithShape="0">
               <a:srgbClr val="000000">
                 <a:alpha val="40000"/>
               </a:srgbClr>
@@ -2726,7 +3085,7 @@
             <a:noFill/>
           </a:ln>
           <a:effectLst>
-            <a:outerShdw blurRad="51500" dir="5400000" dist="25400" rotWithShape="0">
+            <a:outerShdw blurRad="51500" dist="25400" dir="5400000" rotWithShape="0">
               <a:srgbClr val="000000">
                 <a:alpha val="40000"/>
               </a:srgbClr>
@@ -2769,7 +3128,7 @@
             <a:noFill/>
           </a:ln>
           <a:effectLst>
-            <a:outerShdw blurRad="51500" dir="5400000" dist="25400" rotWithShape="0">
+            <a:outerShdw blurRad="51500" dist="25400" dir="5400000" rotWithShape="0">
               <a:srgbClr val="000000">
                 <a:alpha val="40000"/>
               </a:srgbClr>
@@ -2812,7 +3171,7 @@
             <a:noFill/>
           </a:ln>
           <a:effectLst>
-            <a:outerShdw blurRad="51500" dir="5400000" dist="25400" rotWithShape="0">
+            <a:outerShdw blurRad="51500" dist="25400" dir="5400000" rotWithShape="0">
               <a:srgbClr val="000000">
                 <a:alpha val="40000"/>
               </a:srgbClr>
@@ -2849,13 +3208,13 @@
             </a:avLst>
           </a:prstGeom>
           <a:solidFill>
-            <a:srgbClr val="ffffff"/>
+            <a:srgbClr val="FFFFFF"/>
           </a:solidFill>
           <a:ln w="50760">
             <a:noFill/>
           </a:ln>
           <a:effectLst>
-            <a:outerShdw blurRad="51500" dir="5400000" dist="25400" rotWithShape="0">
+            <a:outerShdw blurRad="51500" dist="25400" dir="5400000" rotWithShape="0">
               <a:srgbClr val="000000">
                 <a:alpha val="40000"/>
               </a:srgbClr>
@@ -2892,13 +3251,13 @@
             </a:avLst>
           </a:prstGeom>
           <a:solidFill>
-            <a:srgbClr val="ffffff"/>
+            <a:srgbClr val="FFFFFF"/>
           </a:solidFill>
           <a:ln w="50760">
             <a:noFill/>
           </a:ln>
           <a:effectLst>
-            <a:outerShdw blurRad="51500" dir="5400000" dist="25400" rotWithShape="0">
+            <a:outerShdw blurRad="51500" dist="25400" dir="5400000" rotWithShape="0">
               <a:srgbClr val="000000">
                 <a:alpha val="40000"/>
               </a:srgbClr>
@@ -2933,7 +3292,7 @@
             <a:avLst/>
           </a:prstGeom>
           <a:solidFill>
-            <a:srgbClr val="ffffff">
+            <a:srgbClr val="FFFFFF">
               <a:alpha val="66000"/>
             </a:srgbClr>
           </a:solidFill>
@@ -2941,7 +3300,7 @@
             <a:noFill/>
           </a:ln>
           <a:effectLst>
-            <a:outerShdw blurRad="51500" dir="5400000" dist="25400" rotWithShape="0">
+            <a:outerShdw blurRad="51500" dist="25400" dir="5400000" rotWithShape="0">
               <a:srgbClr val="000000">
                 <a:alpha val="40000"/>
               </a:srgbClr>
@@ -2976,7 +3335,7 @@
             <a:avLst/>
           </a:prstGeom>
           <a:solidFill>
-            <a:srgbClr val="ffffff">
+            <a:srgbClr val="FFFFFF">
               <a:alpha val="66000"/>
             </a:srgbClr>
           </a:solidFill>
@@ -2984,7 +3343,7 @@
             <a:noFill/>
           </a:ln>
           <a:effectLst>
-            <a:outerShdw blurRad="51500" dir="5400000" dist="25400" rotWithShape="0">
+            <a:outerShdw blurRad="51500" dist="25400" dir="5400000" rotWithShape="0">
               <a:srgbClr val="000000">
                 <a:alpha val="40000"/>
               </a:srgbClr>
@@ -3019,7 +3378,7 @@
             <a:avLst/>
           </a:prstGeom>
           <a:solidFill>
-            <a:srgbClr val="ffffff">
+            <a:srgbClr val="FFFFFF">
               <a:alpha val="60000"/>
             </a:srgbClr>
           </a:solidFill>
@@ -3027,7 +3386,7 @@
             <a:noFill/>
           </a:ln>
           <a:effectLst>
-            <a:outerShdw blurRad="51500" dir="5400000" dist="25400" rotWithShape="0">
+            <a:outerShdw blurRad="51500" dist="25400" dir="5400000" rotWithShape="0">
               <a:srgbClr val="000000">
                 <a:alpha val="40000"/>
               </a:srgbClr>
@@ -3062,7 +3421,7 @@
             <a:avLst/>
           </a:prstGeom>
           <a:solidFill>
-            <a:srgbClr val="ffffff">
+            <a:srgbClr val="FFFFFF">
               <a:alpha val="40000"/>
             </a:srgbClr>
           </a:solidFill>
@@ -3070,7 +3429,7 @@
             <a:noFill/>
           </a:ln>
           <a:effectLst>
-            <a:outerShdw blurRad="51500" dir="5400000" dist="25400" rotWithShape="0">
+            <a:outerShdw blurRad="51500" dist="25400" dir="5400000" rotWithShape="0">
               <a:srgbClr val="000000">
                 <a:alpha val="40000"/>
               </a:srgbClr>
@@ -3105,7 +3464,7 @@
             <a:avLst/>
           </a:prstGeom>
           <a:solidFill>
-            <a:srgbClr val="ffffff">
+            <a:srgbClr val="FFFFFF">
               <a:alpha val="20000"/>
             </a:srgbClr>
           </a:solidFill>
@@ -3113,7 +3472,7 @@
             <a:noFill/>
           </a:ln>
           <a:effectLst>
-            <a:outerShdw blurRad="51500" dir="5400000" dist="25400" rotWithShape="0">
+            <a:outerShdw blurRad="51500" dist="25400" dir="5400000" rotWithShape="0">
               <a:srgbClr val="000000">
                 <a:alpha val="40000"/>
               </a:srgbClr>
@@ -3148,7 +3507,7 @@
             <a:avLst/>
           </a:prstGeom>
           <a:solidFill>
-            <a:srgbClr val="ffffff">
+            <a:srgbClr val="FFFFFF">
               <a:alpha val="31000"/>
             </a:srgbClr>
           </a:solidFill>
@@ -3156,7 +3515,7 @@
             <a:noFill/>
           </a:ln>
           <a:effectLst>
-            <a:outerShdw blurRad="51500" dir="5400000" dist="25400" rotWithShape="0">
+            <a:outerShdw blurRad="51500" dist="25400" dir="5400000" rotWithShape="0">
               <a:srgbClr val="000000">
                 <a:alpha val="40000"/>
               </a:srgbClr>
@@ -3199,7 +3558,7 @@
             <a:noFill/>
           </a:ln>
           <a:effectLst>
-            <a:outerShdw blurRad="51500" dir="5400000" dist="25400" rotWithShape="0">
+            <a:outerShdw blurRad="51500" dist="25400" dir="5400000" rotWithShape="0">
               <a:srgbClr val="000000">
                 <a:alpha val="40000"/>
               </a:srgbClr>
@@ -3242,7 +3601,7 @@
             <a:noFill/>
           </a:ln>
           <a:effectLst>
-            <a:outerShdw blurRad="51500" dir="5400000" dist="25400" rotWithShape="0">
+            <a:outerShdw blurRad="51500" dist="25400" dir="5400000" rotWithShape="0">
               <a:srgbClr val="000000">
                 <a:alpha val="40000"/>
               </a:srgbClr>
@@ -3285,7 +3644,7 @@
             <a:noFill/>
           </a:ln>
           <a:effectLst>
-            <a:outerShdw blurRad="51500" dir="5400000" dist="25400" rotWithShape="0">
+            <a:outerShdw blurRad="51500" dist="25400" dir="5400000" rotWithShape="0">
               <a:srgbClr val="000000">
                 <a:alpha val="40000"/>
               </a:srgbClr>
@@ -3328,7 +3687,7 @@
             <a:noFill/>
           </a:ln>
           <a:effectLst>
-            <a:outerShdw blurRad="51500" dir="5400000" dist="25400" rotWithShape="0">
+            <a:outerShdw blurRad="51500" dist="25400" dir="5400000" rotWithShape="0">
               <a:srgbClr val="000000">
                 <a:alpha val="40000"/>
               </a:srgbClr>
@@ -3371,7 +3730,7 @@
             <a:noFill/>
           </a:ln>
           <a:effectLst>
-            <a:outerShdw blurRad="51500" dir="5400000" dist="25400" rotWithShape="0">
+            <a:outerShdw blurRad="51500" dist="25400" dir="5400000" rotWithShape="0">
               <a:srgbClr val="000000">
                 <a:alpha val="40000"/>
               </a:srgbClr>
@@ -3408,13 +3767,13 @@
             </a:avLst>
           </a:prstGeom>
           <a:solidFill>
-            <a:srgbClr val="ffffff"/>
+            <a:srgbClr val="FFFFFF"/>
           </a:solidFill>
           <a:ln w="50760">
             <a:noFill/>
           </a:ln>
           <a:effectLst>
-            <a:outerShdw blurRad="51500" dir="5400000" dist="25400" rotWithShape="0">
+            <a:outerShdw blurRad="51500" dist="25400" dir="5400000" rotWithShape="0">
               <a:srgbClr val="000000">
                 <a:alpha val="40000"/>
               </a:srgbClr>
@@ -3451,13 +3810,13 @@
             </a:avLst>
           </a:prstGeom>
           <a:solidFill>
-            <a:srgbClr val="ffffff"/>
+            <a:srgbClr val="FFFFFF"/>
           </a:solidFill>
           <a:ln w="50760">
             <a:noFill/>
           </a:ln>
           <a:effectLst>
-            <a:outerShdw blurRad="51500" dir="5400000" dist="25400" rotWithShape="0">
+            <a:outerShdw blurRad="51500" dist="25400" dir="5400000" rotWithShape="0">
               <a:srgbClr val="000000">
                 <a:alpha val="40000"/>
               </a:srgbClr>
@@ -3500,7 +3859,7 @@
             <a:noFill/>
           </a:ln>
           <a:effectLst>
-            <a:outerShdw blurRad="51500" dir="5400000" dist="25400" rotWithShape="0">
+            <a:outerShdw blurRad="51500" dist="25400" dir="5400000" rotWithShape="0">
               <a:srgbClr val="000000">
                 <a:alpha val="40000"/>
               </a:srgbClr>
@@ -3543,7 +3902,7 @@
             <a:noFill/>
           </a:ln>
           <a:effectLst>
-            <a:outerShdw blurRad="51500" dir="5400000" dist="25400" rotWithShape="0">
+            <a:outerShdw blurRad="51500" dist="25400" dir="5400000" rotWithShape="0">
               <a:srgbClr val="000000">
                 <a:alpha val="40000"/>
               </a:srgbClr>
@@ -3586,7 +3945,7 @@
             <a:noFill/>
           </a:ln>
           <a:effectLst>
-            <a:outerShdw blurRad="51500" dir="5400000" dist="25400" rotWithShape="0">
+            <a:outerShdw blurRad="51500" dist="25400" dir="5400000" rotWithShape="0">
               <a:srgbClr val="000000">
                 <a:alpha val="40000"/>
               </a:srgbClr>
@@ -3629,7 +3988,7 @@
             <a:noFill/>
           </a:ln>
           <a:effectLst>
-            <a:outerShdw blurRad="51500" dir="5400000" dist="25400" rotWithShape="0">
+            <a:outerShdw blurRad="51500" dist="25400" dir="5400000" rotWithShape="0">
               <a:srgbClr val="000000">
                 <a:alpha val="40000"/>
               </a:srgbClr>
@@ -3669,7 +4028,8 @@
           </a:prstGeom>
         </p:spPr>
         <p:txBody>
-          <a:bodyPr lIns="90000" rIns="90000" tIns="45000" bIns="45000" anchor="b"/>
+          <a:bodyPr lIns="90000" tIns="45000" rIns="90000" bIns="45000" anchor="b"/>
+          <a:lstStyle/>
           <a:p>
             <a:pPr>
               <a:lnSpc>
@@ -3679,7 +4039,7 @@
             <a:r>
               <a:rPr lang="en-US" sz="4400" strike="noStrike">
                 <a:solidFill>
-                  <a:srgbClr val="ffffff"/>
+                  <a:srgbClr val="FFFFFF"/>
                 </a:solidFill>
                 <a:latin typeface="Trebuchet MS"/>
               </a:rPr>
@@ -3709,7 +4069,8 @@
           </a:prstGeom>
         </p:spPr>
         <p:txBody>
-          <a:bodyPr lIns="90000" rIns="90000" tIns="45000" bIns="45000"/>
+          <a:bodyPr lIns="90000" tIns="45000" rIns="90000" bIns="45000"/>
+          <a:lstStyle/>
           <a:p>
             <a:pPr>
               <a:lnSpc>
@@ -3749,7 +4110,8 @@
           </a:prstGeom>
         </p:spPr>
         <p:txBody>
-          <a:bodyPr lIns="90000" rIns="90000" tIns="45000" bIns="45000"/>
+          <a:bodyPr lIns="90000" tIns="45000" rIns="90000" bIns="45000"/>
+          <a:lstStyle/>
           <a:p>
             <a:endParaRPr/>
           </a:p>
@@ -3775,7 +4137,8 @@
           </a:prstGeom>
         </p:spPr>
         <p:txBody>
-          <a:bodyPr lIns="90000" rIns="90000" tIns="45000" bIns="45000" anchor="b"/>
+          <a:bodyPr lIns="90000" tIns="45000" rIns="90000" bIns="45000" anchor="b"/>
+          <a:lstStyle/>
           <a:p>
             <a:pPr algn="r">
               <a:lnSpc>
@@ -3785,11 +4148,11 @@
             <a:fld id="{F94CC7BA-01C4-44E9-9EF4-6A80A0771236}" type="slidenum">
               <a:rPr lang="en-US" strike="noStrike">
                 <a:solidFill>
-                  <a:srgbClr val="ffffff"/>
+                  <a:srgbClr val="FFFFFF"/>
                 </a:solidFill>
                 <a:latin typeface="Georgia"/>
               </a:rPr>
-              <a:t>&lt;number&gt;</a:t>
+              <a:t>‹#›</a:t>
             </a:fld>
             <a:endParaRPr/>
           </a:p>
@@ -3815,7 +4178,8 @@
           </a:prstGeom>
         </p:spPr>
         <p:txBody>
-          <a:bodyPr lIns="0" rIns="0" tIns="0" bIns="0"/>
+          <a:bodyPr lIns="0" tIns="0" rIns="0" bIns="0"/>
+          <a:lstStyle/>
           <a:p>
             <a:pPr>
               <a:buSzPct val="45000"/>
@@ -3918,32 +4282,313 @@
       </p:sp>
     </p:spTree>
   </p:cSld>
-  <p:clrMap bg1="lt1" bg2="lt2" tx1="dk1" tx2="dk2" accent1="accent1" accent2="accent2" accent3="accent3" accent4="accent4" accent5="accent5" accent6="accent6" hlink="hlink" folHlink="folHlink"/>
+  <p:clrMap bg1="lt1" tx1="dk1" bg2="lt2" tx2="dk2" accent1="accent1" accent2="accent2" accent3="accent3" accent4="accent4" accent5="accent5" accent6="accent6" hlink="hlink" folHlink="folHlink"/>
   <p:sldLayoutIdLst>
-    <p:sldLayoutId id="2147483649" r:id="rId2"/>
-    <p:sldLayoutId id="2147483650" r:id="rId3"/>
-    <p:sldLayoutId id="2147483651" r:id="rId4"/>
-    <p:sldLayoutId id="2147483652" r:id="rId5"/>
-    <p:sldLayoutId id="2147483653" r:id="rId6"/>
-    <p:sldLayoutId id="2147483654" r:id="rId7"/>
-    <p:sldLayoutId id="2147483655" r:id="rId8"/>
-    <p:sldLayoutId id="2147483656" r:id="rId9"/>
-    <p:sldLayoutId id="2147483657" r:id="rId10"/>
-    <p:sldLayoutId id="2147483658" r:id="rId11"/>
-    <p:sldLayoutId id="2147483659" r:id="rId12"/>
-    <p:sldLayoutId id="2147483660" r:id="rId13"/>
+    <p:sldLayoutId id="2147483649" r:id="rId1"/>
+    <p:sldLayoutId id="2147483650" r:id="rId2"/>
+    <p:sldLayoutId id="2147483651" r:id="rId3"/>
+    <p:sldLayoutId id="2147483652" r:id="rId4"/>
+    <p:sldLayoutId id="2147483653" r:id="rId5"/>
+    <p:sldLayoutId id="2147483654" r:id="rId6"/>
+    <p:sldLayoutId id="2147483655" r:id="rId7"/>
+    <p:sldLayoutId id="2147483656" r:id="rId8"/>
+    <p:sldLayoutId id="2147483657" r:id="rId9"/>
+    <p:sldLayoutId id="2147483658" r:id="rId10"/>
+    <p:sldLayoutId id="2147483659" r:id="rId11"/>
+    <p:sldLayoutId id="2147483660" r:id="rId12"/>
   </p:sldLayoutIdLst>
+  <p:txStyles>
+    <p:titleStyle>
+      <a:lvl1pPr algn="l" defTabSz="914400" rtl="0" eaLnBrk="1" latinLnBrk="0" hangingPunct="1">
+        <a:lnSpc>
+          <a:spcPct val="90000"/>
+        </a:lnSpc>
+        <a:spcBef>
+          <a:spcPct val="0"/>
+        </a:spcBef>
+        <a:buNone/>
+        <a:defRPr sz="4400" kern="1200">
+          <a:solidFill>
+            <a:schemeClr val="tx1"/>
+          </a:solidFill>
+          <a:latin typeface="+mj-lt"/>
+          <a:ea typeface="+mj-ea"/>
+          <a:cs typeface="+mj-cs"/>
+        </a:defRPr>
+      </a:lvl1pPr>
+    </p:titleStyle>
+    <p:bodyStyle>
+      <a:lvl1pPr marL="228600" indent="-228600" algn="l" defTabSz="914400" rtl="0" eaLnBrk="1" latinLnBrk="0" hangingPunct="1">
+        <a:lnSpc>
+          <a:spcPct val="90000"/>
+        </a:lnSpc>
+        <a:spcBef>
+          <a:spcPts val="1000"/>
+        </a:spcBef>
+        <a:buFont typeface="Arial" panose="020B0604020202020204" pitchFamily="34" charset="0"/>
+        <a:buChar char="•"/>
+        <a:defRPr sz="2800" kern="1200">
+          <a:solidFill>
+            <a:schemeClr val="tx1"/>
+          </a:solidFill>
+          <a:latin typeface="+mn-lt"/>
+          <a:ea typeface="+mn-ea"/>
+          <a:cs typeface="+mn-cs"/>
+        </a:defRPr>
+      </a:lvl1pPr>
+      <a:lvl2pPr marL="685800" indent="-228600" algn="l" defTabSz="914400" rtl="0" eaLnBrk="1" latinLnBrk="0" hangingPunct="1">
+        <a:lnSpc>
+          <a:spcPct val="90000"/>
+        </a:lnSpc>
+        <a:spcBef>
+          <a:spcPts val="500"/>
+        </a:spcBef>
+        <a:buFont typeface="Arial" panose="020B0604020202020204" pitchFamily="34" charset="0"/>
+        <a:buChar char="•"/>
+        <a:defRPr sz="2400" kern="1200">
+          <a:solidFill>
+            <a:schemeClr val="tx1"/>
+          </a:solidFill>
+          <a:latin typeface="+mn-lt"/>
+          <a:ea typeface="+mn-ea"/>
+          <a:cs typeface="+mn-cs"/>
+        </a:defRPr>
+      </a:lvl2pPr>
+      <a:lvl3pPr marL="1143000" indent="-228600" algn="l" defTabSz="914400" rtl="0" eaLnBrk="1" latinLnBrk="0" hangingPunct="1">
+        <a:lnSpc>
+          <a:spcPct val="90000"/>
+        </a:lnSpc>
+        <a:spcBef>
+          <a:spcPts val="500"/>
+        </a:spcBef>
+        <a:buFont typeface="Arial" panose="020B0604020202020204" pitchFamily="34" charset="0"/>
+        <a:buChar char="•"/>
+        <a:defRPr sz="2000" kern="1200">
+          <a:solidFill>
+            <a:schemeClr val="tx1"/>
+          </a:solidFill>
+          <a:latin typeface="+mn-lt"/>
+          <a:ea typeface="+mn-ea"/>
+          <a:cs typeface="+mn-cs"/>
+        </a:defRPr>
+      </a:lvl3pPr>
+      <a:lvl4pPr marL="1600200" indent="-228600" algn="l" defTabSz="914400" rtl="0" eaLnBrk="1" latinLnBrk="0" hangingPunct="1">
+        <a:lnSpc>
+          <a:spcPct val="90000"/>
+        </a:lnSpc>
+        <a:spcBef>
+          <a:spcPts val="500"/>
+        </a:spcBef>
+        <a:buFont typeface="Arial" panose="020B0604020202020204" pitchFamily="34" charset="0"/>
+        <a:buChar char="•"/>
+        <a:defRPr sz="1800" kern="1200">
+          <a:solidFill>
+            <a:schemeClr val="tx1"/>
+          </a:solidFill>
+          <a:latin typeface="+mn-lt"/>
+          <a:ea typeface="+mn-ea"/>
+          <a:cs typeface="+mn-cs"/>
+        </a:defRPr>
+      </a:lvl4pPr>
+      <a:lvl5pPr marL="2057400" indent="-228600" algn="l" defTabSz="914400" rtl="0" eaLnBrk="1" latinLnBrk="0" hangingPunct="1">
+        <a:lnSpc>
+          <a:spcPct val="90000"/>
+        </a:lnSpc>
+        <a:spcBef>
+          <a:spcPts val="500"/>
+        </a:spcBef>
+        <a:buFont typeface="Arial" panose="020B0604020202020204" pitchFamily="34" charset="0"/>
+        <a:buChar char="•"/>
+        <a:defRPr sz="1800" kern="1200">
+          <a:solidFill>
+            <a:schemeClr val="tx1"/>
+          </a:solidFill>
+          <a:latin typeface="+mn-lt"/>
+          <a:ea typeface="+mn-ea"/>
+          <a:cs typeface="+mn-cs"/>
+        </a:defRPr>
+      </a:lvl5pPr>
+      <a:lvl6pPr marL="2514600" indent="-228600" algn="l" defTabSz="914400" rtl="0" eaLnBrk="1" latinLnBrk="0" hangingPunct="1">
+        <a:lnSpc>
+          <a:spcPct val="90000"/>
+        </a:lnSpc>
+        <a:spcBef>
+          <a:spcPts val="500"/>
+        </a:spcBef>
+        <a:buFont typeface="Arial" panose="020B0604020202020204" pitchFamily="34" charset="0"/>
+        <a:buChar char="•"/>
+        <a:defRPr sz="1800" kern="1200">
+          <a:solidFill>
+            <a:schemeClr val="tx1"/>
+          </a:solidFill>
+          <a:latin typeface="+mn-lt"/>
+          <a:ea typeface="+mn-ea"/>
+          <a:cs typeface="+mn-cs"/>
+        </a:defRPr>
+      </a:lvl6pPr>
+      <a:lvl7pPr marL="2971800" indent="-228600" algn="l" defTabSz="914400" rtl="0" eaLnBrk="1" latinLnBrk="0" hangingPunct="1">
+        <a:lnSpc>
+          <a:spcPct val="90000"/>
+        </a:lnSpc>
+        <a:spcBef>
+          <a:spcPts val="500"/>
+        </a:spcBef>
+        <a:buFont typeface="Arial" panose="020B0604020202020204" pitchFamily="34" charset="0"/>
+        <a:buChar char="•"/>
+        <a:defRPr sz="1800" kern="1200">
+          <a:solidFill>
+            <a:schemeClr val="tx1"/>
+          </a:solidFill>
+          <a:latin typeface="+mn-lt"/>
+          <a:ea typeface="+mn-ea"/>
+          <a:cs typeface="+mn-cs"/>
+        </a:defRPr>
+      </a:lvl7pPr>
+      <a:lvl8pPr marL="3429000" indent="-228600" algn="l" defTabSz="914400" rtl="0" eaLnBrk="1" latinLnBrk="0" hangingPunct="1">
+        <a:lnSpc>
+          <a:spcPct val="90000"/>
+        </a:lnSpc>
+        <a:spcBef>
+          <a:spcPts val="500"/>
+        </a:spcBef>
+        <a:buFont typeface="Arial" panose="020B0604020202020204" pitchFamily="34" charset="0"/>
+        <a:buChar char="•"/>
+        <a:defRPr sz="1800" kern="1200">
+          <a:solidFill>
+            <a:schemeClr val="tx1"/>
+          </a:solidFill>
+          <a:latin typeface="+mn-lt"/>
+          <a:ea typeface="+mn-ea"/>
+          <a:cs typeface="+mn-cs"/>
+        </a:defRPr>
+      </a:lvl8pPr>
+      <a:lvl9pPr marL="3886200" indent="-228600" algn="l" defTabSz="914400" rtl="0" eaLnBrk="1" latinLnBrk="0" hangingPunct="1">
+        <a:lnSpc>
+          <a:spcPct val="90000"/>
+        </a:lnSpc>
+        <a:spcBef>
+          <a:spcPts val="500"/>
+        </a:spcBef>
+        <a:buFont typeface="Arial" panose="020B0604020202020204" pitchFamily="34" charset="0"/>
+        <a:buChar char="•"/>
+        <a:defRPr sz="1800" kern="1200">
+          <a:solidFill>
+            <a:schemeClr val="tx1"/>
+          </a:solidFill>
+          <a:latin typeface="+mn-lt"/>
+          <a:ea typeface="+mn-ea"/>
+          <a:cs typeface="+mn-cs"/>
+        </a:defRPr>
+      </a:lvl9pPr>
+    </p:bodyStyle>
+    <p:otherStyle>
+      <a:defPPr>
+        <a:defRPr lang="en-US"/>
+      </a:defPPr>
+      <a:lvl1pPr marL="0" algn="l" defTabSz="914400" rtl="0" eaLnBrk="1" latinLnBrk="0" hangingPunct="1">
+        <a:defRPr sz="1800" kern="1200">
+          <a:solidFill>
+            <a:schemeClr val="tx1"/>
+          </a:solidFill>
+          <a:latin typeface="+mn-lt"/>
+          <a:ea typeface="+mn-ea"/>
+          <a:cs typeface="+mn-cs"/>
+        </a:defRPr>
+      </a:lvl1pPr>
+      <a:lvl2pPr marL="457200" algn="l" defTabSz="914400" rtl="0" eaLnBrk="1" latinLnBrk="0" hangingPunct="1">
+        <a:defRPr sz="1800" kern="1200">
+          <a:solidFill>
+            <a:schemeClr val="tx1"/>
+          </a:solidFill>
+          <a:latin typeface="+mn-lt"/>
+          <a:ea typeface="+mn-ea"/>
+          <a:cs typeface="+mn-cs"/>
+        </a:defRPr>
+      </a:lvl2pPr>
+      <a:lvl3pPr marL="914400" algn="l" defTabSz="914400" rtl="0" eaLnBrk="1" latinLnBrk="0" hangingPunct="1">
+        <a:defRPr sz="1800" kern="1200">
+          <a:solidFill>
+            <a:schemeClr val="tx1"/>
+          </a:solidFill>
+          <a:latin typeface="+mn-lt"/>
+          <a:ea typeface="+mn-ea"/>
+          <a:cs typeface="+mn-cs"/>
+        </a:defRPr>
+      </a:lvl3pPr>
+      <a:lvl4pPr marL="1371600" algn="l" defTabSz="914400" rtl="0" eaLnBrk="1" latinLnBrk="0" hangingPunct="1">
+        <a:defRPr sz="1800" kern="1200">
+          <a:solidFill>
+            <a:schemeClr val="tx1"/>
+          </a:solidFill>
+          <a:latin typeface="+mn-lt"/>
+          <a:ea typeface="+mn-ea"/>
+          <a:cs typeface="+mn-cs"/>
+        </a:defRPr>
+      </a:lvl4pPr>
+      <a:lvl5pPr marL="1828800" algn="l" defTabSz="914400" rtl="0" eaLnBrk="1" latinLnBrk="0" hangingPunct="1">
+        <a:defRPr sz="1800" kern="1200">
+          <a:solidFill>
+            <a:schemeClr val="tx1"/>
+          </a:solidFill>
+          <a:latin typeface="+mn-lt"/>
+          <a:ea typeface="+mn-ea"/>
+          <a:cs typeface="+mn-cs"/>
+        </a:defRPr>
+      </a:lvl5pPr>
+      <a:lvl6pPr marL="2286000" algn="l" defTabSz="914400" rtl="0" eaLnBrk="1" latinLnBrk="0" hangingPunct="1">
+        <a:defRPr sz="1800" kern="1200">
+          <a:solidFill>
+            <a:schemeClr val="tx1"/>
+          </a:solidFill>
+          <a:latin typeface="+mn-lt"/>
+          <a:ea typeface="+mn-ea"/>
+          <a:cs typeface="+mn-cs"/>
+        </a:defRPr>
+      </a:lvl6pPr>
+      <a:lvl7pPr marL="2743200" algn="l" defTabSz="914400" rtl="0" eaLnBrk="1" latinLnBrk="0" hangingPunct="1">
+        <a:defRPr sz="1800" kern="1200">
+          <a:solidFill>
+            <a:schemeClr val="tx1"/>
+          </a:solidFill>
+          <a:latin typeface="+mn-lt"/>
+          <a:ea typeface="+mn-ea"/>
+          <a:cs typeface="+mn-cs"/>
+        </a:defRPr>
+      </a:lvl7pPr>
+      <a:lvl8pPr marL="3200400" algn="l" defTabSz="914400" rtl="0" eaLnBrk="1" latinLnBrk="0" hangingPunct="1">
+        <a:defRPr sz="1800" kern="1200">
+          <a:solidFill>
+            <a:schemeClr val="tx1"/>
+          </a:solidFill>
+          <a:latin typeface="+mn-lt"/>
+          <a:ea typeface="+mn-ea"/>
+          <a:cs typeface="+mn-cs"/>
+        </a:defRPr>
+      </a:lvl8pPr>
+      <a:lvl9pPr marL="3657600" algn="l" defTabSz="914400" rtl="0" eaLnBrk="1" latinLnBrk="0" hangingPunct="1">
+        <a:defRPr sz="1800" kern="1200">
+          <a:solidFill>
+            <a:schemeClr val="tx1"/>
+          </a:solidFill>
+          <a:latin typeface="+mn-lt"/>
+          <a:ea typeface="+mn-ea"/>
+          <a:cs typeface="+mn-cs"/>
+        </a:defRPr>
+      </a:lvl9pPr>
+    </p:otherStyle>
+  </p:txStyles>
 </p:sldMaster>
 </file>
 
 <file path=ppt/slideMasters/slideMaster2.xml><?xml version="1.0" encoding="utf-8"?>
-<p:sldMaster xmlns:a="http://schemas.openxmlformats.org/drawingml/2006/main" xmlns:p="http://schemas.openxmlformats.org/presentationml/2006/main" xmlns:r="http://schemas.openxmlformats.org/officeDocument/2006/relationships">
+<p:sldMaster xmlns:a="http://schemas.openxmlformats.org/drawingml/2006/main" xmlns:r="http://schemas.openxmlformats.org/officeDocument/2006/relationships" xmlns:p="http://schemas.openxmlformats.org/presentationml/2006/main">
   <p:cSld>
     <p:bg>
       <p:bgPr>
         <a:solidFill>
-          <a:srgbClr val="ffffff"/>
+          <a:srgbClr val="FFFFFF"/>
         </a:solidFill>
+        <a:effectLst/>
       </p:bgPr>
     </p:bg>
     <p:spTree>
@@ -3983,7 +4628,7 @@
             <a:noFill/>
           </a:ln>
           <a:effectLst>
-            <a:outerShdw blurRad="51500" dir="5400000" dist="25400" rotWithShape="0">
+            <a:outerShdw blurRad="51500" dist="25400" dir="5400000" rotWithShape="0">
               <a:srgbClr val="000000">
                 <a:alpha val="40000"/>
               </a:srgbClr>
@@ -4026,7 +4671,7 @@
             <a:noFill/>
           </a:ln>
           <a:effectLst>
-            <a:outerShdw blurRad="51500" dir="5400000" dist="25400" rotWithShape="0">
+            <a:outerShdw blurRad="51500" dist="25400" dir="5400000" rotWithShape="0">
               <a:srgbClr val="000000">
                 <a:alpha val="40000"/>
               </a:srgbClr>
@@ -4069,7 +4714,7 @@
             <a:noFill/>
           </a:ln>
           <a:effectLst>
-            <a:outerShdw blurRad="51500" dir="5400000" dist="25400" rotWithShape="0">
+            <a:outerShdw blurRad="51500" dist="25400" dir="5400000" rotWithShape="0">
               <a:srgbClr val="000000">
                 <a:alpha val="40000"/>
               </a:srgbClr>
@@ -4112,7 +4757,7 @@
             <a:noFill/>
           </a:ln>
           <a:effectLst>
-            <a:outerShdw blurRad="51500" dir="5400000" dist="25400" rotWithShape="0">
+            <a:outerShdw blurRad="51500" dist="25400" dir="5400000" rotWithShape="0">
               <a:srgbClr val="000000">
                 <a:alpha val="40000"/>
               </a:srgbClr>
@@ -4155,7 +4800,7 @@
             <a:noFill/>
           </a:ln>
           <a:effectLst>
-            <a:outerShdw blurRad="51500" dir="5400000" dist="25400" rotWithShape="0">
+            <a:outerShdw blurRad="51500" dist="25400" dir="5400000" rotWithShape="0">
               <a:srgbClr val="000000">
                 <a:alpha val="40000"/>
               </a:srgbClr>
@@ -4192,13 +4837,13 @@
             </a:avLst>
           </a:prstGeom>
           <a:solidFill>
-            <a:srgbClr val="ffffff"/>
+            <a:srgbClr val="FFFFFF"/>
           </a:solidFill>
           <a:ln w="50760">
             <a:noFill/>
           </a:ln>
           <a:effectLst>
-            <a:outerShdw blurRad="51500" dir="5400000" dist="25400" rotWithShape="0">
+            <a:outerShdw blurRad="51500" dist="25400" dir="5400000" rotWithShape="0">
               <a:srgbClr val="000000">
                 <a:alpha val="40000"/>
               </a:srgbClr>
@@ -4235,13 +4880,13 @@
             </a:avLst>
           </a:prstGeom>
           <a:solidFill>
-            <a:srgbClr val="ffffff"/>
+            <a:srgbClr val="FFFFFF"/>
           </a:solidFill>
           <a:ln w="50760">
             <a:noFill/>
           </a:ln>
           <a:effectLst>
-            <a:outerShdw blurRad="51500" dir="5400000" dist="25400" rotWithShape="0">
+            <a:outerShdw blurRad="51500" dist="25400" dir="5400000" rotWithShape="0">
               <a:srgbClr val="000000">
                 <a:alpha val="40000"/>
               </a:srgbClr>
@@ -4276,7 +4921,7 @@
             <a:avLst/>
           </a:prstGeom>
           <a:solidFill>
-            <a:srgbClr val="ffffff">
+            <a:srgbClr val="FFFFFF">
               <a:alpha val="66000"/>
             </a:srgbClr>
           </a:solidFill>
@@ -4284,7 +4929,7 @@
             <a:noFill/>
           </a:ln>
           <a:effectLst>
-            <a:outerShdw blurRad="51500" dir="5400000" dist="25400" rotWithShape="0">
+            <a:outerShdw blurRad="51500" dist="25400" dir="5400000" rotWithShape="0">
               <a:srgbClr val="000000">
                 <a:alpha val="40000"/>
               </a:srgbClr>
@@ -4319,7 +4964,7 @@
             <a:avLst/>
           </a:prstGeom>
           <a:solidFill>
-            <a:srgbClr val="ffffff">
+            <a:srgbClr val="FFFFFF">
               <a:alpha val="66000"/>
             </a:srgbClr>
           </a:solidFill>
@@ -4327,7 +4972,7 @@
             <a:noFill/>
           </a:ln>
           <a:effectLst>
-            <a:outerShdw blurRad="51500" dir="5400000" dist="25400" rotWithShape="0">
+            <a:outerShdw blurRad="51500" dist="25400" dir="5400000" rotWithShape="0">
               <a:srgbClr val="000000">
                 <a:alpha val="40000"/>
               </a:srgbClr>
@@ -4362,7 +5007,7 @@
             <a:avLst/>
           </a:prstGeom>
           <a:solidFill>
-            <a:srgbClr val="ffffff">
+            <a:srgbClr val="FFFFFF">
               <a:alpha val="60000"/>
             </a:srgbClr>
           </a:solidFill>
@@ -4370,7 +5015,7 @@
             <a:noFill/>
           </a:ln>
           <a:effectLst>
-            <a:outerShdw blurRad="51500" dir="5400000" dist="25400" rotWithShape="0">
+            <a:outerShdw blurRad="51500" dist="25400" dir="5400000" rotWithShape="0">
               <a:srgbClr val="000000">
                 <a:alpha val="40000"/>
               </a:srgbClr>
@@ -4405,7 +5050,7 @@
             <a:avLst/>
           </a:prstGeom>
           <a:solidFill>
-            <a:srgbClr val="ffffff">
+            <a:srgbClr val="FFFFFF">
               <a:alpha val="40000"/>
             </a:srgbClr>
           </a:solidFill>
@@ -4413,7 +5058,7 @@
             <a:noFill/>
           </a:ln>
           <a:effectLst>
-            <a:outerShdw blurRad="51500" dir="5400000" dist="25400" rotWithShape="0">
+            <a:outerShdw blurRad="51500" dist="25400" dir="5400000" rotWithShape="0">
               <a:srgbClr val="000000">
                 <a:alpha val="40000"/>
               </a:srgbClr>
@@ -4448,7 +5093,7 @@
             <a:avLst/>
           </a:prstGeom>
           <a:solidFill>
-            <a:srgbClr val="ffffff">
+            <a:srgbClr val="FFFFFF">
               <a:alpha val="20000"/>
             </a:srgbClr>
           </a:solidFill>
@@ -4456,7 +5101,7 @@
             <a:noFill/>
           </a:ln>
           <a:effectLst>
-            <a:outerShdw blurRad="51500" dir="5400000" dist="25400" rotWithShape="0">
+            <a:outerShdw blurRad="51500" dist="25400" dir="5400000" rotWithShape="0">
               <a:srgbClr val="000000">
                 <a:alpha val="40000"/>
               </a:srgbClr>
@@ -4491,7 +5136,7 @@
             <a:avLst/>
           </a:prstGeom>
           <a:solidFill>
-            <a:srgbClr val="ffffff">
+            <a:srgbClr val="FFFFFF">
               <a:alpha val="31000"/>
             </a:srgbClr>
           </a:solidFill>
@@ -4499,7 +5144,7 @@
             <a:noFill/>
           </a:ln>
           <a:effectLst>
-            <a:outerShdw blurRad="51500" dir="5400000" dist="25400" rotWithShape="0">
+            <a:outerShdw blurRad="51500" dist="25400" dir="5400000" rotWithShape="0">
               <a:srgbClr val="000000">
                 <a:alpha val="40000"/>
               </a:srgbClr>
@@ -4539,7 +5184,8 @@
           </a:prstGeom>
         </p:spPr>
         <p:txBody>
-          <a:bodyPr lIns="90000" rIns="90000" tIns="45000" bIns="45000" anchor="ctr"/>
+          <a:bodyPr lIns="90000" tIns="45000" rIns="90000" bIns="45000" anchor="ctr"/>
+          <a:lstStyle/>
           <a:p>
             <a:pPr>
               <a:lnSpc>
@@ -4579,7 +5225,8 @@
           </a:prstGeom>
         </p:spPr>
         <p:txBody>
-          <a:bodyPr lIns="90000" rIns="90000" tIns="45000" bIns="45000"/>
+          <a:bodyPr lIns="90000" tIns="45000" rIns="90000" bIns="45000"/>
+          <a:lstStyle/>
           <a:p>
             <a:pPr>
               <a:buSzPct val="45000"/>
@@ -4731,7 +5378,7 @@
             <a:r>
               <a:rPr lang="en-US" sz="2400" strike="noStrike">
                 <a:solidFill>
-                  <a:srgbClr val="53548a"/>
+                  <a:srgbClr val="53548A"/>
                 </a:solidFill>
                 <a:latin typeface="Georgia"/>
               </a:rPr>
@@ -4750,7 +5397,7 @@
             <a:r>
               <a:rPr lang="en-US" sz="2200" strike="noStrike">
                 <a:solidFill>
-                  <a:srgbClr val="53548a"/>
+                  <a:srgbClr val="53548A"/>
                 </a:solidFill>
                 <a:latin typeface="Georgia"/>
               </a:rPr>
@@ -4769,7 +5416,7 @@
             <a:r>
               <a:rPr lang="en-US" sz="2000" strike="noStrike">
                 <a:solidFill>
-                  <a:srgbClr val="a04da3"/>
+                  <a:srgbClr val="A04DA3"/>
                 </a:solidFill>
                 <a:latin typeface="Georgia"/>
               </a:rPr>
@@ -4799,7 +5446,8 @@
           </a:prstGeom>
         </p:spPr>
         <p:txBody>
-          <a:bodyPr lIns="90000" rIns="90000" tIns="45000" bIns="45000"/>
+          <a:bodyPr lIns="90000" tIns="45000" rIns="90000" bIns="45000"/>
+          <a:lstStyle/>
           <a:p>
             <a:pPr>
               <a:lnSpc>
@@ -4839,7 +5487,8 @@
           </a:prstGeom>
         </p:spPr>
         <p:txBody>
-          <a:bodyPr lIns="90000" rIns="90000" tIns="45000" bIns="45000"/>
+          <a:bodyPr lIns="90000" tIns="45000" rIns="90000" bIns="45000"/>
+          <a:lstStyle/>
           <a:p>
             <a:endParaRPr/>
           </a:p>
@@ -4865,7 +5514,8 @@
           </a:prstGeom>
         </p:spPr>
         <p:txBody>
-          <a:bodyPr lIns="90000" rIns="90000" tIns="45000" bIns="45000" anchor="b"/>
+          <a:bodyPr lIns="90000" tIns="45000" rIns="90000" bIns="45000" anchor="b"/>
+          <a:lstStyle/>
           <a:p>
             <a:pPr algn="r">
               <a:lnSpc>
@@ -4875,11 +5525,11 @@
             <a:fld id="{EFE58A1A-1045-4678-91AF-205939554663}" type="slidenum">
               <a:rPr lang="en-US" strike="noStrike">
                 <a:solidFill>
-                  <a:srgbClr val="ffffff"/>
+                  <a:srgbClr val="FFFFFF"/>
                 </a:solidFill>
                 <a:latin typeface="Georgia"/>
               </a:rPr>
-              <a:t>&lt;number&gt;</a:t>
+              <a:t>‹#›</a:t>
             </a:fld>
             <a:endParaRPr/>
           </a:p>
@@ -4887,26 +5537,306 @@
       </p:sp>
     </p:spTree>
   </p:cSld>
-  <p:clrMap bg1="lt1" bg2="lt2" tx1="dk1" tx2="dk2" accent1="accent1" accent2="accent2" accent3="accent3" accent4="accent4" accent5="accent5" accent6="accent6" hlink="hlink" folHlink="folHlink"/>
+  <p:clrMap bg1="lt1" tx1="dk1" bg2="lt2" tx2="dk2" accent1="accent1" accent2="accent2" accent3="accent3" accent4="accent4" accent5="accent5" accent6="accent6" hlink="hlink" folHlink="folHlink"/>
   <p:sldLayoutIdLst>
-    <p:sldLayoutId id="2147483662" r:id="rId2"/>
-    <p:sldLayoutId id="2147483663" r:id="rId3"/>
-    <p:sldLayoutId id="2147483664" r:id="rId4"/>
-    <p:sldLayoutId id="2147483665" r:id="rId5"/>
-    <p:sldLayoutId id="2147483666" r:id="rId6"/>
-    <p:sldLayoutId id="2147483667" r:id="rId7"/>
-    <p:sldLayoutId id="2147483668" r:id="rId8"/>
-    <p:sldLayoutId id="2147483669" r:id="rId9"/>
-    <p:sldLayoutId id="2147483670" r:id="rId10"/>
-    <p:sldLayoutId id="2147483671" r:id="rId11"/>
-    <p:sldLayoutId id="2147483672" r:id="rId12"/>
-    <p:sldLayoutId id="2147483673" r:id="rId13"/>
+    <p:sldLayoutId id="2147483662" r:id="rId1"/>
+    <p:sldLayoutId id="2147483663" r:id="rId2"/>
+    <p:sldLayoutId id="2147483664" r:id="rId3"/>
+    <p:sldLayoutId id="2147483665" r:id="rId4"/>
+    <p:sldLayoutId id="2147483666" r:id="rId5"/>
+    <p:sldLayoutId id="2147483667" r:id="rId6"/>
+    <p:sldLayoutId id="2147483668" r:id="rId7"/>
+    <p:sldLayoutId id="2147483669" r:id="rId8"/>
+    <p:sldLayoutId id="2147483670" r:id="rId9"/>
+    <p:sldLayoutId id="2147483671" r:id="rId10"/>
+    <p:sldLayoutId id="2147483672" r:id="rId11"/>
+    <p:sldLayoutId id="2147483673" r:id="rId12"/>
   </p:sldLayoutIdLst>
+  <p:txStyles>
+    <p:titleStyle>
+      <a:lvl1pPr algn="l" defTabSz="914400" rtl="0" eaLnBrk="1" latinLnBrk="0" hangingPunct="1">
+        <a:lnSpc>
+          <a:spcPct val="90000"/>
+        </a:lnSpc>
+        <a:spcBef>
+          <a:spcPct val="0"/>
+        </a:spcBef>
+        <a:buNone/>
+        <a:defRPr sz="4400" kern="1200">
+          <a:solidFill>
+            <a:schemeClr val="tx1"/>
+          </a:solidFill>
+          <a:latin typeface="+mj-lt"/>
+          <a:ea typeface="+mj-ea"/>
+          <a:cs typeface="+mj-cs"/>
+        </a:defRPr>
+      </a:lvl1pPr>
+    </p:titleStyle>
+    <p:bodyStyle>
+      <a:lvl1pPr marL="228600" indent="-228600" algn="l" defTabSz="914400" rtl="0" eaLnBrk="1" latinLnBrk="0" hangingPunct="1">
+        <a:lnSpc>
+          <a:spcPct val="90000"/>
+        </a:lnSpc>
+        <a:spcBef>
+          <a:spcPts val="1000"/>
+        </a:spcBef>
+        <a:buFont typeface="Arial" panose="020B0604020202020204" pitchFamily="34" charset="0"/>
+        <a:buChar char="•"/>
+        <a:defRPr sz="2800" kern="1200">
+          <a:solidFill>
+            <a:schemeClr val="tx1"/>
+          </a:solidFill>
+          <a:latin typeface="+mn-lt"/>
+          <a:ea typeface="+mn-ea"/>
+          <a:cs typeface="+mn-cs"/>
+        </a:defRPr>
+      </a:lvl1pPr>
+      <a:lvl2pPr marL="685800" indent="-228600" algn="l" defTabSz="914400" rtl="0" eaLnBrk="1" latinLnBrk="0" hangingPunct="1">
+        <a:lnSpc>
+          <a:spcPct val="90000"/>
+        </a:lnSpc>
+        <a:spcBef>
+          <a:spcPts val="500"/>
+        </a:spcBef>
+        <a:buFont typeface="Arial" panose="020B0604020202020204" pitchFamily="34" charset="0"/>
+        <a:buChar char="•"/>
+        <a:defRPr sz="2400" kern="1200">
+          <a:solidFill>
+            <a:schemeClr val="tx1"/>
+          </a:solidFill>
+          <a:latin typeface="+mn-lt"/>
+          <a:ea typeface="+mn-ea"/>
+          <a:cs typeface="+mn-cs"/>
+        </a:defRPr>
+      </a:lvl2pPr>
+      <a:lvl3pPr marL="1143000" indent="-228600" algn="l" defTabSz="914400" rtl="0" eaLnBrk="1" latinLnBrk="0" hangingPunct="1">
+        <a:lnSpc>
+          <a:spcPct val="90000"/>
+        </a:lnSpc>
+        <a:spcBef>
+          <a:spcPts val="500"/>
+        </a:spcBef>
+        <a:buFont typeface="Arial" panose="020B0604020202020204" pitchFamily="34" charset="0"/>
+        <a:buChar char="•"/>
+        <a:defRPr sz="2000" kern="1200">
+          <a:solidFill>
+            <a:schemeClr val="tx1"/>
+          </a:solidFill>
+          <a:latin typeface="+mn-lt"/>
+          <a:ea typeface="+mn-ea"/>
+          <a:cs typeface="+mn-cs"/>
+        </a:defRPr>
+      </a:lvl3pPr>
+      <a:lvl4pPr marL="1600200" indent="-228600" algn="l" defTabSz="914400" rtl="0" eaLnBrk="1" latinLnBrk="0" hangingPunct="1">
+        <a:lnSpc>
+          <a:spcPct val="90000"/>
+        </a:lnSpc>
+        <a:spcBef>
+          <a:spcPts val="500"/>
+        </a:spcBef>
+        <a:buFont typeface="Arial" panose="020B0604020202020204" pitchFamily="34" charset="0"/>
+        <a:buChar char="•"/>
+        <a:defRPr sz="1800" kern="1200">
+          <a:solidFill>
+            <a:schemeClr val="tx1"/>
+          </a:solidFill>
+          <a:latin typeface="+mn-lt"/>
+          <a:ea typeface="+mn-ea"/>
+          <a:cs typeface="+mn-cs"/>
+        </a:defRPr>
+      </a:lvl4pPr>
+      <a:lvl5pPr marL="2057400" indent="-228600" algn="l" defTabSz="914400" rtl="0" eaLnBrk="1" latinLnBrk="0" hangingPunct="1">
+        <a:lnSpc>
+          <a:spcPct val="90000"/>
+        </a:lnSpc>
+        <a:spcBef>
+          <a:spcPts val="500"/>
+        </a:spcBef>
+        <a:buFont typeface="Arial" panose="020B0604020202020204" pitchFamily="34" charset="0"/>
+        <a:buChar char="•"/>
+        <a:defRPr sz="1800" kern="1200">
+          <a:solidFill>
+            <a:schemeClr val="tx1"/>
+          </a:solidFill>
+          <a:latin typeface="+mn-lt"/>
+          <a:ea typeface="+mn-ea"/>
+          <a:cs typeface="+mn-cs"/>
+        </a:defRPr>
+      </a:lvl5pPr>
+      <a:lvl6pPr marL="2514600" indent="-228600" algn="l" defTabSz="914400" rtl="0" eaLnBrk="1" latinLnBrk="0" hangingPunct="1">
+        <a:lnSpc>
+          <a:spcPct val="90000"/>
+        </a:lnSpc>
+        <a:spcBef>
+          <a:spcPts val="500"/>
+        </a:spcBef>
+        <a:buFont typeface="Arial" panose="020B0604020202020204" pitchFamily="34" charset="0"/>
+        <a:buChar char="•"/>
+        <a:defRPr sz="1800" kern="1200">
+          <a:solidFill>
+            <a:schemeClr val="tx1"/>
+          </a:solidFill>
+          <a:latin typeface="+mn-lt"/>
+          <a:ea typeface="+mn-ea"/>
+          <a:cs typeface="+mn-cs"/>
+        </a:defRPr>
+      </a:lvl6pPr>
+      <a:lvl7pPr marL="2971800" indent="-228600" algn="l" defTabSz="914400" rtl="0" eaLnBrk="1" latinLnBrk="0" hangingPunct="1">
+        <a:lnSpc>
+          <a:spcPct val="90000"/>
+        </a:lnSpc>
+        <a:spcBef>
+          <a:spcPts val="500"/>
+        </a:spcBef>
+        <a:buFont typeface="Arial" panose="020B0604020202020204" pitchFamily="34" charset="0"/>
+        <a:buChar char="•"/>
+        <a:defRPr sz="1800" kern="1200">
+          <a:solidFill>
+            <a:schemeClr val="tx1"/>
+          </a:solidFill>
+          <a:latin typeface="+mn-lt"/>
+          <a:ea typeface="+mn-ea"/>
+          <a:cs typeface="+mn-cs"/>
+        </a:defRPr>
+      </a:lvl7pPr>
+      <a:lvl8pPr marL="3429000" indent="-228600" algn="l" defTabSz="914400" rtl="0" eaLnBrk="1" latinLnBrk="0" hangingPunct="1">
+        <a:lnSpc>
+          <a:spcPct val="90000"/>
+        </a:lnSpc>
+        <a:spcBef>
+          <a:spcPts val="500"/>
+        </a:spcBef>
+        <a:buFont typeface="Arial" panose="020B0604020202020204" pitchFamily="34" charset="0"/>
+        <a:buChar char="•"/>
+        <a:defRPr sz="1800" kern="1200">
+          <a:solidFill>
+            <a:schemeClr val="tx1"/>
+          </a:solidFill>
+          <a:latin typeface="+mn-lt"/>
+          <a:ea typeface="+mn-ea"/>
+          <a:cs typeface="+mn-cs"/>
+        </a:defRPr>
+      </a:lvl8pPr>
+      <a:lvl9pPr marL="3886200" indent="-228600" algn="l" defTabSz="914400" rtl="0" eaLnBrk="1" latinLnBrk="0" hangingPunct="1">
+        <a:lnSpc>
+          <a:spcPct val="90000"/>
+        </a:lnSpc>
+        <a:spcBef>
+          <a:spcPts val="500"/>
+        </a:spcBef>
+        <a:buFont typeface="Arial" panose="020B0604020202020204" pitchFamily="34" charset="0"/>
+        <a:buChar char="•"/>
+        <a:defRPr sz="1800" kern="1200">
+          <a:solidFill>
+            <a:schemeClr val="tx1"/>
+          </a:solidFill>
+          <a:latin typeface="+mn-lt"/>
+          <a:ea typeface="+mn-ea"/>
+          <a:cs typeface="+mn-cs"/>
+        </a:defRPr>
+      </a:lvl9pPr>
+    </p:bodyStyle>
+    <p:otherStyle>
+      <a:defPPr>
+        <a:defRPr lang="en-US"/>
+      </a:defPPr>
+      <a:lvl1pPr marL="0" algn="l" defTabSz="914400" rtl="0" eaLnBrk="1" latinLnBrk="0" hangingPunct="1">
+        <a:defRPr sz="1800" kern="1200">
+          <a:solidFill>
+            <a:schemeClr val="tx1"/>
+          </a:solidFill>
+          <a:latin typeface="+mn-lt"/>
+          <a:ea typeface="+mn-ea"/>
+          <a:cs typeface="+mn-cs"/>
+        </a:defRPr>
+      </a:lvl1pPr>
+      <a:lvl2pPr marL="457200" algn="l" defTabSz="914400" rtl="0" eaLnBrk="1" latinLnBrk="0" hangingPunct="1">
+        <a:defRPr sz="1800" kern="1200">
+          <a:solidFill>
+            <a:schemeClr val="tx1"/>
+          </a:solidFill>
+          <a:latin typeface="+mn-lt"/>
+          <a:ea typeface="+mn-ea"/>
+          <a:cs typeface="+mn-cs"/>
+        </a:defRPr>
+      </a:lvl2pPr>
+      <a:lvl3pPr marL="914400" algn="l" defTabSz="914400" rtl="0" eaLnBrk="1" latinLnBrk="0" hangingPunct="1">
+        <a:defRPr sz="1800" kern="1200">
+          <a:solidFill>
+            <a:schemeClr val="tx1"/>
+          </a:solidFill>
+          <a:latin typeface="+mn-lt"/>
+          <a:ea typeface="+mn-ea"/>
+          <a:cs typeface="+mn-cs"/>
+        </a:defRPr>
+      </a:lvl3pPr>
+      <a:lvl4pPr marL="1371600" algn="l" defTabSz="914400" rtl="0" eaLnBrk="1" latinLnBrk="0" hangingPunct="1">
+        <a:defRPr sz="1800" kern="1200">
+          <a:solidFill>
+            <a:schemeClr val="tx1"/>
+          </a:solidFill>
+          <a:latin typeface="+mn-lt"/>
+          <a:ea typeface="+mn-ea"/>
+          <a:cs typeface="+mn-cs"/>
+        </a:defRPr>
+      </a:lvl4pPr>
+      <a:lvl5pPr marL="1828800" algn="l" defTabSz="914400" rtl="0" eaLnBrk="1" latinLnBrk="0" hangingPunct="1">
+        <a:defRPr sz="1800" kern="1200">
+          <a:solidFill>
+            <a:schemeClr val="tx1"/>
+          </a:solidFill>
+          <a:latin typeface="+mn-lt"/>
+          <a:ea typeface="+mn-ea"/>
+          <a:cs typeface="+mn-cs"/>
+        </a:defRPr>
+      </a:lvl5pPr>
+      <a:lvl6pPr marL="2286000" algn="l" defTabSz="914400" rtl="0" eaLnBrk="1" latinLnBrk="0" hangingPunct="1">
+        <a:defRPr sz="1800" kern="1200">
+          <a:solidFill>
+            <a:schemeClr val="tx1"/>
+          </a:solidFill>
+          <a:latin typeface="+mn-lt"/>
+          <a:ea typeface="+mn-ea"/>
+          <a:cs typeface="+mn-cs"/>
+        </a:defRPr>
+      </a:lvl6pPr>
+      <a:lvl7pPr marL="2743200" algn="l" defTabSz="914400" rtl="0" eaLnBrk="1" latinLnBrk="0" hangingPunct="1">
+        <a:defRPr sz="1800" kern="1200">
+          <a:solidFill>
+            <a:schemeClr val="tx1"/>
+          </a:solidFill>
+          <a:latin typeface="+mn-lt"/>
+          <a:ea typeface="+mn-ea"/>
+          <a:cs typeface="+mn-cs"/>
+        </a:defRPr>
+      </a:lvl7pPr>
+      <a:lvl8pPr marL="3200400" algn="l" defTabSz="914400" rtl="0" eaLnBrk="1" latinLnBrk="0" hangingPunct="1">
+        <a:defRPr sz="1800" kern="1200">
+          <a:solidFill>
+            <a:schemeClr val="tx1"/>
+          </a:solidFill>
+          <a:latin typeface="+mn-lt"/>
+          <a:ea typeface="+mn-ea"/>
+          <a:cs typeface="+mn-cs"/>
+        </a:defRPr>
+      </a:lvl8pPr>
+      <a:lvl9pPr marL="3657600" algn="l" defTabSz="914400" rtl="0" eaLnBrk="1" latinLnBrk="0" hangingPunct="1">
+        <a:defRPr sz="1800" kern="1200">
+          <a:solidFill>
+            <a:schemeClr val="tx1"/>
+          </a:solidFill>
+          <a:latin typeface="+mn-lt"/>
+          <a:ea typeface="+mn-ea"/>
+          <a:cs typeface="+mn-cs"/>
+        </a:defRPr>
+      </a:lvl9pPr>
+    </p:otherStyle>
+  </p:txStyles>
 </p:sldMaster>
 </file>
 
 <file path=ppt/slides/slide1.xml><?xml version="1.0" encoding="utf-8"?>
-<p:sld xmlns:a="http://schemas.openxmlformats.org/drawingml/2006/main" xmlns:p="http://schemas.openxmlformats.org/presentationml/2006/main" xmlns:r="http://schemas.openxmlformats.org/officeDocument/2006/relationships">
+<p:sld xmlns:a="http://schemas.openxmlformats.org/drawingml/2006/main" xmlns:r="http://schemas.openxmlformats.org/officeDocument/2006/relationships" xmlns:p="http://schemas.openxmlformats.org/presentationml/2006/main">
   <p:cSld>
     <p:spTree>
       <p:nvGrpSpPr>
@@ -4942,7 +5872,8 @@
           </a:ln>
         </p:spPr>
         <p:txBody>
-          <a:bodyPr lIns="90000" rIns="90000" tIns="45000" bIns="45000" anchor="b"/>
+          <a:bodyPr lIns="90000" tIns="45000" rIns="90000" bIns="45000" anchor="b"/>
+          <a:lstStyle/>
           <a:p>
             <a:pPr>
               <a:lnSpc>
@@ -4952,30 +5883,12 @@
             <a:r>
               <a:rPr lang="en-US" sz="4400" strike="noStrike">
                 <a:solidFill>
-                  <a:srgbClr val="ffffff"/>
+                  <a:srgbClr val="FFFFFF"/>
                 </a:solidFill>
                 <a:latin typeface="Trebuchet MS"/>
               </a:rPr>
-              <a:t>Cryptography and Steganography</a:t>
-            </a:r>
-            <a:r>
-              <a:rPr lang="en-US" sz="4400" strike="noStrike">
-                <a:solidFill>
-                  <a:srgbClr val="ffffff"/>
-                </a:solidFill>
-                <a:latin typeface="Trebuchet MS"/>
-              </a:rPr>
-              <a:t>
-</a:t>
-            </a:r>
-            <a:r>
-              <a:rPr lang="en-US" sz="4400" strike="noStrike">
-                <a:solidFill>
-                  <a:srgbClr val="ffffff"/>
-                </a:solidFill>
-                <a:latin typeface="Trebuchet MS"/>
-              </a:rPr>
-              <a:t>Team: What It Does?</a:t>
+              <a:t>Cryptography and Steganography
+Team: What It Does?</a:t>
             </a:r>
             <a:endParaRPr/>
           </a:p>
@@ -5001,7 +5914,8 @@
           </a:ln>
         </p:spPr>
         <p:txBody>
-          <a:bodyPr lIns="90000" rIns="90000" tIns="45000" bIns="45000"/>
+          <a:bodyPr lIns="90000" tIns="45000" rIns="90000" bIns="45000"/>
+          <a:lstStyle/>
           <a:p>
             <a:pPr>
               <a:lnSpc>
@@ -5009,20 +5923,50 @@
               </a:lnSpc>
             </a:pPr>
             <a:r>
-              <a:rPr lang="en-US" sz="2400" strike="noStrike">
+              <a:rPr lang="en-US" sz="2400" strike="noStrike" dirty="0">
                 <a:solidFill>
                   <a:srgbClr val="424456"/>
                 </a:solidFill>
                 <a:latin typeface="Georgia"/>
               </a:rPr>
-              <a:t>Jason Devlin, Jaiden Gerig, Cody Taylor, Brennen Taylor, George Gaytan, Andrew Schlotzhauer</a:t>
-            </a:r>
-            <a:endParaRPr/>
+              <a:t>Jason Devlin, Jaiden </a:t>
+            </a:r>
+            <a:r>
+              <a:rPr lang="en-US" sz="2400" strike="noStrike" dirty="0" err="1">
+                <a:solidFill>
+                  <a:srgbClr val="424456"/>
+                </a:solidFill>
+                <a:latin typeface="Georgia"/>
+              </a:rPr>
+              <a:t>Gerig</a:t>
+            </a:r>
+            <a:r>
+              <a:rPr lang="en-US" sz="2400" strike="noStrike" dirty="0">
+                <a:solidFill>
+                  <a:srgbClr val="424456"/>
+                </a:solidFill>
+                <a:latin typeface="Georgia"/>
+              </a:rPr>
+              <a:t>, Cody Taylor, Brennen Taylor, George Gaytan, Andrew </a:t>
+            </a:r>
+            <a:r>
+              <a:rPr lang="en-US" sz="2400" strike="noStrike" dirty="0" err="1">
+                <a:solidFill>
+                  <a:srgbClr val="424456"/>
+                </a:solidFill>
+                <a:latin typeface="Georgia"/>
+              </a:rPr>
+              <a:t>Schlotzhauer</a:t>
+            </a:r>
+            <a:endParaRPr dirty="0"/>
           </a:p>
         </p:txBody>
       </p:sp>
     </p:spTree>
   </p:cSld>
+  <p:clrMapOvr>
+    <a:masterClrMapping/>
+  </p:clrMapOvr>
   <p:timing>
     <p:tnLst>
       <p:par>
@@ -5031,14 +5975,14 @@
             <p:seq>
               <p:cTn id="2" nodeType="mainSeq"/>
               <p:prevCondLst>
-                <p:cond delay="0" evt="onPrev">
+                <p:cond evt="onPrev" delay="0">
                   <p:tgtEl>
                     <p:sldTgt/>
                   </p:tgtEl>
                 </p:cond>
               </p:prevCondLst>
               <p:nextCondLst>
-                <p:cond delay="0" evt="onNext">
+                <p:cond evt="onNext" delay="0">
                   <p:tgtEl>
                     <p:sldTgt/>
                   </p:tgtEl>
@@ -5054,7 +5998,7 @@
 </file>
 
 <file path=ppt/slides/slide10.xml><?xml version="1.0" encoding="utf-8"?>
-<p:sld xmlns:a="http://schemas.openxmlformats.org/drawingml/2006/main" xmlns:p="http://schemas.openxmlformats.org/presentationml/2006/main" xmlns:r="http://schemas.openxmlformats.org/officeDocument/2006/relationships">
+<p:sld xmlns:a="http://schemas.openxmlformats.org/drawingml/2006/main" xmlns:r="http://schemas.openxmlformats.org/officeDocument/2006/relationships" xmlns:p="http://schemas.openxmlformats.org/presentationml/2006/main">
   <p:cSld>
     <p:spTree>
       <p:nvGrpSpPr>
@@ -5090,7 +6034,8 @@
           </a:ln>
         </p:spPr>
         <p:txBody>
-          <a:bodyPr lIns="90000" rIns="90000" tIns="45000" bIns="45000" anchor="ctr"/>
+          <a:bodyPr lIns="90000" tIns="45000" rIns="90000" bIns="45000" anchor="ctr"/>
+          <a:lstStyle/>
           <a:p>
             <a:pPr>
               <a:lnSpc>
@@ -5112,12 +6057,12 @@
       </p:sp>
       <p:pic>
         <p:nvPicPr>
-          <p:cNvPr id="139" name="Picture 2" descr=""/>
+          <p:cNvPr id="139" name="Picture 2"/>
           <p:cNvPicPr/>
           <p:nvPr/>
         </p:nvPicPr>
         <p:blipFill>
-          <a:blip r:embed="rId1"/>
+          <a:blip r:embed="rId2"/>
           <a:stretch/>
         </p:blipFill>
         <p:spPr>
@@ -5135,22 +6080,25 @@
       </p:pic>
     </p:spTree>
   </p:cSld>
+  <p:clrMapOvr>
+    <a:masterClrMapping/>
+  </p:clrMapOvr>
   <p:timing>
     <p:tnLst>
       <p:par>
-        <p:cTn id="19" dur="indefinite" restart="never" nodeType="tmRoot">
+        <p:cTn id="1" dur="indefinite" restart="never" nodeType="tmRoot">
           <p:childTnLst>
             <p:seq>
-              <p:cTn id="20" nodeType="mainSeq"/>
+              <p:cTn id="2" nodeType="mainSeq"/>
               <p:prevCondLst>
-                <p:cond delay="0" evt="onPrev">
+                <p:cond evt="onPrev" delay="0">
                   <p:tgtEl>
                     <p:sldTgt/>
                   </p:tgtEl>
                 </p:cond>
               </p:prevCondLst>
               <p:nextCondLst>
-                <p:cond delay="0" evt="onNext">
+                <p:cond evt="onNext" delay="0">
                   <p:tgtEl>
                     <p:sldTgt/>
                   </p:tgtEl>
@@ -5166,7 +6114,7 @@
 </file>
 
 <file path=ppt/slides/slide11.xml><?xml version="1.0" encoding="utf-8"?>
-<p:sld xmlns:a="http://schemas.openxmlformats.org/drawingml/2006/main" xmlns:p="http://schemas.openxmlformats.org/presentationml/2006/main" xmlns:r="http://schemas.openxmlformats.org/officeDocument/2006/relationships">
+<p:sld xmlns:a="http://schemas.openxmlformats.org/drawingml/2006/main" xmlns:r="http://schemas.openxmlformats.org/officeDocument/2006/relationships" xmlns:p="http://schemas.openxmlformats.org/presentationml/2006/main">
   <p:cSld>
     <p:spTree>
       <p:nvGrpSpPr>
@@ -5202,7 +6150,8 @@
           </a:ln>
         </p:spPr>
         <p:txBody>
-          <a:bodyPr lIns="90000" rIns="90000" tIns="45000" bIns="45000" anchor="ctr"/>
+          <a:bodyPr lIns="90000" tIns="45000" rIns="90000" bIns="45000" anchor="ctr"/>
+          <a:lstStyle/>
           <a:p>
             <a:pPr>
               <a:lnSpc>
@@ -5224,12 +6173,12 @@
       </p:sp>
       <p:pic>
         <p:nvPicPr>
-          <p:cNvPr id="141" name="Picture 2" descr=""/>
+          <p:cNvPr id="141" name="Picture 2"/>
           <p:cNvPicPr/>
           <p:nvPr/>
         </p:nvPicPr>
         <p:blipFill>
-          <a:blip r:embed="rId1"/>
+          <a:blip r:embed="rId3"/>
           <a:stretch/>
         </p:blipFill>
         <p:spPr>
@@ -5247,22 +6196,25 @@
       </p:pic>
     </p:spTree>
   </p:cSld>
+  <p:clrMapOvr>
+    <a:masterClrMapping/>
+  </p:clrMapOvr>
   <p:timing>
     <p:tnLst>
       <p:par>
-        <p:cTn id="21" dur="indefinite" restart="never" nodeType="tmRoot">
+        <p:cTn id="1" dur="indefinite" restart="never" nodeType="tmRoot">
           <p:childTnLst>
             <p:seq>
-              <p:cTn id="22" nodeType="mainSeq"/>
+              <p:cTn id="2" nodeType="mainSeq"/>
               <p:prevCondLst>
-                <p:cond delay="0" evt="onPrev">
+                <p:cond evt="onPrev" delay="0">
                   <p:tgtEl>
                     <p:sldTgt/>
                   </p:tgtEl>
                 </p:cond>
               </p:prevCondLst>
               <p:nextCondLst>
-                <p:cond delay="0" evt="onNext">
+                <p:cond evt="onNext" delay="0">
                   <p:tgtEl>
                     <p:sldTgt/>
                   </p:tgtEl>
@@ -5278,7 +6230,7 @@
 </file>
 
 <file path=ppt/slides/slide12.xml><?xml version="1.0" encoding="utf-8"?>
-<p:sld xmlns:a="http://schemas.openxmlformats.org/drawingml/2006/main" xmlns:p="http://schemas.openxmlformats.org/presentationml/2006/main" xmlns:r="http://schemas.openxmlformats.org/officeDocument/2006/relationships">
+<p:sld xmlns:a="http://schemas.openxmlformats.org/drawingml/2006/main" xmlns:r="http://schemas.openxmlformats.org/officeDocument/2006/relationships" xmlns:p="http://schemas.openxmlformats.org/presentationml/2006/main">
   <p:cSld>
     <p:spTree>
       <p:nvGrpSpPr>
@@ -5314,7 +6266,8 @@
           </a:ln>
         </p:spPr>
         <p:txBody>
-          <a:bodyPr lIns="0" rIns="0" tIns="0" bIns="0" anchor="ctr"/>
+          <a:bodyPr lIns="0" tIns="0" rIns="0" bIns="0" anchor="ctr"/>
+          <a:lstStyle/>
           <a:p>
             <a:pPr>
               <a:lnSpc>
@@ -5336,22 +6289,25 @@
       </p:sp>
     </p:spTree>
   </p:cSld>
+  <p:clrMapOvr>
+    <a:masterClrMapping/>
+  </p:clrMapOvr>
   <p:timing>
     <p:tnLst>
       <p:par>
-        <p:cTn id="23" dur="indefinite" restart="never" nodeType="tmRoot">
+        <p:cTn id="1" dur="indefinite" restart="never" nodeType="tmRoot">
           <p:childTnLst>
             <p:seq>
-              <p:cTn id="24" nodeType="mainSeq"/>
+              <p:cTn id="2" nodeType="mainSeq"/>
               <p:prevCondLst>
-                <p:cond delay="0" evt="onPrev">
+                <p:cond evt="onPrev" delay="0">
                   <p:tgtEl>
                     <p:sldTgt/>
                   </p:tgtEl>
                 </p:cond>
               </p:prevCondLst>
               <p:nextCondLst>
-                <p:cond delay="0" evt="onNext">
+                <p:cond evt="onNext" delay="0">
                   <p:tgtEl>
                     <p:sldTgt/>
                   </p:tgtEl>
@@ -5367,7 +6323,7 @@
 </file>
 
 <file path=ppt/slides/slide13.xml><?xml version="1.0" encoding="utf-8"?>
-<p:sld xmlns:a="http://schemas.openxmlformats.org/drawingml/2006/main" xmlns:p="http://schemas.openxmlformats.org/presentationml/2006/main" xmlns:r="http://schemas.openxmlformats.org/officeDocument/2006/relationships">
+<p:sld xmlns:a="http://schemas.openxmlformats.org/drawingml/2006/main" xmlns:r="http://schemas.openxmlformats.org/officeDocument/2006/relationships" xmlns:p="http://schemas.openxmlformats.org/presentationml/2006/main">
   <p:cSld>
     <p:spTree>
       <p:nvGrpSpPr>
@@ -5403,7 +6359,8 @@
           </a:ln>
         </p:spPr>
         <p:txBody>
-          <a:bodyPr lIns="0" rIns="0" tIns="0" bIns="0" anchor="ctr"/>
+          <a:bodyPr lIns="0" tIns="0" rIns="0" bIns="0" anchor="ctr"/>
+          <a:lstStyle/>
           <a:p>
             <a:pPr>
               <a:lnSpc>
@@ -5425,22 +6382,25 @@
       </p:sp>
     </p:spTree>
   </p:cSld>
+  <p:clrMapOvr>
+    <a:masterClrMapping/>
+  </p:clrMapOvr>
   <p:timing>
     <p:tnLst>
       <p:par>
-        <p:cTn id="25" dur="indefinite" restart="never" nodeType="tmRoot">
+        <p:cTn id="1" dur="indefinite" restart="never" nodeType="tmRoot">
           <p:childTnLst>
             <p:seq>
-              <p:cTn id="26" nodeType="mainSeq"/>
+              <p:cTn id="2" nodeType="mainSeq"/>
               <p:prevCondLst>
-                <p:cond delay="0" evt="onPrev">
+                <p:cond evt="onPrev" delay="0">
                   <p:tgtEl>
                     <p:sldTgt/>
                   </p:tgtEl>
                 </p:cond>
               </p:prevCondLst>
               <p:nextCondLst>
-                <p:cond delay="0" evt="onNext">
+                <p:cond evt="onNext" delay="0">
                   <p:tgtEl>
                     <p:sldTgt/>
                   </p:tgtEl>
@@ -5456,7 +6416,7 @@
 </file>
 
 <file path=ppt/slides/slide14.xml><?xml version="1.0" encoding="utf-8"?>
-<p:sld xmlns:a="http://schemas.openxmlformats.org/drawingml/2006/main" xmlns:p="http://schemas.openxmlformats.org/presentationml/2006/main" xmlns:r="http://schemas.openxmlformats.org/officeDocument/2006/relationships">
+<p:sld xmlns:a="http://schemas.openxmlformats.org/drawingml/2006/main" xmlns:r="http://schemas.openxmlformats.org/officeDocument/2006/relationships" xmlns:p="http://schemas.openxmlformats.org/presentationml/2006/main">
   <p:cSld>
     <p:spTree>
       <p:nvGrpSpPr>
@@ -5492,7 +6452,8 @@
           </a:ln>
         </p:spPr>
         <p:txBody>
-          <a:bodyPr lIns="0" rIns="0" tIns="0" bIns="0" anchor="ctr"/>
+          <a:bodyPr lIns="0" tIns="0" rIns="0" bIns="0" anchor="ctr"/>
+          <a:lstStyle/>
           <a:p>
             <a:pPr>
               <a:lnSpc>
@@ -5512,24 +6473,98 @@
           </a:p>
         </p:txBody>
       </p:sp>
+      <p:sp>
+        <p:nvSpPr>
+          <p:cNvPr id="2" name="TextBox 1"/>
+          <p:cNvSpPr txBox="1"/>
+          <p:nvPr/>
+        </p:nvSpPr>
+        <p:spPr>
+          <a:xfrm>
+            <a:off x="457200" y="2224080"/>
+            <a:ext cx="6943344" cy="1200329"/>
+          </a:xfrm>
+          <a:prstGeom prst="rect">
+            <a:avLst/>
+          </a:prstGeom>
+          <a:noFill/>
+        </p:spPr>
+        <p:txBody>
+          <a:bodyPr wrap="square" rtlCol="0">
+            <a:spAutoFit/>
+          </a:bodyPr>
+          <a:lstStyle/>
+          <a:p>
+            <a:r>
+              <a:rPr lang="en-US" dirty="0" smtClean="0"/>
+              <a:t>To verify with </a:t>
+            </a:r>
+            <a:r>
+              <a:rPr lang="en-US" dirty="0" err="1" smtClean="0"/>
+              <a:t>openssl</a:t>
+            </a:r>
+            <a:r>
+              <a:rPr lang="en-US" dirty="0" smtClean="0"/>
+              <a:t>, we first generated keys.</a:t>
+            </a:r>
+          </a:p>
+          <a:p>
+            <a:endParaRPr lang="en-US" dirty="0"/>
+          </a:p>
+          <a:p>
+            <a:r>
+              <a:rPr lang="en-US" dirty="0" smtClean="0"/>
+              <a:t>In this case, we will use 64 bit keys and encrypt the message, “Message” contained in text.txt.</a:t>
+            </a:r>
+            <a:endParaRPr lang="en-US" dirty="0"/>
+          </a:p>
+        </p:txBody>
+      </p:sp>
+      <p:pic>
+        <p:nvPicPr>
+          <p:cNvPr id="3" name="Picture 2"/>
+          <p:cNvPicPr>
+            <a:picLocks noChangeAspect="1"/>
+          </p:cNvPicPr>
+          <p:nvPr/>
+        </p:nvPicPr>
+        <p:blipFill>
+          <a:blip r:embed="rId2"/>
+          <a:stretch>
+            <a:fillRect/>
+          </a:stretch>
+        </p:blipFill>
+        <p:spPr>
+          <a:xfrm>
+            <a:off x="457200" y="3439169"/>
+            <a:ext cx="8591550" cy="3238500"/>
+          </a:xfrm>
+          <a:prstGeom prst="rect">
+            <a:avLst/>
+          </a:prstGeom>
+        </p:spPr>
+      </p:pic>
     </p:spTree>
   </p:cSld>
+  <p:clrMapOvr>
+    <a:masterClrMapping/>
+  </p:clrMapOvr>
   <p:timing>
     <p:tnLst>
       <p:par>
-        <p:cTn id="27" dur="indefinite" restart="never" nodeType="tmRoot">
+        <p:cTn id="1" dur="indefinite" restart="never" nodeType="tmRoot">
           <p:childTnLst>
             <p:seq>
-              <p:cTn id="28" nodeType="mainSeq"/>
+              <p:cTn id="2" nodeType="mainSeq"/>
               <p:prevCondLst>
-                <p:cond delay="0" evt="onPrev">
+                <p:cond evt="onPrev" delay="0">
                   <p:tgtEl>
                     <p:sldTgt/>
                   </p:tgtEl>
                 </p:cond>
               </p:prevCondLst>
               <p:nextCondLst>
-                <p:cond delay="0" evt="onNext">
+                <p:cond evt="onNext" delay="0">
                   <p:tgtEl>
                     <p:sldTgt/>
                   </p:tgtEl>
@@ -5545,7 +6580,7 @@
 </file>
 
 <file path=ppt/slides/slide15.xml><?xml version="1.0" encoding="utf-8"?>
-<p:sld xmlns:a="http://schemas.openxmlformats.org/drawingml/2006/main" xmlns:p="http://schemas.openxmlformats.org/presentationml/2006/main" xmlns:r="http://schemas.openxmlformats.org/officeDocument/2006/relationships">
+<p:sld xmlns:a="http://schemas.openxmlformats.org/drawingml/2006/main" xmlns:r="http://schemas.openxmlformats.org/officeDocument/2006/relationships" xmlns:p="http://schemas.openxmlformats.org/presentationml/2006/main">
   <p:cSld>
     <p:spTree>
       <p:nvGrpSpPr>
@@ -5563,7 +6598,7 @@
       </p:grpSpPr>
       <p:sp>
         <p:nvSpPr>
-          <p:cNvPr id="145" name="TextShape 1"/>
+          <p:cNvPr id="144" name="TextShape 1"/>
           <p:cNvSpPr txBox="1"/>
           <p:nvPr/>
         </p:nvSpPr>
@@ -5581,7 +6616,8 @@
           </a:ln>
         </p:spPr>
         <p:txBody>
-          <a:bodyPr lIns="0" rIns="0" tIns="0" bIns="0" anchor="ctr"/>
+          <a:bodyPr lIns="0" tIns="0" rIns="0" bIns="0" anchor="ctr"/>
+          <a:lstStyle/>
           <a:p>
             <a:pPr>
               <a:lnSpc>
@@ -5595,187 +6631,92 @@
                 </a:solidFill>
                 <a:latin typeface="Trebuchet MS"/>
               </a:rPr>
-              <a:t>RSA- Attacks</a:t>
-            </a:r>
-            <a:endParaRPr/>
-          </a:p>
-        </p:txBody>
-      </p:sp>
-      <p:sp>
-        <p:nvSpPr>
-          <p:cNvPr id="146" name="TextShape 2"/>
+              <a:t>RSA- Verifying with openssl</a:t>
+            </a:r>
+            <a:endParaRPr/>
+          </a:p>
+        </p:txBody>
+      </p:sp>
+      <p:sp>
+        <p:nvSpPr>
+          <p:cNvPr id="2" name="TextBox 1"/>
           <p:cNvSpPr txBox="1"/>
           <p:nvPr/>
         </p:nvSpPr>
         <p:spPr>
           <a:xfrm>
-            <a:off x="99360" y="2109600"/>
-            <a:ext cx="8869680" cy="4887360"/>
+            <a:off x="457200" y="2224080"/>
+            <a:ext cx="6943344" cy="369332"/>
           </a:xfrm>
           <a:prstGeom prst="rect">
             <a:avLst/>
           </a:prstGeom>
           <a:noFill/>
-          <a:ln>
-            <a:noFill/>
-          </a:ln>
-        </p:spPr>
-        <p:txBody>
-          <a:bodyPr lIns="90000" rIns="90000" tIns="45000" bIns="45000"/>
-          <a:p>
-            <a:pPr>
-              <a:buSzPct val="45000"/>
-              <a:buFont typeface="StarSymbol"/>
-              <a:buChar char=""/>
-            </a:pPr>
-            <a:r>
-              <a:rPr b="1" lang="en-US" sz="2200">
-                <a:latin typeface="Arial"/>
-              </a:rPr>
-              <a:t>Brute Force</a:t>
-            </a:r>
-            <a:r>
-              <a:rPr lang="en-US" sz="2200">
-                <a:latin typeface="Arial"/>
-              </a:rPr>
-              <a:t>: Guessing p or q by iterating through all primes up to n. </a:t>
-            </a:r>
-            <a:endParaRPr/>
-          </a:p>
-          <a:p>
-            <a:pPr>
-              <a:buSzPct val="45000"/>
-              <a:buFont typeface="StarSymbol"/>
-              <a:buChar char=""/>
-            </a:pPr>
-            <a:r>
-              <a:rPr i="1" lang="en-US" sz="2200">
-                <a:latin typeface="Arial"/>
-              </a:rPr>
-              <a:t>Handy for any n that is not overly large (512 bits plus)</a:t>
-            </a:r>
-            <a:endParaRPr/>
-          </a:p>
-          <a:p>
-            <a:pPr>
-              <a:buSzPct val="45000"/>
-              <a:buFont typeface="StarSymbol"/>
-              <a:buChar char=""/>
-            </a:pPr>
-            <a:endParaRPr/>
-          </a:p>
-          <a:p>
-            <a:pPr>
-              <a:buSzPct val="45000"/>
-              <a:buFont typeface="StarSymbol"/>
-              <a:buChar char=""/>
-            </a:pPr>
-            <a:endParaRPr/>
-          </a:p>
-          <a:p>
-            <a:pPr>
-              <a:buSzPct val="45000"/>
-              <a:buFont typeface="StarSymbol"/>
-              <a:buChar char=""/>
-            </a:pPr>
-            <a:r>
-              <a:rPr b="1" lang="en-US" sz="2200">
-                <a:latin typeface="Arial"/>
-              </a:rPr>
-              <a:t>Fermat</a:t>
-            </a:r>
-            <a:r>
-              <a:rPr lang="en-US" sz="2200">
-                <a:latin typeface="Arial"/>
-              </a:rPr>
-              <a:t>: Factors p and q by checking for perfect squares associated with n.</a:t>
-            </a:r>
-            <a:endParaRPr/>
-          </a:p>
-          <a:p>
-            <a:pPr>
-              <a:buSzPct val="45000"/>
-              <a:buFont typeface="StarSymbol"/>
-              <a:buChar char=""/>
-            </a:pPr>
-            <a:r>
-              <a:rPr i="1" lang="en-US" sz="2200">
-                <a:latin typeface="Arial"/>
-              </a:rPr>
-              <a:t>Handy for when p and q are near each other</a:t>
-            </a:r>
-            <a:endParaRPr/>
-          </a:p>
-          <a:p>
-            <a:pPr>
-              <a:buSzPct val="45000"/>
-              <a:buFont typeface="StarSymbol"/>
-              <a:buChar char=""/>
-            </a:pPr>
-            <a:endParaRPr/>
-          </a:p>
-          <a:p>
-            <a:pPr lvl="4">
-              <a:buSzPct val="45000"/>
-              <a:buFont typeface="StarSymbol"/>
-              <a:buChar char=""/>
-            </a:pPr>
-            <a:endParaRPr/>
-          </a:p>
-          <a:p>
-            <a:pPr>
-              <a:buSzPct val="45000"/>
-              <a:buFont typeface="StarSymbol"/>
-              <a:buChar char=""/>
-            </a:pPr>
-            <a:r>
-              <a:rPr b="1" lang="en-US" sz="2200">
-                <a:latin typeface="Arial"/>
-              </a:rPr>
-              <a:t>Pollards p-1</a:t>
-            </a:r>
-            <a:r>
-              <a:rPr lang="en-US" sz="2200">
-                <a:latin typeface="Arial"/>
-              </a:rPr>
-              <a:t>: Factors p by checking when it has a gcd with n, accelerated with the use of a quickly expanding modexp.</a:t>
-            </a:r>
-            <a:endParaRPr/>
-          </a:p>
-          <a:p>
-            <a:pPr>
-              <a:buSzPct val="45000"/>
-              <a:buFont typeface="StarSymbol"/>
-              <a:buChar char=""/>
-            </a:pPr>
-            <a:r>
-              <a:rPr i="1" lang="en-US" sz="2200">
-                <a:latin typeface="Arial"/>
-              </a:rPr>
-              <a:t>Handy for when p is not overly large</a:t>
-            </a:r>
-            <a:endParaRPr/>
-          </a:p>
-        </p:txBody>
-      </p:sp>
+        </p:spPr>
+        <p:txBody>
+          <a:bodyPr wrap="square" rtlCol="0">
+            <a:spAutoFit/>
+          </a:bodyPr>
+          <a:lstStyle/>
+          <a:p>
+            <a:r>
+              <a:rPr lang="en-US" dirty="0" smtClean="0"/>
+              <a:t>Below, we also show the generated cipher text.</a:t>
+            </a:r>
+            <a:endParaRPr lang="en-US" dirty="0"/>
+          </a:p>
+        </p:txBody>
+      </p:sp>
+      <p:pic>
+        <p:nvPicPr>
+          <p:cNvPr id="4" name="Picture 3"/>
+          <p:cNvPicPr>
+            <a:picLocks noChangeAspect="1"/>
+          </p:cNvPicPr>
+          <p:nvPr/>
+        </p:nvPicPr>
+        <p:blipFill>
+          <a:blip r:embed="rId2"/>
+          <a:stretch>
+            <a:fillRect/>
+          </a:stretch>
+        </p:blipFill>
+        <p:spPr>
+          <a:xfrm>
+            <a:off x="457200" y="3184969"/>
+            <a:ext cx="8428615" cy="2094167"/>
+          </a:xfrm>
+          <a:prstGeom prst="rect">
+            <a:avLst/>
+          </a:prstGeom>
+        </p:spPr>
+      </p:pic>
     </p:spTree>
+    <p:extLst>
+      <p:ext uri="{BB962C8B-B14F-4D97-AF65-F5344CB8AC3E}">
+        <p14:creationId xmlns:p14="http://schemas.microsoft.com/office/powerpoint/2010/main" val="2746716646"/>
+      </p:ext>
+    </p:extLst>
   </p:cSld>
+  <p:clrMapOvr>
+    <a:masterClrMapping/>
+  </p:clrMapOvr>
   <p:timing>
     <p:tnLst>
       <p:par>
-        <p:cTn id="29" dur="indefinite" restart="never" nodeType="tmRoot">
+        <p:cTn id="1" dur="indefinite" restart="never" nodeType="tmRoot">
           <p:childTnLst>
             <p:seq>
-              <p:cTn id="30" nodeType="mainSeq"/>
+              <p:cTn id="2" nodeType="mainSeq"/>
               <p:prevCondLst>
-                <p:cond delay="0" evt="onPrev">
+                <p:cond evt="onPrev" delay="0">
                   <p:tgtEl>
                     <p:sldTgt/>
                   </p:tgtEl>
                 </p:cond>
               </p:prevCondLst>
               <p:nextCondLst>
-                <p:cond delay="0" evt="onNext">
+                <p:cond evt="onNext" delay="0">
                   <p:tgtEl>
                     <p:sldTgt/>
                   </p:tgtEl>
@@ -5791,7 +6732,7 @@
 </file>
 
 <file path=ppt/slides/slide16.xml><?xml version="1.0" encoding="utf-8"?>
-<p:sld xmlns:a="http://schemas.openxmlformats.org/drawingml/2006/main" xmlns:p="http://schemas.openxmlformats.org/presentationml/2006/main" xmlns:r="http://schemas.openxmlformats.org/officeDocument/2006/relationships">
+<p:sld xmlns:a="http://schemas.openxmlformats.org/drawingml/2006/main" xmlns:r="http://schemas.openxmlformats.org/officeDocument/2006/relationships" xmlns:p="http://schemas.openxmlformats.org/presentationml/2006/main">
   <p:cSld>
     <p:spTree>
       <p:nvGrpSpPr>
@@ -5809,14 +6750,14 @@
       </p:grpSpPr>
       <p:sp>
         <p:nvSpPr>
-          <p:cNvPr id="147" name="TextShape 1"/>
+          <p:cNvPr id="144" name="TextShape 1"/>
           <p:cNvSpPr txBox="1"/>
           <p:nvPr/>
         </p:nvSpPr>
         <p:spPr>
           <a:xfrm>
-            <a:off x="457560" y="762480"/>
-            <a:ext cx="8229240" cy="609120"/>
+            <a:off x="457200" y="1143000"/>
+            <a:ext cx="8229240" cy="1066320"/>
           </a:xfrm>
           <a:prstGeom prst="rect">
             <a:avLst/>
@@ -5827,220 +6768,123 @@
           </a:ln>
         </p:spPr>
         <p:txBody>
-          <a:bodyPr lIns="0" rIns="0" tIns="0" bIns="0" anchor="ctr"/>
-          <a:p>
-            <a:r>
-              <a:rPr lang="en-US">
-                <a:latin typeface="Georgia"/>
-              </a:rPr>
-              <a:t>References to libraries/papers</a:t>
-            </a:r>
-            <a:endParaRPr/>
-          </a:p>
-        </p:txBody>
-      </p:sp>
-      <p:sp>
-        <p:nvSpPr>
-          <p:cNvPr id="148" name="TextShape 2"/>
+          <a:bodyPr lIns="0" tIns="0" rIns="0" bIns="0" anchor="ctr"/>
+          <a:lstStyle/>
+          <a:p>
+            <a:pPr>
+              <a:lnSpc>
+                <a:spcPct val="100000"/>
+              </a:lnSpc>
+            </a:pPr>
+            <a:r>
+              <a:rPr lang="en-US" sz="4000" strike="noStrike">
+                <a:solidFill>
+                  <a:srgbClr val="424456"/>
+                </a:solidFill>
+                <a:latin typeface="Trebuchet MS"/>
+              </a:rPr>
+              <a:t>RSA- Verifying with openssl</a:t>
+            </a:r>
+            <a:endParaRPr/>
+          </a:p>
+        </p:txBody>
+      </p:sp>
+      <p:sp>
+        <p:nvSpPr>
+          <p:cNvPr id="2" name="TextBox 1"/>
           <p:cNvSpPr txBox="1"/>
           <p:nvPr/>
         </p:nvSpPr>
         <p:spPr>
           <a:xfrm>
-            <a:off x="370800" y="1592280"/>
-            <a:ext cx="4566960" cy="602280"/>
+            <a:off x="457200" y="2224080"/>
+            <a:ext cx="6943344" cy="646331"/>
           </a:xfrm>
           <a:prstGeom prst="rect">
             <a:avLst/>
           </a:prstGeom>
           <a:noFill/>
-          <a:ln>
-            <a:noFill/>
-          </a:ln>
-        </p:spPr>
-        <p:txBody>
-          <a:bodyPr lIns="90000" rIns="90000" tIns="45000" bIns="45000"/>
-          <a:p>
-            <a:r>
-              <a:rPr lang="en-US">
-                <a:latin typeface="Arial"/>
-              </a:rPr>
-              <a:t>https://mattmccutchen.net/bigint/</a:t>
-            </a:r>
-            <a:endParaRPr/>
-          </a:p>
-        </p:txBody>
-      </p:sp>
-      <p:sp>
-        <p:nvSpPr>
-          <p:cNvPr id="149" name="TextShape 3"/>
-          <p:cNvSpPr txBox="1"/>
+        </p:spPr>
+        <p:txBody>
+          <a:bodyPr wrap="square" rtlCol="0">
+            <a:spAutoFit/>
+          </a:bodyPr>
+          <a:lstStyle/>
+          <a:p>
+            <a:r>
+              <a:rPr lang="en-US" dirty="0" smtClean="0"/>
+              <a:t>Next, we extracted the generated p and q and e from the private key.</a:t>
+            </a:r>
+            <a:endParaRPr lang="en-US" dirty="0"/>
+          </a:p>
+        </p:txBody>
+      </p:sp>
+      <p:pic>
+        <p:nvPicPr>
+          <p:cNvPr id="3" name="Picture 2"/>
+          <p:cNvPicPr>
+            <a:picLocks noChangeAspect="1"/>
+          </p:cNvPicPr>
           <p:nvPr/>
-        </p:nvSpPr>
-        <p:spPr>
-          <a:xfrm>
-            <a:off x="375480" y="2188440"/>
-            <a:ext cx="5751000" cy="602280"/>
-          </a:xfrm>
-          <a:prstGeom prst="rect">
-            <a:avLst/>
-          </a:prstGeom>
-          <a:noFill/>
-          <a:ln>
-            <a:noFill/>
-          </a:ln>
-        </p:spPr>
-        <p:txBody>
-          <a:bodyPr lIns="90000" rIns="90000" tIns="45000" bIns="45000"/>
-          <a:p>
-            <a:r>
-              <a:rPr lang="en-US">
-                <a:latin typeface="Arial"/>
-              </a:rPr>
-              <a:t>https://www.cs.purdue.edu/homes/ssw/cs555/2009f.pdf</a:t>
-            </a:r>
-            <a:endParaRPr/>
-          </a:p>
-          <a:p>
-            <a:endParaRPr/>
-          </a:p>
-        </p:txBody>
-      </p:sp>
-      <p:sp>
-        <p:nvSpPr>
-          <p:cNvPr id="150" name="TextShape 4"/>
-          <p:cNvSpPr txBox="1"/>
-          <p:nvPr/>
-        </p:nvSpPr>
-        <p:spPr>
-          <a:xfrm>
-            <a:off x="406080" y="2488320"/>
-            <a:ext cx="4810680" cy="346320"/>
-          </a:xfrm>
-          <a:prstGeom prst="rect">
-            <a:avLst/>
-          </a:prstGeom>
-          <a:noFill/>
-          <a:ln>
-            <a:noFill/>
-          </a:ln>
-        </p:spPr>
-        <p:txBody>
-          <a:bodyPr lIns="90000" rIns="90000" tIns="45000" bIns="45000"/>
-          <a:p>
-            <a:r>
-              <a:rPr lang="en-US">
-                <a:latin typeface="Arial"/>
-              </a:rPr>
-              <a:t>http://www.ams.org/notices/199902/boneh.pdf</a:t>
-            </a:r>
-            <a:endParaRPr/>
-          </a:p>
-        </p:txBody>
-      </p:sp>
-      <p:sp>
-        <p:nvSpPr>
-          <p:cNvPr id="151" name="TextShape 5"/>
-          <p:cNvSpPr txBox="1"/>
-          <p:nvPr/>
-        </p:nvSpPr>
-        <p:spPr>
-          <a:xfrm>
-            <a:off x="406080" y="2790720"/>
-            <a:ext cx="8174160" cy="346320"/>
-          </a:xfrm>
-          <a:prstGeom prst="rect">
-            <a:avLst/>
-          </a:prstGeom>
-          <a:noFill/>
-          <a:ln>
-            <a:noFill/>
-          </a:ln>
-        </p:spPr>
-        <p:txBody>
-          <a:bodyPr lIns="90000" rIns="90000" tIns="45000" bIns="45000"/>
-          <a:p>
-            <a:r>
-              <a:rPr lang="en-US">
-                <a:latin typeface="Arial"/>
-              </a:rPr>
-              <a:t>http://www.cs.rit.edu/~ib/Classes/CS482-705_Winter10-11/Slides/crypto_6d.pdf</a:t>
-            </a:r>
-            <a:endParaRPr/>
-          </a:p>
-        </p:txBody>
-      </p:sp>
-      <p:sp>
-        <p:nvSpPr>
-          <p:cNvPr id="152" name="TextShape 6"/>
-          <p:cNvSpPr txBox="1"/>
-          <p:nvPr/>
-        </p:nvSpPr>
-        <p:spPr>
-          <a:xfrm>
-            <a:off x="408960" y="1371600"/>
-            <a:ext cx="1054080" cy="346320"/>
-          </a:xfrm>
-          <a:prstGeom prst="rect">
-            <a:avLst/>
-          </a:prstGeom>
-          <a:noFill/>
-          <a:ln>
-            <a:noFill/>
-          </a:ln>
-        </p:spPr>
-        <p:txBody>
-          <a:bodyPr lIns="90000" rIns="90000" tIns="45000" bIns="45000"/>
-          <a:p>
-            <a:r>
-              <a:rPr lang="en-US">
-                <a:latin typeface="Arial"/>
-              </a:rPr>
-              <a:t>Libraries</a:t>
-            </a:r>
-            <a:endParaRPr/>
-          </a:p>
-        </p:txBody>
-      </p:sp>
-      <p:sp>
-        <p:nvSpPr>
-          <p:cNvPr id="153" name="TextShape 7"/>
-          <p:cNvSpPr txBox="1"/>
-          <p:nvPr/>
-        </p:nvSpPr>
-        <p:spPr>
-          <a:xfrm>
-            <a:off x="457200" y="1939680"/>
-            <a:ext cx="650160" cy="346320"/>
-          </a:xfrm>
-          <a:prstGeom prst="rect">
-            <a:avLst/>
-          </a:prstGeom>
-          <a:noFill/>
-          <a:ln>
-            <a:noFill/>
-          </a:ln>
-        </p:spPr>
-        <p:txBody>
-          <a:bodyPr lIns="90000" rIns="90000" tIns="45000" bIns="45000"/>
-          <a:p>
-            <a:r>
-              <a:rPr lang="en-US">
-                <a:latin typeface="Arial"/>
-              </a:rPr>
-              <a:t>RSA</a:t>
-            </a:r>
-            <a:endParaRPr/>
-          </a:p>
-        </p:txBody>
-      </p:sp>
+        </p:nvPicPr>
+        <p:blipFill>
+          <a:blip r:embed="rId2"/>
+          <a:stretch>
+            <a:fillRect/>
+          </a:stretch>
+        </p:blipFill>
+        <p:spPr>
+          <a:xfrm>
+            <a:off x="1042797" y="3016377"/>
+            <a:ext cx="5772150" cy="3409950"/>
+          </a:xfrm>
+          <a:prstGeom prst="rect">
+            <a:avLst/>
+          </a:prstGeom>
+        </p:spPr>
+      </p:pic>
     </p:spTree>
+    <p:extLst>
+      <p:ext uri="{BB962C8B-B14F-4D97-AF65-F5344CB8AC3E}">
+        <p14:creationId xmlns:p14="http://schemas.microsoft.com/office/powerpoint/2010/main" val="4116260114"/>
+      </p:ext>
+    </p:extLst>
   </p:cSld>
+  <p:clrMapOvr>
+    <a:masterClrMapping/>
+  </p:clrMapOvr>
+  <p:timing>
+    <p:tnLst>
+      <p:par>
+        <p:cTn id="1" dur="indefinite" restart="never" nodeType="tmRoot">
+          <p:childTnLst>
+            <p:seq>
+              <p:cTn id="2" nodeType="mainSeq"/>
+              <p:prevCondLst>
+                <p:cond evt="onPrev" delay="0">
+                  <p:tgtEl>
+                    <p:sldTgt/>
+                  </p:tgtEl>
+                </p:cond>
+              </p:prevCondLst>
+              <p:nextCondLst>
+                <p:cond evt="onNext" delay="0">
+                  <p:tgtEl>
+                    <p:sldTgt/>
+                  </p:tgtEl>
+                </p:cond>
+              </p:nextCondLst>
+            </p:seq>
+          </p:childTnLst>
+        </p:cTn>
+      </p:par>
+    </p:tnLst>
+  </p:timing>
 </p:sld>
 </file>
 
-<file path=ppt/slides/slide2.xml><?xml version="1.0" encoding="utf-8"?>
-<p:sld xmlns:a="http://schemas.openxmlformats.org/drawingml/2006/main" xmlns:p="http://schemas.openxmlformats.org/presentationml/2006/main" xmlns:r="http://schemas.openxmlformats.org/officeDocument/2006/relationships">
+<file path=ppt/slides/slide17.xml><?xml version="1.0" encoding="utf-8"?>
+<p:sld xmlns:a="http://schemas.openxmlformats.org/drawingml/2006/main" xmlns:r="http://schemas.openxmlformats.org/officeDocument/2006/relationships" xmlns:p="http://schemas.openxmlformats.org/presentationml/2006/main">
   <p:cSld>
     <p:spTree>
       <p:nvGrpSpPr>
@@ -6058,7 +6902,7 @@
       </p:grpSpPr>
       <p:sp>
         <p:nvSpPr>
-          <p:cNvPr id="122" name="TextShape 1"/>
+          <p:cNvPr id="144" name="TextShape 1"/>
           <p:cNvSpPr txBox="1"/>
           <p:nvPr/>
         </p:nvSpPr>
@@ -6076,7 +6920,8 @@
           </a:ln>
         </p:spPr>
         <p:txBody>
-          <a:bodyPr lIns="90000" rIns="90000" tIns="45000" bIns="45000" anchor="ctr"/>
+          <a:bodyPr lIns="0" tIns="0" rIns="0" bIns="0" anchor="ctr"/>
+          <a:lstStyle/>
           <a:p>
             <a:pPr>
               <a:lnSpc>
@@ -6090,170 +6935,99 @@
                 </a:solidFill>
                 <a:latin typeface="Trebuchet MS"/>
               </a:rPr>
-              <a:t>LSB Embedding</a:t>
-            </a:r>
-            <a:endParaRPr/>
-          </a:p>
-        </p:txBody>
-      </p:sp>
-      <p:sp>
-        <p:nvSpPr>
-          <p:cNvPr id="123" name="TextShape 2"/>
+              <a:t>RSA- Verifying with openssl</a:t>
+            </a:r>
+            <a:endParaRPr/>
+          </a:p>
+        </p:txBody>
+      </p:sp>
+      <p:sp>
+        <p:nvSpPr>
+          <p:cNvPr id="2" name="TextBox 1"/>
           <p:cNvSpPr txBox="1"/>
           <p:nvPr/>
         </p:nvSpPr>
         <p:spPr>
           <a:xfrm>
-            <a:off x="457200" y="2249280"/>
-            <a:ext cx="8229240" cy="4324680"/>
+            <a:off x="457200" y="2224080"/>
+            <a:ext cx="6943344" cy="646331"/>
           </a:xfrm>
           <a:prstGeom prst="rect">
             <a:avLst/>
           </a:prstGeom>
           <a:noFill/>
-          <a:ln>
-            <a:noFill/>
-          </a:ln>
-        </p:spPr>
-        <p:txBody>
-          <a:bodyPr lIns="90000" rIns="90000" tIns="45000" bIns="45000"/>
-          <a:p>
-            <a:pPr>
-              <a:lnSpc>
-                <a:spcPct val="100000"/>
-              </a:lnSpc>
-              <a:buFont typeface="Georgia"/>
-              <a:buChar char="•"/>
-            </a:pPr>
-            <a:r>
-              <a:rPr lang="en-US" sz="2800" strike="noStrike">
-                <a:solidFill>
-                  <a:srgbClr val="000000"/>
-                </a:solidFill>
-                <a:latin typeface="Georgia"/>
-              </a:rPr>
-              <a:t>Turn message into 8 bit binary characters.</a:t>
-            </a:r>
-            <a:endParaRPr/>
-          </a:p>
-          <a:p>
-            <a:pPr>
-              <a:lnSpc>
-                <a:spcPct val="100000"/>
-              </a:lnSpc>
-              <a:buFont typeface="Georgia"/>
-              <a:buChar char="•"/>
-            </a:pPr>
-            <a:r>
-              <a:rPr lang="en-US" sz="2800" strike="noStrike">
-                <a:solidFill>
-                  <a:srgbClr val="000000"/>
-                </a:solidFill>
-                <a:latin typeface="Georgia"/>
-              </a:rPr>
-              <a:t>First value embedded is a twelve bit binary number that represents the number of characters in the message </a:t>
-            </a:r>
-            <a:endParaRPr/>
-          </a:p>
-          <a:p>
-            <a:pPr>
-              <a:lnSpc>
-                <a:spcPct val="100000"/>
-              </a:lnSpc>
-              <a:buFont typeface="Georgia"/>
-              <a:buChar char="•"/>
-            </a:pPr>
-            <a:r>
-              <a:rPr lang="en-US" sz="2800" strike="noStrike">
-                <a:solidFill>
-                  <a:srgbClr val="000000"/>
-                </a:solidFill>
-                <a:latin typeface="Georgia"/>
-              </a:rPr>
-              <a:t>Each number of the 8 bit binary characters is embedded into LSBs of image.</a:t>
-            </a:r>
-            <a:endParaRPr/>
-          </a:p>
-          <a:p>
-            <a:pPr>
-              <a:lnSpc>
-                <a:spcPct val="100000"/>
-              </a:lnSpc>
-              <a:buFont typeface="Georgia"/>
-              <a:buChar char="•"/>
-            </a:pPr>
-            <a:r>
-              <a:rPr lang="en-US" sz="2800" strike="noStrike">
-                <a:solidFill>
-                  <a:srgbClr val="000000"/>
-                </a:solidFill>
-                <a:latin typeface="Georgia"/>
-              </a:rPr>
-              <a:t>Embedded picture saved to “NothingToSeeHere.bmp”</a:t>
-            </a:r>
-            <a:endParaRPr/>
-          </a:p>
-          <a:p>
-            <a:pPr>
-              <a:lnSpc>
-                <a:spcPct val="100000"/>
-              </a:lnSpc>
-              <a:buFont typeface="Georgia"/>
-              <a:buChar char="•"/>
-            </a:pPr>
-            <a:r>
-              <a:rPr lang="en-US" sz="2800" strike="noStrike">
-                <a:solidFill>
-                  <a:srgbClr val="000000"/>
-                </a:solidFill>
-                <a:latin typeface="Georgia"/>
-              </a:rPr>
-              <a:t>Command line argument:</a:t>
-            </a:r>
-            <a:endParaRPr/>
-          </a:p>
-          <a:p>
-            <a:pPr lvl="1">
-              <a:lnSpc>
-                <a:spcPct val="100000"/>
-              </a:lnSpc>
-              <a:buFont typeface="Georgia"/>
-              <a:buChar char="▫"/>
-            </a:pPr>
-            <a:r>
-              <a:rPr lang="en-US" sz="2600" strike="noStrike">
-                <a:solidFill>
-                  <a:srgbClr val="438086"/>
-                </a:solidFill>
-                <a:latin typeface="Georgia"/>
-              </a:rPr>
-              <a:t>- ./toto –lsbem filename.bmp</a:t>
-            </a:r>
-            <a:endParaRPr/>
-          </a:p>
-          <a:p>
-            <a:endParaRPr/>
-          </a:p>
-        </p:txBody>
-      </p:sp>
+        </p:spPr>
+        <p:txBody>
+          <a:bodyPr wrap="square" rtlCol="0">
+            <a:spAutoFit/>
+          </a:bodyPr>
+          <a:lstStyle/>
+          <a:p>
+            <a:r>
+              <a:rPr lang="en-US" dirty="0" smtClean="0"/>
+              <a:t>After this, we generated a our key file from these primes and encrypted the message with </a:t>
+            </a:r>
+            <a:r>
+              <a:rPr lang="en-US" dirty="0" err="1" smtClean="0"/>
+              <a:t>munchkincrypt</a:t>
+            </a:r>
+            <a:r>
+              <a:rPr lang="en-US" dirty="0"/>
+              <a:t>.</a:t>
+            </a:r>
+          </a:p>
+        </p:txBody>
+      </p:sp>
+      <p:pic>
+        <p:nvPicPr>
+          <p:cNvPr id="4" name="Picture 3"/>
+          <p:cNvPicPr>
+            <a:picLocks noChangeAspect="1"/>
+          </p:cNvPicPr>
+          <p:nvPr/>
+        </p:nvPicPr>
+        <p:blipFill>
+          <a:blip r:embed="rId2"/>
+          <a:stretch>
+            <a:fillRect/>
+          </a:stretch>
+        </p:blipFill>
+        <p:spPr>
+          <a:xfrm>
+            <a:off x="739140" y="3234880"/>
+            <a:ext cx="6934200" cy="2924175"/>
+          </a:xfrm>
+          <a:prstGeom prst="rect">
+            <a:avLst/>
+          </a:prstGeom>
+        </p:spPr>
+      </p:pic>
     </p:spTree>
+    <p:extLst>
+      <p:ext uri="{BB962C8B-B14F-4D97-AF65-F5344CB8AC3E}">
+        <p14:creationId xmlns:p14="http://schemas.microsoft.com/office/powerpoint/2010/main" val="598149351"/>
+      </p:ext>
+    </p:extLst>
   </p:cSld>
+  <p:clrMapOvr>
+    <a:masterClrMapping/>
+  </p:clrMapOvr>
   <p:timing>
     <p:tnLst>
       <p:par>
-        <p:cTn id="3" dur="indefinite" restart="never" nodeType="tmRoot">
+        <p:cTn id="1" dur="indefinite" restart="never" nodeType="tmRoot">
           <p:childTnLst>
             <p:seq>
-              <p:cTn id="4" nodeType="mainSeq"/>
+              <p:cTn id="2" nodeType="mainSeq"/>
               <p:prevCondLst>
-                <p:cond delay="0" evt="onPrev">
+                <p:cond evt="onPrev" delay="0">
                   <p:tgtEl>
                     <p:sldTgt/>
                   </p:tgtEl>
                 </p:cond>
               </p:prevCondLst>
               <p:nextCondLst>
-                <p:cond delay="0" evt="onNext">
+                <p:cond evt="onNext" delay="0">
                   <p:tgtEl>
                     <p:sldTgt/>
                   </p:tgtEl>
@@ -6268,8 +7042,8 @@
 </p:sld>
 </file>
 
-<file path=ppt/slides/slide3.xml><?xml version="1.0" encoding="utf-8"?>
-<p:sld xmlns:a="http://schemas.openxmlformats.org/drawingml/2006/main" xmlns:p="http://schemas.openxmlformats.org/presentationml/2006/main" xmlns:r="http://schemas.openxmlformats.org/officeDocument/2006/relationships">
+<file path=ppt/slides/slide18.xml><?xml version="1.0" encoding="utf-8"?>
+<p:sld xmlns:a="http://schemas.openxmlformats.org/drawingml/2006/main" xmlns:r="http://schemas.openxmlformats.org/officeDocument/2006/relationships" xmlns:p="http://schemas.openxmlformats.org/presentationml/2006/main">
   <p:cSld>
     <p:spTree>
       <p:nvGrpSpPr>
@@ -6287,7 +7061,7 @@
       </p:grpSpPr>
       <p:sp>
         <p:nvSpPr>
-          <p:cNvPr id="124" name="TextShape 1"/>
+          <p:cNvPr id="144" name="TextShape 1"/>
           <p:cNvSpPr txBox="1"/>
           <p:nvPr/>
         </p:nvSpPr>
@@ -6305,7 +7079,8 @@
           </a:ln>
         </p:spPr>
         <p:txBody>
-          <a:bodyPr lIns="90000" rIns="90000" tIns="45000" bIns="45000" anchor="ctr"/>
+          <a:bodyPr lIns="0" tIns="0" rIns="0" bIns="0" anchor="ctr"/>
+          <a:lstStyle/>
           <a:p>
             <a:pPr>
               <a:lnSpc>
@@ -6319,22 +7094,186 @@
                 </a:solidFill>
                 <a:latin typeface="Trebuchet MS"/>
               </a:rPr>
-              <a:t>LSB Extracting</a:t>
-            </a:r>
-            <a:endParaRPr/>
-          </a:p>
-        </p:txBody>
-      </p:sp>
-      <p:sp>
-        <p:nvSpPr>
-          <p:cNvPr id="125" name="TextShape 2"/>
+              <a:t>RSA- Verifying with openssl</a:t>
+            </a:r>
+            <a:endParaRPr/>
+          </a:p>
+        </p:txBody>
+      </p:sp>
+      <p:sp>
+        <p:nvSpPr>
+          <p:cNvPr id="2" name="TextBox 1"/>
           <p:cNvSpPr txBox="1"/>
           <p:nvPr/>
         </p:nvSpPr>
         <p:spPr>
           <a:xfrm>
-            <a:off x="457200" y="2249280"/>
-            <a:ext cx="8229240" cy="4324680"/>
+            <a:off x="457200" y="2224080"/>
+            <a:ext cx="6943344" cy="369332"/>
+          </a:xfrm>
+          <a:prstGeom prst="rect">
+            <a:avLst/>
+          </a:prstGeom>
+          <a:noFill/>
+        </p:spPr>
+        <p:txBody>
+          <a:bodyPr wrap="square" rtlCol="0">
+            <a:spAutoFit/>
+          </a:bodyPr>
+          <a:lstStyle/>
+          <a:p>
+            <a:r>
+              <a:rPr lang="en-US" dirty="0" smtClean="0"/>
+              <a:t>We show our cipher text</a:t>
+            </a:r>
+            <a:endParaRPr lang="en-US" dirty="0"/>
+          </a:p>
+        </p:txBody>
+      </p:sp>
+      <p:pic>
+        <p:nvPicPr>
+          <p:cNvPr id="3" name="Picture 2"/>
+          <p:cNvPicPr>
+            <a:picLocks noChangeAspect="1"/>
+          </p:cNvPicPr>
+          <p:nvPr/>
+        </p:nvPicPr>
+        <p:blipFill>
+          <a:blip r:embed="rId2"/>
+          <a:stretch>
+            <a:fillRect/>
+          </a:stretch>
+        </p:blipFill>
+        <p:spPr>
+          <a:xfrm>
+            <a:off x="457200" y="2742819"/>
+            <a:ext cx="4800600" cy="933450"/>
+          </a:xfrm>
+          <a:prstGeom prst="rect">
+            <a:avLst/>
+          </a:prstGeom>
+        </p:spPr>
+      </p:pic>
+      <p:sp>
+        <p:nvSpPr>
+          <p:cNvPr id="6" name="TextBox 5"/>
+          <p:cNvSpPr txBox="1"/>
+          <p:nvPr/>
+        </p:nvSpPr>
+        <p:spPr>
+          <a:xfrm>
+            <a:off x="457200" y="3911020"/>
+            <a:ext cx="6943344" cy="369332"/>
+          </a:xfrm>
+          <a:prstGeom prst="rect">
+            <a:avLst/>
+          </a:prstGeom>
+          <a:noFill/>
+        </p:spPr>
+        <p:txBody>
+          <a:bodyPr wrap="square" rtlCol="0">
+            <a:spAutoFit/>
+          </a:bodyPr>
+          <a:lstStyle/>
+          <a:p>
+            <a:r>
+              <a:rPr lang="en-US" dirty="0" smtClean="0"/>
+              <a:t>We also show OpenSSL cipher text again</a:t>
+            </a:r>
+            <a:endParaRPr lang="en-US" dirty="0"/>
+          </a:p>
+        </p:txBody>
+      </p:sp>
+      <p:pic>
+        <p:nvPicPr>
+          <p:cNvPr id="7" name="Picture 6"/>
+          <p:cNvPicPr>
+            <a:picLocks noChangeAspect="1"/>
+          </p:cNvPicPr>
+          <p:nvPr/>
+        </p:nvPicPr>
+        <p:blipFill rotWithShape="1">
+          <a:blip r:embed="rId3"/>
+          <a:srcRect l="688" r="-23968"/>
+          <a:stretch/>
+        </p:blipFill>
+        <p:spPr>
+          <a:xfrm>
+            <a:off x="457199" y="4280352"/>
+            <a:ext cx="8229241" cy="1730304"/>
+          </a:xfrm>
+          <a:prstGeom prst="rect">
+            <a:avLst/>
+          </a:prstGeom>
+        </p:spPr>
+      </p:pic>
+    </p:spTree>
+    <p:extLst>
+      <p:ext uri="{BB962C8B-B14F-4D97-AF65-F5344CB8AC3E}">
+        <p14:creationId xmlns:p14="http://schemas.microsoft.com/office/powerpoint/2010/main" val="176443802"/>
+      </p:ext>
+    </p:extLst>
+  </p:cSld>
+  <p:clrMapOvr>
+    <a:masterClrMapping/>
+  </p:clrMapOvr>
+  <p:timing>
+    <p:tnLst>
+      <p:par>
+        <p:cTn id="1" dur="indefinite" restart="never" nodeType="tmRoot">
+          <p:childTnLst>
+            <p:seq>
+              <p:cTn id="2" nodeType="mainSeq"/>
+              <p:prevCondLst>
+                <p:cond evt="onPrev" delay="0">
+                  <p:tgtEl>
+                    <p:sldTgt/>
+                  </p:tgtEl>
+                </p:cond>
+              </p:prevCondLst>
+              <p:nextCondLst>
+                <p:cond evt="onNext" delay="0">
+                  <p:tgtEl>
+                    <p:sldTgt/>
+                  </p:tgtEl>
+                </p:cond>
+              </p:nextCondLst>
+            </p:seq>
+          </p:childTnLst>
+        </p:cTn>
+      </p:par>
+    </p:tnLst>
+  </p:timing>
+</p:sld>
+</file>
+
+<file path=ppt/slides/slide19.xml><?xml version="1.0" encoding="utf-8"?>
+<p:sld xmlns:a="http://schemas.openxmlformats.org/drawingml/2006/main" xmlns:r="http://schemas.openxmlformats.org/officeDocument/2006/relationships" xmlns:p="http://schemas.openxmlformats.org/presentationml/2006/main">
+  <p:cSld>
+    <p:spTree>
+      <p:nvGrpSpPr>
+        <p:cNvPr id="1" name=""/>
+        <p:cNvGrpSpPr/>
+        <p:nvPr/>
+      </p:nvGrpSpPr>
+      <p:grpSpPr>
+        <a:xfrm>
+          <a:off x="0" y="0"/>
+          <a:ext cx="0" cy="0"/>
+          <a:chOff x="0" y="0"/>
+          <a:chExt cx="0" cy="0"/>
+        </a:xfrm>
+      </p:grpSpPr>
+      <p:sp>
+        <p:nvSpPr>
+          <p:cNvPr id="144" name="TextShape 1"/>
+          <p:cNvSpPr txBox="1"/>
+          <p:nvPr/>
+        </p:nvSpPr>
+        <p:spPr>
+          <a:xfrm>
+            <a:off x="457200" y="1143000"/>
+            <a:ext cx="8229240" cy="1066320"/>
           </a:xfrm>
           <a:prstGeom prst="rect">
             <a:avLst/>
@@ -6345,7 +7284,204 @@
           </a:ln>
         </p:spPr>
         <p:txBody>
-          <a:bodyPr lIns="90000" rIns="90000" tIns="45000" bIns="45000"/>
+          <a:bodyPr lIns="0" tIns="0" rIns="0" bIns="0" anchor="ctr"/>
+          <a:lstStyle/>
+          <a:p>
+            <a:pPr>
+              <a:lnSpc>
+                <a:spcPct val="100000"/>
+              </a:lnSpc>
+            </a:pPr>
+            <a:r>
+              <a:rPr lang="en-US" sz="4000" strike="noStrike">
+                <a:solidFill>
+                  <a:srgbClr val="424456"/>
+                </a:solidFill>
+                <a:latin typeface="Trebuchet MS"/>
+              </a:rPr>
+              <a:t>RSA- Verifying with openssl</a:t>
+            </a:r>
+            <a:endParaRPr/>
+          </a:p>
+        </p:txBody>
+      </p:sp>
+      <p:sp>
+        <p:nvSpPr>
+          <p:cNvPr id="2" name="TextBox 1"/>
+          <p:cNvSpPr txBox="1"/>
+          <p:nvPr/>
+        </p:nvSpPr>
+        <p:spPr>
+          <a:xfrm>
+            <a:off x="457200" y="2333808"/>
+            <a:ext cx="6943344" cy="3139321"/>
+          </a:xfrm>
+          <a:prstGeom prst="rect">
+            <a:avLst/>
+          </a:prstGeom>
+          <a:noFill/>
+        </p:spPr>
+        <p:txBody>
+          <a:bodyPr wrap="square" rtlCol="0">
+            <a:spAutoFit/>
+          </a:bodyPr>
+          <a:lstStyle/>
+          <a:p>
+            <a:r>
+              <a:rPr lang="en-US" dirty="0" smtClean="0"/>
+              <a:t>The reason that the two do not match has to do with how the values are stored.</a:t>
+            </a:r>
+          </a:p>
+          <a:p>
+            <a:endParaRPr lang="en-US" dirty="0"/>
+          </a:p>
+          <a:p>
+            <a:r>
+              <a:rPr lang="en-US" dirty="0" smtClean="0"/>
+              <a:t>Our program breaks the message into blocks and writes these blocks to the file in decimal form.</a:t>
+            </a:r>
+          </a:p>
+          <a:p>
+            <a:endParaRPr lang="en-US" dirty="0"/>
+          </a:p>
+          <a:p>
+            <a:r>
+              <a:rPr lang="en-US" dirty="0" smtClean="0"/>
+              <a:t>On the other hand, OpenSSL wrote the modified binary data directly to a file, thus we could not directly compare the two.</a:t>
+            </a:r>
+          </a:p>
+          <a:p>
+            <a:endParaRPr lang="en-US" dirty="0"/>
+          </a:p>
+          <a:p>
+            <a:r>
+              <a:rPr lang="en-US" dirty="0" smtClean="0"/>
+              <a:t>The implementation is still shown to be correct when they decrypt to the same value.</a:t>
+            </a:r>
+            <a:endParaRPr lang="en-US" dirty="0"/>
+          </a:p>
+        </p:txBody>
+      </p:sp>
+    </p:spTree>
+    <p:extLst>
+      <p:ext uri="{BB962C8B-B14F-4D97-AF65-F5344CB8AC3E}">
+        <p14:creationId xmlns:p14="http://schemas.microsoft.com/office/powerpoint/2010/main" val="1197365951"/>
+      </p:ext>
+    </p:extLst>
+  </p:cSld>
+  <p:clrMapOvr>
+    <a:masterClrMapping/>
+  </p:clrMapOvr>
+  <p:timing>
+    <p:tnLst>
+      <p:par>
+        <p:cTn id="1" dur="indefinite" restart="never" nodeType="tmRoot">
+          <p:childTnLst>
+            <p:seq>
+              <p:cTn id="2" nodeType="mainSeq"/>
+              <p:prevCondLst>
+                <p:cond evt="onPrev" delay="0">
+                  <p:tgtEl>
+                    <p:sldTgt/>
+                  </p:tgtEl>
+                </p:cond>
+              </p:prevCondLst>
+              <p:nextCondLst>
+                <p:cond evt="onNext" delay="0">
+                  <p:tgtEl>
+                    <p:sldTgt/>
+                  </p:tgtEl>
+                </p:cond>
+              </p:nextCondLst>
+            </p:seq>
+          </p:childTnLst>
+        </p:cTn>
+      </p:par>
+    </p:tnLst>
+  </p:timing>
+</p:sld>
+</file>
+
+<file path=ppt/slides/slide2.xml><?xml version="1.0" encoding="utf-8"?>
+<p:sld xmlns:a="http://schemas.openxmlformats.org/drawingml/2006/main" xmlns:r="http://schemas.openxmlformats.org/officeDocument/2006/relationships" xmlns:p="http://schemas.openxmlformats.org/presentationml/2006/main">
+  <p:cSld>
+    <p:spTree>
+      <p:nvGrpSpPr>
+        <p:cNvPr id="1" name=""/>
+        <p:cNvGrpSpPr/>
+        <p:nvPr/>
+      </p:nvGrpSpPr>
+      <p:grpSpPr>
+        <a:xfrm>
+          <a:off x="0" y="0"/>
+          <a:ext cx="0" cy="0"/>
+          <a:chOff x="0" y="0"/>
+          <a:chExt cx="0" cy="0"/>
+        </a:xfrm>
+      </p:grpSpPr>
+      <p:sp>
+        <p:nvSpPr>
+          <p:cNvPr id="122" name="TextShape 1"/>
+          <p:cNvSpPr txBox="1"/>
+          <p:nvPr/>
+        </p:nvSpPr>
+        <p:spPr>
+          <a:xfrm>
+            <a:off x="457200" y="1143000"/>
+            <a:ext cx="8229240" cy="1066320"/>
+          </a:xfrm>
+          <a:prstGeom prst="rect">
+            <a:avLst/>
+          </a:prstGeom>
+          <a:noFill/>
+          <a:ln>
+            <a:noFill/>
+          </a:ln>
+        </p:spPr>
+        <p:txBody>
+          <a:bodyPr lIns="90000" tIns="45000" rIns="90000" bIns="45000" anchor="ctr"/>
+          <a:lstStyle/>
+          <a:p>
+            <a:pPr>
+              <a:lnSpc>
+                <a:spcPct val="100000"/>
+              </a:lnSpc>
+            </a:pPr>
+            <a:r>
+              <a:rPr lang="en-US" sz="4000" strike="noStrike">
+                <a:solidFill>
+                  <a:srgbClr val="424456"/>
+                </a:solidFill>
+                <a:latin typeface="Trebuchet MS"/>
+              </a:rPr>
+              <a:t>LSB Embedding</a:t>
+            </a:r>
+            <a:endParaRPr/>
+          </a:p>
+        </p:txBody>
+      </p:sp>
+      <p:sp>
+        <p:nvSpPr>
+          <p:cNvPr id="123" name="TextShape 2"/>
+          <p:cNvSpPr txBox="1"/>
+          <p:nvPr/>
+        </p:nvSpPr>
+        <p:spPr>
+          <a:xfrm>
+            <a:off x="457200" y="2249280"/>
+            <a:ext cx="8229240" cy="4324680"/>
+          </a:xfrm>
+          <a:prstGeom prst="rect">
+            <a:avLst/>
+          </a:prstGeom>
+          <a:noFill/>
+          <a:ln>
+            <a:noFill/>
+          </a:ln>
+        </p:spPr>
+        <p:txBody>
+          <a:bodyPr lIns="90000" tIns="45000" rIns="90000" bIns="45000"/>
+          <a:lstStyle/>
           <a:p>
             <a:pPr>
               <a:lnSpc>
@@ -6361,7 +7497,7 @@
                 </a:solidFill>
                 <a:latin typeface="Georgia"/>
               </a:rPr>
-              <a:t>First value extracted is the number of characters in the message</a:t>
+              <a:t>Turn message into 8 bit binary characters.</a:t>
             </a:r>
             <a:endParaRPr/>
           </a:p>
@@ -6380,7 +7516,7 @@
                 </a:solidFill>
                 <a:latin typeface="Georgia"/>
               </a:rPr>
-              <a:t>Once size is known, message is extracted in binary format, converted to characters and displayed in the terminal</a:t>
+              <a:t>First value embedded is a twelve bit binary number that represents the number of characters in the message </a:t>
             </a:r>
             <a:endParaRPr/>
           </a:p>
@@ -6399,6 +7535,44 @@
                 </a:solidFill>
                 <a:latin typeface="Georgia"/>
               </a:rPr>
+              <a:t>Each number of the 8 bit binary characters is embedded into LSBs of image.</a:t>
+            </a:r>
+            <a:endParaRPr/>
+          </a:p>
+          <a:p>
+            <a:pPr>
+              <a:lnSpc>
+                <a:spcPct val="100000"/>
+              </a:lnSpc>
+              <a:buFont typeface="Georgia"/>
+              <a:buChar char="•"/>
+            </a:pPr>
+            <a:r>
+              <a:rPr lang="en-US" sz="2800" strike="noStrike">
+                <a:solidFill>
+                  <a:srgbClr val="000000"/>
+                </a:solidFill>
+                <a:latin typeface="Georgia"/>
+              </a:rPr>
+              <a:t>Embedded picture saved to “NothingToSeeHere.bmp”</a:t>
+            </a:r>
+            <a:endParaRPr/>
+          </a:p>
+          <a:p>
+            <a:pPr>
+              <a:lnSpc>
+                <a:spcPct val="100000"/>
+              </a:lnSpc>
+              <a:buFont typeface="Georgia"/>
+              <a:buChar char="•"/>
+            </a:pPr>
+            <a:r>
+              <a:rPr lang="en-US" sz="2800" strike="noStrike">
+                <a:solidFill>
+                  <a:srgbClr val="000000"/>
+                </a:solidFill>
+                <a:latin typeface="Georgia"/>
+              </a:rPr>
               <a:t>Command line argument:</a:t>
             </a:r>
             <a:endParaRPr/>
@@ -6418,30 +7592,1843 @@
                 </a:solidFill>
                 <a:latin typeface="Georgia"/>
               </a:rPr>
-              <a:t>./toto –lsbex filename.bmp</a:t>
-            </a:r>
+              <a:t>- ./toto –lsbem filename.bmp</a:t>
+            </a:r>
+            <a:endParaRPr/>
+          </a:p>
+          <a:p>
             <a:endParaRPr/>
           </a:p>
         </p:txBody>
       </p:sp>
     </p:spTree>
   </p:cSld>
+  <p:clrMapOvr>
+    <a:masterClrMapping/>
+  </p:clrMapOvr>
   <p:timing>
     <p:tnLst>
       <p:par>
-        <p:cTn id="5" dur="indefinite" restart="never" nodeType="tmRoot">
+        <p:cTn id="1" dur="indefinite" restart="never" nodeType="tmRoot">
           <p:childTnLst>
             <p:seq>
-              <p:cTn id="6" nodeType="mainSeq"/>
+              <p:cTn id="2" nodeType="mainSeq"/>
               <p:prevCondLst>
-                <p:cond delay="0" evt="onPrev">
+                <p:cond evt="onPrev" delay="0">
                   <p:tgtEl>
                     <p:sldTgt/>
                   </p:tgtEl>
                 </p:cond>
               </p:prevCondLst>
               <p:nextCondLst>
-                <p:cond delay="0" evt="onNext">
+                <p:cond evt="onNext" delay="0">
+                  <p:tgtEl>
+                    <p:sldTgt/>
+                  </p:tgtEl>
+                </p:cond>
+              </p:nextCondLst>
+            </p:seq>
+          </p:childTnLst>
+        </p:cTn>
+      </p:par>
+    </p:tnLst>
+  </p:timing>
+</p:sld>
+</file>
+
+<file path=ppt/slides/slide20.xml><?xml version="1.0" encoding="utf-8"?>
+<p:sld xmlns:a="http://schemas.openxmlformats.org/drawingml/2006/main" xmlns:r="http://schemas.openxmlformats.org/officeDocument/2006/relationships" xmlns:p="http://schemas.openxmlformats.org/presentationml/2006/main">
+  <p:cSld>
+    <p:spTree>
+      <p:nvGrpSpPr>
+        <p:cNvPr id="1" name=""/>
+        <p:cNvGrpSpPr/>
+        <p:nvPr/>
+      </p:nvGrpSpPr>
+      <p:grpSpPr>
+        <a:xfrm>
+          <a:off x="0" y="0"/>
+          <a:ext cx="0" cy="0"/>
+          <a:chOff x="0" y="0"/>
+          <a:chExt cx="0" cy="0"/>
+        </a:xfrm>
+      </p:grpSpPr>
+      <p:sp>
+        <p:nvSpPr>
+          <p:cNvPr id="144" name="TextShape 1"/>
+          <p:cNvSpPr txBox="1"/>
+          <p:nvPr/>
+        </p:nvSpPr>
+        <p:spPr>
+          <a:xfrm>
+            <a:off x="457200" y="1143000"/>
+            <a:ext cx="8229240" cy="1066320"/>
+          </a:xfrm>
+          <a:prstGeom prst="rect">
+            <a:avLst/>
+          </a:prstGeom>
+          <a:noFill/>
+          <a:ln>
+            <a:noFill/>
+          </a:ln>
+        </p:spPr>
+        <p:txBody>
+          <a:bodyPr lIns="0" tIns="0" rIns="0" bIns="0" anchor="ctr"/>
+          <a:lstStyle/>
+          <a:p>
+            <a:pPr>
+              <a:lnSpc>
+                <a:spcPct val="100000"/>
+              </a:lnSpc>
+            </a:pPr>
+            <a:r>
+              <a:rPr lang="en-US" sz="4000" strike="noStrike">
+                <a:solidFill>
+                  <a:srgbClr val="424456"/>
+                </a:solidFill>
+                <a:latin typeface="Trebuchet MS"/>
+              </a:rPr>
+              <a:t>RSA- Verifying with openssl</a:t>
+            </a:r>
+            <a:endParaRPr/>
+          </a:p>
+        </p:txBody>
+      </p:sp>
+      <p:sp>
+        <p:nvSpPr>
+          <p:cNvPr id="2" name="TextBox 1"/>
+          <p:cNvSpPr txBox="1"/>
+          <p:nvPr/>
+        </p:nvSpPr>
+        <p:spPr>
+          <a:xfrm>
+            <a:off x="457200" y="2333808"/>
+            <a:ext cx="6943344" cy="3416320"/>
+          </a:xfrm>
+          <a:prstGeom prst="rect">
+            <a:avLst/>
+          </a:prstGeom>
+          <a:noFill/>
+        </p:spPr>
+        <p:txBody>
+          <a:bodyPr wrap="square" rtlCol="0">
+            <a:spAutoFit/>
+          </a:bodyPr>
+          <a:lstStyle/>
+          <a:p>
+            <a:r>
+              <a:rPr lang="en-US" dirty="0" smtClean="0"/>
+              <a:t>Next we decrypt both of the cipher texts with their respective programs.</a:t>
+            </a:r>
+          </a:p>
+          <a:p>
+            <a:endParaRPr lang="en-US" dirty="0" smtClean="0"/>
+          </a:p>
+          <a:p>
+            <a:endParaRPr lang="en-US" dirty="0"/>
+          </a:p>
+          <a:p>
+            <a:endParaRPr lang="en-US" dirty="0"/>
+          </a:p>
+          <a:p>
+            <a:r>
+              <a:rPr lang="en-US" dirty="0" smtClean="0"/>
+              <a:t>OpenSSL</a:t>
+            </a:r>
+          </a:p>
+          <a:p>
+            <a:endParaRPr lang="en-US" dirty="0"/>
+          </a:p>
+          <a:p>
+            <a:endParaRPr lang="en-US" dirty="0" smtClean="0"/>
+          </a:p>
+          <a:p>
+            <a:endParaRPr lang="en-US" dirty="0"/>
+          </a:p>
+          <a:p>
+            <a:endParaRPr lang="en-US" dirty="0" smtClean="0"/>
+          </a:p>
+          <a:p>
+            <a:endParaRPr lang="en-US" dirty="0"/>
+          </a:p>
+          <a:p>
+            <a:r>
+              <a:rPr lang="en-US" dirty="0" err="1" smtClean="0"/>
+              <a:t>Munchkincrypt</a:t>
+            </a:r>
+            <a:endParaRPr lang="en-US" dirty="0"/>
+          </a:p>
+        </p:txBody>
+      </p:sp>
+      <p:pic>
+        <p:nvPicPr>
+          <p:cNvPr id="3" name="Picture 2"/>
+          <p:cNvPicPr>
+            <a:picLocks noChangeAspect="1"/>
+          </p:cNvPicPr>
+          <p:nvPr/>
+        </p:nvPicPr>
+        <p:blipFill>
+          <a:blip r:embed="rId2"/>
+          <a:stretch>
+            <a:fillRect/>
+          </a:stretch>
+        </p:blipFill>
+        <p:spPr>
+          <a:xfrm>
+            <a:off x="2312712" y="3180569"/>
+            <a:ext cx="6333744" cy="1387547"/>
+          </a:xfrm>
+          <a:prstGeom prst="rect">
+            <a:avLst/>
+          </a:prstGeom>
+        </p:spPr>
+      </p:pic>
+      <p:pic>
+        <p:nvPicPr>
+          <p:cNvPr id="4" name="Picture 3"/>
+          <p:cNvPicPr>
+            <a:picLocks noChangeAspect="1"/>
+          </p:cNvPicPr>
+          <p:nvPr/>
+        </p:nvPicPr>
+        <p:blipFill>
+          <a:blip r:embed="rId3"/>
+          <a:stretch>
+            <a:fillRect/>
+          </a:stretch>
+        </p:blipFill>
+        <p:spPr>
+          <a:xfrm>
+            <a:off x="2352696" y="4868384"/>
+            <a:ext cx="5982081" cy="1585801"/>
+          </a:xfrm>
+          <a:prstGeom prst="rect">
+            <a:avLst/>
+          </a:prstGeom>
+        </p:spPr>
+      </p:pic>
+    </p:spTree>
+    <p:extLst>
+      <p:ext uri="{BB962C8B-B14F-4D97-AF65-F5344CB8AC3E}">
+        <p14:creationId xmlns:p14="http://schemas.microsoft.com/office/powerpoint/2010/main" val="1764873393"/>
+      </p:ext>
+    </p:extLst>
+  </p:cSld>
+  <p:clrMapOvr>
+    <a:masterClrMapping/>
+  </p:clrMapOvr>
+  <p:timing>
+    <p:tnLst>
+      <p:par>
+        <p:cTn id="1" dur="indefinite" restart="never" nodeType="tmRoot">
+          <p:childTnLst>
+            <p:seq>
+              <p:cTn id="2" nodeType="mainSeq"/>
+              <p:prevCondLst>
+                <p:cond evt="onPrev" delay="0">
+                  <p:tgtEl>
+                    <p:sldTgt/>
+                  </p:tgtEl>
+                </p:cond>
+              </p:prevCondLst>
+              <p:nextCondLst>
+                <p:cond evt="onNext" delay="0">
+                  <p:tgtEl>
+                    <p:sldTgt/>
+                  </p:tgtEl>
+                </p:cond>
+              </p:nextCondLst>
+            </p:seq>
+          </p:childTnLst>
+        </p:cTn>
+      </p:par>
+    </p:tnLst>
+  </p:timing>
+</p:sld>
+</file>
+
+<file path=ppt/slides/slide21.xml><?xml version="1.0" encoding="utf-8"?>
+<p:sld xmlns:a="http://schemas.openxmlformats.org/drawingml/2006/main" xmlns:r="http://schemas.openxmlformats.org/officeDocument/2006/relationships" xmlns:p="http://schemas.openxmlformats.org/presentationml/2006/main">
+  <p:cSld>
+    <p:spTree>
+      <p:nvGrpSpPr>
+        <p:cNvPr id="1" name=""/>
+        <p:cNvGrpSpPr/>
+        <p:nvPr/>
+      </p:nvGrpSpPr>
+      <p:grpSpPr>
+        <a:xfrm>
+          <a:off x="0" y="0"/>
+          <a:ext cx="0" cy="0"/>
+          <a:chOff x="0" y="0"/>
+          <a:chExt cx="0" cy="0"/>
+        </a:xfrm>
+      </p:grpSpPr>
+      <p:sp>
+        <p:nvSpPr>
+          <p:cNvPr id="144" name="TextShape 1"/>
+          <p:cNvSpPr txBox="1"/>
+          <p:nvPr/>
+        </p:nvSpPr>
+        <p:spPr>
+          <a:xfrm>
+            <a:off x="457200" y="1143000"/>
+            <a:ext cx="8229240" cy="1066320"/>
+          </a:xfrm>
+          <a:prstGeom prst="rect">
+            <a:avLst/>
+          </a:prstGeom>
+          <a:noFill/>
+          <a:ln>
+            <a:noFill/>
+          </a:ln>
+        </p:spPr>
+        <p:txBody>
+          <a:bodyPr lIns="0" tIns="0" rIns="0" bIns="0" anchor="ctr"/>
+          <a:lstStyle/>
+          <a:p>
+            <a:pPr>
+              <a:lnSpc>
+                <a:spcPct val="100000"/>
+              </a:lnSpc>
+            </a:pPr>
+            <a:r>
+              <a:rPr lang="en-US" sz="4000" strike="noStrike">
+                <a:solidFill>
+                  <a:srgbClr val="424456"/>
+                </a:solidFill>
+                <a:latin typeface="Trebuchet MS"/>
+              </a:rPr>
+              <a:t>RSA- Verifying with openssl</a:t>
+            </a:r>
+            <a:endParaRPr/>
+          </a:p>
+        </p:txBody>
+      </p:sp>
+      <p:sp>
+        <p:nvSpPr>
+          <p:cNvPr id="2" name="TextBox 1"/>
+          <p:cNvSpPr txBox="1"/>
+          <p:nvPr/>
+        </p:nvSpPr>
+        <p:spPr>
+          <a:xfrm>
+            <a:off x="457200" y="2333808"/>
+            <a:ext cx="6943344" cy="3139321"/>
+          </a:xfrm>
+          <a:prstGeom prst="rect">
+            <a:avLst/>
+          </a:prstGeom>
+          <a:noFill/>
+        </p:spPr>
+        <p:txBody>
+          <a:bodyPr wrap="square" rtlCol="0">
+            <a:spAutoFit/>
+          </a:bodyPr>
+          <a:lstStyle/>
+          <a:p>
+            <a:r>
+              <a:rPr lang="en-US" dirty="0" smtClean="0"/>
+              <a:t>The decrypted version of each file is shown below.</a:t>
+            </a:r>
+          </a:p>
+          <a:p>
+            <a:endParaRPr lang="en-US" dirty="0" smtClean="0"/>
+          </a:p>
+          <a:p>
+            <a:endParaRPr lang="en-US" dirty="0"/>
+          </a:p>
+          <a:p>
+            <a:endParaRPr lang="en-US" dirty="0"/>
+          </a:p>
+          <a:p>
+            <a:r>
+              <a:rPr lang="en-US" dirty="0" smtClean="0"/>
+              <a:t>OpenSSL</a:t>
+            </a:r>
+          </a:p>
+          <a:p>
+            <a:endParaRPr lang="en-US" dirty="0"/>
+          </a:p>
+          <a:p>
+            <a:endParaRPr lang="en-US" dirty="0" smtClean="0"/>
+          </a:p>
+          <a:p>
+            <a:endParaRPr lang="en-US" dirty="0"/>
+          </a:p>
+          <a:p>
+            <a:endParaRPr lang="en-US" dirty="0" smtClean="0"/>
+          </a:p>
+          <a:p>
+            <a:endParaRPr lang="en-US" dirty="0"/>
+          </a:p>
+          <a:p>
+            <a:r>
+              <a:rPr lang="en-US" dirty="0" err="1" smtClean="0"/>
+              <a:t>Munchkincrypt</a:t>
+            </a:r>
+            <a:endParaRPr lang="en-US" dirty="0"/>
+          </a:p>
+        </p:txBody>
+      </p:sp>
+      <p:pic>
+        <p:nvPicPr>
+          <p:cNvPr id="5" name="Picture 4"/>
+          <p:cNvPicPr>
+            <a:picLocks noChangeAspect="1"/>
+          </p:cNvPicPr>
+          <p:nvPr/>
+        </p:nvPicPr>
+        <p:blipFill>
+          <a:blip r:embed="rId2"/>
+          <a:stretch>
+            <a:fillRect/>
+          </a:stretch>
+        </p:blipFill>
+        <p:spPr>
+          <a:xfrm>
+            <a:off x="2312712" y="4745355"/>
+            <a:ext cx="6257925" cy="2000250"/>
+          </a:xfrm>
+          <a:prstGeom prst="rect">
+            <a:avLst/>
+          </a:prstGeom>
+        </p:spPr>
+      </p:pic>
+      <p:pic>
+        <p:nvPicPr>
+          <p:cNvPr id="6" name="Picture 5"/>
+          <p:cNvPicPr>
+            <a:picLocks noChangeAspect="1"/>
+          </p:cNvPicPr>
+          <p:nvPr/>
+        </p:nvPicPr>
+        <p:blipFill>
+          <a:blip r:embed="rId3"/>
+          <a:stretch>
+            <a:fillRect/>
+          </a:stretch>
+        </p:blipFill>
+        <p:spPr>
+          <a:xfrm>
+            <a:off x="2312712" y="2763492"/>
+            <a:ext cx="6648450" cy="1857375"/>
+          </a:xfrm>
+          <a:prstGeom prst="rect">
+            <a:avLst/>
+          </a:prstGeom>
+        </p:spPr>
+      </p:pic>
+    </p:spTree>
+    <p:extLst>
+      <p:ext uri="{BB962C8B-B14F-4D97-AF65-F5344CB8AC3E}">
+        <p14:creationId xmlns:p14="http://schemas.microsoft.com/office/powerpoint/2010/main" val="279161254"/>
+      </p:ext>
+    </p:extLst>
+  </p:cSld>
+  <p:clrMapOvr>
+    <a:masterClrMapping/>
+  </p:clrMapOvr>
+  <p:timing>
+    <p:tnLst>
+      <p:par>
+        <p:cTn id="1" dur="indefinite" restart="never" nodeType="tmRoot">
+          <p:childTnLst>
+            <p:seq>
+              <p:cTn id="2" nodeType="mainSeq"/>
+              <p:prevCondLst>
+                <p:cond evt="onPrev" delay="0">
+                  <p:tgtEl>
+                    <p:sldTgt/>
+                  </p:tgtEl>
+                </p:cond>
+              </p:prevCondLst>
+              <p:nextCondLst>
+                <p:cond evt="onNext" delay="0">
+                  <p:tgtEl>
+                    <p:sldTgt/>
+                  </p:tgtEl>
+                </p:cond>
+              </p:nextCondLst>
+            </p:seq>
+          </p:childTnLst>
+        </p:cTn>
+      </p:par>
+    </p:tnLst>
+  </p:timing>
+</p:sld>
+</file>
+
+<file path=ppt/slides/slide22.xml><?xml version="1.0" encoding="utf-8"?>
+<p:sld xmlns:a="http://schemas.openxmlformats.org/drawingml/2006/main" xmlns:r="http://schemas.openxmlformats.org/officeDocument/2006/relationships" xmlns:p="http://schemas.openxmlformats.org/presentationml/2006/main">
+  <p:cSld>
+    <p:spTree>
+      <p:nvGrpSpPr>
+        <p:cNvPr id="1" name=""/>
+        <p:cNvGrpSpPr/>
+        <p:nvPr/>
+      </p:nvGrpSpPr>
+      <p:grpSpPr>
+        <a:xfrm>
+          <a:off x="0" y="0"/>
+          <a:ext cx="0" cy="0"/>
+          <a:chOff x="0" y="0"/>
+          <a:chExt cx="0" cy="0"/>
+        </a:xfrm>
+      </p:grpSpPr>
+      <p:sp>
+        <p:nvSpPr>
+          <p:cNvPr id="144" name="TextShape 1"/>
+          <p:cNvSpPr txBox="1"/>
+          <p:nvPr/>
+        </p:nvSpPr>
+        <p:spPr>
+          <a:xfrm>
+            <a:off x="457200" y="1143000"/>
+            <a:ext cx="8229240" cy="1066320"/>
+          </a:xfrm>
+          <a:prstGeom prst="rect">
+            <a:avLst/>
+          </a:prstGeom>
+          <a:noFill/>
+          <a:ln>
+            <a:noFill/>
+          </a:ln>
+        </p:spPr>
+        <p:txBody>
+          <a:bodyPr lIns="0" tIns="0" rIns="0" bIns="0" anchor="ctr"/>
+          <a:lstStyle/>
+          <a:p>
+            <a:pPr>
+              <a:lnSpc>
+                <a:spcPct val="100000"/>
+              </a:lnSpc>
+            </a:pPr>
+            <a:r>
+              <a:rPr lang="en-US" sz="4000" strike="noStrike">
+                <a:solidFill>
+                  <a:srgbClr val="424456"/>
+                </a:solidFill>
+                <a:latin typeface="Trebuchet MS"/>
+              </a:rPr>
+              <a:t>RSA- Verifying with openssl</a:t>
+            </a:r>
+            <a:endParaRPr/>
+          </a:p>
+        </p:txBody>
+      </p:sp>
+      <p:sp>
+        <p:nvSpPr>
+          <p:cNvPr id="2" name="TextBox 1"/>
+          <p:cNvSpPr txBox="1"/>
+          <p:nvPr/>
+        </p:nvSpPr>
+        <p:spPr>
+          <a:xfrm>
+            <a:off x="457200" y="2333808"/>
+            <a:ext cx="6943344" cy="2031325"/>
+          </a:xfrm>
+          <a:prstGeom prst="rect">
+            <a:avLst/>
+          </a:prstGeom>
+          <a:noFill/>
+        </p:spPr>
+        <p:txBody>
+          <a:bodyPr wrap="square" rtlCol="0">
+            <a:spAutoFit/>
+          </a:bodyPr>
+          <a:lstStyle/>
+          <a:p>
+            <a:r>
+              <a:rPr lang="en-US" dirty="0" smtClean="0"/>
+              <a:t>In this case, both of the decrypted files indeed match.</a:t>
+            </a:r>
+          </a:p>
+          <a:p>
+            <a:endParaRPr lang="en-US" dirty="0"/>
+          </a:p>
+          <a:p>
+            <a:r>
+              <a:rPr lang="en-US" dirty="0" smtClean="0"/>
+              <a:t>This is because both programs decrypt the message into its original, plaintext state and write this directly to the decrypted file.</a:t>
+            </a:r>
+          </a:p>
+          <a:p>
+            <a:endParaRPr lang="en-US" dirty="0"/>
+          </a:p>
+          <a:p>
+            <a:r>
+              <a:rPr lang="en-US" dirty="0" smtClean="0"/>
+              <a:t>Because of this, OpenSSL verifies that our </a:t>
+            </a:r>
+            <a:r>
+              <a:rPr lang="en-US" dirty="0" err="1" smtClean="0"/>
+              <a:t>munchkincrypt</a:t>
+            </a:r>
+            <a:r>
+              <a:rPr lang="en-US" dirty="0" smtClean="0"/>
+              <a:t> program works correctly.</a:t>
+            </a:r>
+            <a:endParaRPr lang="en-US" dirty="0"/>
+          </a:p>
+        </p:txBody>
+      </p:sp>
+    </p:spTree>
+    <p:extLst>
+      <p:ext uri="{BB962C8B-B14F-4D97-AF65-F5344CB8AC3E}">
+        <p14:creationId xmlns:p14="http://schemas.microsoft.com/office/powerpoint/2010/main" val="1357797343"/>
+      </p:ext>
+    </p:extLst>
+  </p:cSld>
+  <p:clrMapOvr>
+    <a:masterClrMapping/>
+  </p:clrMapOvr>
+  <p:timing>
+    <p:tnLst>
+      <p:par>
+        <p:cTn id="1" dur="indefinite" restart="never" nodeType="tmRoot">
+          <p:childTnLst>
+            <p:seq>
+              <p:cTn id="2" nodeType="mainSeq"/>
+              <p:prevCondLst>
+                <p:cond evt="onPrev" delay="0">
+                  <p:tgtEl>
+                    <p:sldTgt/>
+                  </p:tgtEl>
+                </p:cond>
+              </p:prevCondLst>
+              <p:nextCondLst>
+                <p:cond evt="onNext" delay="0">
+                  <p:tgtEl>
+                    <p:sldTgt/>
+                  </p:tgtEl>
+                </p:cond>
+              </p:nextCondLst>
+            </p:seq>
+          </p:childTnLst>
+        </p:cTn>
+      </p:par>
+    </p:tnLst>
+  </p:timing>
+</p:sld>
+</file>
+
+<file path=ppt/slides/slide23.xml><?xml version="1.0" encoding="utf-8"?>
+<p:sld xmlns:a="http://schemas.openxmlformats.org/drawingml/2006/main" xmlns:r="http://schemas.openxmlformats.org/officeDocument/2006/relationships" xmlns:p="http://schemas.openxmlformats.org/presentationml/2006/main">
+  <p:cSld>
+    <p:spTree>
+      <p:nvGrpSpPr>
+        <p:cNvPr id="1" name=""/>
+        <p:cNvGrpSpPr/>
+        <p:nvPr/>
+      </p:nvGrpSpPr>
+      <p:grpSpPr>
+        <a:xfrm>
+          <a:off x="0" y="0"/>
+          <a:ext cx="0" cy="0"/>
+          <a:chOff x="0" y="0"/>
+          <a:chExt cx="0" cy="0"/>
+        </a:xfrm>
+      </p:grpSpPr>
+      <p:sp>
+        <p:nvSpPr>
+          <p:cNvPr id="145" name="TextShape 1"/>
+          <p:cNvSpPr txBox="1"/>
+          <p:nvPr/>
+        </p:nvSpPr>
+        <p:spPr>
+          <a:xfrm>
+            <a:off x="457200" y="1143000"/>
+            <a:ext cx="8229240" cy="1066320"/>
+          </a:xfrm>
+          <a:prstGeom prst="rect">
+            <a:avLst/>
+          </a:prstGeom>
+          <a:noFill/>
+          <a:ln>
+            <a:noFill/>
+          </a:ln>
+        </p:spPr>
+        <p:txBody>
+          <a:bodyPr lIns="0" tIns="0" rIns="0" bIns="0" anchor="ctr"/>
+          <a:lstStyle/>
+          <a:p>
+            <a:pPr>
+              <a:lnSpc>
+                <a:spcPct val="100000"/>
+              </a:lnSpc>
+            </a:pPr>
+            <a:r>
+              <a:rPr lang="en-US" sz="4000" strike="noStrike">
+                <a:solidFill>
+                  <a:srgbClr val="424456"/>
+                </a:solidFill>
+                <a:latin typeface="Trebuchet MS"/>
+              </a:rPr>
+              <a:t>RSA- Attacks</a:t>
+            </a:r>
+            <a:endParaRPr/>
+          </a:p>
+        </p:txBody>
+      </p:sp>
+      <p:sp>
+        <p:nvSpPr>
+          <p:cNvPr id="146" name="TextShape 2"/>
+          <p:cNvSpPr txBox="1"/>
+          <p:nvPr/>
+        </p:nvSpPr>
+        <p:spPr>
+          <a:xfrm>
+            <a:off x="99360" y="2109600"/>
+            <a:ext cx="8869680" cy="4887360"/>
+          </a:xfrm>
+          <a:prstGeom prst="rect">
+            <a:avLst/>
+          </a:prstGeom>
+          <a:noFill/>
+          <a:ln>
+            <a:noFill/>
+          </a:ln>
+        </p:spPr>
+        <p:txBody>
+          <a:bodyPr lIns="90000" tIns="45000" rIns="90000" bIns="45000"/>
+          <a:lstStyle/>
+          <a:p>
+            <a:pPr>
+              <a:buSzPct val="45000"/>
+              <a:buFont typeface="StarSymbol"/>
+              <a:buChar char=""/>
+            </a:pPr>
+            <a:r>
+              <a:rPr lang="en-US" sz="2200" b="1">
+                <a:latin typeface="Arial"/>
+              </a:rPr>
+              <a:t>Brute Force</a:t>
+            </a:r>
+            <a:r>
+              <a:rPr lang="en-US" sz="2200">
+                <a:latin typeface="Arial"/>
+              </a:rPr>
+              <a:t>: Guessing p or q by iterating through all primes up to n. </a:t>
+            </a:r>
+            <a:endParaRPr/>
+          </a:p>
+          <a:p>
+            <a:pPr>
+              <a:buSzPct val="45000"/>
+              <a:buFont typeface="StarSymbol"/>
+              <a:buChar char=""/>
+            </a:pPr>
+            <a:r>
+              <a:rPr lang="en-US" sz="2200" i="1">
+                <a:latin typeface="Arial"/>
+              </a:rPr>
+              <a:t>Handy for any n that is not overly large (512 bits plus)</a:t>
+            </a:r>
+            <a:endParaRPr/>
+          </a:p>
+          <a:p>
+            <a:pPr>
+              <a:buSzPct val="45000"/>
+              <a:buFont typeface="StarSymbol"/>
+              <a:buChar char=""/>
+            </a:pPr>
+            <a:endParaRPr/>
+          </a:p>
+          <a:p>
+            <a:pPr>
+              <a:buSzPct val="45000"/>
+              <a:buFont typeface="StarSymbol"/>
+              <a:buChar char=""/>
+            </a:pPr>
+            <a:endParaRPr/>
+          </a:p>
+          <a:p>
+            <a:pPr>
+              <a:buSzPct val="45000"/>
+              <a:buFont typeface="StarSymbol"/>
+              <a:buChar char=""/>
+            </a:pPr>
+            <a:r>
+              <a:rPr lang="en-US" sz="2200" b="1">
+                <a:latin typeface="Arial"/>
+              </a:rPr>
+              <a:t>Fermat</a:t>
+            </a:r>
+            <a:r>
+              <a:rPr lang="en-US" sz="2200">
+                <a:latin typeface="Arial"/>
+              </a:rPr>
+              <a:t>: Factors p and q by checking for perfect squares associated with n.</a:t>
+            </a:r>
+            <a:endParaRPr/>
+          </a:p>
+          <a:p>
+            <a:pPr>
+              <a:buSzPct val="45000"/>
+              <a:buFont typeface="StarSymbol"/>
+              <a:buChar char=""/>
+            </a:pPr>
+            <a:r>
+              <a:rPr lang="en-US" sz="2200" i="1">
+                <a:latin typeface="Arial"/>
+              </a:rPr>
+              <a:t>Handy for when p and q are near each other</a:t>
+            </a:r>
+            <a:endParaRPr/>
+          </a:p>
+          <a:p>
+            <a:pPr>
+              <a:buSzPct val="45000"/>
+              <a:buFont typeface="StarSymbol"/>
+              <a:buChar char=""/>
+            </a:pPr>
+            <a:endParaRPr/>
+          </a:p>
+          <a:p>
+            <a:pPr lvl="4">
+              <a:buSzPct val="45000"/>
+              <a:buFont typeface="StarSymbol"/>
+              <a:buChar char=""/>
+            </a:pPr>
+            <a:endParaRPr/>
+          </a:p>
+          <a:p>
+            <a:pPr>
+              <a:buSzPct val="45000"/>
+              <a:buFont typeface="StarSymbol"/>
+              <a:buChar char=""/>
+            </a:pPr>
+            <a:r>
+              <a:rPr lang="en-US" sz="2200" b="1">
+                <a:latin typeface="Arial"/>
+              </a:rPr>
+              <a:t>Pollards p-1</a:t>
+            </a:r>
+            <a:r>
+              <a:rPr lang="en-US" sz="2200">
+                <a:latin typeface="Arial"/>
+              </a:rPr>
+              <a:t>: Factors p by checking when it has a gcd with n, accelerated with the use of a quickly expanding modexp.</a:t>
+            </a:r>
+            <a:endParaRPr/>
+          </a:p>
+          <a:p>
+            <a:pPr>
+              <a:buSzPct val="45000"/>
+              <a:buFont typeface="StarSymbol"/>
+              <a:buChar char=""/>
+            </a:pPr>
+            <a:r>
+              <a:rPr lang="en-US" sz="2200" i="1">
+                <a:latin typeface="Arial"/>
+              </a:rPr>
+              <a:t>Handy for when p is not overly large</a:t>
+            </a:r>
+            <a:endParaRPr/>
+          </a:p>
+        </p:txBody>
+      </p:sp>
+    </p:spTree>
+  </p:cSld>
+  <p:clrMapOvr>
+    <a:masterClrMapping/>
+  </p:clrMapOvr>
+  <p:timing>
+    <p:tnLst>
+      <p:par>
+        <p:cTn id="1" dur="indefinite" restart="never" nodeType="tmRoot">
+          <p:childTnLst>
+            <p:seq>
+              <p:cTn id="2" nodeType="mainSeq"/>
+              <p:prevCondLst>
+                <p:cond evt="onPrev" delay="0">
+                  <p:tgtEl>
+                    <p:sldTgt/>
+                  </p:tgtEl>
+                </p:cond>
+              </p:prevCondLst>
+              <p:nextCondLst>
+                <p:cond evt="onNext" delay="0">
+                  <p:tgtEl>
+                    <p:sldTgt/>
+                  </p:tgtEl>
+                </p:cond>
+              </p:nextCondLst>
+            </p:seq>
+          </p:childTnLst>
+        </p:cTn>
+      </p:par>
+    </p:tnLst>
+  </p:timing>
+</p:sld>
+</file>
+
+<file path=ppt/slides/slide24.xml><?xml version="1.0" encoding="utf-8"?>
+<p:sld xmlns:a="http://schemas.openxmlformats.org/drawingml/2006/main" xmlns:r="http://schemas.openxmlformats.org/officeDocument/2006/relationships" xmlns:p="http://schemas.openxmlformats.org/presentationml/2006/main">
+  <p:cSld>
+    <p:spTree>
+      <p:nvGrpSpPr>
+        <p:cNvPr id="1" name=""/>
+        <p:cNvGrpSpPr/>
+        <p:nvPr/>
+      </p:nvGrpSpPr>
+      <p:grpSpPr>
+        <a:xfrm>
+          <a:off x="0" y="0"/>
+          <a:ext cx="0" cy="0"/>
+          <a:chOff x="0" y="0"/>
+          <a:chExt cx="0" cy="0"/>
+        </a:xfrm>
+      </p:grpSpPr>
+      <p:sp>
+        <p:nvSpPr>
+          <p:cNvPr id="130" name="TextShape 1"/>
+          <p:cNvSpPr txBox="1"/>
+          <p:nvPr/>
+        </p:nvSpPr>
+        <p:spPr>
+          <a:xfrm>
+            <a:off x="457200" y="1143000"/>
+            <a:ext cx="8229240" cy="1066320"/>
+          </a:xfrm>
+          <a:prstGeom prst="rect">
+            <a:avLst/>
+          </a:prstGeom>
+          <a:noFill/>
+          <a:ln>
+            <a:noFill/>
+          </a:ln>
+        </p:spPr>
+        <p:txBody>
+          <a:bodyPr lIns="90000" tIns="45000" rIns="90000" bIns="45000" anchor="ctr"/>
+          <a:lstStyle/>
+          <a:p>
+            <a:pPr>
+              <a:lnSpc>
+                <a:spcPct val="100000"/>
+              </a:lnSpc>
+            </a:pPr>
+            <a:r>
+              <a:rPr lang="en-US" sz="4000" dirty="0" smtClean="0">
+                <a:solidFill>
+                  <a:srgbClr val="424456"/>
+                </a:solidFill>
+                <a:latin typeface="Trebuchet MS"/>
+              </a:rPr>
+              <a:t>RSA </a:t>
+            </a:r>
+            <a:r>
+              <a:rPr lang="en-US" sz="4000" strike="noStrike" dirty="0" smtClean="0">
+                <a:solidFill>
+                  <a:srgbClr val="424456"/>
+                </a:solidFill>
+                <a:latin typeface="Trebuchet MS"/>
+              </a:rPr>
+              <a:t>Tests</a:t>
+            </a:r>
+            <a:endParaRPr dirty="0"/>
+          </a:p>
+        </p:txBody>
+      </p:sp>
+      <p:sp>
+        <p:nvSpPr>
+          <p:cNvPr id="131" name="TextShape 2"/>
+          <p:cNvSpPr txBox="1"/>
+          <p:nvPr/>
+        </p:nvSpPr>
+        <p:spPr>
+          <a:xfrm>
+            <a:off x="457200" y="2249280"/>
+            <a:ext cx="8229240" cy="4324680"/>
+          </a:xfrm>
+          <a:prstGeom prst="rect">
+            <a:avLst/>
+          </a:prstGeom>
+          <a:noFill/>
+          <a:ln>
+            <a:noFill/>
+          </a:ln>
+        </p:spPr>
+        <p:txBody>
+          <a:bodyPr lIns="90000" tIns="45000" rIns="90000" bIns="45000"/>
+          <a:lstStyle/>
+          <a:p>
+            <a:pPr>
+              <a:lnSpc>
+                <a:spcPct val="100000"/>
+              </a:lnSpc>
+              <a:buFont typeface="Georgia"/>
+              <a:buChar char="•"/>
+            </a:pPr>
+            <a:r>
+              <a:rPr lang="en-US" sz="2800" dirty="0" err="1" smtClean="0">
+                <a:solidFill>
+                  <a:srgbClr val="000000"/>
+                </a:solidFill>
+                <a:latin typeface="Georgia"/>
+              </a:rPr>
+              <a:t>primeTest</a:t>
+            </a:r>
+            <a:r>
+              <a:rPr lang="en-US" sz="2800" dirty="0" smtClean="0">
+                <a:solidFill>
+                  <a:srgbClr val="000000"/>
+                </a:solidFill>
+                <a:latin typeface="Georgia"/>
+              </a:rPr>
+              <a:t>: Test if generation of primes is working</a:t>
+            </a:r>
+          </a:p>
+          <a:p>
+            <a:pPr>
+              <a:lnSpc>
+                <a:spcPct val="100000"/>
+              </a:lnSpc>
+              <a:buFont typeface="Georgia"/>
+              <a:buChar char="•"/>
+            </a:pPr>
+            <a:endParaRPr lang="en-US" sz="2800" dirty="0" smtClean="0">
+              <a:solidFill>
+                <a:srgbClr val="000000"/>
+              </a:solidFill>
+              <a:latin typeface="Georgia"/>
+            </a:endParaRPr>
+          </a:p>
+          <a:p>
+            <a:pPr>
+              <a:lnSpc>
+                <a:spcPct val="100000"/>
+              </a:lnSpc>
+              <a:buFont typeface="Georgia"/>
+              <a:buChar char="•"/>
+            </a:pPr>
+            <a:r>
+              <a:rPr lang="en-US" sz="2800" dirty="0" err="1" smtClean="0">
+                <a:solidFill>
+                  <a:srgbClr val="000000"/>
+                </a:solidFill>
+                <a:latin typeface="Georgia"/>
+              </a:rPr>
+              <a:t>generateKeyTest</a:t>
+            </a:r>
+            <a:r>
+              <a:rPr lang="en-US" sz="2800" dirty="0" smtClean="0">
+                <a:solidFill>
+                  <a:srgbClr val="000000"/>
+                </a:solidFill>
+                <a:latin typeface="Georgia"/>
+              </a:rPr>
+              <a:t>: Test if correct keys are generated</a:t>
+            </a:r>
+          </a:p>
+          <a:p>
+            <a:pPr>
+              <a:lnSpc>
+                <a:spcPct val="100000"/>
+              </a:lnSpc>
+              <a:buFont typeface="Georgia"/>
+              <a:buChar char="•"/>
+            </a:pPr>
+            <a:endParaRPr lang="en-US" sz="2800" dirty="0" smtClean="0">
+              <a:solidFill>
+                <a:srgbClr val="000000"/>
+              </a:solidFill>
+              <a:latin typeface="Georgia"/>
+            </a:endParaRPr>
+          </a:p>
+          <a:p>
+            <a:pPr>
+              <a:lnSpc>
+                <a:spcPct val="100000"/>
+              </a:lnSpc>
+              <a:buFont typeface="Georgia"/>
+              <a:buChar char="•"/>
+            </a:pPr>
+            <a:r>
+              <a:rPr lang="en-US" sz="2800" dirty="0" err="1" smtClean="0">
+                <a:solidFill>
+                  <a:srgbClr val="000000"/>
+                </a:solidFill>
+                <a:latin typeface="Georgia"/>
+              </a:rPr>
+              <a:t>PrimesWithGenerate</a:t>
+            </a:r>
+            <a:r>
+              <a:rPr lang="en-US" sz="2800" dirty="0" smtClean="0">
+                <a:solidFill>
+                  <a:srgbClr val="000000"/>
+                </a:solidFill>
+                <a:latin typeface="Georgia"/>
+              </a:rPr>
+              <a:t>: Test if generating primes and generating keys with those primes is correct</a:t>
+            </a:r>
+          </a:p>
+          <a:p>
+            <a:pPr>
+              <a:lnSpc>
+                <a:spcPct val="100000"/>
+              </a:lnSpc>
+              <a:buFont typeface="Georgia"/>
+              <a:buChar char="•"/>
+            </a:pPr>
+            <a:endParaRPr lang="en-US" sz="2800" dirty="0" smtClean="0">
+              <a:solidFill>
+                <a:srgbClr val="000000"/>
+              </a:solidFill>
+              <a:latin typeface="Georgia"/>
+            </a:endParaRPr>
+          </a:p>
+          <a:p>
+            <a:pPr>
+              <a:lnSpc>
+                <a:spcPct val="100000"/>
+              </a:lnSpc>
+              <a:buFont typeface="Georgia"/>
+              <a:buChar char="•"/>
+            </a:pPr>
+            <a:r>
+              <a:rPr lang="en-US" sz="2800" dirty="0" err="1" smtClean="0">
+                <a:solidFill>
+                  <a:srgbClr val="000000"/>
+                </a:solidFill>
+                <a:latin typeface="Georgia"/>
+              </a:rPr>
+              <a:t>cryptTest</a:t>
+            </a:r>
+            <a:r>
+              <a:rPr lang="en-US" sz="2800" dirty="0" smtClean="0">
+                <a:solidFill>
+                  <a:srgbClr val="000000"/>
+                </a:solidFill>
+                <a:latin typeface="Georgia"/>
+              </a:rPr>
+              <a:t>: Test if encryption and decryption is correct</a:t>
+            </a:r>
+          </a:p>
+        </p:txBody>
+      </p:sp>
+    </p:spTree>
+    <p:extLst>
+      <p:ext uri="{BB962C8B-B14F-4D97-AF65-F5344CB8AC3E}">
+        <p14:creationId xmlns:p14="http://schemas.microsoft.com/office/powerpoint/2010/main" val="2844464455"/>
+      </p:ext>
+    </p:extLst>
+  </p:cSld>
+  <p:clrMapOvr>
+    <a:masterClrMapping/>
+  </p:clrMapOvr>
+  <p:timing>
+    <p:tnLst>
+      <p:par>
+        <p:cTn id="1" dur="indefinite" restart="never" nodeType="tmRoot">
+          <p:childTnLst>
+            <p:seq>
+              <p:cTn id="2" nodeType="mainSeq"/>
+              <p:prevCondLst>
+                <p:cond evt="onPrev" delay="0">
+                  <p:tgtEl>
+                    <p:sldTgt/>
+                  </p:tgtEl>
+                </p:cond>
+              </p:prevCondLst>
+              <p:nextCondLst>
+                <p:cond evt="onNext" delay="0">
+                  <p:tgtEl>
+                    <p:sldTgt/>
+                  </p:tgtEl>
+                </p:cond>
+              </p:nextCondLst>
+            </p:seq>
+          </p:childTnLst>
+        </p:cTn>
+      </p:par>
+    </p:tnLst>
+  </p:timing>
+</p:sld>
+</file>
+
+<file path=ppt/slides/slide25.xml><?xml version="1.0" encoding="utf-8"?>
+<p:sld xmlns:a="http://schemas.openxmlformats.org/drawingml/2006/main" xmlns:r="http://schemas.openxmlformats.org/officeDocument/2006/relationships" xmlns:p="http://schemas.openxmlformats.org/presentationml/2006/main">
+  <p:cSld>
+    <p:spTree>
+      <p:nvGrpSpPr>
+        <p:cNvPr id="1" name=""/>
+        <p:cNvGrpSpPr/>
+        <p:nvPr/>
+      </p:nvGrpSpPr>
+      <p:grpSpPr>
+        <a:xfrm>
+          <a:off x="0" y="0"/>
+          <a:ext cx="0" cy="0"/>
+          <a:chOff x="0" y="0"/>
+          <a:chExt cx="0" cy="0"/>
+        </a:xfrm>
+      </p:grpSpPr>
+      <p:sp>
+        <p:nvSpPr>
+          <p:cNvPr id="130" name="TextShape 1"/>
+          <p:cNvSpPr txBox="1"/>
+          <p:nvPr/>
+        </p:nvSpPr>
+        <p:spPr>
+          <a:xfrm>
+            <a:off x="457200" y="1143000"/>
+            <a:ext cx="8229240" cy="1066320"/>
+          </a:xfrm>
+          <a:prstGeom prst="rect">
+            <a:avLst/>
+          </a:prstGeom>
+          <a:noFill/>
+          <a:ln>
+            <a:noFill/>
+          </a:ln>
+        </p:spPr>
+        <p:txBody>
+          <a:bodyPr lIns="90000" tIns="45000" rIns="90000" bIns="45000" anchor="ctr"/>
+          <a:lstStyle/>
+          <a:p>
+            <a:pPr>
+              <a:lnSpc>
+                <a:spcPct val="100000"/>
+              </a:lnSpc>
+            </a:pPr>
+            <a:r>
+              <a:rPr lang="en-US" sz="4000" dirty="0" smtClean="0">
+                <a:solidFill>
+                  <a:srgbClr val="424456"/>
+                </a:solidFill>
+                <a:latin typeface="Trebuchet MS"/>
+              </a:rPr>
+              <a:t>RSA Attack </a:t>
+            </a:r>
+            <a:r>
+              <a:rPr lang="en-US" sz="4000" strike="noStrike" dirty="0" smtClean="0">
+                <a:solidFill>
+                  <a:srgbClr val="424456"/>
+                </a:solidFill>
+                <a:latin typeface="Trebuchet MS"/>
+              </a:rPr>
+              <a:t>Tests</a:t>
+            </a:r>
+            <a:endParaRPr dirty="0"/>
+          </a:p>
+        </p:txBody>
+      </p:sp>
+      <p:sp>
+        <p:nvSpPr>
+          <p:cNvPr id="131" name="TextShape 2"/>
+          <p:cNvSpPr txBox="1"/>
+          <p:nvPr/>
+        </p:nvSpPr>
+        <p:spPr>
+          <a:xfrm>
+            <a:off x="457200" y="2249280"/>
+            <a:ext cx="8229240" cy="4324680"/>
+          </a:xfrm>
+          <a:prstGeom prst="rect">
+            <a:avLst/>
+          </a:prstGeom>
+          <a:noFill/>
+          <a:ln>
+            <a:noFill/>
+          </a:ln>
+        </p:spPr>
+        <p:txBody>
+          <a:bodyPr lIns="90000" tIns="45000" rIns="90000" bIns="45000"/>
+          <a:lstStyle/>
+          <a:p>
+            <a:pPr>
+              <a:lnSpc>
+                <a:spcPct val="100000"/>
+              </a:lnSpc>
+              <a:buFont typeface="Georgia"/>
+              <a:buChar char="•"/>
+            </a:pPr>
+            <a:r>
+              <a:rPr lang="en-US" sz="2800" dirty="0" err="1" smtClean="0">
+                <a:solidFill>
+                  <a:srgbClr val="000000"/>
+                </a:solidFill>
+                <a:latin typeface="Georgia"/>
+              </a:rPr>
+              <a:t>Fermat_test</a:t>
+            </a:r>
+            <a:r>
+              <a:rPr lang="en-US" sz="2800" dirty="0" smtClean="0">
+                <a:solidFill>
+                  <a:srgbClr val="000000"/>
+                </a:solidFill>
+                <a:latin typeface="Georgia"/>
+              </a:rPr>
+              <a:t>: Test if Fermat attack is working</a:t>
+            </a:r>
+          </a:p>
+          <a:p>
+            <a:pPr>
+              <a:lnSpc>
+                <a:spcPct val="100000"/>
+              </a:lnSpc>
+              <a:buFont typeface="Georgia"/>
+              <a:buChar char="•"/>
+            </a:pPr>
+            <a:endParaRPr lang="en-US" sz="2800" dirty="0" smtClean="0">
+              <a:solidFill>
+                <a:srgbClr val="000000"/>
+              </a:solidFill>
+              <a:latin typeface="Georgia"/>
+            </a:endParaRPr>
+          </a:p>
+          <a:p>
+            <a:pPr>
+              <a:lnSpc>
+                <a:spcPct val="100000"/>
+              </a:lnSpc>
+              <a:buFont typeface="Georgia"/>
+              <a:buChar char="•"/>
+            </a:pPr>
+            <a:r>
+              <a:rPr lang="en-US" sz="2800" dirty="0" err="1" smtClean="0">
+                <a:solidFill>
+                  <a:srgbClr val="000000"/>
+                </a:solidFill>
+                <a:latin typeface="Georgia"/>
+              </a:rPr>
+              <a:t>Pollards_test</a:t>
+            </a:r>
+            <a:r>
+              <a:rPr lang="en-US" sz="2800" dirty="0" smtClean="0">
+                <a:solidFill>
+                  <a:srgbClr val="000000"/>
+                </a:solidFill>
+                <a:latin typeface="Georgia"/>
+              </a:rPr>
+              <a:t>: Test if Pollards attack is working</a:t>
+            </a:r>
+          </a:p>
+          <a:p>
+            <a:pPr>
+              <a:lnSpc>
+                <a:spcPct val="100000"/>
+              </a:lnSpc>
+              <a:buFont typeface="Georgia"/>
+              <a:buChar char="•"/>
+            </a:pPr>
+            <a:endParaRPr lang="en-US" sz="2800" dirty="0" smtClean="0">
+              <a:solidFill>
+                <a:srgbClr val="000000"/>
+              </a:solidFill>
+              <a:latin typeface="Georgia"/>
+            </a:endParaRPr>
+          </a:p>
+          <a:p>
+            <a:pPr>
+              <a:lnSpc>
+                <a:spcPct val="100000"/>
+              </a:lnSpc>
+              <a:buFont typeface="Georgia"/>
+              <a:buChar char="•"/>
+            </a:pPr>
+            <a:r>
+              <a:rPr lang="en-US" sz="2800" dirty="0" err="1" smtClean="0">
+                <a:solidFill>
+                  <a:srgbClr val="000000"/>
+                </a:solidFill>
+                <a:latin typeface="Georgia"/>
+              </a:rPr>
+              <a:t>Brute_force_test</a:t>
+            </a:r>
+            <a:r>
+              <a:rPr lang="en-US" sz="2800" dirty="0" smtClean="0">
+                <a:solidFill>
+                  <a:srgbClr val="000000"/>
+                </a:solidFill>
+                <a:latin typeface="Georgia"/>
+              </a:rPr>
+              <a:t>: Test if the brute force attack is working correctly</a:t>
+            </a:r>
+          </a:p>
+        </p:txBody>
+      </p:sp>
+    </p:spTree>
+    <p:extLst>
+      <p:ext uri="{BB962C8B-B14F-4D97-AF65-F5344CB8AC3E}">
+        <p14:creationId xmlns:p14="http://schemas.microsoft.com/office/powerpoint/2010/main" val="3277353598"/>
+      </p:ext>
+    </p:extLst>
+  </p:cSld>
+  <p:clrMapOvr>
+    <a:masterClrMapping/>
+  </p:clrMapOvr>
+  <p:timing>
+    <p:tnLst>
+      <p:par>
+        <p:cTn id="1" dur="indefinite" restart="never" nodeType="tmRoot">
+          <p:childTnLst>
+            <p:seq>
+              <p:cTn id="2" nodeType="mainSeq"/>
+              <p:prevCondLst>
+                <p:cond evt="onPrev" delay="0">
+                  <p:tgtEl>
+                    <p:sldTgt/>
+                  </p:tgtEl>
+                </p:cond>
+              </p:prevCondLst>
+              <p:nextCondLst>
+                <p:cond evt="onNext" delay="0">
+                  <p:tgtEl>
+                    <p:sldTgt/>
+                  </p:tgtEl>
+                </p:cond>
+              </p:nextCondLst>
+            </p:seq>
+          </p:childTnLst>
+        </p:cTn>
+      </p:par>
+    </p:tnLst>
+  </p:timing>
+</p:sld>
+</file>
+
+<file path=ppt/slides/slide26.xml><?xml version="1.0" encoding="utf-8"?>
+<p:sld xmlns:a="http://schemas.openxmlformats.org/drawingml/2006/main" xmlns:r="http://schemas.openxmlformats.org/officeDocument/2006/relationships" xmlns:p="http://schemas.openxmlformats.org/presentationml/2006/main">
+  <p:cSld>
+    <p:spTree>
+      <p:nvGrpSpPr>
+        <p:cNvPr id="1" name=""/>
+        <p:cNvGrpSpPr/>
+        <p:nvPr/>
+      </p:nvGrpSpPr>
+      <p:grpSpPr>
+        <a:xfrm>
+          <a:off x="0" y="0"/>
+          <a:ext cx="0" cy="0"/>
+          <a:chOff x="0" y="0"/>
+          <a:chExt cx="0" cy="0"/>
+        </a:xfrm>
+      </p:grpSpPr>
+      <p:sp>
+        <p:nvSpPr>
+          <p:cNvPr id="147" name="TextShape 1"/>
+          <p:cNvSpPr txBox="1"/>
+          <p:nvPr/>
+        </p:nvSpPr>
+        <p:spPr>
+          <a:xfrm>
+            <a:off x="457560" y="762480"/>
+            <a:ext cx="8229240" cy="609120"/>
+          </a:xfrm>
+          <a:prstGeom prst="rect">
+            <a:avLst/>
+          </a:prstGeom>
+          <a:noFill/>
+          <a:ln>
+            <a:noFill/>
+          </a:ln>
+        </p:spPr>
+        <p:txBody>
+          <a:bodyPr lIns="0" tIns="0" rIns="0" bIns="0" anchor="ctr"/>
+          <a:lstStyle/>
+          <a:p>
+            <a:r>
+              <a:rPr lang="en-US" dirty="0">
+                <a:latin typeface="Georgia"/>
+              </a:rPr>
+              <a:t>References to libraries/papers</a:t>
+            </a:r>
+            <a:endParaRPr dirty="0"/>
+          </a:p>
+        </p:txBody>
+      </p:sp>
+      <p:sp>
+        <p:nvSpPr>
+          <p:cNvPr id="148" name="TextShape 2"/>
+          <p:cNvSpPr txBox="1"/>
+          <p:nvPr/>
+        </p:nvSpPr>
+        <p:spPr>
+          <a:xfrm>
+            <a:off x="370799" y="1592280"/>
+            <a:ext cx="3968288" cy="602280"/>
+          </a:xfrm>
+          <a:prstGeom prst="rect">
+            <a:avLst/>
+          </a:prstGeom>
+          <a:noFill/>
+          <a:ln>
+            <a:noFill/>
+          </a:ln>
+        </p:spPr>
+        <p:txBody>
+          <a:bodyPr lIns="90000" tIns="45000" rIns="90000" bIns="45000"/>
+          <a:lstStyle/>
+          <a:p>
+            <a:r>
+              <a:rPr lang="en-US" dirty="0">
+                <a:latin typeface="Arial"/>
+              </a:rPr>
+              <a:t>https://mattmccutchen.net/bigint/</a:t>
+            </a:r>
+            <a:endParaRPr dirty="0"/>
+          </a:p>
+        </p:txBody>
+      </p:sp>
+      <p:sp>
+        <p:nvSpPr>
+          <p:cNvPr id="149" name="TextShape 3"/>
+          <p:cNvSpPr txBox="1"/>
+          <p:nvPr/>
+        </p:nvSpPr>
+        <p:spPr>
+          <a:xfrm>
+            <a:off x="375480" y="2188440"/>
+            <a:ext cx="6033946" cy="602280"/>
+          </a:xfrm>
+          <a:prstGeom prst="rect">
+            <a:avLst/>
+          </a:prstGeom>
+          <a:noFill/>
+          <a:ln>
+            <a:noFill/>
+          </a:ln>
+        </p:spPr>
+        <p:txBody>
+          <a:bodyPr lIns="90000" tIns="45000" rIns="90000" bIns="45000"/>
+          <a:lstStyle/>
+          <a:p>
+            <a:r>
+              <a:rPr lang="en-US" dirty="0">
+                <a:latin typeface="Arial"/>
+              </a:rPr>
+              <a:t>https://www.cs.purdue.edu/homes/ssw/cs555/2009f.pdf</a:t>
+            </a:r>
+            <a:endParaRPr dirty="0"/>
+          </a:p>
+          <a:p>
+            <a:endParaRPr dirty="0"/>
+          </a:p>
+        </p:txBody>
+      </p:sp>
+      <p:sp>
+        <p:nvSpPr>
+          <p:cNvPr id="150" name="TextShape 4"/>
+          <p:cNvSpPr txBox="1"/>
+          <p:nvPr/>
+        </p:nvSpPr>
+        <p:spPr>
+          <a:xfrm>
+            <a:off x="406079" y="2488320"/>
+            <a:ext cx="5235595" cy="346320"/>
+          </a:xfrm>
+          <a:prstGeom prst="rect">
+            <a:avLst/>
+          </a:prstGeom>
+          <a:noFill/>
+          <a:ln>
+            <a:noFill/>
+          </a:ln>
+        </p:spPr>
+        <p:txBody>
+          <a:bodyPr lIns="90000" tIns="45000" rIns="90000" bIns="45000"/>
+          <a:lstStyle/>
+          <a:p>
+            <a:r>
+              <a:rPr lang="en-US" dirty="0">
+                <a:latin typeface="Arial"/>
+              </a:rPr>
+              <a:t>http://www.ams.org/notices/199902/boneh.pdf</a:t>
+            </a:r>
+            <a:endParaRPr dirty="0"/>
+          </a:p>
+        </p:txBody>
+      </p:sp>
+      <p:sp>
+        <p:nvSpPr>
+          <p:cNvPr id="151" name="TextShape 5"/>
+          <p:cNvSpPr txBox="1"/>
+          <p:nvPr/>
+        </p:nvSpPr>
+        <p:spPr>
+          <a:xfrm>
+            <a:off x="406080" y="2790720"/>
+            <a:ext cx="8858690" cy="346320"/>
+          </a:xfrm>
+          <a:prstGeom prst="rect">
+            <a:avLst/>
+          </a:prstGeom>
+          <a:noFill/>
+          <a:ln>
+            <a:noFill/>
+          </a:ln>
+        </p:spPr>
+        <p:txBody>
+          <a:bodyPr lIns="90000" tIns="45000" rIns="90000" bIns="45000"/>
+          <a:lstStyle/>
+          <a:p>
+            <a:r>
+              <a:rPr lang="en-US" dirty="0">
+                <a:latin typeface="Arial"/>
+              </a:rPr>
+              <a:t>http://www.cs.rit.edu/~ib/Classes/CS482-705_Winter10-11/Slides/crypto_6d.pdf</a:t>
+            </a:r>
+            <a:endParaRPr dirty="0"/>
+          </a:p>
+        </p:txBody>
+      </p:sp>
+      <p:sp>
+        <p:nvSpPr>
+          <p:cNvPr id="152" name="TextShape 6"/>
+          <p:cNvSpPr txBox="1"/>
+          <p:nvPr/>
+        </p:nvSpPr>
+        <p:spPr>
+          <a:xfrm>
+            <a:off x="408959" y="1371600"/>
+            <a:ext cx="1143795" cy="346320"/>
+          </a:xfrm>
+          <a:prstGeom prst="rect">
+            <a:avLst/>
+          </a:prstGeom>
+          <a:noFill/>
+          <a:ln>
+            <a:noFill/>
+          </a:ln>
+        </p:spPr>
+        <p:txBody>
+          <a:bodyPr lIns="90000" tIns="45000" rIns="90000" bIns="45000"/>
+          <a:lstStyle/>
+          <a:p>
+            <a:r>
+              <a:rPr lang="en-US" dirty="0">
+                <a:latin typeface="Arial"/>
+              </a:rPr>
+              <a:t>Libraries</a:t>
+            </a:r>
+            <a:endParaRPr dirty="0"/>
+          </a:p>
+        </p:txBody>
+      </p:sp>
+      <p:sp>
+        <p:nvSpPr>
+          <p:cNvPr id="153" name="TextShape 7"/>
+          <p:cNvSpPr txBox="1"/>
+          <p:nvPr/>
+        </p:nvSpPr>
+        <p:spPr>
+          <a:xfrm>
+            <a:off x="406079" y="1967760"/>
+            <a:ext cx="650160" cy="346320"/>
+          </a:xfrm>
+          <a:prstGeom prst="rect">
+            <a:avLst/>
+          </a:prstGeom>
+          <a:noFill/>
+          <a:ln>
+            <a:noFill/>
+          </a:ln>
+        </p:spPr>
+        <p:txBody>
+          <a:bodyPr lIns="90000" tIns="45000" rIns="90000" bIns="45000"/>
+          <a:lstStyle/>
+          <a:p>
+            <a:r>
+              <a:rPr lang="en-US" dirty="0">
+                <a:latin typeface="Arial"/>
+              </a:rPr>
+              <a:t>RSA</a:t>
+            </a:r>
+            <a:endParaRPr dirty="0"/>
+          </a:p>
+        </p:txBody>
+      </p:sp>
+    </p:spTree>
+  </p:cSld>
+  <p:clrMapOvr>
+    <a:masterClrMapping/>
+  </p:clrMapOvr>
+</p:sld>
+</file>
+
+<file path=ppt/slides/slide3.xml><?xml version="1.0" encoding="utf-8"?>
+<p:sld xmlns:a="http://schemas.openxmlformats.org/drawingml/2006/main" xmlns:r="http://schemas.openxmlformats.org/officeDocument/2006/relationships" xmlns:p="http://schemas.openxmlformats.org/presentationml/2006/main">
+  <p:cSld>
+    <p:spTree>
+      <p:nvGrpSpPr>
+        <p:cNvPr id="1" name=""/>
+        <p:cNvGrpSpPr/>
+        <p:nvPr/>
+      </p:nvGrpSpPr>
+      <p:grpSpPr>
+        <a:xfrm>
+          <a:off x="0" y="0"/>
+          <a:ext cx="0" cy="0"/>
+          <a:chOff x="0" y="0"/>
+          <a:chExt cx="0" cy="0"/>
+        </a:xfrm>
+      </p:grpSpPr>
+      <p:sp>
+        <p:nvSpPr>
+          <p:cNvPr id="124" name="TextShape 1"/>
+          <p:cNvSpPr txBox="1"/>
+          <p:nvPr/>
+        </p:nvSpPr>
+        <p:spPr>
+          <a:xfrm>
+            <a:off x="457200" y="1143000"/>
+            <a:ext cx="8229240" cy="1066320"/>
+          </a:xfrm>
+          <a:prstGeom prst="rect">
+            <a:avLst/>
+          </a:prstGeom>
+          <a:noFill/>
+          <a:ln>
+            <a:noFill/>
+          </a:ln>
+        </p:spPr>
+        <p:txBody>
+          <a:bodyPr lIns="90000" tIns="45000" rIns="90000" bIns="45000" anchor="ctr"/>
+          <a:lstStyle/>
+          <a:p>
+            <a:pPr>
+              <a:lnSpc>
+                <a:spcPct val="100000"/>
+              </a:lnSpc>
+            </a:pPr>
+            <a:r>
+              <a:rPr lang="en-US" sz="4000" strike="noStrike">
+                <a:solidFill>
+                  <a:srgbClr val="424456"/>
+                </a:solidFill>
+                <a:latin typeface="Trebuchet MS"/>
+              </a:rPr>
+              <a:t>LSB Extracting</a:t>
+            </a:r>
+            <a:endParaRPr/>
+          </a:p>
+        </p:txBody>
+      </p:sp>
+      <p:sp>
+        <p:nvSpPr>
+          <p:cNvPr id="125" name="TextShape 2"/>
+          <p:cNvSpPr txBox="1"/>
+          <p:nvPr/>
+        </p:nvSpPr>
+        <p:spPr>
+          <a:xfrm>
+            <a:off x="457200" y="2249280"/>
+            <a:ext cx="8229240" cy="4324680"/>
+          </a:xfrm>
+          <a:prstGeom prst="rect">
+            <a:avLst/>
+          </a:prstGeom>
+          <a:noFill/>
+          <a:ln>
+            <a:noFill/>
+          </a:ln>
+        </p:spPr>
+        <p:txBody>
+          <a:bodyPr lIns="90000" tIns="45000" rIns="90000" bIns="45000"/>
+          <a:lstStyle/>
+          <a:p>
+            <a:pPr>
+              <a:lnSpc>
+                <a:spcPct val="100000"/>
+              </a:lnSpc>
+              <a:buFont typeface="Georgia"/>
+              <a:buChar char="•"/>
+            </a:pPr>
+            <a:r>
+              <a:rPr lang="en-US" sz="2800" strike="noStrike">
+                <a:solidFill>
+                  <a:srgbClr val="000000"/>
+                </a:solidFill>
+                <a:latin typeface="Georgia"/>
+              </a:rPr>
+              <a:t>First value extracted is the number of characters in the message</a:t>
+            </a:r>
+            <a:endParaRPr/>
+          </a:p>
+          <a:p>
+            <a:pPr>
+              <a:lnSpc>
+                <a:spcPct val="100000"/>
+              </a:lnSpc>
+              <a:buFont typeface="Georgia"/>
+              <a:buChar char="•"/>
+            </a:pPr>
+            <a:r>
+              <a:rPr lang="en-US" sz="2800" strike="noStrike">
+                <a:solidFill>
+                  <a:srgbClr val="000000"/>
+                </a:solidFill>
+                <a:latin typeface="Georgia"/>
+              </a:rPr>
+              <a:t>Once size is known, message is extracted in binary format, converted to characters and displayed in the terminal</a:t>
+            </a:r>
+            <a:endParaRPr/>
+          </a:p>
+          <a:p>
+            <a:pPr>
+              <a:lnSpc>
+                <a:spcPct val="100000"/>
+              </a:lnSpc>
+              <a:buFont typeface="Georgia"/>
+              <a:buChar char="•"/>
+            </a:pPr>
+            <a:r>
+              <a:rPr lang="en-US" sz="2800" strike="noStrike">
+                <a:solidFill>
+                  <a:srgbClr val="000000"/>
+                </a:solidFill>
+                <a:latin typeface="Georgia"/>
+              </a:rPr>
+              <a:t>Command line argument:</a:t>
+            </a:r>
+            <a:endParaRPr/>
+          </a:p>
+          <a:p>
+            <a:pPr lvl="1">
+              <a:lnSpc>
+                <a:spcPct val="100000"/>
+              </a:lnSpc>
+              <a:buFont typeface="Georgia"/>
+              <a:buChar char="▫"/>
+            </a:pPr>
+            <a:r>
+              <a:rPr lang="en-US" sz="2600" strike="noStrike">
+                <a:solidFill>
+                  <a:srgbClr val="438086"/>
+                </a:solidFill>
+                <a:latin typeface="Georgia"/>
+              </a:rPr>
+              <a:t>./toto –lsbex filename.bmp</a:t>
+            </a:r>
+            <a:endParaRPr/>
+          </a:p>
+        </p:txBody>
+      </p:sp>
+    </p:spTree>
+  </p:cSld>
+  <p:clrMapOvr>
+    <a:masterClrMapping/>
+  </p:clrMapOvr>
+  <p:timing>
+    <p:tnLst>
+      <p:par>
+        <p:cTn id="1" dur="indefinite" restart="never" nodeType="tmRoot">
+          <p:childTnLst>
+            <p:seq>
+              <p:cTn id="2" nodeType="mainSeq"/>
+              <p:prevCondLst>
+                <p:cond evt="onPrev" delay="0">
+                  <p:tgtEl>
+                    <p:sldTgt/>
+                  </p:tgtEl>
+                </p:cond>
+              </p:prevCondLst>
+              <p:nextCondLst>
+                <p:cond evt="onNext" delay="0">
                   <p:tgtEl>
                     <p:sldTgt/>
                   </p:tgtEl>
@@ -6457,7 +9444,7 @@
 </file>
 
 <file path=ppt/slides/slide4.xml><?xml version="1.0" encoding="utf-8"?>
-<p:sld xmlns:a="http://schemas.openxmlformats.org/drawingml/2006/main" xmlns:p="http://schemas.openxmlformats.org/presentationml/2006/main" xmlns:r="http://schemas.openxmlformats.org/officeDocument/2006/relationships">
+<p:sld xmlns:a="http://schemas.openxmlformats.org/drawingml/2006/main" xmlns:r="http://schemas.openxmlformats.org/officeDocument/2006/relationships" xmlns:p="http://schemas.openxmlformats.org/presentationml/2006/main">
   <p:cSld>
     <p:spTree>
       <p:nvGrpSpPr>
@@ -6493,7 +9480,8 @@
           </a:ln>
         </p:spPr>
         <p:txBody>
-          <a:bodyPr lIns="90000" rIns="90000" tIns="45000" bIns="45000" anchor="ctr"/>
+          <a:bodyPr lIns="90000" tIns="45000" rIns="90000" bIns="45000" anchor="ctr"/>
+          <a:lstStyle/>
           <a:p>
             <a:pPr>
               <a:lnSpc>
@@ -6533,7 +9521,8 @@
           </a:ln>
         </p:spPr>
         <p:txBody>
-          <a:bodyPr lIns="90000" rIns="90000" tIns="45000" bIns="45000"/>
+          <a:bodyPr lIns="90000" tIns="45000" rIns="90000" bIns="45000"/>
+          <a:lstStyle/>
           <a:p>
             <a:pPr>
               <a:lnSpc>
@@ -6614,22 +9603,25 @@
       </p:sp>
     </p:spTree>
   </p:cSld>
+  <p:clrMapOvr>
+    <a:masterClrMapping/>
+  </p:clrMapOvr>
   <p:timing>
     <p:tnLst>
       <p:par>
-        <p:cTn id="7" dur="indefinite" restart="never" nodeType="tmRoot">
+        <p:cTn id="1" dur="indefinite" restart="never" nodeType="tmRoot">
           <p:childTnLst>
             <p:seq>
-              <p:cTn id="8" nodeType="mainSeq"/>
+              <p:cTn id="2" nodeType="mainSeq"/>
               <p:prevCondLst>
-                <p:cond delay="0" evt="onPrev">
+                <p:cond evt="onPrev" delay="0">
                   <p:tgtEl>
                     <p:sldTgt/>
                   </p:tgtEl>
                 </p:cond>
               </p:prevCondLst>
               <p:nextCondLst>
-                <p:cond delay="0" evt="onNext">
+                <p:cond evt="onNext" delay="0">
                   <p:tgtEl>
                     <p:sldTgt/>
                   </p:tgtEl>
@@ -6645,7 +9637,7 @@
 </file>
 
 <file path=ppt/slides/slide5.xml><?xml version="1.0" encoding="utf-8"?>
-<p:sld xmlns:a="http://schemas.openxmlformats.org/drawingml/2006/main" xmlns:p="http://schemas.openxmlformats.org/presentationml/2006/main" xmlns:r="http://schemas.openxmlformats.org/officeDocument/2006/relationships">
+<p:sld xmlns:a="http://schemas.openxmlformats.org/drawingml/2006/main" xmlns:r="http://schemas.openxmlformats.org/officeDocument/2006/relationships" xmlns:p="http://schemas.openxmlformats.org/presentationml/2006/main">
   <p:cSld>
     <p:spTree>
       <p:nvGrpSpPr>
@@ -6681,7 +9673,8 @@
           </a:ln>
         </p:spPr>
         <p:txBody>
-          <a:bodyPr lIns="90000" rIns="90000" tIns="45000" bIns="45000" anchor="ctr"/>
+          <a:bodyPr lIns="90000" tIns="45000" rIns="90000" bIns="45000" anchor="ctr"/>
+          <a:lstStyle/>
           <a:p>
             <a:pPr>
               <a:lnSpc>
@@ -6721,7 +9714,8 @@
           </a:ln>
         </p:spPr>
         <p:txBody>
-          <a:bodyPr lIns="90000" rIns="90000" tIns="45000" bIns="45000"/>
+          <a:bodyPr lIns="90000" tIns="45000" rIns="90000" bIns="45000"/>
+          <a:lstStyle/>
           <a:p>
             <a:pPr>
               <a:lnSpc>
@@ -6768,16 +9762,7 @@
                 </a:solidFill>
                 <a:latin typeface="Georgia"/>
               </a:rPr>
-              <a:t>	</a:t>
-            </a:r>
-            <a:r>
-              <a:rPr lang="en-US" sz="2600" strike="noStrike">
-                <a:solidFill>
-                  <a:srgbClr val="438086"/>
-                </a:solidFill>
-                <a:latin typeface="Georgia"/>
-              </a:rPr>
-              <a:t>or ./toto –ossa MD5val filename2.bmp</a:t>
+              <a:t>	or ./toto –ossa MD5val filename2.bmp</a:t>
             </a:r>
             <a:endParaRPr/>
           </a:p>
@@ -6785,22 +9770,25 @@
       </p:sp>
     </p:spTree>
   </p:cSld>
+  <p:clrMapOvr>
+    <a:masterClrMapping/>
+  </p:clrMapOvr>
   <p:timing>
     <p:tnLst>
       <p:par>
-        <p:cTn id="9" dur="indefinite" restart="never" nodeType="tmRoot">
+        <p:cTn id="1" dur="indefinite" restart="never" nodeType="tmRoot">
           <p:childTnLst>
             <p:seq>
-              <p:cTn id="10" nodeType="mainSeq"/>
+              <p:cTn id="2" nodeType="mainSeq"/>
               <p:prevCondLst>
-                <p:cond delay="0" evt="onPrev">
+                <p:cond evt="onPrev" delay="0">
                   <p:tgtEl>
                     <p:sldTgt/>
                   </p:tgtEl>
                 </p:cond>
               </p:prevCondLst>
               <p:nextCondLst>
-                <p:cond delay="0" evt="onNext">
+                <p:cond evt="onNext" delay="0">
                   <p:tgtEl>
                     <p:sldTgt/>
                   </p:tgtEl>
@@ -6816,7 +9804,7 @@
 </file>
 
 <file path=ppt/slides/slide6.xml><?xml version="1.0" encoding="utf-8"?>
-<p:sld xmlns:a="http://schemas.openxmlformats.org/drawingml/2006/main" xmlns:p="http://schemas.openxmlformats.org/presentationml/2006/main" xmlns:r="http://schemas.openxmlformats.org/officeDocument/2006/relationships">
+<p:sld xmlns:a="http://schemas.openxmlformats.org/drawingml/2006/main" xmlns:r="http://schemas.openxmlformats.org/officeDocument/2006/relationships" xmlns:p="http://schemas.openxmlformats.org/presentationml/2006/main">
   <p:cSld>
     <p:spTree>
       <p:nvGrpSpPr>
@@ -6852,7 +9840,8 @@
           </a:ln>
         </p:spPr>
         <p:txBody>
-          <a:bodyPr lIns="90000" rIns="90000" tIns="45000" bIns="45000" anchor="ctr"/>
+          <a:bodyPr lIns="90000" tIns="45000" rIns="90000" bIns="45000" anchor="ctr"/>
+          <a:lstStyle/>
           <a:p>
             <a:pPr>
               <a:lnSpc>
@@ -6892,7 +9881,8 @@
           </a:ln>
         </p:spPr>
         <p:txBody>
-          <a:bodyPr lIns="90000" rIns="90000" tIns="45000" bIns="45000"/>
+          <a:bodyPr lIns="90000" tIns="45000" rIns="90000" bIns="45000"/>
+          <a:lstStyle/>
           <a:p>
             <a:pPr>
               <a:lnSpc>
@@ -6973,22 +9963,25 @@
       </p:sp>
     </p:spTree>
   </p:cSld>
+  <p:clrMapOvr>
+    <a:masterClrMapping/>
+  </p:clrMapOvr>
   <p:timing>
     <p:tnLst>
       <p:par>
-        <p:cTn id="11" dur="indefinite" restart="never" nodeType="tmRoot">
+        <p:cTn id="1" dur="indefinite" restart="never" nodeType="tmRoot">
           <p:childTnLst>
             <p:seq>
-              <p:cTn id="12" nodeType="mainSeq"/>
+              <p:cTn id="2" nodeType="mainSeq"/>
               <p:prevCondLst>
-                <p:cond delay="0" evt="onPrev">
+                <p:cond evt="onPrev" delay="0">
                   <p:tgtEl>
                     <p:sldTgt/>
                   </p:tgtEl>
                 </p:cond>
               </p:prevCondLst>
               <p:nextCondLst>
-                <p:cond delay="0" evt="onNext">
+                <p:cond evt="onNext" delay="0">
                   <p:tgtEl>
                     <p:sldTgt/>
                   </p:tgtEl>
@@ -7004,7 +9997,7 @@
 </file>
 
 <file path=ppt/slides/slide7.xml><?xml version="1.0" encoding="utf-8"?>
-<p:sld xmlns:a="http://schemas.openxmlformats.org/drawingml/2006/main" xmlns:p="http://schemas.openxmlformats.org/presentationml/2006/main" xmlns:r="http://schemas.openxmlformats.org/officeDocument/2006/relationships">
+<p:sld xmlns:a="http://schemas.openxmlformats.org/drawingml/2006/main" xmlns:r="http://schemas.openxmlformats.org/officeDocument/2006/relationships" xmlns:p="http://schemas.openxmlformats.org/presentationml/2006/main">
   <p:cSld>
     <p:spTree>
       <p:nvGrpSpPr>
@@ -7040,7 +10033,8 @@
           </a:ln>
         </p:spPr>
         <p:txBody>
-          <a:bodyPr lIns="90000" rIns="90000" tIns="45000" bIns="45000" anchor="ctr"/>
+          <a:bodyPr lIns="90000" tIns="45000" rIns="90000" bIns="45000" anchor="ctr"/>
+          <a:lstStyle/>
           <a:p>
             <a:pPr>
               <a:lnSpc>
@@ -7062,12 +10056,12 @@
       </p:sp>
       <p:pic>
         <p:nvPicPr>
-          <p:cNvPr id="133" name="Picture 2" descr=""/>
+          <p:cNvPr id="133" name="Picture 2"/>
           <p:cNvPicPr/>
           <p:nvPr/>
         </p:nvPicPr>
         <p:blipFill>
-          <a:blip r:embed="rId1"/>
+          <a:blip r:embed="rId2"/>
           <a:stretch/>
         </p:blipFill>
         <p:spPr>
@@ -7085,22 +10079,25 @@
       </p:pic>
     </p:spTree>
   </p:cSld>
+  <p:clrMapOvr>
+    <a:masterClrMapping/>
+  </p:clrMapOvr>
   <p:timing>
     <p:tnLst>
       <p:par>
-        <p:cTn id="13" dur="indefinite" restart="never" nodeType="tmRoot">
+        <p:cTn id="1" dur="indefinite" restart="never" nodeType="tmRoot">
           <p:childTnLst>
             <p:seq>
-              <p:cTn id="14" nodeType="mainSeq"/>
+              <p:cTn id="2" nodeType="mainSeq"/>
               <p:prevCondLst>
-                <p:cond delay="0" evt="onPrev">
+                <p:cond evt="onPrev" delay="0">
                   <p:tgtEl>
                     <p:sldTgt/>
                   </p:tgtEl>
                 </p:cond>
               </p:prevCondLst>
               <p:nextCondLst>
-                <p:cond delay="0" evt="onNext">
+                <p:cond evt="onNext" delay="0">
                   <p:tgtEl>
                     <p:sldTgt/>
                   </p:tgtEl>
@@ -7116,7 +10113,7 @@
 </file>
 
 <file path=ppt/slides/slide8.xml><?xml version="1.0" encoding="utf-8"?>
-<p:sld xmlns:a="http://schemas.openxmlformats.org/drawingml/2006/main" xmlns:p="http://schemas.openxmlformats.org/presentationml/2006/main" xmlns:r="http://schemas.openxmlformats.org/officeDocument/2006/relationships">
+<p:sld xmlns:a="http://schemas.openxmlformats.org/drawingml/2006/main" xmlns:r="http://schemas.openxmlformats.org/officeDocument/2006/relationships" xmlns:p="http://schemas.openxmlformats.org/presentationml/2006/main">
   <p:cSld>
     <p:spTree>
       <p:nvGrpSpPr>
@@ -7152,7 +10149,8 @@
           </a:ln>
         </p:spPr>
         <p:txBody>
-          <a:bodyPr lIns="90000" rIns="90000" tIns="45000" bIns="45000" anchor="ctr"/>
+          <a:bodyPr lIns="90000" tIns="45000" rIns="90000" bIns="45000" anchor="ctr"/>
+          <a:lstStyle/>
           <a:p>
             <a:pPr>
               <a:lnSpc>
@@ -7174,12 +10172,12 @@
       </p:sp>
       <p:pic>
         <p:nvPicPr>
-          <p:cNvPr id="135" name="Picture 2" descr=""/>
+          <p:cNvPr id="135" name="Picture 2"/>
           <p:cNvPicPr/>
           <p:nvPr/>
         </p:nvPicPr>
         <p:blipFill>
-          <a:blip r:embed="rId1"/>
+          <a:blip r:embed="rId2"/>
           <a:stretch/>
         </p:blipFill>
         <p:spPr>
@@ -7197,22 +10195,25 @@
       </p:pic>
     </p:spTree>
   </p:cSld>
+  <p:clrMapOvr>
+    <a:masterClrMapping/>
+  </p:clrMapOvr>
   <p:timing>
     <p:tnLst>
       <p:par>
-        <p:cTn id="15" dur="indefinite" restart="never" nodeType="tmRoot">
+        <p:cTn id="1" dur="indefinite" restart="never" nodeType="tmRoot">
           <p:childTnLst>
             <p:seq>
-              <p:cTn id="16" nodeType="mainSeq"/>
+              <p:cTn id="2" nodeType="mainSeq"/>
               <p:prevCondLst>
-                <p:cond delay="0" evt="onPrev">
+                <p:cond evt="onPrev" delay="0">
                   <p:tgtEl>
                     <p:sldTgt/>
                   </p:tgtEl>
                 </p:cond>
               </p:prevCondLst>
               <p:nextCondLst>
-                <p:cond delay="0" evt="onNext">
+                <p:cond evt="onNext" delay="0">
                   <p:tgtEl>
                     <p:sldTgt/>
                   </p:tgtEl>
@@ -7228,7 +10229,7 @@
 </file>
 
 <file path=ppt/slides/slide9.xml><?xml version="1.0" encoding="utf-8"?>
-<p:sld xmlns:a="http://schemas.openxmlformats.org/drawingml/2006/main" xmlns:p="http://schemas.openxmlformats.org/presentationml/2006/main" xmlns:r="http://schemas.openxmlformats.org/officeDocument/2006/relationships">
+<p:sld xmlns:a="http://schemas.openxmlformats.org/drawingml/2006/main" xmlns:r="http://schemas.openxmlformats.org/officeDocument/2006/relationships" xmlns:p="http://schemas.openxmlformats.org/presentationml/2006/main">
   <p:cSld>
     <p:spTree>
       <p:nvGrpSpPr>
@@ -7264,7 +10265,8 @@
           </a:ln>
         </p:spPr>
         <p:txBody>
-          <a:bodyPr lIns="90000" rIns="90000" tIns="45000" bIns="45000" anchor="ctr"/>
+          <a:bodyPr lIns="90000" tIns="45000" rIns="90000" bIns="45000" anchor="ctr"/>
+          <a:lstStyle/>
           <a:p>
             <a:pPr>
               <a:lnSpc>
@@ -7286,12 +10288,12 @@
       </p:sp>
       <p:pic>
         <p:nvPicPr>
-          <p:cNvPr id="137" name="Picture 2" descr=""/>
+          <p:cNvPr id="137" name="Picture 2"/>
           <p:cNvPicPr/>
           <p:nvPr/>
         </p:nvPicPr>
         <p:blipFill>
-          <a:blip r:embed="rId1"/>
+          <a:blip r:embed="rId2"/>
           <a:stretch/>
         </p:blipFill>
         <p:spPr>
@@ -7309,22 +10311,25 @@
       </p:pic>
     </p:spTree>
   </p:cSld>
+  <p:clrMapOvr>
+    <a:masterClrMapping/>
+  </p:clrMapOvr>
   <p:timing>
     <p:tnLst>
       <p:par>
-        <p:cTn id="17" dur="indefinite" restart="never" nodeType="tmRoot">
+        <p:cTn id="1" dur="indefinite" restart="never" nodeType="tmRoot">
           <p:childTnLst>
             <p:seq>
-              <p:cTn id="18" nodeType="mainSeq"/>
+              <p:cTn id="2" nodeType="mainSeq"/>
               <p:prevCondLst>
-                <p:cond delay="0" evt="onPrev">
+                <p:cond evt="onPrev" delay="0">
                   <p:tgtEl>
                     <p:sldTgt/>
                   </p:tgtEl>
                 </p:cond>
               </p:prevCondLst>
               <p:nextCondLst>
-                <p:cond delay="0" evt="onNext">
+                <p:cond evt="onNext" delay="0">
                   <p:tgtEl>
                     <p:sldTgt/>
                   </p:tgtEl>
@@ -7559,6 +10564,8 @@
       </a:bgFillStyleLst>
     </a:fmtScheme>
   </a:themeElements>
+  <a:objectDefaults/>
+  <a:extraClrSchemeLst/>
 </a:theme>
 </file>
 
@@ -7782,6 +10789,8 @@
       </a:bgFillStyleLst>
     </a:fmtScheme>
   </a:themeElements>
+  <a:objectDefaults/>
+  <a:extraClrSchemeLst/>
 </a:theme>
 </file>
 
@@ -8005,5 +11014,7 @@
       </a:bgFillStyleLst>
     </a:fmtScheme>
   </a:themeElements>
+  <a:objectDefaults/>
+  <a:extraClrSchemeLst/>
 </a:theme>
 </file>
--- a/FinalPresentation.pptx
+++ b/FinalPresentation.pptx
@@ -133,6 +133,11 @@
       </a:defRPr>
     </a:lvl9pPr>
   </p:defaultTextStyle>
+  <p:extLst>
+    <p:ext uri="{EFAFB233-063F-42B5-8137-9DF3F51BA10A}">
+      <p15:sldGuideLst xmlns:p15="http://schemas.microsoft.com/office/powerpoint/2012/main"/>
+    </p:ext>
+  </p:extLst>
 </p:presentation>
 </file>
 
@@ -9768,6 +9773,30 @@
           </a:p>
         </p:txBody>
       </p:sp>
+      <p:pic>
+        <p:nvPicPr>
+          <p:cNvPr id="3" name="Picture 2"/>
+          <p:cNvPicPr>
+            <a:picLocks noChangeAspect="1"/>
+          </p:cNvPicPr>
+          <p:nvPr/>
+        </p:nvPicPr>
+        <p:blipFill>
+          <a:blip r:embed="rId2"/>
+          <a:stretch>
+            <a:fillRect/>
+          </a:stretch>
+        </p:blipFill>
+        <p:spPr>
+          <a:xfrm>
+            <a:off x="1611418" y="3866606"/>
+            <a:ext cx="5397077" cy="2176599"/>
+          </a:xfrm>
+          <a:prstGeom prst="rect">
+            <a:avLst/>
+          </a:prstGeom>
+        </p:spPr>
+      </p:pic>
     </p:spTree>
   </p:cSld>
   <p:clrMapOvr>

--- a/FinalPresentation.pptx
+++ b/FinalPresentation.pptx
@@ -1,49 +1,144 @@
 
 <file path=ppt/presentation.xml><?xml version="1.0" encoding="utf-8"?>
-<p:presentation xmlns:a="http://schemas.openxmlformats.org/drawingml/2006/main" xmlns:p="http://schemas.openxmlformats.org/presentationml/2006/main" xmlns:r="http://schemas.openxmlformats.org/officeDocument/2006/relationships">
+<p:presentation xmlns:a="http://schemas.openxmlformats.org/drawingml/2006/main" xmlns:r="http://schemas.openxmlformats.org/officeDocument/2006/relationships" xmlns:p="http://schemas.openxmlformats.org/presentationml/2006/main">
   <p:sldMasterIdLst>
-    <p:sldMasterId id="2147483648" r:id="rId2"/>
-    <p:sldMasterId id="2147483661" r:id="rId3"/>
+    <p:sldMasterId id="2147483648" r:id="rId1"/>
+    <p:sldMasterId id="2147483661" r:id="rId2"/>
   </p:sldMasterIdLst>
   <p:notesMasterIdLst>
-    <p:notesMasterId r:id="rId4"/>
+    <p:notesMasterId r:id="rId24"/>
   </p:notesMasterIdLst>
   <p:sldIdLst>
-    <p:sldId id="256" r:id="rId5"/>
-    <p:sldId id="257" r:id="rId6"/>
-    <p:sldId id="258" r:id="rId7"/>
-    <p:sldId id="259" r:id="rId8"/>
-    <p:sldId id="260" r:id="rId9"/>
-    <p:sldId id="261" r:id="rId10"/>
-    <p:sldId id="262" r:id="rId11"/>
-    <p:sldId id="263" r:id="rId12"/>
-    <p:sldId id="264" r:id="rId13"/>
-    <p:sldId id="265" r:id="rId14"/>
-    <p:sldId id="266" r:id="rId15"/>
-    <p:sldId id="267" r:id="rId16"/>
-    <p:sldId id="268" r:id="rId17"/>
-    <p:sldId id="269" r:id="rId18"/>
-    <p:sldId id="270" r:id="rId19"/>
-    <p:sldId id="271" r:id="rId20"/>
-    <p:sldId id="272" r:id="rId21"/>
-    <p:sldId id="273" r:id="rId22"/>
-    <p:sldId id="274" r:id="rId23"/>
-    <p:sldId id="275" r:id="rId24"/>
-    <p:sldId id="276" r:id="rId25"/>
-    <p:sldId id="277" r:id="rId26"/>
-    <p:sldId id="278" r:id="rId27"/>
-    <p:sldId id="279" r:id="rId28"/>
-    <p:sldId id="280" r:id="rId29"/>
-    <p:sldId id="281" r:id="rId30"/>
+    <p:sldId id="256" r:id="rId3"/>
+    <p:sldId id="257" r:id="rId4"/>
+    <p:sldId id="258" r:id="rId5"/>
+    <p:sldId id="259" r:id="rId6"/>
+    <p:sldId id="260" r:id="rId7"/>
+    <p:sldId id="262" r:id="rId8"/>
+    <p:sldId id="267" r:id="rId9"/>
+    <p:sldId id="268" r:id="rId10"/>
+    <p:sldId id="269" r:id="rId11"/>
+    <p:sldId id="270" r:id="rId12"/>
+    <p:sldId id="271" r:id="rId13"/>
+    <p:sldId id="272" r:id="rId14"/>
+    <p:sldId id="273" r:id="rId15"/>
+    <p:sldId id="274" r:id="rId16"/>
+    <p:sldId id="275" r:id="rId17"/>
+    <p:sldId id="276" r:id="rId18"/>
+    <p:sldId id="277" r:id="rId19"/>
+    <p:sldId id="278" r:id="rId20"/>
+    <p:sldId id="279" r:id="rId21"/>
+    <p:sldId id="280" r:id="rId22"/>
+    <p:sldId id="281" r:id="rId23"/>
   </p:sldIdLst>
-  <p:sldSz cx="9144000" cy="6858000"/>
+  <p:sldSz cx="9144000" cy="6858000" type="screen4x3"/>
   <p:notesSz cx="6858000" cy="9144000"/>
+  <p:defaultTextStyle>
+    <a:defPPr>
+      <a:defRPr lang="en-US"/>
+    </a:defPPr>
+    <a:lvl1pPr marL="0" algn="l" defTabSz="914400" rtl="0" eaLnBrk="1" latinLnBrk="0" hangingPunct="1">
+      <a:defRPr sz="1800" kern="1200">
+        <a:solidFill>
+          <a:schemeClr val="tx1"/>
+        </a:solidFill>
+        <a:latin typeface="+mn-lt"/>
+        <a:ea typeface="+mn-ea"/>
+        <a:cs typeface="+mn-cs"/>
+      </a:defRPr>
+    </a:lvl1pPr>
+    <a:lvl2pPr marL="457200" algn="l" defTabSz="914400" rtl="0" eaLnBrk="1" latinLnBrk="0" hangingPunct="1">
+      <a:defRPr sz="1800" kern="1200">
+        <a:solidFill>
+          <a:schemeClr val="tx1"/>
+        </a:solidFill>
+        <a:latin typeface="+mn-lt"/>
+        <a:ea typeface="+mn-ea"/>
+        <a:cs typeface="+mn-cs"/>
+      </a:defRPr>
+    </a:lvl2pPr>
+    <a:lvl3pPr marL="914400" algn="l" defTabSz="914400" rtl="0" eaLnBrk="1" latinLnBrk="0" hangingPunct="1">
+      <a:defRPr sz="1800" kern="1200">
+        <a:solidFill>
+          <a:schemeClr val="tx1"/>
+        </a:solidFill>
+        <a:latin typeface="+mn-lt"/>
+        <a:ea typeface="+mn-ea"/>
+        <a:cs typeface="+mn-cs"/>
+      </a:defRPr>
+    </a:lvl3pPr>
+    <a:lvl4pPr marL="1371600" algn="l" defTabSz="914400" rtl="0" eaLnBrk="1" latinLnBrk="0" hangingPunct="1">
+      <a:defRPr sz="1800" kern="1200">
+        <a:solidFill>
+          <a:schemeClr val="tx1"/>
+        </a:solidFill>
+        <a:latin typeface="+mn-lt"/>
+        <a:ea typeface="+mn-ea"/>
+        <a:cs typeface="+mn-cs"/>
+      </a:defRPr>
+    </a:lvl4pPr>
+    <a:lvl5pPr marL="1828800" algn="l" defTabSz="914400" rtl="0" eaLnBrk="1" latinLnBrk="0" hangingPunct="1">
+      <a:defRPr sz="1800" kern="1200">
+        <a:solidFill>
+          <a:schemeClr val="tx1"/>
+        </a:solidFill>
+        <a:latin typeface="+mn-lt"/>
+        <a:ea typeface="+mn-ea"/>
+        <a:cs typeface="+mn-cs"/>
+      </a:defRPr>
+    </a:lvl5pPr>
+    <a:lvl6pPr marL="2286000" algn="l" defTabSz="914400" rtl="0" eaLnBrk="1" latinLnBrk="0" hangingPunct="1">
+      <a:defRPr sz="1800" kern="1200">
+        <a:solidFill>
+          <a:schemeClr val="tx1"/>
+        </a:solidFill>
+        <a:latin typeface="+mn-lt"/>
+        <a:ea typeface="+mn-ea"/>
+        <a:cs typeface="+mn-cs"/>
+      </a:defRPr>
+    </a:lvl6pPr>
+    <a:lvl7pPr marL="2743200" algn="l" defTabSz="914400" rtl="0" eaLnBrk="1" latinLnBrk="0" hangingPunct="1">
+      <a:defRPr sz="1800" kern="1200">
+        <a:solidFill>
+          <a:schemeClr val="tx1"/>
+        </a:solidFill>
+        <a:latin typeface="+mn-lt"/>
+        <a:ea typeface="+mn-ea"/>
+        <a:cs typeface="+mn-cs"/>
+      </a:defRPr>
+    </a:lvl7pPr>
+    <a:lvl8pPr marL="3200400" algn="l" defTabSz="914400" rtl="0" eaLnBrk="1" latinLnBrk="0" hangingPunct="1">
+      <a:defRPr sz="1800" kern="1200">
+        <a:solidFill>
+          <a:schemeClr val="tx1"/>
+        </a:solidFill>
+        <a:latin typeface="+mn-lt"/>
+        <a:ea typeface="+mn-ea"/>
+        <a:cs typeface="+mn-cs"/>
+      </a:defRPr>
+    </a:lvl8pPr>
+    <a:lvl9pPr marL="3657600" algn="l" defTabSz="914400" rtl="0" eaLnBrk="1" latinLnBrk="0" hangingPunct="1">
+      <a:defRPr sz="1800" kern="1200">
+        <a:solidFill>
+          <a:schemeClr val="tx1"/>
+        </a:solidFill>
+        <a:latin typeface="+mn-lt"/>
+        <a:ea typeface="+mn-ea"/>
+        <a:cs typeface="+mn-cs"/>
+      </a:defRPr>
+    </a:lvl9pPr>
+  </p:defaultTextStyle>
 </p:presentation>
 </file>
 
 <file path=ppt/notesMasters/notesMaster1.xml><?xml version="1.0" encoding="utf-8"?>
-<p:notesMaster xmlns:a="http://schemas.openxmlformats.org/drawingml/2006/main" xmlns:p="http://schemas.openxmlformats.org/presentationml/2006/main" xmlns:r="http://schemas.openxmlformats.org/officeDocument/2006/relationships">
+<p:notesMaster xmlns:a="http://schemas.openxmlformats.org/drawingml/2006/main" xmlns:r="http://schemas.openxmlformats.org/officeDocument/2006/relationships" xmlns:p="http://schemas.openxmlformats.org/presentationml/2006/main">
   <p:cSld>
+    <p:bg>
+      <p:bgRef idx="1001">
+        <a:schemeClr val="bg1"/>
+      </p:bgRef>
+    </p:bg>
     <p:spTree>
       <p:nvGrpSpPr>
         <p:cNvPr id="1" name=""/>
@@ -78,7 +173,8 @@
           </a:prstGeom>
         </p:spPr>
         <p:txBody>
-          <a:bodyPr lIns="0" rIns="0" tIns="0" bIns="0"/>
+          <a:bodyPr lIns="0" tIns="0" rIns="0" bIns="0"/>
+          <a:lstStyle/>
           <a:p>
             <a:r>
               <a:rPr lang="en-US" sz="2000">
@@ -110,7 +206,8 @@
           </a:prstGeom>
         </p:spPr>
         <p:txBody>
-          <a:bodyPr lIns="0" rIns="0" tIns="0" bIns="0"/>
+          <a:bodyPr lIns="0" tIns="0" rIns="0" bIns="0"/>
+          <a:lstStyle/>
           <a:p>
             <a:r>
               <a:rPr lang="en-US" sz="1400">
@@ -142,7 +239,8 @@
           </a:prstGeom>
         </p:spPr>
         <p:txBody>
-          <a:bodyPr lIns="0" rIns="0" tIns="0" bIns="0"/>
+          <a:bodyPr lIns="0" tIns="0" rIns="0" bIns="0"/>
+          <a:lstStyle/>
           <a:p>
             <a:pPr algn="r"/>
             <a:r>
@@ -175,7 +273,8 @@
           </a:prstGeom>
         </p:spPr>
         <p:txBody>
-          <a:bodyPr lIns="0" rIns="0" tIns="0" bIns="0" anchor="b"/>
+          <a:bodyPr lIns="0" tIns="0" rIns="0" bIns="0" anchor="b"/>
+          <a:lstStyle/>
           <a:p>
             <a:r>
               <a:rPr lang="en-US" sz="1400">
@@ -207,116 +306,125 @@
           </a:prstGeom>
         </p:spPr>
         <p:txBody>
-          <a:bodyPr lIns="0" rIns="0" tIns="0" bIns="0" anchor="b"/>
+          <a:bodyPr lIns="0" tIns="0" rIns="0" bIns="0" anchor="b"/>
+          <a:lstStyle/>
           <a:p>
             <a:pPr algn="r"/>
             <a:fld id="{DCF30E11-23F5-44DA-AEB1-F06560D74F4B}" type="slidenum">
               <a:rPr lang="en-US" sz="1400">
                 <a:latin typeface="Times New Roman"/>
               </a:rPr>
-              <a:t>&lt;number&gt;</a:t>
+              <a:t>‹#›</a:t>
             </a:fld>
             <a:endParaRPr/>
           </a:p>
         </p:txBody>
       </p:sp>
     </p:spTree>
+    <p:extLst>
+      <p:ext uri="{BB962C8B-B14F-4D97-AF65-F5344CB8AC3E}">
+        <p14:creationId xmlns:p14="http://schemas.microsoft.com/office/powerpoint/2010/main" val="1659472063"/>
+      </p:ext>
+    </p:extLst>
   </p:cSld>
-  <p:clrMap bg1="lt1" bg2="lt2" tx1="dk1" tx2="dk2" accent1="accent1" accent2="accent2" accent3="accent3" accent4="accent4" accent5="accent5" accent6="accent6" hlink="hlink" folHlink="folHlink"/>
+  <p:clrMap bg1="lt1" tx1="dk1" bg2="lt2" tx2="dk2" accent1="accent1" accent2="accent2" accent3="accent3" accent4="accent4" accent5="accent5" accent6="accent6" hlink="hlink" folHlink="folHlink"/>
+  <p:notesStyle>
+    <a:lvl1pPr marL="0" algn="l" defTabSz="914400" rtl="0" eaLnBrk="1" latinLnBrk="0" hangingPunct="1">
+      <a:defRPr sz="1200" kern="1200">
+        <a:solidFill>
+          <a:schemeClr val="tx1"/>
+        </a:solidFill>
+        <a:latin typeface="+mn-lt"/>
+        <a:ea typeface="+mn-ea"/>
+        <a:cs typeface="+mn-cs"/>
+      </a:defRPr>
+    </a:lvl1pPr>
+    <a:lvl2pPr marL="457200" algn="l" defTabSz="914400" rtl="0" eaLnBrk="1" latinLnBrk="0" hangingPunct="1">
+      <a:defRPr sz="1200" kern="1200">
+        <a:solidFill>
+          <a:schemeClr val="tx1"/>
+        </a:solidFill>
+        <a:latin typeface="+mn-lt"/>
+        <a:ea typeface="+mn-ea"/>
+        <a:cs typeface="+mn-cs"/>
+      </a:defRPr>
+    </a:lvl2pPr>
+    <a:lvl3pPr marL="914400" algn="l" defTabSz="914400" rtl="0" eaLnBrk="1" latinLnBrk="0" hangingPunct="1">
+      <a:defRPr sz="1200" kern="1200">
+        <a:solidFill>
+          <a:schemeClr val="tx1"/>
+        </a:solidFill>
+        <a:latin typeface="+mn-lt"/>
+        <a:ea typeface="+mn-ea"/>
+        <a:cs typeface="+mn-cs"/>
+      </a:defRPr>
+    </a:lvl3pPr>
+    <a:lvl4pPr marL="1371600" algn="l" defTabSz="914400" rtl="0" eaLnBrk="1" latinLnBrk="0" hangingPunct="1">
+      <a:defRPr sz="1200" kern="1200">
+        <a:solidFill>
+          <a:schemeClr val="tx1"/>
+        </a:solidFill>
+        <a:latin typeface="+mn-lt"/>
+        <a:ea typeface="+mn-ea"/>
+        <a:cs typeface="+mn-cs"/>
+      </a:defRPr>
+    </a:lvl4pPr>
+    <a:lvl5pPr marL="1828800" algn="l" defTabSz="914400" rtl="0" eaLnBrk="1" latinLnBrk="0" hangingPunct="1">
+      <a:defRPr sz="1200" kern="1200">
+        <a:solidFill>
+          <a:schemeClr val="tx1"/>
+        </a:solidFill>
+        <a:latin typeface="+mn-lt"/>
+        <a:ea typeface="+mn-ea"/>
+        <a:cs typeface="+mn-cs"/>
+      </a:defRPr>
+    </a:lvl5pPr>
+    <a:lvl6pPr marL="2286000" algn="l" defTabSz="914400" rtl="0" eaLnBrk="1" latinLnBrk="0" hangingPunct="1">
+      <a:defRPr sz="1200" kern="1200">
+        <a:solidFill>
+          <a:schemeClr val="tx1"/>
+        </a:solidFill>
+        <a:latin typeface="+mn-lt"/>
+        <a:ea typeface="+mn-ea"/>
+        <a:cs typeface="+mn-cs"/>
+      </a:defRPr>
+    </a:lvl6pPr>
+    <a:lvl7pPr marL="2743200" algn="l" defTabSz="914400" rtl="0" eaLnBrk="1" latinLnBrk="0" hangingPunct="1">
+      <a:defRPr sz="1200" kern="1200">
+        <a:solidFill>
+          <a:schemeClr val="tx1"/>
+        </a:solidFill>
+        <a:latin typeface="+mn-lt"/>
+        <a:ea typeface="+mn-ea"/>
+        <a:cs typeface="+mn-cs"/>
+      </a:defRPr>
+    </a:lvl7pPr>
+    <a:lvl8pPr marL="3200400" algn="l" defTabSz="914400" rtl="0" eaLnBrk="1" latinLnBrk="0" hangingPunct="1">
+      <a:defRPr sz="1200" kern="1200">
+        <a:solidFill>
+          <a:schemeClr val="tx1"/>
+        </a:solidFill>
+        <a:latin typeface="+mn-lt"/>
+        <a:ea typeface="+mn-ea"/>
+        <a:cs typeface="+mn-cs"/>
+      </a:defRPr>
+    </a:lvl8pPr>
+    <a:lvl9pPr marL="3657600" algn="l" defTabSz="914400" rtl="0" eaLnBrk="1" latinLnBrk="0" hangingPunct="1">
+      <a:defRPr sz="1200" kern="1200">
+        <a:solidFill>
+          <a:schemeClr val="tx1"/>
+        </a:solidFill>
+        <a:latin typeface="+mn-lt"/>
+        <a:ea typeface="+mn-ea"/>
+        <a:cs typeface="+mn-cs"/>
+      </a:defRPr>
+    </a:lvl9pPr>
+  </p:notesStyle>
 </p:notesMaster>
 </file>
 
-<file path=ppt/notesSlides/notesSlide11.xml><?xml version="1.0" encoding="utf-8"?>
-<p:notes xmlns:a="http://schemas.openxmlformats.org/drawingml/2006/main" xmlns:p="http://schemas.openxmlformats.org/presentationml/2006/main" xmlns:r="http://schemas.openxmlformats.org/officeDocument/2006/relationships">
-  <p:cSld>
-    <p:spTree>
-      <p:nvGrpSpPr>
-        <p:cNvPr id="1" name=""/>
-        <p:cNvGrpSpPr/>
-        <p:nvPr/>
-      </p:nvGrpSpPr>
-      <p:grpSpPr>
-        <a:xfrm>
-          <a:off x="0" y="0"/>
-          <a:ext cx="0" cy="0"/>
-          <a:chOff x="0" y="0"/>
-          <a:chExt cx="0" cy="0"/>
-        </a:xfrm>
-      </p:grpSpPr>
-      <p:sp>
-        <p:nvSpPr>
-          <p:cNvPr id="182" name="PlaceHolder 1"/>
-          <p:cNvSpPr>
-            <a:spLocks noGrp="1"/>
-          </p:cNvSpPr>
-          <p:nvPr>
-            <p:ph type="body"/>
-          </p:nvPr>
-        </p:nvSpPr>
-        <p:spPr>
-          <a:xfrm>
-            <a:off x="685800" y="4343400"/>
-            <a:ext cx="5485680" cy="4114080"/>
-          </a:xfrm>
-          <a:prstGeom prst="rect">
-            <a:avLst/>
-          </a:prstGeom>
-        </p:spPr>
-        <p:txBody>
-          <a:bodyPr lIns="0" rIns="0" tIns="0" bIns="0"/>
-          <a:p>
-            <a:endParaRPr/>
-          </a:p>
-        </p:txBody>
-      </p:sp>
-      <p:sp>
-        <p:nvSpPr>
-          <p:cNvPr id="183" name="CustomShape 2"/>
-          <p:cNvSpPr/>
-          <p:nvPr/>
-        </p:nvSpPr>
-        <p:spPr>
-          <a:xfrm>
-            <a:off x="3884760" y="8685360"/>
-            <a:ext cx="2971080" cy="456480"/>
-          </a:xfrm>
-          <a:prstGeom prst="rect">
-            <a:avLst/>
-          </a:prstGeom>
-          <a:noFill/>
-          <a:ln>
-            <a:noFill/>
-          </a:ln>
-        </p:spPr>
-        <p:txBody>
-          <a:bodyPr lIns="90000" rIns="90000" tIns="45000" bIns="45000" anchor="b"/>
-          <a:p>
-            <a:pPr algn="r">
-              <a:lnSpc>
-                <a:spcPct val="100000"/>
-              </a:lnSpc>
-            </a:pPr>
-            <a:fld id="{56373E53-A44B-4128-A757-56A16EECF628}" type="slidenum">
-              <a:rPr lang="en-US" sz="1200">
-                <a:solidFill>
-                  <a:srgbClr val="000000"/>
-                </a:solidFill>
-                <a:latin typeface="+mn-lt"/>
-                <a:ea typeface="+mn-ea"/>
-              </a:rPr>
-              <a:t>&lt;number&gt;</a:t>
-            </a:fld>
-            <a:endParaRPr/>
-          </a:p>
-        </p:txBody>
-      </p:sp>
-    </p:spTree>
-  </p:cSld>
-</p:notes>
-</file>
-
 <file path=ppt/slideLayouts/slideLayout1.xml><?xml version="1.0" encoding="utf-8"?>
-<p:sldLayout xmlns:a="http://schemas.openxmlformats.org/drawingml/2006/main" xmlns:p="http://schemas.openxmlformats.org/presentationml/2006/main" xmlns:r="http://schemas.openxmlformats.org/officeDocument/2006/relationships" type="blank" preserve="1">
+<p:sldLayout xmlns:a="http://schemas.openxmlformats.org/drawingml/2006/main" xmlns:r="http://schemas.openxmlformats.org/officeDocument/2006/relationships" xmlns:p="http://schemas.openxmlformats.org/presentationml/2006/main" type="blank" preserve="1">
   <p:cSld name="Blank Slide">
     <p:spTree>
       <p:nvGrpSpPr>
@@ -334,11 +442,14 @@
       </p:grpSpPr>
     </p:spTree>
   </p:cSld>
+  <p:clrMapOvr>
+    <a:masterClrMapping/>
+  </p:clrMapOvr>
 </p:sldLayout>
 </file>
 
 <file path=ppt/slideLayouts/slideLayout10.xml><?xml version="1.0" encoding="utf-8"?>
-<p:sldLayout xmlns:a="http://schemas.openxmlformats.org/drawingml/2006/main" xmlns:p="http://schemas.openxmlformats.org/presentationml/2006/main" xmlns:r="http://schemas.openxmlformats.org/officeDocument/2006/relationships" type="objOverTx" preserve="1">
+<p:sldLayout xmlns:a="http://schemas.openxmlformats.org/drawingml/2006/main" xmlns:r="http://schemas.openxmlformats.org/officeDocument/2006/relationships" xmlns:p="http://schemas.openxmlformats.org/presentationml/2006/main" type="objOverTx" preserve="1">
   <p:cSld name="Title, Content over Content">
     <p:spTree>
       <p:nvGrpSpPr>
@@ -374,7 +485,8 @@
           </a:prstGeom>
         </p:spPr>
         <p:txBody>
-          <a:bodyPr lIns="0" rIns="0" tIns="0" bIns="0" anchor="ctr"/>
+          <a:bodyPr lIns="0" tIns="0" rIns="0" bIns="0" anchor="ctr"/>
+          <a:lstStyle/>
           <a:p>
             <a:endParaRPr/>
           </a:p>
@@ -400,7 +512,8 @@
           </a:prstGeom>
         </p:spPr>
         <p:txBody>
-          <a:bodyPr lIns="0" rIns="0" tIns="0" bIns="0"/>
+          <a:bodyPr lIns="0" tIns="0" rIns="0" bIns="0"/>
+          <a:lstStyle/>
           <a:p>
             <a:endParaRPr/>
           </a:p>
@@ -426,7 +539,8 @@
           </a:prstGeom>
         </p:spPr>
         <p:txBody>
-          <a:bodyPr lIns="0" rIns="0" tIns="0" bIns="0"/>
+          <a:bodyPr lIns="0" tIns="0" rIns="0" bIns="0"/>
+          <a:lstStyle/>
           <a:p>
             <a:endParaRPr/>
           </a:p>
@@ -434,11 +548,14 @@
       </p:sp>
     </p:spTree>
   </p:cSld>
+  <p:clrMapOvr>
+    <a:masterClrMapping/>
+  </p:clrMapOvr>
 </p:sldLayout>
 </file>
 
 <file path=ppt/slideLayouts/slideLayout11.xml><?xml version="1.0" encoding="utf-8"?>
-<p:sldLayout xmlns:a="http://schemas.openxmlformats.org/drawingml/2006/main" xmlns:p="http://schemas.openxmlformats.org/presentationml/2006/main" xmlns:r="http://schemas.openxmlformats.org/officeDocument/2006/relationships" type="fourObj" preserve="1">
+<p:sldLayout xmlns:a="http://schemas.openxmlformats.org/drawingml/2006/main" xmlns:r="http://schemas.openxmlformats.org/officeDocument/2006/relationships" xmlns:p="http://schemas.openxmlformats.org/presentationml/2006/main" type="fourObj" preserve="1">
   <p:cSld name="Title, 4 Content">
     <p:spTree>
       <p:nvGrpSpPr>
@@ -474,7 +591,8 @@
           </a:prstGeom>
         </p:spPr>
         <p:txBody>
-          <a:bodyPr lIns="0" rIns="0" tIns="0" bIns="0" anchor="ctr"/>
+          <a:bodyPr lIns="0" tIns="0" rIns="0" bIns="0" anchor="ctr"/>
+          <a:lstStyle/>
           <a:p>
             <a:endParaRPr/>
           </a:p>
@@ -500,7 +618,8 @@
           </a:prstGeom>
         </p:spPr>
         <p:txBody>
-          <a:bodyPr lIns="0" rIns="0" tIns="0" bIns="0"/>
+          <a:bodyPr lIns="0" tIns="0" rIns="0" bIns="0"/>
+          <a:lstStyle/>
           <a:p>
             <a:endParaRPr/>
           </a:p>
@@ -526,7 +645,8 @@
           </a:prstGeom>
         </p:spPr>
         <p:txBody>
-          <a:bodyPr lIns="0" rIns="0" tIns="0" bIns="0"/>
+          <a:bodyPr lIns="0" tIns="0" rIns="0" bIns="0"/>
+          <a:lstStyle/>
           <a:p>
             <a:endParaRPr/>
           </a:p>
@@ -552,7 +672,8 @@
           </a:prstGeom>
         </p:spPr>
         <p:txBody>
-          <a:bodyPr lIns="0" rIns="0" tIns="0" bIns="0"/>
+          <a:bodyPr lIns="0" tIns="0" rIns="0" bIns="0"/>
+          <a:lstStyle/>
           <a:p>
             <a:endParaRPr/>
           </a:p>
@@ -578,7 +699,8 @@
           </a:prstGeom>
         </p:spPr>
         <p:txBody>
-          <a:bodyPr lIns="0" rIns="0" tIns="0" bIns="0"/>
+          <a:bodyPr lIns="0" tIns="0" rIns="0" bIns="0"/>
+          <a:lstStyle/>
           <a:p>
             <a:endParaRPr/>
           </a:p>
@@ -586,11 +708,14 @@
       </p:sp>
     </p:spTree>
   </p:cSld>
+  <p:clrMapOvr>
+    <a:masterClrMapping/>
+  </p:clrMapOvr>
 </p:sldLayout>
 </file>
 
 <file path=ppt/slideLayouts/slideLayout12.xml><?xml version="1.0" encoding="utf-8"?>
-<p:sldLayout xmlns:a="http://schemas.openxmlformats.org/drawingml/2006/main" xmlns:p="http://schemas.openxmlformats.org/presentationml/2006/main" xmlns:r="http://schemas.openxmlformats.org/officeDocument/2006/relationships" type="blank" preserve="1">
+<p:sldLayout xmlns:a="http://schemas.openxmlformats.org/drawingml/2006/main" xmlns:r="http://schemas.openxmlformats.org/officeDocument/2006/relationships" xmlns:p="http://schemas.openxmlformats.org/presentationml/2006/main" type="blank" preserve="1">
   <p:cSld name="Title, 6 Content">
     <p:spTree>
       <p:nvGrpSpPr>
@@ -626,7 +751,8 @@
           </a:prstGeom>
         </p:spPr>
         <p:txBody>
-          <a:bodyPr lIns="0" rIns="0" tIns="0" bIns="0" anchor="ctr"/>
+          <a:bodyPr lIns="0" tIns="0" rIns="0" bIns="0" anchor="ctr"/>
+          <a:lstStyle/>
           <a:p>
             <a:endParaRPr/>
           </a:p>
@@ -652,7 +778,8 @@
           </a:prstGeom>
         </p:spPr>
         <p:txBody>
-          <a:bodyPr lIns="0" rIns="0" tIns="0" bIns="0"/>
+          <a:bodyPr lIns="0" tIns="0" rIns="0" bIns="0"/>
+          <a:lstStyle/>
           <a:p>
             <a:endParaRPr/>
           </a:p>
@@ -678,7 +805,8 @@
           </a:prstGeom>
         </p:spPr>
         <p:txBody>
-          <a:bodyPr lIns="0" rIns="0" tIns="0" bIns="0"/>
+          <a:bodyPr lIns="0" tIns="0" rIns="0" bIns="0"/>
+          <a:lstStyle/>
           <a:p>
             <a:endParaRPr/>
           </a:p>
@@ -686,7 +814,7 @@
       </p:sp>
       <p:pic>
         <p:nvPicPr>
-          <p:cNvPr id="58" name="" descr=""/>
+          <p:cNvPr id="58" name="Picture 57"/>
           <p:cNvPicPr/>
           <p:nvPr/>
         </p:nvPicPr>
@@ -711,12 +839,12 @@
       </p:pic>
       <p:pic>
         <p:nvPicPr>
-          <p:cNvPr id="59" name="" descr=""/>
+          <p:cNvPr id="59" name="Picture 58"/>
           <p:cNvPicPr/>
           <p:nvPr/>
         </p:nvPicPr>
         <p:blipFill>
-          <a:blip r:embed="rId3"/>
+          <a:blip r:embed="rId2"/>
           <a:stretch>
             <a:fillRect/>
           </a:stretch>
@@ -736,11 +864,14 @@
       </p:pic>
     </p:spTree>
   </p:cSld>
+  <p:clrMapOvr>
+    <a:masterClrMapping/>
+  </p:clrMapOvr>
 </p:sldLayout>
 </file>
 
 <file path=ppt/slideLayouts/slideLayout13.xml><?xml version="1.0" encoding="utf-8"?>
-<p:sldLayout xmlns:a="http://schemas.openxmlformats.org/drawingml/2006/main" xmlns:p="http://schemas.openxmlformats.org/presentationml/2006/main" xmlns:r="http://schemas.openxmlformats.org/officeDocument/2006/relationships" type="blank" preserve="1">
+<p:sldLayout xmlns:a="http://schemas.openxmlformats.org/drawingml/2006/main" xmlns:r="http://schemas.openxmlformats.org/officeDocument/2006/relationships" xmlns:p="http://schemas.openxmlformats.org/presentationml/2006/main" type="blank" preserve="1">
   <p:cSld name="Blank Slide">
     <p:spTree>
       <p:nvGrpSpPr>
@@ -758,11 +889,14 @@
       </p:grpSpPr>
     </p:spTree>
   </p:cSld>
+  <p:clrMapOvr>
+    <a:masterClrMapping/>
+  </p:clrMapOvr>
 </p:sldLayout>
 </file>
 
 <file path=ppt/slideLayouts/slideLayout14.xml><?xml version="1.0" encoding="utf-8"?>
-<p:sldLayout xmlns:a="http://schemas.openxmlformats.org/drawingml/2006/main" xmlns:p="http://schemas.openxmlformats.org/presentationml/2006/main" xmlns:r="http://schemas.openxmlformats.org/officeDocument/2006/relationships" type="tx" preserve="1">
+<p:sldLayout xmlns:a="http://schemas.openxmlformats.org/drawingml/2006/main" xmlns:r="http://schemas.openxmlformats.org/officeDocument/2006/relationships" xmlns:p="http://schemas.openxmlformats.org/presentationml/2006/main" type="tx" preserve="1">
   <p:cSld name="Title Slide">
     <p:spTree>
       <p:nvGrpSpPr>
@@ -798,7 +932,8 @@
           </a:prstGeom>
         </p:spPr>
         <p:txBody>
-          <a:bodyPr lIns="0" rIns="0" tIns="0" bIns="0" anchor="ctr"/>
+          <a:bodyPr lIns="0" tIns="0" rIns="0" bIns="0" anchor="ctr"/>
+          <a:lstStyle/>
           <a:p>
             <a:endParaRPr/>
           </a:p>
@@ -824,7 +959,8 @@
           </a:prstGeom>
         </p:spPr>
         <p:txBody>
-          <a:bodyPr lIns="0" rIns="0" tIns="0" bIns="0" anchor="ctr"/>
+          <a:bodyPr lIns="0" tIns="0" rIns="0" bIns="0" anchor="ctr"/>
+          <a:lstStyle/>
           <a:p>
             <a:pPr algn="ctr"/>
             <a:endParaRPr/>
@@ -833,11 +969,14 @@
       </p:sp>
     </p:spTree>
   </p:cSld>
+  <p:clrMapOvr>
+    <a:masterClrMapping/>
+  </p:clrMapOvr>
 </p:sldLayout>
 </file>
 
 <file path=ppt/slideLayouts/slideLayout15.xml><?xml version="1.0" encoding="utf-8"?>
-<p:sldLayout xmlns:a="http://schemas.openxmlformats.org/drawingml/2006/main" xmlns:p="http://schemas.openxmlformats.org/presentationml/2006/main" xmlns:r="http://schemas.openxmlformats.org/officeDocument/2006/relationships" type="obj" preserve="1">
+<p:sldLayout xmlns:a="http://schemas.openxmlformats.org/drawingml/2006/main" xmlns:r="http://schemas.openxmlformats.org/officeDocument/2006/relationships" xmlns:p="http://schemas.openxmlformats.org/presentationml/2006/main" type="obj" preserve="1">
   <p:cSld name="Title, Content">
     <p:spTree>
       <p:nvGrpSpPr>
@@ -873,7 +1012,8 @@
           </a:prstGeom>
         </p:spPr>
         <p:txBody>
-          <a:bodyPr lIns="0" rIns="0" tIns="0" bIns="0" anchor="ctr"/>
+          <a:bodyPr lIns="0" tIns="0" rIns="0" bIns="0" anchor="ctr"/>
+          <a:lstStyle/>
           <a:p>
             <a:endParaRPr/>
           </a:p>
@@ -899,7 +1039,8 @@
           </a:prstGeom>
         </p:spPr>
         <p:txBody>
-          <a:bodyPr lIns="0" rIns="0" tIns="0" bIns="0"/>
+          <a:bodyPr lIns="0" tIns="0" rIns="0" bIns="0"/>
+          <a:lstStyle/>
           <a:p>
             <a:endParaRPr/>
           </a:p>
@@ -907,11 +1048,14 @@
       </p:sp>
     </p:spTree>
   </p:cSld>
+  <p:clrMapOvr>
+    <a:masterClrMapping/>
+  </p:clrMapOvr>
 </p:sldLayout>
 </file>
 
 <file path=ppt/slideLayouts/slideLayout16.xml><?xml version="1.0" encoding="utf-8"?>
-<p:sldLayout xmlns:a="http://schemas.openxmlformats.org/drawingml/2006/main" xmlns:p="http://schemas.openxmlformats.org/presentationml/2006/main" xmlns:r="http://schemas.openxmlformats.org/officeDocument/2006/relationships" type="twoObj" preserve="1">
+<p:sldLayout xmlns:a="http://schemas.openxmlformats.org/drawingml/2006/main" xmlns:r="http://schemas.openxmlformats.org/officeDocument/2006/relationships" xmlns:p="http://schemas.openxmlformats.org/presentationml/2006/main" type="twoObj" preserve="1">
   <p:cSld name="Title, 2 Content">
     <p:spTree>
       <p:nvGrpSpPr>
@@ -947,7 +1091,8 @@
           </a:prstGeom>
         </p:spPr>
         <p:txBody>
-          <a:bodyPr lIns="0" rIns="0" tIns="0" bIns="0" anchor="ctr"/>
+          <a:bodyPr lIns="0" tIns="0" rIns="0" bIns="0" anchor="ctr"/>
+          <a:lstStyle/>
           <a:p>
             <a:endParaRPr/>
           </a:p>
@@ -973,7 +1118,8 @@
           </a:prstGeom>
         </p:spPr>
         <p:txBody>
-          <a:bodyPr lIns="0" rIns="0" tIns="0" bIns="0"/>
+          <a:bodyPr lIns="0" tIns="0" rIns="0" bIns="0"/>
+          <a:lstStyle/>
           <a:p>
             <a:endParaRPr/>
           </a:p>
@@ -999,7 +1145,8 @@
           </a:prstGeom>
         </p:spPr>
         <p:txBody>
-          <a:bodyPr lIns="0" rIns="0" tIns="0" bIns="0"/>
+          <a:bodyPr lIns="0" tIns="0" rIns="0" bIns="0"/>
+          <a:lstStyle/>
           <a:p>
             <a:endParaRPr/>
           </a:p>
@@ -1007,11 +1154,14 @@
       </p:sp>
     </p:spTree>
   </p:cSld>
+  <p:clrMapOvr>
+    <a:masterClrMapping/>
+  </p:clrMapOvr>
 </p:sldLayout>
 </file>
 
 <file path=ppt/slideLayouts/slideLayout17.xml><?xml version="1.0" encoding="utf-8"?>
-<p:sldLayout xmlns:a="http://schemas.openxmlformats.org/drawingml/2006/main" xmlns:p="http://schemas.openxmlformats.org/presentationml/2006/main" xmlns:r="http://schemas.openxmlformats.org/officeDocument/2006/relationships" type="titleOnly" preserve="1">
+<p:sldLayout xmlns:a="http://schemas.openxmlformats.org/drawingml/2006/main" xmlns:r="http://schemas.openxmlformats.org/officeDocument/2006/relationships" xmlns:p="http://schemas.openxmlformats.org/presentationml/2006/main" type="titleOnly" preserve="1">
   <p:cSld name="Title Only">
     <p:spTree>
       <p:nvGrpSpPr>
@@ -1047,7 +1197,8 @@
           </a:prstGeom>
         </p:spPr>
         <p:txBody>
-          <a:bodyPr lIns="0" rIns="0" tIns="0" bIns="0" anchor="ctr"/>
+          <a:bodyPr lIns="0" tIns="0" rIns="0" bIns="0" anchor="ctr"/>
+          <a:lstStyle/>
           <a:p>
             <a:endParaRPr/>
           </a:p>
@@ -1055,11 +1206,14 @@
       </p:sp>
     </p:spTree>
   </p:cSld>
+  <p:clrMapOvr>
+    <a:masterClrMapping/>
+  </p:clrMapOvr>
 </p:sldLayout>
 </file>
 
 <file path=ppt/slideLayouts/slideLayout18.xml><?xml version="1.0" encoding="utf-8"?>
-<p:sldLayout xmlns:a="http://schemas.openxmlformats.org/drawingml/2006/main" xmlns:p="http://schemas.openxmlformats.org/presentationml/2006/main" xmlns:r="http://schemas.openxmlformats.org/officeDocument/2006/relationships" type="objOnly" preserve="1">
+<p:sldLayout xmlns:a="http://schemas.openxmlformats.org/drawingml/2006/main" xmlns:r="http://schemas.openxmlformats.org/officeDocument/2006/relationships" xmlns:p="http://schemas.openxmlformats.org/presentationml/2006/main" type="objOnly" preserve="1">
   <p:cSld name="Centered Text">
     <p:spTree>
       <p:nvGrpSpPr>
@@ -1095,7 +1249,8 @@
           </a:prstGeom>
         </p:spPr>
         <p:txBody>
-          <a:bodyPr lIns="0" rIns="0" tIns="0" bIns="0" anchor="ctr"/>
+          <a:bodyPr lIns="0" tIns="0" rIns="0" bIns="0" anchor="ctr"/>
+          <a:lstStyle/>
           <a:p>
             <a:pPr algn="ctr"/>
             <a:endParaRPr/>
@@ -1104,11 +1259,14 @@
       </p:sp>
     </p:spTree>
   </p:cSld>
+  <p:clrMapOvr>
+    <a:masterClrMapping/>
+  </p:clrMapOvr>
 </p:sldLayout>
 </file>
 
 <file path=ppt/slideLayouts/slideLayout19.xml><?xml version="1.0" encoding="utf-8"?>
-<p:sldLayout xmlns:a="http://schemas.openxmlformats.org/drawingml/2006/main" xmlns:p="http://schemas.openxmlformats.org/presentationml/2006/main" xmlns:r="http://schemas.openxmlformats.org/officeDocument/2006/relationships" type="twoObjAndObj" preserve="1">
+<p:sldLayout xmlns:a="http://schemas.openxmlformats.org/drawingml/2006/main" xmlns:r="http://schemas.openxmlformats.org/officeDocument/2006/relationships" xmlns:p="http://schemas.openxmlformats.org/presentationml/2006/main" type="twoObjAndObj" preserve="1">
   <p:cSld name="Title, 2 Content and Content">
     <p:spTree>
       <p:nvGrpSpPr>
@@ -1144,7 +1302,8 @@
           </a:prstGeom>
         </p:spPr>
         <p:txBody>
-          <a:bodyPr lIns="0" rIns="0" tIns="0" bIns="0" anchor="ctr"/>
+          <a:bodyPr lIns="0" tIns="0" rIns="0" bIns="0" anchor="ctr"/>
+          <a:lstStyle/>
           <a:p>
             <a:endParaRPr/>
           </a:p>
@@ -1170,7 +1329,8 @@
           </a:prstGeom>
         </p:spPr>
         <p:txBody>
-          <a:bodyPr lIns="0" rIns="0" tIns="0" bIns="0"/>
+          <a:bodyPr lIns="0" tIns="0" rIns="0" bIns="0"/>
+          <a:lstStyle/>
           <a:p>
             <a:endParaRPr/>
           </a:p>
@@ -1196,7 +1356,8 @@
           </a:prstGeom>
         </p:spPr>
         <p:txBody>
-          <a:bodyPr lIns="0" rIns="0" tIns="0" bIns="0"/>
+          <a:bodyPr lIns="0" tIns="0" rIns="0" bIns="0"/>
+          <a:lstStyle/>
           <a:p>
             <a:endParaRPr/>
           </a:p>
@@ -1222,7 +1383,8 @@
           </a:prstGeom>
         </p:spPr>
         <p:txBody>
-          <a:bodyPr lIns="0" rIns="0" tIns="0" bIns="0"/>
+          <a:bodyPr lIns="0" tIns="0" rIns="0" bIns="0"/>
+          <a:lstStyle/>
           <a:p>
             <a:endParaRPr/>
           </a:p>
@@ -1230,11 +1392,14 @@
       </p:sp>
     </p:spTree>
   </p:cSld>
+  <p:clrMapOvr>
+    <a:masterClrMapping/>
+  </p:clrMapOvr>
 </p:sldLayout>
 </file>
 
 <file path=ppt/slideLayouts/slideLayout2.xml><?xml version="1.0" encoding="utf-8"?>
-<p:sldLayout xmlns:a="http://schemas.openxmlformats.org/drawingml/2006/main" xmlns:p="http://schemas.openxmlformats.org/presentationml/2006/main" xmlns:r="http://schemas.openxmlformats.org/officeDocument/2006/relationships" type="tx" preserve="1">
+<p:sldLayout xmlns:a="http://schemas.openxmlformats.org/drawingml/2006/main" xmlns:r="http://schemas.openxmlformats.org/officeDocument/2006/relationships" xmlns:p="http://schemas.openxmlformats.org/presentationml/2006/main" type="tx" preserve="1">
   <p:cSld name="Title Slide">
     <p:spTree>
       <p:nvGrpSpPr>
@@ -1270,7 +1435,8 @@
           </a:prstGeom>
         </p:spPr>
         <p:txBody>
-          <a:bodyPr lIns="0" rIns="0" tIns="0" bIns="0" anchor="ctr"/>
+          <a:bodyPr lIns="0" tIns="0" rIns="0" bIns="0" anchor="ctr"/>
+          <a:lstStyle/>
           <a:p>
             <a:endParaRPr/>
           </a:p>
@@ -1296,7 +1462,8 @@
           </a:prstGeom>
         </p:spPr>
         <p:txBody>
-          <a:bodyPr lIns="0" rIns="0" tIns="0" bIns="0" anchor="ctr"/>
+          <a:bodyPr lIns="0" tIns="0" rIns="0" bIns="0" anchor="ctr"/>
+          <a:lstStyle/>
           <a:p>
             <a:pPr algn="ctr"/>
             <a:endParaRPr/>
@@ -1305,11 +1472,14 @@
       </p:sp>
     </p:spTree>
   </p:cSld>
+  <p:clrMapOvr>
+    <a:masterClrMapping/>
+  </p:clrMapOvr>
 </p:sldLayout>
 </file>
 
 <file path=ppt/slideLayouts/slideLayout20.xml><?xml version="1.0" encoding="utf-8"?>
-<p:sldLayout xmlns:a="http://schemas.openxmlformats.org/drawingml/2006/main" xmlns:p="http://schemas.openxmlformats.org/presentationml/2006/main" xmlns:r="http://schemas.openxmlformats.org/officeDocument/2006/relationships" type="objAndTwoObj" preserve="1">
+<p:sldLayout xmlns:a="http://schemas.openxmlformats.org/drawingml/2006/main" xmlns:r="http://schemas.openxmlformats.org/officeDocument/2006/relationships" xmlns:p="http://schemas.openxmlformats.org/presentationml/2006/main" type="objAndTwoObj" preserve="1">
   <p:cSld name="Title Content and 2 Content">
     <p:spTree>
       <p:nvGrpSpPr>
@@ -1345,7 +1515,8 @@
           </a:prstGeom>
         </p:spPr>
         <p:txBody>
-          <a:bodyPr lIns="0" rIns="0" tIns="0" bIns="0" anchor="ctr"/>
+          <a:bodyPr lIns="0" tIns="0" rIns="0" bIns="0" anchor="ctr"/>
+          <a:lstStyle/>
           <a:p>
             <a:endParaRPr/>
           </a:p>
@@ -1371,7 +1542,8 @@
           </a:prstGeom>
         </p:spPr>
         <p:txBody>
-          <a:bodyPr lIns="0" rIns="0" tIns="0" bIns="0"/>
+          <a:bodyPr lIns="0" tIns="0" rIns="0" bIns="0"/>
+          <a:lstStyle/>
           <a:p>
             <a:endParaRPr/>
           </a:p>
@@ -1397,7 +1569,8 @@
           </a:prstGeom>
         </p:spPr>
         <p:txBody>
-          <a:bodyPr lIns="0" rIns="0" tIns="0" bIns="0"/>
+          <a:bodyPr lIns="0" tIns="0" rIns="0" bIns="0"/>
+          <a:lstStyle/>
           <a:p>
             <a:endParaRPr/>
           </a:p>
@@ -1423,7 +1596,8 @@
           </a:prstGeom>
         </p:spPr>
         <p:txBody>
-          <a:bodyPr lIns="0" rIns="0" tIns="0" bIns="0"/>
+          <a:bodyPr lIns="0" tIns="0" rIns="0" bIns="0"/>
+          <a:lstStyle/>
           <a:p>
             <a:endParaRPr/>
           </a:p>
@@ -1431,11 +1605,14 @@
       </p:sp>
     </p:spTree>
   </p:cSld>
+  <p:clrMapOvr>
+    <a:masterClrMapping/>
+  </p:clrMapOvr>
 </p:sldLayout>
 </file>
 
 <file path=ppt/slideLayouts/slideLayout21.xml><?xml version="1.0" encoding="utf-8"?>
-<p:sldLayout xmlns:a="http://schemas.openxmlformats.org/drawingml/2006/main" xmlns:p="http://schemas.openxmlformats.org/presentationml/2006/main" xmlns:r="http://schemas.openxmlformats.org/officeDocument/2006/relationships" type="twoObjOverTx" preserve="1">
+<p:sldLayout xmlns:a="http://schemas.openxmlformats.org/drawingml/2006/main" xmlns:r="http://schemas.openxmlformats.org/officeDocument/2006/relationships" xmlns:p="http://schemas.openxmlformats.org/presentationml/2006/main" type="twoObjOverTx" preserve="1">
   <p:cSld name="Title, 2 Content over Content">
     <p:spTree>
       <p:nvGrpSpPr>
@@ -1471,7 +1648,8 @@
           </a:prstGeom>
         </p:spPr>
         <p:txBody>
-          <a:bodyPr lIns="0" rIns="0" tIns="0" bIns="0" anchor="ctr"/>
+          <a:bodyPr lIns="0" tIns="0" rIns="0" bIns="0" anchor="ctr"/>
+          <a:lstStyle/>
           <a:p>
             <a:endParaRPr/>
           </a:p>
@@ -1497,7 +1675,8 @@
           </a:prstGeom>
         </p:spPr>
         <p:txBody>
-          <a:bodyPr lIns="0" rIns="0" tIns="0" bIns="0"/>
+          <a:bodyPr lIns="0" tIns="0" rIns="0" bIns="0"/>
+          <a:lstStyle/>
           <a:p>
             <a:endParaRPr/>
           </a:p>
@@ -1523,7 +1702,8 @@
           </a:prstGeom>
         </p:spPr>
         <p:txBody>
-          <a:bodyPr lIns="0" rIns="0" tIns="0" bIns="0"/>
+          <a:bodyPr lIns="0" tIns="0" rIns="0" bIns="0"/>
+          <a:lstStyle/>
           <a:p>
             <a:endParaRPr/>
           </a:p>
@@ -1549,7 +1729,8 @@
           </a:prstGeom>
         </p:spPr>
         <p:txBody>
-          <a:bodyPr lIns="0" rIns="0" tIns="0" bIns="0"/>
+          <a:bodyPr lIns="0" tIns="0" rIns="0" bIns="0"/>
+          <a:lstStyle/>
           <a:p>
             <a:endParaRPr/>
           </a:p>
@@ -1557,11 +1738,14 @@
       </p:sp>
     </p:spTree>
   </p:cSld>
+  <p:clrMapOvr>
+    <a:masterClrMapping/>
+  </p:clrMapOvr>
 </p:sldLayout>
 </file>
 
 <file path=ppt/slideLayouts/slideLayout22.xml><?xml version="1.0" encoding="utf-8"?>
-<p:sldLayout xmlns:a="http://schemas.openxmlformats.org/drawingml/2006/main" xmlns:p="http://schemas.openxmlformats.org/presentationml/2006/main" xmlns:r="http://schemas.openxmlformats.org/officeDocument/2006/relationships" type="objOverTx" preserve="1">
+<p:sldLayout xmlns:a="http://schemas.openxmlformats.org/drawingml/2006/main" xmlns:r="http://schemas.openxmlformats.org/officeDocument/2006/relationships" xmlns:p="http://schemas.openxmlformats.org/presentationml/2006/main" type="objOverTx" preserve="1">
   <p:cSld name="Title, Content over Content">
     <p:spTree>
       <p:nvGrpSpPr>
@@ -1597,7 +1781,8 @@
           </a:prstGeom>
         </p:spPr>
         <p:txBody>
-          <a:bodyPr lIns="0" rIns="0" tIns="0" bIns="0" anchor="ctr"/>
+          <a:bodyPr lIns="0" tIns="0" rIns="0" bIns="0" anchor="ctr"/>
+          <a:lstStyle/>
           <a:p>
             <a:endParaRPr/>
           </a:p>
@@ -1623,7 +1808,8 @@
           </a:prstGeom>
         </p:spPr>
         <p:txBody>
-          <a:bodyPr lIns="0" rIns="0" tIns="0" bIns="0"/>
+          <a:bodyPr lIns="0" tIns="0" rIns="0" bIns="0"/>
+          <a:lstStyle/>
           <a:p>
             <a:endParaRPr/>
           </a:p>
@@ -1649,7 +1835,8 @@
           </a:prstGeom>
         </p:spPr>
         <p:txBody>
-          <a:bodyPr lIns="0" rIns="0" tIns="0" bIns="0"/>
+          <a:bodyPr lIns="0" tIns="0" rIns="0" bIns="0"/>
+          <a:lstStyle/>
           <a:p>
             <a:endParaRPr/>
           </a:p>
@@ -1657,11 +1844,14 @@
       </p:sp>
     </p:spTree>
   </p:cSld>
+  <p:clrMapOvr>
+    <a:masterClrMapping/>
+  </p:clrMapOvr>
 </p:sldLayout>
 </file>
 
 <file path=ppt/slideLayouts/slideLayout23.xml><?xml version="1.0" encoding="utf-8"?>
-<p:sldLayout xmlns:a="http://schemas.openxmlformats.org/drawingml/2006/main" xmlns:p="http://schemas.openxmlformats.org/presentationml/2006/main" xmlns:r="http://schemas.openxmlformats.org/officeDocument/2006/relationships" type="fourObj" preserve="1">
+<p:sldLayout xmlns:a="http://schemas.openxmlformats.org/drawingml/2006/main" xmlns:r="http://schemas.openxmlformats.org/officeDocument/2006/relationships" xmlns:p="http://schemas.openxmlformats.org/presentationml/2006/main" type="fourObj" preserve="1">
   <p:cSld name="Title, 4 Content">
     <p:spTree>
       <p:nvGrpSpPr>
@@ -1697,7 +1887,8 @@
           </a:prstGeom>
         </p:spPr>
         <p:txBody>
-          <a:bodyPr lIns="0" rIns="0" tIns="0" bIns="0" anchor="ctr"/>
+          <a:bodyPr lIns="0" tIns="0" rIns="0" bIns="0" anchor="ctr"/>
+          <a:lstStyle/>
           <a:p>
             <a:endParaRPr/>
           </a:p>
@@ -1723,7 +1914,8 @@
           </a:prstGeom>
         </p:spPr>
         <p:txBody>
-          <a:bodyPr lIns="0" rIns="0" tIns="0" bIns="0"/>
+          <a:bodyPr lIns="0" tIns="0" rIns="0" bIns="0"/>
+          <a:lstStyle/>
           <a:p>
             <a:endParaRPr/>
           </a:p>
@@ -1749,7 +1941,8 @@
           </a:prstGeom>
         </p:spPr>
         <p:txBody>
-          <a:bodyPr lIns="0" rIns="0" tIns="0" bIns="0"/>
+          <a:bodyPr lIns="0" tIns="0" rIns="0" bIns="0"/>
+          <a:lstStyle/>
           <a:p>
             <a:endParaRPr/>
           </a:p>
@@ -1775,7 +1968,8 @@
           </a:prstGeom>
         </p:spPr>
         <p:txBody>
-          <a:bodyPr lIns="0" rIns="0" tIns="0" bIns="0"/>
+          <a:bodyPr lIns="0" tIns="0" rIns="0" bIns="0"/>
+          <a:lstStyle/>
           <a:p>
             <a:endParaRPr/>
           </a:p>
@@ -1801,7 +1995,8 @@
           </a:prstGeom>
         </p:spPr>
         <p:txBody>
-          <a:bodyPr lIns="0" rIns="0" tIns="0" bIns="0"/>
+          <a:bodyPr lIns="0" tIns="0" rIns="0" bIns="0"/>
+          <a:lstStyle/>
           <a:p>
             <a:endParaRPr/>
           </a:p>
@@ -1809,11 +2004,14 @@
       </p:sp>
     </p:spTree>
   </p:cSld>
+  <p:clrMapOvr>
+    <a:masterClrMapping/>
+  </p:clrMapOvr>
 </p:sldLayout>
 </file>
 
 <file path=ppt/slideLayouts/slideLayout24.xml><?xml version="1.0" encoding="utf-8"?>
-<p:sldLayout xmlns:a="http://schemas.openxmlformats.org/drawingml/2006/main" xmlns:p="http://schemas.openxmlformats.org/presentationml/2006/main" xmlns:r="http://schemas.openxmlformats.org/officeDocument/2006/relationships" type="blank" preserve="1">
+<p:sldLayout xmlns:a="http://schemas.openxmlformats.org/drawingml/2006/main" xmlns:r="http://schemas.openxmlformats.org/officeDocument/2006/relationships" xmlns:p="http://schemas.openxmlformats.org/presentationml/2006/main" type="blank" preserve="1">
   <p:cSld name="Title, 6 Content">
     <p:spTree>
       <p:nvGrpSpPr>
@@ -1849,7 +2047,8 @@
           </a:prstGeom>
         </p:spPr>
         <p:txBody>
-          <a:bodyPr lIns="0" rIns="0" tIns="0" bIns="0" anchor="ctr"/>
+          <a:bodyPr lIns="0" tIns="0" rIns="0" bIns="0" anchor="ctr"/>
+          <a:lstStyle/>
           <a:p>
             <a:endParaRPr/>
           </a:p>
@@ -1875,7 +2074,8 @@
           </a:prstGeom>
         </p:spPr>
         <p:txBody>
-          <a:bodyPr lIns="0" rIns="0" tIns="0" bIns="0"/>
+          <a:bodyPr lIns="0" tIns="0" rIns="0" bIns="0"/>
+          <a:lstStyle/>
           <a:p>
             <a:endParaRPr/>
           </a:p>
@@ -1901,7 +2101,8 @@
           </a:prstGeom>
         </p:spPr>
         <p:txBody>
-          <a:bodyPr lIns="0" rIns="0" tIns="0" bIns="0"/>
+          <a:bodyPr lIns="0" tIns="0" rIns="0" bIns="0"/>
+          <a:lstStyle/>
           <a:p>
             <a:endParaRPr/>
           </a:p>
@@ -1909,7 +2110,7 @@
       </p:sp>
       <p:pic>
         <p:nvPicPr>
-          <p:cNvPr id="107" name="" descr=""/>
+          <p:cNvPr id="107" name="Picture 106"/>
           <p:cNvPicPr/>
           <p:nvPr/>
         </p:nvPicPr>
@@ -1934,12 +2135,12 @@
       </p:pic>
       <p:pic>
         <p:nvPicPr>
-          <p:cNvPr id="108" name="" descr=""/>
+          <p:cNvPr id="108" name="Picture 107"/>
           <p:cNvPicPr/>
           <p:nvPr/>
         </p:nvPicPr>
         <p:blipFill>
-          <a:blip r:embed="rId3"/>
+          <a:blip r:embed="rId2"/>
           <a:stretch>
             <a:fillRect/>
           </a:stretch>
@@ -1959,11 +2160,14 @@
       </p:pic>
     </p:spTree>
   </p:cSld>
+  <p:clrMapOvr>
+    <a:masterClrMapping/>
+  </p:clrMapOvr>
 </p:sldLayout>
 </file>
 
 <file path=ppt/slideLayouts/slideLayout3.xml><?xml version="1.0" encoding="utf-8"?>
-<p:sldLayout xmlns:a="http://schemas.openxmlformats.org/drawingml/2006/main" xmlns:p="http://schemas.openxmlformats.org/presentationml/2006/main" xmlns:r="http://schemas.openxmlformats.org/officeDocument/2006/relationships" type="obj" preserve="1">
+<p:sldLayout xmlns:a="http://schemas.openxmlformats.org/drawingml/2006/main" xmlns:r="http://schemas.openxmlformats.org/officeDocument/2006/relationships" xmlns:p="http://schemas.openxmlformats.org/presentationml/2006/main" type="obj" preserve="1">
   <p:cSld name="Title, Content">
     <p:spTree>
       <p:nvGrpSpPr>
@@ -1999,7 +2203,8 @@
           </a:prstGeom>
         </p:spPr>
         <p:txBody>
-          <a:bodyPr lIns="0" rIns="0" tIns="0" bIns="0" anchor="ctr"/>
+          <a:bodyPr lIns="0" tIns="0" rIns="0" bIns="0" anchor="ctr"/>
+          <a:lstStyle/>
           <a:p>
             <a:endParaRPr/>
           </a:p>
@@ -2025,7 +2230,8 @@
           </a:prstGeom>
         </p:spPr>
         <p:txBody>
-          <a:bodyPr lIns="0" rIns="0" tIns="0" bIns="0"/>
+          <a:bodyPr lIns="0" tIns="0" rIns="0" bIns="0"/>
+          <a:lstStyle/>
           <a:p>
             <a:endParaRPr/>
           </a:p>
@@ -2033,11 +2239,14 @@
       </p:sp>
     </p:spTree>
   </p:cSld>
+  <p:clrMapOvr>
+    <a:masterClrMapping/>
+  </p:clrMapOvr>
 </p:sldLayout>
 </file>
 
 <file path=ppt/slideLayouts/slideLayout4.xml><?xml version="1.0" encoding="utf-8"?>
-<p:sldLayout xmlns:a="http://schemas.openxmlformats.org/drawingml/2006/main" xmlns:p="http://schemas.openxmlformats.org/presentationml/2006/main" xmlns:r="http://schemas.openxmlformats.org/officeDocument/2006/relationships" type="twoObj" preserve="1">
+<p:sldLayout xmlns:a="http://schemas.openxmlformats.org/drawingml/2006/main" xmlns:r="http://schemas.openxmlformats.org/officeDocument/2006/relationships" xmlns:p="http://schemas.openxmlformats.org/presentationml/2006/main" type="twoObj" preserve="1">
   <p:cSld name="Title, 2 Content">
     <p:spTree>
       <p:nvGrpSpPr>
@@ -2073,7 +2282,8 @@
           </a:prstGeom>
         </p:spPr>
         <p:txBody>
-          <a:bodyPr lIns="0" rIns="0" tIns="0" bIns="0" anchor="ctr"/>
+          <a:bodyPr lIns="0" tIns="0" rIns="0" bIns="0" anchor="ctr"/>
+          <a:lstStyle/>
           <a:p>
             <a:endParaRPr/>
           </a:p>
@@ -2099,7 +2309,8 @@
           </a:prstGeom>
         </p:spPr>
         <p:txBody>
-          <a:bodyPr lIns="0" rIns="0" tIns="0" bIns="0"/>
+          <a:bodyPr lIns="0" tIns="0" rIns="0" bIns="0"/>
+          <a:lstStyle/>
           <a:p>
             <a:endParaRPr/>
           </a:p>
@@ -2125,7 +2336,8 @@
           </a:prstGeom>
         </p:spPr>
         <p:txBody>
-          <a:bodyPr lIns="0" rIns="0" tIns="0" bIns="0"/>
+          <a:bodyPr lIns="0" tIns="0" rIns="0" bIns="0"/>
+          <a:lstStyle/>
           <a:p>
             <a:endParaRPr/>
           </a:p>
@@ -2133,11 +2345,14 @@
       </p:sp>
     </p:spTree>
   </p:cSld>
+  <p:clrMapOvr>
+    <a:masterClrMapping/>
+  </p:clrMapOvr>
 </p:sldLayout>
 </file>
 
 <file path=ppt/slideLayouts/slideLayout5.xml><?xml version="1.0" encoding="utf-8"?>
-<p:sldLayout xmlns:a="http://schemas.openxmlformats.org/drawingml/2006/main" xmlns:p="http://schemas.openxmlformats.org/presentationml/2006/main" xmlns:r="http://schemas.openxmlformats.org/officeDocument/2006/relationships" type="titleOnly" preserve="1">
+<p:sldLayout xmlns:a="http://schemas.openxmlformats.org/drawingml/2006/main" xmlns:r="http://schemas.openxmlformats.org/officeDocument/2006/relationships" xmlns:p="http://schemas.openxmlformats.org/presentationml/2006/main" type="titleOnly" preserve="1">
   <p:cSld name="Title Only">
     <p:spTree>
       <p:nvGrpSpPr>
@@ -2173,7 +2388,8 @@
           </a:prstGeom>
         </p:spPr>
         <p:txBody>
-          <a:bodyPr lIns="0" rIns="0" tIns="0" bIns="0" anchor="ctr"/>
+          <a:bodyPr lIns="0" tIns="0" rIns="0" bIns="0" anchor="ctr"/>
+          <a:lstStyle/>
           <a:p>
             <a:endParaRPr/>
           </a:p>
@@ -2181,11 +2397,14 @@
       </p:sp>
     </p:spTree>
   </p:cSld>
+  <p:clrMapOvr>
+    <a:masterClrMapping/>
+  </p:clrMapOvr>
 </p:sldLayout>
 </file>
 
 <file path=ppt/slideLayouts/slideLayout6.xml><?xml version="1.0" encoding="utf-8"?>
-<p:sldLayout xmlns:a="http://schemas.openxmlformats.org/drawingml/2006/main" xmlns:p="http://schemas.openxmlformats.org/presentationml/2006/main" xmlns:r="http://schemas.openxmlformats.org/officeDocument/2006/relationships" type="objOnly" preserve="1">
+<p:sldLayout xmlns:a="http://schemas.openxmlformats.org/drawingml/2006/main" xmlns:r="http://schemas.openxmlformats.org/officeDocument/2006/relationships" xmlns:p="http://schemas.openxmlformats.org/presentationml/2006/main" type="objOnly" preserve="1">
   <p:cSld name="Centered Text">
     <p:spTree>
       <p:nvGrpSpPr>
@@ -2221,7 +2440,8 @@
           </a:prstGeom>
         </p:spPr>
         <p:txBody>
-          <a:bodyPr lIns="0" rIns="0" tIns="0" bIns="0" anchor="ctr"/>
+          <a:bodyPr lIns="0" tIns="0" rIns="0" bIns="0" anchor="ctr"/>
+          <a:lstStyle/>
           <a:p>
             <a:pPr algn="ctr"/>
             <a:endParaRPr/>
@@ -2230,11 +2450,14 @@
       </p:sp>
     </p:spTree>
   </p:cSld>
+  <p:clrMapOvr>
+    <a:masterClrMapping/>
+  </p:clrMapOvr>
 </p:sldLayout>
 </file>
 
 <file path=ppt/slideLayouts/slideLayout7.xml><?xml version="1.0" encoding="utf-8"?>
-<p:sldLayout xmlns:a="http://schemas.openxmlformats.org/drawingml/2006/main" xmlns:p="http://schemas.openxmlformats.org/presentationml/2006/main" xmlns:r="http://schemas.openxmlformats.org/officeDocument/2006/relationships" type="twoObjAndObj" preserve="1">
+<p:sldLayout xmlns:a="http://schemas.openxmlformats.org/drawingml/2006/main" xmlns:r="http://schemas.openxmlformats.org/officeDocument/2006/relationships" xmlns:p="http://schemas.openxmlformats.org/presentationml/2006/main" type="twoObjAndObj" preserve="1">
   <p:cSld name="Title, 2 Content and Content">
     <p:spTree>
       <p:nvGrpSpPr>
@@ -2270,7 +2493,8 @@
           </a:prstGeom>
         </p:spPr>
         <p:txBody>
-          <a:bodyPr lIns="0" rIns="0" tIns="0" bIns="0" anchor="ctr"/>
+          <a:bodyPr lIns="0" tIns="0" rIns="0" bIns="0" anchor="ctr"/>
+          <a:lstStyle/>
           <a:p>
             <a:endParaRPr/>
           </a:p>
@@ -2296,7 +2520,8 @@
           </a:prstGeom>
         </p:spPr>
         <p:txBody>
-          <a:bodyPr lIns="0" rIns="0" tIns="0" bIns="0"/>
+          <a:bodyPr lIns="0" tIns="0" rIns="0" bIns="0"/>
+          <a:lstStyle/>
           <a:p>
             <a:endParaRPr/>
           </a:p>
@@ -2322,7 +2547,8 @@
           </a:prstGeom>
         </p:spPr>
         <p:txBody>
-          <a:bodyPr lIns="0" rIns="0" tIns="0" bIns="0"/>
+          <a:bodyPr lIns="0" tIns="0" rIns="0" bIns="0"/>
+          <a:lstStyle/>
           <a:p>
             <a:endParaRPr/>
           </a:p>
@@ -2348,7 +2574,8 @@
           </a:prstGeom>
         </p:spPr>
         <p:txBody>
-          <a:bodyPr lIns="0" rIns="0" tIns="0" bIns="0"/>
+          <a:bodyPr lIns="0" tIns="0" rIns="0" bIns="0"/>
+          <a:lstStyle/>
           <a:p>
             <a:endParaRPr/>
           </a:p>
@@ -2356,11 +2583,14 @@
       </p:sp>
     </p:spTree>
   </p:cSld>
+  <p:clrMapOvr>
+    <a:masterClrMapping/>
+  </p:clrMapOvr>
 </p:sldLayout>
 </file>
 
 <file path=ppt/slideLayouts/slideLayout8.xml><?xml version="1.0" encoding="utf-8"?>
-<p:sldLayout xmlns:a="http://schemas.openxmlformats.org/drawingml/2006/main" xmlns:p="http://schemas.openxmlformats.org/presentationml/2006/main" xmlns:r="http://schemas.openxmlformats.org/officeDocument/2006/relationships" type="objAndTwoObj" preserve="1">
+<p:sldLayout xmlns:a="http://schemas.openxmlformats.org/drawingml/2006/main" xmlns:r="http://schemas.openxmlformats.org/officeDocument/2006/relationships" xmlns:p="http://schemas.openxmlformats.org/presentationml/2006/main" type="objAndTwoObj" preserve="1">
   <p:cSld name="Title Content and 2 Content">
     <p:spTree>
       <p:nvGrpSpPr>
@@ -2396,7 +2626,8 @@
           </a:prstGeom>
         </p:spPr>
         <p:txBody>
-          <a:bodyPr lIns="0" rIns="0" tIns="0" bIns="0" anchor="ctr"/>
+          <a:bodyPr lIns="0" tIns="0" rIns="0" bIns="0" anchor="ctr"/>
+          <a:lstStyle/>
           <a:p>
             <a:endParaRPr/>
           </a:p>
@@ -2422,7 +2653,8 @@
           </a:prstGeom>
         </p:spPr>
         <p:txBody>
-          <a:bodyPr lIns="0" rIns="0" tIns="0" bIns="0"/>
+          <a:bodyPr lIns="0" tIns="0" rIns="0" bIns="0"/>
+          <a:lstStyle/>
           <a:p>
             <a:endParaRPr/>
           </a:p>
@@ -2448,7 +2680,8 @@
           </a:prstGeom>
         </p:spPr>
         <p:txBody>
-          <a:bodyPr lIns="0" rIns="0" tIns="0" bIns="0"/>
+          <a:bodyPr lIns="0" tIns="0" rIns="0" bIns="0"/>
+          <a:lstStyle/>
           <a:p>
             <a:endParaRPr/>
           </a:p>
@@ -2474,7 +2707,8 @@
           </a:prstGeom>
         </p:spPr>
         <p:txBody>
-          <a:bodyPr lIns="0" rIns="0" tIns="0" bIns="0"/>
+          <a:bodyPr lIns="0" tIns="0" rIns="0" bIns="0"/>
+          <a:lstStyle/>
           <a:p>
             <a:endParaRPr/>
           </a:p>
@@ -2482,11 +2716,14 @@
       </p:sp>
     </p:spTree>
   </p:cSld>
+  <p:clrMapOvr>
+    <a:masterClrMapping/>
+  </p:clrMapOvr>
 </p:sldLayout>
 </file>
 
 <file path=ppt/slideLayouts/slideLayout9.xml><?xml version="1.0" encoding="utf-8"?>
-<p:sldLayout xmlns:a="http://schemas.openxmlformats.org/drawingml/2006/main" xmlns:p="http://schemas.openxmlformats.org/presentationml/2006/main" xmlns:r="http://schemas.openxmlformats.org/officeDocument/2006/relationships" type="twoObjOverTx" preserve="1">
+<p:sldLayout xmlns:a="http://schemas.openxmlformats.org/drawingml/2006/main" xmlns:r="http://schemas.openxmlformats.org/officeDocument/2006/relationships" xmlns:p="http://schemas.openxmlformats.org/presentationml/2006/main" type="twoObjOverTx" preserve="1">
   <p:cSld name="Title, 2 Content over Content">
     <p:spTree>
       <p:nvGrpSpPr>
@@ -2522,7 +2759,8 @@
           </a:prstGeom>
         </p:spPr>
         <p:txBody>
-          <a:bodyPr lIns="0" rIns="0" tIns="0" bIns="0" anchor="ctr"/>
+          <a:bodyPr lIns="0" tIns="0" rIns="0" bIns="0" anchor="ctr"/>
+          <a:lstStyle/>
           <a:p>
             <a:endParaRPr/>
           </a:p>
@@ -2548,7 +2786,8 @@
           </a:prstGeom>
         </p:spPr>
         <p:txBody>
-          <a:bodyPr lIns="0" rIns="0" tIns="0" bIns="0"/>
+          <a:bodyPr lIns="0" tIns="0" rIns="0" bIns="0"/>
+          <a:lstStyle/>
           <a:p>
             <a:endParaRPr/>
           </a:p>
@@ -2574,7 +2813,8 @@
           </a:prstGeom>
         </p:spPr>
         <p:txBody>
-          <a:bodyPr lIns="0" rIns="0" tIns="0" bIns="0"/>
+          <a:bodyPr lIns="0" tIns="0" rIns="0" bIns="0"/>
+          <a:lstStyle/>
           <a:p>
             <a:endParaRPr/>
           </a:p>
@@ -2600,7 +2840,8 @@
           </a:prstGeom>
         </p:spPr>
         <p:txBody>
-          <a:bodyPr lIns="0" rIns="0" tIns="0" bIns="0"/>
+          <a:bodyPr lIns="0" tIns="0" rIns="0" bIns="0"/>
+          <a:lstStyle/>
           <a:p>
             <a:endParaRPr/>
           </a:p>
@@ -2608,17 +2849,21 @@
       </p:sp>
     </p:spTree>
   </p:cSld>
+  <p:clrMapOvr>
+    <a:masterClrMapping/>
+  </p:clrMapOvr>
 </p:sldLayout>
 </file>
 
 <file path=ppt/slideMasters/slideMaster1.xml><?xml version="1.0" encoding="utf-8"?>
-<p:sldMaster xmlns:a="http://schemas.openxmlformats.org/drawingml/2006/main" xmlns:p="http://schemas.openxmlformats.org/presentationml/2006/main" xmlns:r="http://schemas.openxmlformats.org/officeDocument/2006/relationships">
+<p:sldMaster xmlns:a="http://schemas.openxmlformats.org/drawingml/2006/main" xmlns:r="http://schemas.openxmlformats.org/officeDocument/2006/relationships" xmlns:p="http://schemas.openxmlformats.org/presentationml/2006/main">
   <p:cSld>
     <p:bg>
       <p:bgPr>
         <a:solidFill>
-          <a:srgbClr val="ffffff"/>
+          <a:srgbClr val="FFFFFF"/>
         </a:solidFill>
+        <a:effectLst/>
       </p:bgPr>
     </p:bg>
     <p:spTree>
@@ -2637,7 +2882,7 @@
       </p:grpSpPr>
       <p:sp>
         <p:nvSpPr>
-          <p:cNvPr id="0" name="CustomShape 1"/>
+          <p:cNvPr id="26" name="CustomShape 1"/>
           <p:cNvSpPr/>
           <p:nvPr/>
         </p:nvSpPr>
@@ -2650,7 +2895,7 @@
             <a:avLst/>
           </a:prstGeom>
           <a:solidFill>
-            <a:srgbClr val="c0504d"/>
+            <a:srgbClr val="C0504D"/>
           </a:solidFill>
           <a:ln w="50760">
             <a:noFill/>
@@ -2659,7 +2904,7 @@
       </p:sp>
       <p:sp>
         <p:nvSpPr>
-          <p:cNvPr id="1" name="CustomShape 2"/>
+          <p:cNvPr id="27" name="CustomShape 2"/>
           <p:cNvSpPr/>
           <p:nvPr/>
         </p:nvSpPr>
@@ -2672,7 +2917,7 @@
             <a:avLst/>
           </a:prstGeom>
           <a:solidFill>
-            <a:srgbClr val="1f497d"/>
+            <a:srgbClr val="1F497D"/>
           </a:solidFill>
           <a:ln w="50760">
             <a:noFill/>
@@ -2694,7 +2939,7 @@
             <a:avLst/>
           </a:prstGeom>
           <a:solidFill>
-            <a:srgbClr val="c0504d"/>
+            <a:srgbClr val="C0504D"/>
           </a:solidFill>
           <a:ln w="50760">
             <a:noFill/>
@@ -2716,7 +2961,7 @@
             <a:avLst/>
           </a:prstGeom>
           <a:solidFill>
-            <a:srgbClr val="c0504d"/>
+            <a:srgbClr val="C0504D"/>
           </a:solidFill>
           <a:ln w="50760">
             <a:noFill/>
@@ -2738,7 +2983,7 @@
             <a:avLst/>
           </a:prstGeom>
           <a:solidFill>
-            <a:srgbClr val="c0504d"/>
+            <a:srgbClr val="C0504D"/>
           </a:solidFill>
           <a:ln w="50760">
             <a:noFill/>
@@ -2762,7 +3007,7 @@
             </a:avLst>
           </a:prstGeom>
           <a:solidFill>
-            <a:srgbClr val="ffffff"/>
+            <a:srgbClr val="FFFFFF"/>
           </a:solidFill>
           <a:ln w="50760">
             <a:noFill/>
@@ -2786,7 +3031,7 @@
             </a:avLst>
           </a:prstGeom>
           <a:solidFill>
-            <a:srgbClr val="ffffff"/>
+            <a:srgbClr val="FFFFFF"/>
           </a:solidFill>
           <a:ln w="50760">
             <a:noFill/>
@@ -2808,7 +3053,7 @@
             <a:avLst/>
           </a:prstGeom>
           <a:solidFill>
-            <a:srgbClr val="ffffff"/>
+            <a:srgbClr val="FFFFFF"/>
           </a:solidFill>
           <a:ln w="50760">
             <a:noFill/>
@@ -2830,7 +3075,7 @@
             <a:avLst/>
           </a:prstGeom>
           <a:solidFill>
-            <a:srgbClr val="ffffff"/>
+            <a:srgbClr val="FFFFFF"/>
           </a:solidFill>
           <a:ln w="50760">
             <a:noFill/>
@@ -2852,7 +3097,7 @@
             <a:avLst/>
           </a:prstGeom>
           <a:solidFill>
-            <a:srgbClr val="ffffff"/>
+            <a:srgbClr val="FFFFFF"/>
           </a:solidFill>
           <a:ln w="50760">
             <a:noFill/>
@@ -2874,7 +3119,7 @@
             <a:avLst/>
           </a:prstGeom>
           <a:solidFill>
-            <a:srgbClr val="ffffff"/>
+            <a:srgbClr val="FFFFFF"/>
           </a:solidFill>
           <a:ln w="50760">
             <a:noFill/>
@@ -2896,7 +3141,7 @@
             <a:avLst/>
           </a:prstGeom>
           <a:solidFill>
-            <a:srgbClr val="ffffff"/>
+            <a:srgbClr val="FFFFFF"/>
           </a:solidFill>
           <a:ln w="50760">
             <a:noFill/>
@@ -2918,7 +3163,7 @@
             <a:avLst/>
           </a:prstGeom>
           <a:solidFill>
-            <a:srgbClr val="ffffff"/>
+            <a:srgbClr val="FFFFFF"/>
           </a:solidFill>
           <a:ln w="50760">
             <a:noFill/>
@@ -2940,7 +3185,7 @@
             <a:avLst/>
           </a:prstGeom>
           <a:solidFill>
-            <a:srgbClr val="c0504d"/>
+            <a:srgbClr val="C0504D"/>
           </a:solidFill>
           <a:ln w="50760">
             <a:noFill/>
@@ -2962,7 +3207,7 @@
             <a:avLst/>
           </a:prstGeom>
           <a:solidFill>
-            <a:srgbClr val="c0504d"/>
+            <a:srgbClr val="C0504D"/>
           </a:solidFill>
           <a:ln w="50760">
             <a:noFill/>
@@ -2984,7 +3229,7 @@
             <a:avLst/>
           </a:prstGeom>
           <a:solidFill>
-            <a:srgbClr val="c0504d"/>
+            <a:srgbClr val="C0504D"/>
           </a:solidFill>
           <a:ln w="50760">
             <a:noFill/>
@@ -3006,7 +3251,7 @@
             <a:avLst/>
           </a:prstGeom>
           <a:solidFill>
-            <a:srgbClr val="c0504d"/>
+            <a:srgbClr val="C0504D"/>
           </a:solidFill>
           <a:ln w="50760">
             <a:noFill/>
@@ -3028,7 +3273,7 @@
             <a:avLst/>
           </a:prstGeom>
           <a:solidFill>
-            <a:srgbClr val="c0504d"/>
+            <a:srgbClr val="C0504D"/>
           </a:solidFill>
           <a:ln w="50760">
             <a:noFill/>
@@ -3052,7 +3297,7 @@
             </a:avLst>
           </a:prstGeom>
           <a:solidFill>
-            <a:srgbClr val="ffffff"/>
+            <a:srgbClr val="FFFFFF"/>
           </a:solidFill>
           <a:ln w="50760">
             <a:noFill/>
@@ -3076,7 +3321,7 @@
             </a:avLst>
           </a:prstGeom>
           <a:solidFill>
-            <a:srgbClr val="ffffff"/>
+            <a:srgbClr val="FFFFFF"/>
           </a:solidFill>
           <a:ln w="50760">
             <a:noFill/>
@@ -3098,7 +3343,7 @@
             <a:avLst/>
           </a:prstGeom>
           <a:solidFill>
-            <a:srgbClr val="c0504d"/>
+            <a:srgbClr val="C0504D"/>
           </a:solidFill>
           <a:ln w="50760">
             <a:noFill/>
@@ -3120,7 +3365,7 @@
             <a:avLst/>
           </a:prstGeom>
           <a:solidFill>
-            <a:srgbClr val="c0504d"/>
+            <a:srgbClr val="C0504D"/>
           </a:solidFill>
           <a:ln w="50760">
             <a:noFill/>
@@ -3142,7 +3387,7 @@
             <a:avLst/>
           </a:prstGeom>
           <a:solidFill>
-            <a:srgbClr val="c0504d"/>
+            <a:srgbClr val="C0504D"/>
           </a:solidFill>
           <a:ln w="50760">
             <a:noFill/>
@@ -3164,7 +3409,7 @@
             <a:avLst/>
           </a:prstGeom>
           <a:solidFill>
-            <a:srgbClr val="1f497d"/>
+            <a:srgbClr val="1F497D"/>
           </a:solidFill>
           <a:ln w="50760">
             <a:noFill/>
@@ -3191,7 +3436,8 @@
           </a:prstGeom>
         </p:spPr>
         <p:txBody>
-          <a:bodyPr lIns="0" rIns="0" tIns="0" bIns="0" anchor="ctr"/>
+          <a:bodyPr lIns="0" tIns="0" rIns="0" bIns="0" anchor="ctr"/>
+          <a:lstStyle/>
           <a:p>
             <a:r>
               <a:rPr lang="en-US" sz="4400">
@@ -3223,7 +3469,8 @@
           </a:prstGeom>
         </p:spPr>
         <p:txBody>
-          <a:bodyPr lIns="0" rIns="0" tIns="0" bIns="0"/>
+          <a:bodyPr lIns="0" tIns="0" rIns="0" bIns="0"/>
+          <a:lstStyle/>
           <a:p>
             <a:pPr>
               <a:buSzPct val="45000"/>
@@ -3326,32 +3573,38 @@
       </p:sp>
     </p:spTree>
   </p:cSld>
-  <p:clrMap bg1="lt1" bg2="lt2" tx1="dk1" tx2="dk2" accent1="accent1" accent2="accent2" accent3="accent3" accent4="accent4" accent5="accent5" accent6="accent6" hlink="hlink" folHlink="folHlink"/>
+  <p:clrMap bg1="lt1" tx1="dk1" bg2="lt2" tx2="dk2" accent1="accent1" accent2="accent2" accent3="accent3" accent4="accent4" accent5="accent5" accent6="accent6" hlink="hlink" folHlink="folHlink"/>
   <p:sldLayoutIdLst>
-    <p:sldLayoutId id="2147483649" r:id="rId2"/>
-    <p:sldLayoutId id="2147483650" r:id="rId3"/>
-    <p:sldLayoutId id="2147483651" r:id="rId4"/>
-    <p:sldLayoutId id="2147483652" r:id="rId5"/>
-    <p:sldLayoutId id="2147483653" r:id="rId6"/>
-    <p:sldLayoutId id="2147483654" r:id="rId7"/>
-    <p:sldLayoutId id="2147483655" r:id="rId8"/>
-    <p:sldLayoutId id="2147483656" r:id="rId9"/>
-    <p:sldLayoutId id="2147483657" r:id="rId10"/>
-    <p:sldLayoutId id="2147483658" r:id="rId11"/>
-    <p:sldLayoutId id="2147483659" r:id="rId12"/>
-    <p:sldLayoutId id="2147483660" r:id="rId13"/>
+    <p:sldLayoutId id="2147483649" r:id="rId1"/>
+    <p:sldLayoutId id="2147483650" r:id="rId2"/>
+    <p:sldLayoutId id="2147483651" r:id="rId3"/>
+    <p:sldLayoutId id="2147483652" r:id="rId4"/>
+    <p:sldLayoutId id="2147483653" r:id="rId5"/>
+    <p:sldLayoutId id="2147483654" r:id="rId6"/>
+    <p:sldLayoutId id="2147483655" r:id="rId7"/>
+    <p:sldLayoutId id="2147483656" r:id="rId8"/>
+    <p:sldLayoutId id="2147483657" r:id="rId9"/>
+    <p:sldLayoutId id="2147483658" r:id="rId10"/>
+    <p:sldLayoutId id="2147483659" r:id="rId11"/>
+    <p:sldLayoutId id="2147483660" r:id="rId12"/>
   </p:sldLayoutIdLst>
+  <p:txStyles>
+    <p:titleStyle/>
+    <p:bodyStyle/>
+    <p:otherStyle/>
+  </p:txStyles>
 </p:sldMaster>
 </file>
 
 <file path=ppt/slideMasters/slideMaster2.xml><?xml version="1.0" encoding="utf-8"?>
-<p:sldMaster xmlns:a="http://schemas.openxmlformats.org/drawingml/2006/main" xmlns:p="http://schemas.openxmlformats.org/presentationml/2006/main" xmlns:r="http://schemas.openxmlformats.org/officeDocument/2006/relationships">
+<p:sldMaster xmlns:a="http://schemas.openxmlformats.org/drawingml/2006/main" xmlns:r="http://schemas.openxmlformats.org/officeDocument/2006/relationships" xmlns:p="http://schemas.openxmlformats.org/presentationml/2006/main">
   <p:cSld>
     <p:bg>
       <p:bgPr>
         <a:solidFill>
-          <a:srgbClr val="ffffff"/>
+          <a:srgbClr val="FFFFFF"/>
         </a:solidFill>
+        <a:effectLst/>
       </p:bgPr>
     </p:bg>
     <p:spTree>
@@ -3383,7 +3636,7 @@
             <a:avLst/>
           </a:prstGeom>
           <a:solidFill>
-            <a:srgbClr val="c0504d"/>
+            <a:srgbClr val="C0504D"/>
           </a:solidFill>
           <a:ln w="50760">
             <a:noFill/>
@@ -3405,7 +3658,7 @@
             <a:avLst/>
           </a:prstGeom>
           <a:solidFill>
-            <a:srgbClr val="1f497d"/>
+            <a:srgbClr val="1F497D"/>
           </a:solidFill>
           <a:ln w="50760">
             <a:noFill/>
@@ -3427,7 +3680,7 @@
             <a:avLst/>
           </a:prstGeom>
           <a:solidFill>
-            <a:srgbClr val="c0504d"/>
+            <a:srgbClr val="C0504D"/>
           </a:solidFill>
           <a:ln w="50760">
             <a:noFill/>
@@ -3449,7 +3702,7 @@
             <a:avLst/>
           </a:prstGeom>
           <a:solidFill>
-            <a:srgbClr val="c0504d"/>
+            <a:srgbClr val="C0504D"/>
           </a:solidFill>
           <a:ln w="50760">
             <a:noFill/>
@@ -3471,7 +3724,7 @@
             <a:avLst/>
           </a:prstGeom>
           <a:solidFill>
-            <a:srgbClr val="c0504d"/>
+            <a:srgbClr val="C0504D"/>
           </a:solidFill>
           <a:ln w="50760">
             <a:noFill/>
@@ -3495,7 +3748,7 @@
             </a:avLst>
           </a:prstGeom>
           <a:solidFill>
-            <a:srgbClr val="ffffff"/>
+            <a:srgbClr val="FFFFFF"/>
           </a:solidFill>
           <a:ln w="50760">
             <a:noFill/>
@@ -3519,7 +3772,7 @@
             </a:avLst>
           </a:prstGeom>
           <a:solidFill>
-            <a:srgbClr val="ffffff"/>
+            <a:srgbClr val="FFFFFF"/>
           </a:solidFill>
           <a:ln w="50760">
             <a:noFill/>
@@ -3541,7 +3794,7 @@
             <a:avLst/>
           </a:prstGeom>
           <a:solidFill>
-            <a:srgbClr val="ffffff"/>
+            <a:srgbClr val="FFFFFF"/>
           </a:solidFill>
           <a:ln w="50760">
             <a:noFill/>
@@ -3563,7 +3816,7 @@
             <a:avLst/>
           </a:prstGeom>
           <a:solidFill>
-            <a:srgbClr val="ffffff"/>
+            <a:srgbClr val="FFFFFF"/>
           </a:solidFill>
           <a:ln w="50760">
             <a:noFill/>
@@ -3585,7 +3838,7 @@
             <a:avLst/>
           </a:prstGeom>
           <a:solidFill>
-            <a:srgbClr val="ffffff"/>
+            <a:srgbClr val="FFFFFF"/>
           </a:solidFill>
           <a:ln w="50760">
             <a:noFill/>
@@ -3607,7 +3860,7 @@
             <a:avLst/>
           </a:prstGeom>
           <a:solidFill>
-            <a:srgbClr val="ffffff"/>
+            <a:srgbClr val="FFFFFF"/>
           </a:solidFill>
           <a:ln w="50760">
             <a:noFill/>
@@ -3629,7 +3882,7 @@
             <a:avLst/>
           </a:prstGeom>
           <a:solidFill>
-            <a:srgbClr val="ffffff"/>
+            <a:srgbClr val="FFFFFF"/>
           </a:solidFill>
           <a:ln w="50760">
             <a:noFill/>
@@ -3651,7 +3904,7 @@
             <a:avLst/>
           </a:prstGeom>
           <a:solidFill>
-            <a:srgbClr val="ffffff"/>
+            <a:srgbClr val="FFFFFF"/>
           </a:solidFill>
           <a:ln w="50760">
             <a:noFill/>
@@ -3678,7 +3931,8 @@
           </a:prstGeom>
         </p:spPr>
         <p:txBody>
-          <a:bodyPr lIns="0" rIns="0" tIns="0" bIns="0" anchor="ctr"/>
+          <a:bodyPr lIns="0" tIns="0" rIns="0" bIns="0" anchor="ctr"/>
+          <a:lstStyle/>
           <a:p>
             <a:r>
               <a:rPr lang="en-US">
@@ -3710,7 +3964,8 @@
           </a:prstGeom>
         </p:spPr>
         <p:txBody>
-          <a:bodyPr lIns="0" rIns="0" tIns="0" bIns="0"/>
+          <a:bodyPr lIns="0" tIns="0" rIns="0" bIns="0"/>
+          <a:lstStyle/>
           <a:p>
             <a:pPr>
               <a:buSzPct val="45000"/>
@@ -3813,26 +4068,31 @@
       </p:sp>
     </p:spTree>
   </p:cSld>
-  <p:clrMap bg1="lt1" bg2="lt2" tx1="dk1" tx2="dk2" accent1="accent1" accent2="accent2" accent3="accent3" accent4="accent4" accent5="accent5" accent6="accent6" hlink="hlink" folHlink="folHlink"/>
+  <p:clrMap bg1="lt1" tx1="dk1" bg2="lt2" tx2="dk2" accent1="accent1" accent2="accent2" accent3="accent3" accent4="accent4" accent5="accent5" accent6="accent6" hlink="hlink" folHlink="folHlink"/>
   <p:sldLayoutIdLst>
-    <p:sldLayoutId id="2147483662" r:id="rId2"/>
-    <p:sldLayoutId id="2147483663" r:id="rId3"/>
-    <p:sldLayoutId id="2147483664" r:id="rId4"/>
-    <p:sldLayoutId id="2147483665" r:id="rId5"/>
-    <p:sldLayoutId id="2147483666" r:id="rId6"/>
-    <p:sldLayoutId id="2147483667" r:id="rId7"/>
-    <p:sldLayoutId id="2147483668" r:id="rId8"/>
-    <p:sldLayoutId id="2147483669" r:id="rId9"/>
-    <p:sldLayoutId id="2147483670" r:id="rId10"/>
-    <p:sldLayoutId id="2147483671" r:id="rId11"/>
-    <p:sldLayoutId id="2147483672" r:id="rId12"/>
-    <p:sldLayoutId id="2147483673" r:id="rId13"/>
+    <p:sldLayoutId id="2147483662" r:id="rId1"/>
+    <p:sldLayoutId id="2147483663" r:id="rId2"/>
+    <p:sldLayoutId id="2147483664" r:id="rId3"/>
+    <p:sldLayoutId id="2147483665" r:id="rId4"/>
+    <p:sldLayoutId id="2147483666" r:id="rId5"/>
+    <p:sldLayoutId id="2147483667" r:id="rId6"/>
+    <p:sldLayoutId id="2147483668" r:id="rId7"/>
+    <p:sldLayoutId id="2147483669" r:id="rId8"/>
+    <p:sldLayoutId id="2147483670" r:id="rId9"/>
+    <p:sldLayoutId id="2147483671" r:id="rId10"/>
+    <p:sldLayoutId id="2147483672" r:id="rId11"/>
+    <p:sldLayoutId id="2147483673" r:id="rId12"/>
   </p:sldLayoutIdLst>
+  <p:txStyles>
+    <p:titleStyle/>
+    <p:bodyStyle/>
+    <p:otherStyle/>
+  </p:txStyles>
 </p:sldMaster>
 </file>
 
 <file path=ppt/slides/slide1.xml><?xml version="1.0" encoding="utf-8"?>
-<p:sld xmlns:a="http://schemas.openxmlformats.org/drawingml/2006/main" xmlns:p="http://schemas.openxmlformats.org/presentationml/2006/main" xmlns:r="http://schemas.openxmlformats.org/officeDocument/2006/relationships">
+<p:sld xmlns:a="http://schemas.openxmlformats.org/drawingml/2006/main" xmlns:r="http://schemas.openxmlformats.org/officeDocument/2006/relationships" xmlns:p="http://schemas.openxmlformats.org/presentationml/2006/main">
   <p:cSld>
     <p:spTree>
       <p:nvGrpSpPr>
@@ -3868,12 +4128,13 @@
           </a:ln>
         </p:spPr>
         <p:txBody>
-          <a:bodyPr lIns="90000" rIns="90000" tIns="45000" bIns="45000" anchor="b"/>
+          <a:bodyPr lIns="90000" tIns="45000" rIns="90000" bIns="45000" anchor="b"/>
+          <a:lstStyle/>
           <a:p>
             <a:r>
               <a:rPr lang="en-US" sz="4400">
                 <a:solidFill>
-                  <a:srgbClr val="ffffff"/>
+                  <a:srgbClr val="FFFFFF"/>
                 </a:solidFill>
                 <a:latin typeface="Trebuchet MS"/>
                 <a:ea typeface="DejaVu Sans"/>
@@ -3891,7 +4152,7 @@
             <a:r>
               <a:rPr lang="en-US" sz="4400">
                 <a:solidFill>
-                  <a:srgbClr val="ffffff"/>
+                  <a:srgbClr val="FFFFFF"/>
                 </a:solidFill>
                 <a:latin typeface="Trebuchet MS"/>
                 <a:ea typeface="DejaVu Sans"/>
@@ -3922,7 +4183,8 @@
           </a:ln>
         </p:spPr>
         <p:txBody>
-          <a:bodyPr lIns="90000" rIns="90000" tIns="45000" bIns="45000"/>
+          <a:bodyPr lIns="90000" tIns="45000" rIns="90000" bIns="45000"/>
+          <a:lstStyle/>
           <a:p>
             <a:pPr>
               <a:lnSpc>
@@ -3945,6 +4207,9 @@
       </p:sp>
     </p:spTree>
   </p:cSld>
+  <p:clrMapOvr>
+    <a:masterClrMapping/>
+  </p:clrMapOvr>
   <p:timing>
     <p:tnLst>
       <p:par>
@@ -3953,14 +4218,14 @@
             <p:seq>
               <p:cTn id="2" nodeType="mainSeq"/>
               <p:prevCondLst>
-                <p:cond delay="0" evt="onPrev">
+                <p:cond evt="onPrev" delay="0">
                   <p:tgtEl>
                     <p:sldTgt/>
                   </p:tgtEl>
                 </p:cond>
               </p:prevCondLst>
               <p:nextCondLst>
-                <p:cond delay="0" evt="onNext">
+                <p:cond evt="onNext" delay="0">
                   <p:tgtEl>
                     <p:sldTgt/>
                   </p:tgtEl>
@@ -3976,7 +4241,7 @@
 </file>
 
 <file path=ppt/slides/slide10.xml><?xml version="1.0" encoding="utf-8"?>
-<p:sld xmlns:a="http://schemas.openxmlformats.org/drawingml/2006/main" xmlns:p="http://schemas.openxmlformats.org/presentationml/2006/main" xmlns:r="http://schemas.openxmlformats.org/officeDocument/2006/relationships">
+<p:sld xmlns:a="http://schemas.openxmlformats.org/drawingml/2006/main" xmlns:r="http://schemas.openxmlformats.org/officeDocument/2006/relationships" xmlns:p="http://schemas.openxmlformats.org/presentationml/2006/main">
   <p:cSld>
     <p:spTree>
       <p:nvGrpSpPr>
@@ -3994,7 +4259,7 @@
       </p:grpSpPr>
       <p:sp>
         <p:nvSpPr>
-          <p:cNvPr id="133" name="CustomShape 1"/>
+          <p:cNvPr id="143" name="CustomShape 1"/>
           <p:cNvSpPr/>
           <p:nvPr/>
         </p:nvSpPr>
@@ -4012,7 +4277,8 @@
           </a:ln>
         </p:spPr>
         <p:txBody>
-          <a:bodyPr lIns="90000" rIns="90000" tIns="45000" bIns="45000" anchor="ctr"/>
+          <a:bodyPr lIns="0" tIns="0" rIns="0" bIns="0" anchor="ctr"/>
+          <a:lstStyle/>
           <a:p>
             <a:pPr>
               <a:lnSpc>
@@ -4027,7 +4293,49 @@
                 <a:latin typeface="Trebuchet MS"/>
                 <a:ea typeface="DejaVu Sans"/>
               </a:rPr>
-              <a:t>Test attack 1 failure</a:t>
+              <a:t>RSA- Verifying with openssl</a:t>
+            </a:r>
+            <a:endParaRPr/>
+          </a:p>
+        </p:txBody>
+      </p:sp>
+      <p:sp>
+        <p:nvSpPr>
+          <p:cNvPr id="144" name="CustomShape 2"/>
+          <p:cNvSpPr/>
+          <p:nvPr/>
+        </p:nvSpPr>
+        <p:spPr>
+          <a:xfrm>
+            <a:off x="457200" y="2224080"/>
+            <a:ext cx="6942960" cy="364680"/>
+          </a:xfrm>
+          <a:prstGeom prst="rect">
+            <a:avLst/>
+          </a:prstGeom>
+          <a:noFill/>
+          <a:ln>
+            <a:noFill/>
+          </a:ln>
+        </p:spPr>
+        <p:txBody>
+          <a:bodyPr lIns="90000" tIns="45000" rIns="90000" bIns="45000"/>
+          <a:lstStyle/>
+          <a:p>
+            <a:pPr>
+              <a:lnSpc>
+                <a:spcPct val="100000"/>
+              </a:lnSpc>
+            </a:pPr>
+            <a:r>
+              <a:rPr lang="en-US">
+                <a:solidFill>
+                  <a:srgbClr val="000000"/>
+                </a:solidFill>
+                <a:latin typeface="Arial"/>
+                <a:ea typeface="DejaVu Sans"/>
+              </a:rPr>
+              <a:t>Below, we also show the generated cipher text.</a:t>
             </a:r>
             <a:endParaRPr/>
           </a:p>
@@ -4035,20 +4343,20 @@
       </p:sp>
       <p:pic>
         <p:nvPicPr>
-          <p:cNvPr id="134" name="Picture 2" descr=""/>
+          <p:cNvPr id="145" name="Picture 3"/>
           <p:cNvPicPr/>
           <p:nvPr/>
         </p:nvPicPr>
         <p:blipFill>
-          <a:blip r:embed="rId1"/>
+          <a:blip r:embed="rId2"/>
           <a:stretch>
             <a:fillRect/>
           </a:stretch>
         </p:blipFill>
         <p:spPr>
           <a:xfrm>
-            <a:off x="980640" y="2406240"/>
-            <a:ext cx="7182000" cy="4010040"/>
+            <a:off x="457200" y="3184920"/>
+            <a:ext cx="8428320" cy="2093760"/>
           </a:xfrm>
           <a:prstGeom prst="rect">
             <a:avLst/>
@@ -4060,22 +4368,25 @@
       </p:pic>
     </p:spTree>
   </p:cSld>
+  <p:clrMapOvr>
+    <a:masterClrMapping/>
+  </p:clrMapOvr>
   <p:timing>
     <p:tnLst>
       <p:par>
-        <p:cTn id="19" dur="indefinite" restart="never" nodeType="tmRoot">
+        <p:cTn id="1" dur="indefinite" restart="never" nodeType="tmRoot">
           <p:childTnLst>
             <p:seq>
-              <p:cTn id="20" nodeType="mainSeq"/>
+              <p:cTn id="2" nodeType="mainSeq"/>
               <p:prevCondLst>
-                <p:cond delay="0" evt="onPrev">
+                <p:cond evt="onPrev" delay="0">
                   <p:tgtEl>
                     <p:sldTgt/>
                   </p:tgtEl>
                 </p:cond>
               </p:prevCondLst>
               <p:nextCondLst>
-                <p:cond delay="0" evt="onNext">
+                <p:cond evt="onNext" delay="0">
                   <p:tgtEl>
                     <p:sldTgt/>
                   </p:tgtEl>
@@ -4091,7 +4402,7 @@
 </file>
 
 <file path=ppt/slides/slide11.xml><?xml version="1.0" encoding="utf-8"?>
-<p:sld xmlns:a="http://schemas.openxmlformats.org/drawingml/2006/main" xmlns:p="http://schemas.openxmlformats.org/presentationml/2006/main" xmlns:r="http://schemas.openxmlformats.org/officeDocument/2006/relationships">
+<p:sld xmlns:a="http://schemas.openxmlformats.org/drawingml/2006/main" xmlns:r="http://schemas.openxmlformats.org/officeDocument/2006/relationships" xmlns:p="http://schemas.openxmlformats.org/presentationml/2006/main">
   <p:cSld>
     <p:spTree>
       <p:nvGrpSpPr>
@@ -4109,7 +4420,7 @@
       </p:grpSpPr>
       <p:sp>
         <p:nvSpPr>
-          <p:cNvPr id="135" name="CustomShape 1"/>
+          <p:cNvPr id="146" name="CustomShape 1"/>
           <p:cNvSpPr/>
           <p:nvPr/>
         </p:nvSpPr>
@@ -4127,7 +4438,8 @@
           </a:ln>
         </p:spPr>
         <p:txBody>
-          <a:bodyPr lIns="90000" rIns="90000" tIns="45000" bIns="45000" anchor="ctr"/>
+          <a:bodyPr lIns="0" tIns="0" rIns="0" bIns="0" anchor="ctr"/>
+          <a:lstStyle/>
           <a:p>
             <a:pPr>
               <a:lnSpc>
@@ -4142,7 +4454,49 @@
                 <a:latin typeface="Trebuchet MS"/>
                 <a:ea typeface="DejaVu Sans"/>
               </a:rPr>
-              <a:t>Test attack 1 success</a:t>
+              <a:t>RSA- Verifying with openssl</a:t>
+            </a:r>
+            <a:endParaRPr/>
+          </a:p>
+        </p:txBody>
+      </p:sp>
+      <p:sp>
+        <p:nvSpPr>
+          <p:cNvPr id="147" name="CustomShape 2"/>
+          <p:cNvSpPr/>
+          <p:nvPr/>
+        </p:nvSpPr>
+        <p:spPr>
+          <a:xfrm>
+            <a:off x="457200" y="2224080"/>
+            <a:ext cx="6942960" cy="639000"/>
+          </a:xfrm>
+          <a:prstGeom prst="rect">
+            <a:avLst/>
+          </a:prstGeom>
+          <a:noFill/>
+          <a:ln>
+            <a:noFill/>
+          </a:ln>
+        </p:spPr>
+        <p:txBody>
+          <a:bodyPr lIns="90000" tIns="45000" rIns="90000" bIns="45000"/>
+          <a:lstStyle/>
+          <a:p>
+            <a:pPr>
+              <a:lnSpc>
+                <a:spcPct val="100000"/>
+              </a:lnSpc>
+            </a:pPr>
+            <a:r>
+              <a:rPr lang="en-US">
+                <a:solidFill>
+                  <a:srgbClr val="000000"/>
+                </a:solidFill>
+                <a:latin typeface="Arial"/>
+                <a:ea typeface="DejaVu Sans"/>
+              </a:rPr>
+              <a:t>Next, we extracted the generated p and q and e from the private key.</a:t>
             </a:r>
             <a:endParaRPr/>
           </a:p>
@@ -4150,20 +4504,20 @@
       </p:sp>
       <p:pic>
         <p:nvPicPr>
-          <p:cNvPr id="136" name="Picture 2" descr=""/>
+          <p:cNvPr id="148" name="Picture 2"/>
           <p:cNvPicPr/>
           <p:nvPr/>
         </p:nvPicPr>
         <p:blipFill>
-          <a:blip r:embed="rId1"/>
+          <a:blip r:embed="rId2"/>
           <a:stretch>
             <a:fillRect/>
           </a:stretch>
         </p:blipFill>
         <p:spPr>
           <a:xfrm>
-            <a:off x="990000" y="2415960"/>
-            <a:ext cx="7162920" cy="3990960"/>
+            <a:off x="1042920" y="3016440"/>
+            <a:ext cx="5771880" cy="3409560"/>
           </a:xfrm>
           <a:prstGeom prst="rect">
             <a:avLst/>
@@ -4175,22 +4529,25 @@
       </p:pic>
     </p:spTree>
   </p:cSld>
+  <p:clrMapOvr>
+    <a:masterClrMapping/>
+  </p:clrMapOvr>
   <p:timing>
     <p:tnLst>
       <p:par>
-        <p:cTn id="21" dur="indefinite" restart="never" nodeType="tmRoot">
+        <p:cTn id="1" dur="indefinite" restart="never" nodeType="tmRoot">
           <p:childTnLst>
             <p:seq>
-              <p:cTn id="22" nodeType="mainSeq"/>
+              <p:cTn id="2" nodeType="mainSeq"/>
               <p:prevCondLst>
-                <p:cond delay="0" evt="onPrev">
+                <p:cond evt="onPrev" delay="0">
                   <p:tgtEl>
                     <p:sldTgt/>
                   </p:tgtEl>
                 </p:cond>
               </p:prevCondLst>
               <p:nextCondLst>
-                <p:cond delay="0" evt="onNext">
+                <p:cond evt="onNext" delay="0">
                   <p:tgtEl>
                     <p:sldTgt/>
                   </p:tgtEl>
@@ -4206,7 +4563,7 @@
 </file>
 
 <file path=ppt/slides/slide12.xml><?xml version="1.0" encoding="utf-8"?>
-<p:sld xmlns:a="http://schemas.openxmlformats.org/drawingml/2006/main" xmlns:p="http://schemas.openxmlformats.org/presentationml/2006/main" xmlns:r="http://schemas.openxmlformats.org/officeDocument/2006/relationships">
+<p:sld xmlns:a="http://schemas.openxmlformats.org/drawingml/2006/main" xmlns:r="http://schemas.openxmlformats.org/officeDocument/2006/relationships" xmlns:p="http://schemas.openxmlformats.org/presentationml/2006/main">
   <p:cSld>
     <p:spTree>
       <p:nvGrpSpPr>
@@ -4224,7 +4581,7 @@
       </p:grpSpPr>
       <p:sp>
         <p:nvSpPr>
-          <p:cNvPr id="137" name="CustomShape 1"/>
+          <p:cNvPr id="149" name="CustomShape 1"/>
           <p:cNvSpPr/>
           <p:nvPr/>
         </p:nvSpPr>
@@ -4242,7 +4599,8 @@
           </a:ln>
         </p:spPr>
         <p:txBody>
-          <a:bodyPr lIns="0" rIns="0" tIns="0" bIns="0" anchor="ctr"/>
+          <a:bodyPr lIns="0" tIns="0" rIns="0" bIns="0" anchor="ctr"/>
+          <a:lstStyle/>
           <a:p>
             <a:pPr>
               <a:lnSpc>
@@ -4257,7 +4615,49 @@
                 <a:latin typeface="Trebuchet MS"/>
                 <a:ea typeface="DejaVu Sans"/>
               </a:rPr>
-              <a:t>RSA- Generating Primes and Keys</a:t>
+              <a:t>RSA- Verifying with openssl</a:t>
+            </a:r>
+            <a:endParaRPr/>
+          </a:p>
+        </p:txBody>
+      </p:sp>
+      <p:sp>
+        <p:nvSpPr>
+          <p:cNvPr id="150" name="CustomShape 2"/>
+          <p:cNvSpPr/>
+          <p:nvPr/>
+        </p:nvSpPr>
+        <p:spPr>
+          <a:xfrm>
+            <a:off x="457200" y="2224080"/>
+            <a:ext cx="6942960" cy="639000"/>
+          </a:xfrm>
+          <a:prstGeom prst="rect">
+            <a:avLst/>
+          </a:prstGeom>
+          <a:noFill/>
+          <a:ln>
+            <a:noFill/>
+          </a:ln>
+        </p:spPr>
+        <p:txBody>
+          <a:bodyPr lIns="90000" tIns="45000" rIns="90000" bIns="45000"/>
+          <a:lstStyle/>
+          <a:p>
+            <a:pPr>
+              <a:lnSpc>
+                <a:spcPct val="100000"/>
+              </a:lnSpc>
+            </a:pPr>
+            <a:r>
+              <a:rPr lang="en-US">
+                <a:solidFill>
+                  <a:srgbClr val="000000"/>
+                </a:solidFill>
+                <a:latin typeface="Arial"/>
+                <a:ea typeface="DejaVu Sans"/>
+              </a:rPr>
+              <a:t>After this, we generated a our key file from these primes and encrypted the message with munchkincrypt.</a:t>
             </a:r>
             <a:endParaRPr/>
           </a:p>
@@ -4265,20 +4665,20 @@
       </p:sp>
       <p:pic>
         <p:nvPicPr>
-          <p:cNvPr id="138" name="" descr=""/>
+          <p:cNvPr id="151" name="Picture 3"/>
           <p:cNvPicPr/>
           <p:nvPr/>
         </p:nvPicPr>
         <p:blipFill>
-          <a:blip r:embed="rId1"/>
+          <a:blip r:embed="rId2"/>
           <a:stretch>
             <a:fillRect/>
           </a:stretch>
         </p:blipFill>
         <p:spPr>
           <a:xfrm>
-            <a:off x="741600" y="2436480"/>
-            <a:ext cx="6573600" cy="3781440"/>
+            <a:off x="739080" y="3234960"/>
+            <a:ext cx="6933960" cy="2923920"/>
           </a:xfrm>
           <a:prstGeom prst="rect">
             <a:avLst/>
@@ -4290,22 +4690,25 @@
       </p:pic>
     </p:spTree>
   </p:cSld>
+  <p:clrMapOvr>
+    <a:masterClrMapping/>
+  </p:clrMapOvr>
   <p:timing>
     <p:tnLst>
       <p:par>
-        <p:cTn id="23" dur="indefinite" restart="never" nodeType="tmRoot">
+        <p:cTn id="1" dur="indefinite" restart="never" nodeType="tmRoot">
           <p:childTnLst>
             <p:seq>
-              <p:cTn id="24" nodeType="mainSeq"/>
+              <p:cTn id="2" nodeType="mainSeq"/>
               <p:prevCondLst>
-                <p:cond delay="0" evt="onPrev">
+                <p:cond evt="onPrev" delay="0">
                   <p:tgtEl>
                     <p:sldTgt/>
                   </p:tgtEl>
                 </p:cond>
               </p:prevCondLst>
               <p:nextCondLst>
-                <p:cond delay="0" evt="onNext">
+                <p:cond evt="onNext" delay="0">
                   <p:tgtEl>
                     <p:sldTgt/>
                   </p:tgtEl>
@@ -4321,7 +4724,7 @@
 </file>
 
 <file path=ppt/slides/slide13.xml><?xml version="1.0" encoding="utf-8"?>
-<p:sld xmlns:a="http://schemas.openxmlformats.org/drawingml/2006/main" xmlns:p="http://schemas.openxmlformats.org/presentationml/2006/main" xmlns:r="http://schemas.openxmlformats.org/officeDocument/2006/relationships">
+<p:sld xmlns:a="http://schemas.openxmlformats.org/drawingml/2006/main" xmlns:r="http://schemas.openxmlformats.org/officeDocument/2006/relationships" xmlns:p="http://schemas.openxmlformats.org/presentationml/2006/main">
   <p:cSld>
     <p:spTree>
       <p:nvGrpSpPr>
@@ -4339,7 +4742,7 @@
       </p:grpSpPr>
       <p:sp>
         <p:nvSpPr>
-          <p:cNvPr id="139" name="CustomShape 1"/>
+          <p:cNvPr id="152" name="CustomShape 1"/>
           <p:cNvSpPr/>
           <p:nvPr/>
         </p:nvSpPr>
@@ -4357,7 +4760,8 @@
           </a:ln>
         </p:spPr>
         <p:txBody>
-          <a:bodyPr lIns="0" rIns="0" tIns="0" bIns="0" anchor="ctr"/>
+          <a:bodyPr lIns="0" tIns="0" rIns="0" bIns="0" anchor="ctr"/>
+          <a:lstStyle/>
           <a:p>
             <a:pPr>
               <a:lnSpc>
@@ -4372,30 +4776,168 @@
                 <a:latin typeface="Trebuchet MS"/>
                 <a:ea typeface="DejaVu Sans"/>
               </a:rPr>
-              <a:t>RSA- Encryption and Decryption</a:t>
-            </a:r>
-            <a:endParaRPr/>
-          </a:p>
-        </p:txBody>
-      </p:sp>
+              <a:t>RSA- Verifying with openssl</a:t>
+            </a:r>
+            <a:endParaRPr/>
+          </a:p>
+        </p:txBody>
+      </p:sp>
+      <p:sp>
+        <p:nvSpPr>
+          <p:cNvPr id="153" name="CustomShape 2"/>
+          <p:cNvSpPr/>
+          <p:nvPr/>
+        </p:nvSpPr>
+        <p:spPr>
+          <a:xfrm>
+            <a:off x="457200" y="2224080"/>
+            <a:ext cx="6942960" cy="364680"/>
+          </a:xfrm>
+          <a:prstGeom prst="rect">
+            <a:avLst/>
+          </a:prstGeom>
+          <a:noFill/>
+          <a:ln>
+            <a:noFill/>
+          </a:ln>
+        </p:spPr>
+        <p:txBody>
+          <a:bodyPr lIns="90000" tIns="45000" rIns="90000" bIns="45000"/>
+          <a:lstStyle/>
+          <a:p>
+            <a:pPr>
+              <a:lnSpc>
+                <a:spcPct val="100000"/>
+              </a:lnSpc>
+            </a:pPr>
+            <a:r>
+              <a:rPr lang="en-US">
+                <a:solidFill>
+                  <a:srgbClr val="000000"/>
+                </a:solidFill>
+                <a:latin typeface="Arial"/>
+                <a:ea typeface="DejaVu Sans"/>
+              </a:rPr>
+              <a:t>We show our cipher text</a:t>
+            </a:r>
+            <a:endParaRPr/>
+          </a:p>
+        </p:txBody>
+      </p:sp>
+      <p:pic>
+        <p:nvPicPr>
+          <p:cNvPr id="154" name="Picture 2"/>
+          <p:cNvPicPr/>
+          <p:nvPr/>
+        </p:nvPicPr>
+        <p:blipFill>
+          <a:blip r:embed="rId2"/>
+          <a:stretch>
+            <a:fillRect/>
+          </a:stretch>
+        </p:blipFill>
+        <p:spPr>
+          <a:xfrm>
+            <a:off x="457200" y="2742840"/>
+            <a:ext cx="4800240" cy="933120"/>
+          </a:xfrm>
+          <a:prstGeom prst="rect">
+            <a:avLst/>
+          </a:prstGeom>
+          <a:ln>
+            <a:noFill/>
+          </a:ln>
+        </p:spPr>
+      </p:pic>
+      <p:sp>
+        <p:nvSpPr>
+          <p:cNvPr id="155" name="CustomShape 3"/>
+          <p:cNvSpPr/>
+          <p:nvPr/>
+        </p:nvSpPr>
+        <p:spPr>
+          <a:xfrm>
+            <a:off x="457200" y="3911040"/>
+            <a:ext cx="6942960" cy="364680"/>
+          </a:xfrm>
+          <a:prstGeom prst="rect">
+            <a:avLst/>
+          </a:prstGeom>
+          <a:noFill/>
+          <a:ln>
+            <a:noFill/>
+          </a:ln>
+        </p:spPr>
+        <p:txBody>
+          <a:bodyPr lIns="90000" tIns="45000" rIns="90000" bIns="45000"/>
+          <a:lstStyle/>
+          <a:p>
+            <a:pPr>
+              <a:lnSpc>
+                <a:spcPct val="100000"/>
+              </a:lnSpc>
+            </a:pPr>
+            <a:r>
+              <a:rPr lang="en-US">
+                <a:solidFill>
+                  <a:srgbClr val="000000"/>
+                </a:solidFill>
+                <a:latin typeface="Arial"/>
+                <a:ea typeface="DejaVu Sans"/>
+              </a:rPr>
+              <a:t>We also show OpenSSL cipher text again</a:t>
+            </a:r>
+            <a:endParaRPr/>
+          </a:p>
+        </p:txBody>
+      </p:sp>
+      <p:pic>
+        <p:nvPicPr>
+          <p:cNvPr id="156" name="Picture 6"/>
+          <p:cNvPicPr/>
+          <p:nvPr/>
+        </p:nvPicPr>
+        <p:blipFill>
+          <a:blip r:embed="rId3"/>
+          <a:srcRect l="18141" r="-634181"/>
+          <a:stretch>
+            <a:fillRect/>
+          </a:stretch>
+        </p:blipFill>
+        <p:spPr>
+          <a:xfrm>
+            <a:off x="457200" y="4280400"/>
+            <a:ext cx="8228880" cy="1729800"/>
+          </a:xfrm>
+          <a:prstGeom prst="rect">
+            <a:avLst/>
+          </a:prstGeom>
+          <a:ln>
+            <a:noFill/>
+          </a:ln>
+        </p:spPr>
+      </p:pic>
     </p:spTree>
   </p:cSld>
+  <p:clrMapOvr>
+    <a:masterClrMapping/>
+  </p:clrMapOvr>
   <p:timing>
     <p:tnLst>
       <p:par>
-        <p:cTn id="25" dur="indefinite" restart="never" nodeType="tmRoot">
+        <p:cTn id="1" dur="indefinite" restart="never" nodeType="tmRoot">
           <p:childTnLst>
             <p:seq>
-              <p:cTn id="26" nodeType="mainSeq"/>
+              <p:cTn id="2" nodeType="mainSeq"/>
               <p:prevCondLst>
-                <p:cond delay="0" evt="onPrev">
+                <p:cond evt="onPrev" delay="0">
                   <p:tgtEl>
                     <p:sldTgt/>
                   </p:tgtEl>
                 </p:cond>
               </p:prevCondLst>
               <p:nextCondLst>
-                <p:cond delay="0" evt="onNext">
+                <p:cond evt="onNext" delay="0">
                   <p:tgtEl>
                     <p:sldTgt/>
                   </p:tgtEl>
@@ -4411,7 +4953,7 @@
 </file>
 
 <file path=ppt/slides/slide14.xml><?xml version="1.0" encoding="utf-8"?>
-<p:sld xmlns:a="http://schemas.openxmlformats.org/drawingml/2006/main" xmlns:p="http://schemas.openxmlformats.org/presentationml/2006/main" xmlns:r="http://schemas.openxmlformats.org/officeDocument/2006/relationships">
+<p:sld xmlns:a="http://schemas.openxmlformats.org/drawingml/2006/main" xmlns:r="http://schemas.openxmlformats.org/officeDocument/2006/relationships" xmlns:p="http://schemas.openxmlformats.org/presentationml/2006/main">
   <p:cSld>
     <p:spTree>
       <p:nvGrpSpPr>
@@ -4429,7 +4971,7 @@
       </p:grpSpPr>
       <p:sp>
         <p:nvSpPr>
-          <p:cNvPr id="140" name="CustomShape 1"/>
+          <p:cNvPr id="157" name="CustomShape 1"/>
           <p:cNvSpPr/>
           <p:nvPr/>
         </p:nvSpPr>
@@ -4447,7 +4989,8 @@
           </a:ln>
         </p:spPr>
         <p:txBody>
-          <a:bodyPr lIns="0" rIns="0" tIns="0" bIns="0" anchor="ctr"/>
+          <a:bodyPr lIns="0" tIns="0" rIns="0" bIns="0" anchor="ctr"/>
+          <a:lstStyle/>
           <a:p>
             <a:pPr>
               <a:lnSpc>
@@ -4470,14 +5013,14 @@
       </p:sp>
       <p:sp>
         <p:nvSpPr>
-          <p:cNvPr id="141" name="CustomShape 2"/>
+          <p:cNvPr id="158" name="CustomShape 2"/>
           <p:cNvSpPr/>
           <p:nvPr/>
         </p:nvSpPr>
         <p:spPr>
           <a:xfrm>
-            <a:off x="457200" y="2224080"/>
-            <a:ext cx="6942960" cy="1187640"/>
+            <a:off x="457200" y="2333880"/>
+            <a:ext cx="6942960" cy="3107880"/>
           </a:xfrm>
           <a:prstGeom prst="rect">
             <a:avLst/>
@@ -4488,7 +5031,8 @@
           </a:ln>
         </p:spPr>
         <p:txBody>
-          <a:bodyPr lIns="90000" rIns="90000" tIns="45000" bIns="45000"/>
+          <a:bodyPr lIns="90000" tIns="45000" rIns="90000" bIns="45000"/>
+          <a:lstStyle/>
           <a:p>
             <a:pPr>
               <a:lnSpc>
@@ -4503,7 +5047,7 @@
                 <a:latin typeface="Arial"/>
                 <a:ea typeface="DejaVu Sans"/>
               </a:rPr>
-              <a:t>To verify with openssl, we first generated keys.</a:t>
+              <a:t>The reason that the two do not match has to do with how the values are stored.</a:t>
             </a:r>
             <a:endParaRPr/>
           </a:p>
@@ -4529,55 +5073,85 @@
                 <a:latin typeface="Arial"/>
                 <a:ea typeface="DejaVu Sans"/>
               </a:rPr>
-              <a:t>In this case, we will use 64 bit keys and encrypt the message, “Message” contained in text.txt.</a:t>
-            </a:r>
-            <a:endParaRPr/>
-          </a:p>
-        </p:txBody>
-      </p:sp>
-      <p:pic>
-        <p:nvPicPr>
-          <p:cNvPr id="142" name="Picture 2" descr=""/>
-          <p:cNvPicPr/>
-          <p:nvPr/>
-        </p:nvPicPr>
-        <p:blipFill>
-          <a:blip r:embed="rId1"/>
-          <a:stretch>
-            <a:fillRect/>
-          </a:stretch>
-        </p:blipFill>
-        <p:spPr>
-          <a:xfrm>
-            <a:off x="457200" y="3439080"/>
-            <a:ext cx="8591040" cy="3238200"/>
-          </a:xfrm>
-          <a:prstGeom prst="rect">
-            <a:avLst/>
-          </a:prstGeom>
-          <a:ln>
-            <a:noFill/>
-          </a:ln>
-        </p:spPr>
-      </p:pic>
+              <a:t>Our program breaks the message into blocks and writes these blocks to the file in decimal form.</a:t>
+            </a:r>
+            <a:endParaRPr/>
+          </a:p>
+          <a:p>
+            <a:pPr>
+              <a:lnSpc>
+                <a:spcPct val="100000"/>
+              </a:lnSpc>
+            </a:pPr>
+            <a:endParaRPr/>
+          </a:p>
+          <a:p>
+            <a:pPr>
+              <a:lnSpc>
+                <a:spcPct val="100000"/>
+              </a:lnSpc>
+            </a:pPr>
+            <a:r>
+              <a:rPr lang="en-US">
+                <a:solidFill>
+                  <a:srgbClr val="000000"/>
+                </a:solidFill>
+                <a:latin typeface="Arial"/>
+                <a:ea typeface="DejaVu Sans"/>
+              </a:rPr>
+              <a:t>On the other hand, OpenSSL wrote the modified binary data directly to a file, thus we could not directly compare the two.</a:t>
+            </a:r>
+            <a:endParaRPr/>
+          </a:p>
+          <a:p>
+            <a:pPr>
+              <a:lnSpc>
+                <a:spcPct val="100000"/>
+              </a:lnSpc>
+            </a:pPr>
+            <a:endParaRPr/>
+          </a:p>
+          <a:p>
+            <a:pPr>
+              <a:lnSpc>
+                <a:spcPct val="100000"/>
+              </a:lnSpc>
+            </a:pPr>
+            <a:r>
+              <a:rPr lang="en-US">
+                <a:solidFill>
+                  <a:srgbClr val="000000"/>
+                </a:solidFill>
+                <a:latin typeface="Arial"/>
+                <a:ea typeface="DejaVu Sans"/>
+              </a:rPr>
+              <a:t>The implementation is still shown to be correct when they decrypt to the same value.</a:t>
+            </a:r>
+            <a:endParaRPr/>
+          </a:p>
+        </p:txBody>
+      </p:sp>
     </p:spTree>
   </p:cSld>
+  <p:clrMapOvr>
+    <a:masterClrMapping/>
+  </p:clrMapOvr>
   <p:timing>
     <p:tnLst>
       <p:par>
-        <p:cTn id="27" dur="indefinite" restart="never" nodeType="tmRoot">
+        <p:cTn id="1" dur="indefinite" restart="never" nodeType="tmRoot">
           <p:childTnLst>
             <p:seq>
-              <p:cTn id="28" nodeType="mainSeq"/>
+              <p:cTn id="2" nodeType="mainSeq"/>
               <p:prevCondLst>
-                <p:cond delay="0" evt="onPrev">
+                <p:cond evt="onPrev" delay="0">
                   <p:tgtEl>
                     <p:sldTgt/>
                   </p:tgtEl>
                 </p:cond>
               </p:prevCondLst>
               <p:nextCondLst>
-                <p:cond delay="0" evt="onNext">
+                <p:cond evt="onNext" delay="0">
                   <p:tgtEl>
                     <p:sldTgt/>
                   </p:tgtEl>
@@ -4593,7 +5167,7 @@
 </file>
 
 <file path=ppt/slides/slide15.xml><?xml version="1.0" encoding="utf-8"?>
-<p:sld xmlns:a="http://schemas.openxmlformats.org/drawingml/2006/main" xmlns:p="http://schemas.openxmlformats.org/presentationml/2006/main" xmlns:r="http://schemas.openxmlformats.org/officeDocument/2006/relationships">
+<p:sld xmlns:a="http://schemas.openxmlformats.org/drawingml/2006/main" xmlns:r="http://schemas.openxmlformats.org/officeDocument/2006/relationships" xmlns:p="http://schemas.openxmlformats.org/presentationml/2006/main">
   <p:cSld>
     <p:spTree>
       <p:nvGrpSpPr>
@@ -4611,7 +5185,7 @@
       </p:grpSpPr>
       <p:sp>
         <p:nvSpPr>
-          <p:cNvPr id="143" name="CustomShape 1"/>
+          <p:cNvPr id="159" name="CustomShape 1"/>
           <p:cNvSpPr/>
           <p:nvPr/>
         </p:nvSpPr>
@@ -4629,7 +5203,8 @@
           </a:ln>
         </p:spPr>
         <p:txBody>
-          <a:bodyPr lIns="0" rIns="0" tIns="0" bIns="0" anchor="ctr"/>
+          <a:bodyPr lIns="0" tIns="0" rIns="0" bIns="0" anchor="ctr"/>
+          <a:lstStyle/>
           <a:p>
             <a:pPr>
               <a:lnSpc>
@@ -4652,14 +5227,14 @@
       </p:sp>
       <p:sp>
         <p:nvSpPr>
-          <p:cNvPr id="144" name="CustomShape 2"/>
+          <p:cNvPr id="160" name="CustomShape 2"/>
           <p:cNvSpPr/>
           <p:nvPr/>
         </p:nvSpPr>
         <p:spPr>
           <a:xfrm>
-            <a:off x="457200" y="2224080"/>
-            <a:ext cx="6942960" cy="364680"/>
+            <a:off x="457200" y="2333880"/>
+            <a:ext cx="6942960" cy="3382200"/>
           </a:xfrm>
           <a:prstGeom prst="rect">
             <a:avLst/>
@@ -4670,7 +5245,8 @@
           </a:ln>
         </p:spPr>
         <p:txBody>
-          <a:bodyPr lIns="90000" rIns="90000" tIns="45000" bIns="45000"/>
+          <a:bodyPr lIns="90000" tIns="45000" rIns="90000" bIns="45000"/>
+          <a:lstStyle/>
           <a:p>
             <a:pPr>
               <a:lnSpc>
@@ -4685,7 +5261,107 @@
                 <a:latin typeface="Arial"/>
                 <a:ea typeface="DejaVu Sans"/>
               </a:rPr>
-              <a:t>Below, we also show the generated cipher text.</a:t>
+              <a:t>Next we decrypt both of the cipher texts with their respective programs.</a:t>
+            </a:r>
+            <a:endParaRPr/>
+          </a:p>
+          <a:p>
+            <a:pPr>
+              <a:lnSpc>
+                <a:spcPct val="100000"/>
+              </a:lnSpc>
+            </a:pPr>
+            <a:endParaRPr/>
+          </a:p>
+          <a:p>
+            <a:pPr>
+              <a:lnSpc>
+                <a:spcPct val="100000"/>
+              </a:lnSpc>
+            </a:pPr>
+            <a:endParaRPr/>
+          </a:p>
+          <a:p>
+            <a:pPr>
+              <a:lnSpc>
+                <a:spcPct val="100000"/>
+              </a:lnSpc>
+            </a:pPr>
+            <a:endParaRPr/>
+          </a:p>
+          <a:p>
+            <a:pPr>
+              <a:lnSpc>
+                <a:spcPct val="100000"/>
+              </a:lnSpc>
+            </a:pPr>
+            <a:r>
+              <a:rPr lang="en-US">
+                <a:solidFill>
+                  <a:srgbClr val="000000"/>
+                </a:solidFill>
+                <a:latin typeface="Arial"/>
+                <a:ea typeface="DejaVu Sans"/>
+              </a:rPr>
+              <a:t>OpenSSL</a:t>
+            </a:r>
+            <a:endParaRPr/>
+          </a:p>
+          <a:p>
+            <a:pPr>
+              <a:lnSpc>
+                <a:spcPct val="100000"/>
+              </a:lnSpc>
+            </a:pPr>
+            <a:endParaRPr/>
+          </a:p>
+          <a:p>
+            <a:pPr>
+              <a:lnSpc>
+                <a:spcPct val="100000"/>
+              </a:lnSpc>
+            </a:pPr>
+            <a:endParaRPr/>
+          </a:p>
+          <a:p>
+            <a:pPr>
+              <a:lnSpc>
+                <a:spcPct val="100000"/>
+              </a:lnSpc>
+            </a:pPr>
+            <a:endParaRPr/>
+          </a:p>
+          <a:p>
+            <a:pPr>
+              <a:lnSpc>
+                <a:spcPct val="100000"/>
+              </a:lnSpc>
+            </a:pPr>
+            <a:endParaRPr/>
+          </a:p>
+          <a:p>
+            <a:pPr>
+              <a:lnSpc>
+                <a:spcPct val="100000"/>
+              </a:lnSpc>
+            </a:pPr>
+            <a:endParaRPr/>
+          </a:p>
+          <a:p>
+            <a:pPr>
+              <a:lnSpc>
+                <a:spcPct val="100000"/>
+              </a:lnSpc>
+            </a:pPr>
+            <a:r>
+              <a:rPr lang="en-US">
+                <a:solidFill>
+                  <a:srgbClr val="000000"/>
+                </a:solidFill>
+                <a:latin typeface="Arial"/>
+                <a:ea typeface="DejaVu Sans"/>
+              </a:rPr>
+              <a:t>Munchkincrypt</a:t>
             </a:r>
             <a:endParaRPr/>
           </a:p>
@@ -4693,20 +5369,45 @@
       </p:sp>
       <p:pic>
         <p:nvPicPr>
-          <p:cNvPr id="145" name="Picture 3" descr=""/>
+          <p:cNvPr id="161" name="Picture 2"/>
           <p:cNvPicPr/>
           <p:nvPr/>
         </p:nvPicPr>
         <p:blipFill>
-          <a:blip r:embed="rId1"/>
+          <a:blip r:embed="rId2"/>
           <a:stretch>
             <a:fillRect/>
           </a:stretch>
         </p:blipFill>
         <p:spPr>
           <a:xfrm>
-            <a:off x="457200" y="3184920"/>
-            <a:ext cx="8428320" cy="2093760"/>
+            <a:off x="2312640" y="3180600"/>
+            <a:ext cx="6333480" cy="1387080"/>
+          </a:xfrm>
+          <a:prstGeom prst="rect">
+            <a:avLst/>
+          </a:prstGeom>
+          <a:ln>
+            <a:noFill/>
+          </a:ln>
+        </p:spPr>
+      </p:pic>
+      <p:pic>
+        <p:nvPicPr>
+          <p:cNvPr id="162" name="Picture 3"/>
+          <p:cNvPicPr/>
+          <p:nvPr/>
+        </p:nvPicPr>
+        <p:blipFill>
+          <a:blip r:embed="rId3"/>
+          <a:stretch>
+            <a:fillRect/>
+          </a:stretch>
+        </p:blipFill>
+        <p:spPr>
+          <a:xfrm>
+            <a:off x="2352600" y="4868280"/>
+            <a:ext cx="5981760" cy="1585440"/>
           </a:xfrm>
           <a:prstGeom prst="rect">
             <a:avLst/>
@@ -4718,22 +5419,25 @@
       </p:pic>
     </p:spTree>
   </p:cSld>
+  <p:clrMapOvr>
+    <a:masterClrMapping/>
+  </p:clrMapOvr>
   <p:timing>
     <p:tnLst>
       <p:par>
-        <p:cTn id="29" dur="indefinite" restart="never" nodeType="tmRoot">
+        <p:cTn id="1" dur="indefinite" restart="never" nodeType="tmRoot">
           <p:childTnLst>
             <p:seq>
-              <p:cTn id="30" nodeType="mainSeq"/>
+              <p:cTn id="2" nodeType="mainSeq"/>
               <p:prevCondLst>
-                <p:cond delay="0" evt="onPrev">
+                <p:cond evt="onPrev" delay="0">
                   <p:tgtEl>
                     <p:sldTgt/>
                   </p:tgtEl>
                 </p:cond>
               </p:prevCondLst>
               <p:nextCondLst>
-                <p:cond delay="0" evt="onNext">
+                <p:cond evt="onNext" delay="0">
                   <p:tgtEl>
                     <p:sldTgt/>
                   </p:tgtEl>
@@ -4749,7 +5453,7 @@
 </file>
 
 <file path=ppt/slides/slide16.xml><?xml version="1.0" encoding="utf-8"?>
-<p:sld xmlns:a="http://schemas.openxmlformats.org/drawingml/2006/main" xmlns:p="http://schemas.openxmlformats.org/presentationml/2006/main" xmlns:r="http://schemas.openxmlformats.org/officeDocument/2006/relationships">
+<p:sld xmlns:a="http://schemas.openxmlformats.org/drawingml/2006/main" xmlns:r="http://schemas.openxmlformats.org/officeDocument/2006/relationships" xmlns:p="http://schemas.openxmlformats.org/presentationml/2006/main">
   <p:cSld>
     <p:spTree>
       <p:nvGrpSpPr>
@@ -4767,7 +5471,7 @@
       </p:grpSpPr>
       <p:sp>
         <p:nvSpPr>
-          <p:cNvPr id="146" name="CustomShape 1"/>
+          <p:cNvPr id="163" name="CustomShape 1"/>
           <p:cNvSpPr/>
           <p:nvPr/>
         </p:nvSpPr>
@@ -4785,7 +5489,8 @@
           </a:ln>
         </p:spPr>
         <p:txBody>
-          <a:bodyPr lIns="0" rIns="0" tIns="0" bIns="0" anchor="ctr"/>
+          <a:bodyPr lIns="0" tIns="0" rIns="0" bIns="0" anchor="ctr"/>
+          <a:lstStyle/>
           <a:p>
             <a:pPr>
               <a:lnSpc>
@@ -4808,14 +5513,14 @@
       </p:sp>
       <p:sp>
         <p:nvSpPr>
-          <p:cNvPr id="147" name="CustomShape 2"/>
+          <p:cNvPr id="164" name="CustomShape 2"/>
           <p:cNvSpPr/>
           <p:nvPr/>
         </p:nvSpPr>
         <p:spPr>
           <a:xfrm>
-            <a:off x="457200" y="2224080"/>
-            <a:ext cx="6942960" cy="639000"/>
+            <a:off x="457200" y="2333880"/>
+            <a:ext cx="6942960" cy="3107880"/>
           </a:xfrm>
           <a:prstGeom prst="rect">
             <a:avLst/>
@@ -4826,7 +5531,8 @@
           </a:ln>
         </p:spPr>
         <p:txBody>
-          <a:bodyPr lIns="90000" rIns="90000" tIns="45000" bIns="45000"/>
+          <a:bodyPr lIns="90000" tIns="45000" rIns="90000" bIns="45000"/>
+          <a:lstStyle/>
           <a:p>
             <a:pPr>
               <a:lnSpc>
@@ -4841,7 +5547,107 @@
                 <a:latin typeface="Arial"/>
                 <a:ea typeface="DejaVu Sans"/>
               </a:rPr>
-              <a:t>Next, we extracted the generated p and q and e from the private key.</a:t>
+              <a:t>The decrypted version of each file is shown below.</a:t>
+            </a:r>
+            <a:endParaRPr/>
+          </a:p>
+          <a:p>
+            <a:pPr>
+              <a:lnSpc>
+                <a:spcPct val="100000"/>
+              </a:lnSpc>
+            </a:pPr>
+            <a:endParaRPr/>
+          </a:p>
+          <a:p>
+            <a:pPr>
+              <a:lnSpc>
+                <a:spcPct val="100000"/>
+              </a:lnSpc>
+            </a:pPr>
+            <a:endParaRPr/>
+          </a:p>
+          <a:p>
+            <a:pPr>
+              <a:lnSpc>
+                <a:spcPct val="100000"/>
+              </a:lnSpc>
+            </a:pPr>
+            <a:endParaRPr/>
+          </a:p>
+          <a:p>
+            <a:pPr>
+              <a:lnSpc>
+                <a:spcPct val="100000"/>
+              </a:lnSpc>
+            </a:pPr>
+            <a:r>
+              <a:rPr lang="en-US">
+                <a:solidFill>
+                  <a:srgbClr val="000000"/>
+                </a:solidFill>
+                <a:latin typeface="Arial"/>
+                <a:ea typeface="DejaVu Sans"/>
+              </a:rPr>
+              <a:t>OpenSSL</a:t>
+            </a:r>
+            <a:endParaRPr/>
+          </a:p>
+          <a:p>
+            <a:pPr>
+              <a:lnSpc>
+                <a:spcPct val="100000"/>
+              </a:lnSpc>
+            </a:pPr>
+            <a:endParaRPr/>
+          </a:p>
+          <a:p>
+            <a:pPr>
+              <a:lnSpc>
+                <a:spcPct val="100000"/>
+              </a:lnSpc>
+            </a:pPr>
+            <a:endParaRPr/>
+          </a:p>
+          <a:p>
+            <a:pPr>
+              <a:lnSpc>
+                <a:spcPct val="100000"/>
+              </a:lnSpc>
+            </a:pPr>
+            <a:endParaRPr/>
+          </a:p>
+          <a:p>
+            <a:pPr>
+              <a:lnSpc>
+                <a:spcPct val="100000"/>
+              </a:lnSpc>
+            </a:pPr>
+            <a:endParaRPr/>
+          </a:p>
+          <a:p>
+            <a:pPr>
+              <a:lnSpc>
+                <a:spcPct val="100000"/>
+              </a:lnSpc>
+            </a:pPr>
+            <a:endParaRPr/>
+          </a:p>
+          <a:p>
+            <a:pPr>
+              <a:lnSpc>
+                <a:spcPct val="100000"/>
+              </a:lnSpc>
+            </a:pPr>
+            <a:r>
+              <a:rPr lang="en-US">
+                <a:solidFill>
+                  <a:srgbClr val="000000"/>
+                </a:solidFill>
+                <a:latin typeface="Arial"/>
+                <a:ea typeface="DejaVu Sans"/>
+              </a:rPr>
+              <a:t>Munchkincrypt</a:t>
             </a:r>
             <a:endParaRPr/>
           </a:p>
@@ -4849,20 +5655,45 @@
       </p:sp>
       <p:pic>
         <p:nvPicPr>
-          <p:cNvPr id="148" name="Picture 2" descr=""/>
+          <p:cNvPr id="165" name="Picture 4"/>
           <p:cNvPicPr/>
           <p:nvPr/>
         </p:nvPicPr>
         <p:blipFill>
-          <a:blip r:embed="rId1"/>
+          <a:blip r:embed="rId2"/>
           <a:stretch>
             <a:fillRect/>
           </a:stretch>
         </p:blipFill>
         <p:spPr>
           <a:xfrm>
-            <a:off x="1042920" y="3016440"/>
-            <a:ext cx="5771880" cy="3409560"/>
+            <a:off x="2312640" y="4745520"/>
+            <a:ext cx="6257520" cy="1999800"/>
+          </a:xfrm>
+          <a:prstGeom prst="rect">
+            <a:avLst/>
+          </a:prstGeom>
+          <a:ln>
+            <a:noFill/>
+          </a:ln>
+        </p:spPr>
+      </p:pic>
+      <p:pic>
+        <p:nvPicPr>
+          <p:cNvPr id="166" name="Picture 5"/>
+          <p:cNvPicPr/>
+          <p:nvPr/>
+        </p:nvPicPr>
+        <p:blipFill>
+          <a:blip r:embed="rId3"/>
+          <a:stretch>
+            <a:fillRect/>
+          </a:stretch>
+        </p:blipFill>
+        <p:spPr>
+          <a:xfrm>
+            <a:off x="2312640" y="2763360"/>
+            <a:ext cx="6648120" cy="1856880"/>
           </a:xfrm>
           <a:prstGeom prst="rect">
             <a:avLst/>
@@ -4874,22 +5705,25 @@
       </p:pic>
     </p:spTree>
   </p:cSld>
+  <p:clrMapOvr>
+    <a:masterClrMapping/>
+  </p:clrMapOvr>
   <p:timing>
     <p:tnLst>
       <p:par>
-        <p:cTn id="31" dur="indefinite" restart="never" nodeType="tmRoot">
+        <p:cTn id="1" dur="indefinite" restart="never" nodeType="tmRoot">
           <p:childTnLst>
             <p:seq>
-              <p:cTn id="32" nodeType="mainSeq"/>
+              <p:cTn id="2" nodeType="mainSeq"/>
               <p:prevCondLst>
-                <p:cond delay="0" evt="onPrev">
+                <p:cond evt="onPrev" delay="0">
                   <p:tgtEl>
                     <p:sldTgt/>
                   </p:tgtEl>
                 </p:cond>
               </p:prevCondLst>
               <p:nextCondLst>
-                <p:cond delay="0" evt="onNext">
+                <p:cond evt="onNext" delay="0">
                   <p:tgtEl>
                     <p:sldTgt/>
                   </p:tgtEl>
@@ -4905,7 +5739,7 @@
 </file>
 
 <file path=ppt/slides/slide17.xml><?xml version="1.0" encoding="utf-8"?>
-<p:sld xmlns:a="http://schemas.openxmlformats.org/drawingml/2006/main" xmlns:p="http://schemas.openxmlformats.org/presentationml/2006/main" xmlns:r="http://schemas.openxmlformats.org/officeDocument/2006/relationships">
+<p:sld xmlns:a="http://schemas.openxmlformats.org/drawingml/2006/main" xmlns:r="http://schemas.openxmlformats.org/officeDocument/2006/relationships" xmlns:p="http://schemas.openxmlformats.org/presentationml/2006/main">
   <p:cSld>
     <p:spTree>
       <p:nvGrpSpPr>
@@ -4923,7 +5757,7 @@
       </p:grpSpPr>
       <p:sp>
         <p:nvSpPr>
-          <p:cNvPr id="149" name="CustomShape 1"/>
+          <p:cNvPr id="167" name="CustomShape 1"/>
           <p:cNvSpPr/>
           <p:nvPr/>
         </p:nvSpPr>
@@ -4941,7 +5775,8 @@
           </a:ln>
         </p:spPr>
         <p:txBody>
-          <a:bodyPr lIns="0" rIns="0" tIns="0" bIns="0" anchor="ctr"/>
+          <a:bodyPr lIns="0" tIns="0" rIns="0" bIns="0" anchor="ctr"/>
+          <a:lstStyle/>
           <a:p>
             <a:pPr>
               <a:lnSpc>
@@ -4964,14 +5799,14 @@
       </p:sp>
       <p:sp>
         <p:nvSpPr>
-          <p:cNvPr id="150" name="CustomShape 2"/>
+          <p:cNvPr id="168" name="CustomShape 2"/>
           <p:cNvSpPr/>
           <p:nvPr/>
         </p:nvSpPr>
         <p:spPr>
           <a:xfrm>
-            <a:off x="457200" y="2224080"/>
-            <a:ext cx="6942960" cy="639000"/>
+            <a:off x="457200" y="2333880"/>
+            <a:ext cx="6942960" cy="2010600"/>
           </a:xfrm>
           <a:prstGeom prst="rect">
             <a:avLst/>
@@ -4982,7 +5817,8 @@
           </a:ln>
         </p:spPr>
         <p:txBody>
-          <a:bodyPr lIns="90000" rIns="90000" tIns="45000" bIns="45000"/>
+          <a:bodyPr lIns="90000" tIns="45000" rIns="90000" bIns="45000"/>
+          <a:lstStyle/>
           <a:p>
             <a:pPr>
               <a:lnSpc>
@@ -4997,55 +5833,85 @@
                 <a:latin typeface="Arial"/>
                 <a:ea typeface="DejaVu Sans"/>
               </a:rPr>
-              <a:t>After this, we generated a our key file from these primes and encrypted the message with munchkincrypt.</a:t>
-            </a:r>
-            <a:endParaRPr/>
-          </a:p>
-        </p:txBody>
-      </p:sp>
-      <p:pic>
-        <p:nvPicPr>
-          <p:cNvPr id="151" name="Picture 3" descr=""/>
-          <p:cNvPicPr/>
-          <p:nvPr/>
-        </p:nvPicPr>
-        <p:blipFill>
-          <a:blip r:embed="rId1"/>
-          <a:stretch>
-            <a:fillRect/>
-          </a:stretch>
-        </p:blipFill>
-        <p:spPr>
-          <a:xfrm>
-            <a:off x="739080" y="3234960"/>
-            <a:ext cx="6933960" cy="2923920"/>
-          </a:xfrm>
-          <a:prstGeom prst="rect">
-            <a:avLst/>
-          </a:prstGeom>
-          <a:ln>
-            <a:noFill/>
-          </a:ln>
-        </p:spPr>
-      </p:pic>
+              <a:t>In this case, both of the decrypted files indeed match.</a:t>
+            </a:r>
+            <a:endParaRPr/>
+          </a:p>
+          <a:p>
+            <a:pPr>
+              <a:lnSpc>
+                <a:spcPct val="100000"/>
+              </a:lnSpc>
+            </a:pPr>
+            <a:endParaRPr/>
+          </a:p>
+          <a:p>
+            <a:pPr>
+              <a:lnSpc>
+                <a:spcPct val="100000"/>
+              </a:lnSpc>
+            </a:pPr>
+            <a:r>
+              <a:rPr lang="en-US">
+                <a:solidFill>
+                  <a:srgbClr val="000000"/>
+                </a:solidFill>
+                <a:latin typeface="Arial"/>
+                <a:ea typeface="DejaVu Sans"/>
+              </a:rPr>
+              <a:t>This is because both programs decrypt the message into its original, plaintext state and write this directly to the decrypted file.</a:t>
+            </a:r>
+            <a:endParaRPr/>
+          </a:p>
+          <a:p>
+            <a:pPr>
+              <a:lnSpc>
+                <a:spcPct val="100000"/>
+              </a:lnSpc>
+            </a:pPr>
+            <a:endParaRPr/>
+          </a:p>
+          <a:p>
+            <a:pPr>
+              <a:lnSpc>
+                <a:spcPct val="100000"/>
+              </a:lnSpc>
+            </a:pPr>
+            <a:r>
+              <a:rPr lang="en-US">
+                <a:solidFill>
+                  <a:srgbClr val="000000"/>
+                </a:solidFill>
+                <a:latin typeface="Arial"/>
+                <a:ea typeface="DejaVu Sans"/>
+              </a:rPr>
+              <a:t>Because of this, OpenSSL verifies that our munchkincrypt program works correctly.</a:t>
+            </a:r>
+            <a:endParaRPr/>
+          </a:p>
+        </p:txBody>
+      </p:sp>
     </p:spTree>
   </p:cSld>
+  <p:clrMapOvr>
+    <a:masterClrMapping/>
+  </p:clrMapOvr>
   <p:timing>
     <p:tnLst>
       <p:par>
-        <p:cTn id="33" dur="indefinite" restart="never" nodeType="tmRoot">
+        <p:cTn id="1" dur="indefinite" restart="never" nodeType="tmRoot">
           <p:childTnLst>
             <p:seq>
-              <p:cTn id="34" nodeType="mainSeq"/>
+              <p:cTn id="2" nodeType="mainSeq"/>
               <p:prevCondLst>
-                <p:cond delay="0" evt="onPrev">
+                <p:cond evt="onPrev" delay="0">
                   <p:tgtEl>
                     <p:sldTgt/>
                   </p:tgtEl>
                 </p:cond>
               </p:prevCondLst>
               <p:nextCondLst>
-                <p:cond delay="0" evt="onNext">
+                <p:cond evt="onNext" delay="0">
                   <p:tgtEl>
                     <p:sldTgt/>
                   </p:tgtEl>
@@ -5061,7 +5927,7 @@
 </file>
 
 <file path=ppt/slides/slide18.xml><?xml version="1.0" encoding="utf-8"?>
-<p:sld xmlns:a="http://schemas.openxmlformats.org/drawingml/2006/main" xmlns:p="http://schemas.openxmlformats.org/presentationml/2006/main" xmlns:r="http://schemas.openxmlformats.org/officeDocument/2006/relationships">
+<p:sld xmlns:a="http://schemas.openxmlformats.org/drawingml/2006/main" xmlns:r="http://schemas.openxmlformats.org/officeDocument/2006/relationships" xmlns:p="http://schemas.openxmlformats.org/presentationml/2006/main">
   <p:cSld>
     <p:spTree>
       <p:nvGrpSpPr>
@@ -5079,7 +5945,7 @@
       </p:grpSpPr>
       <p:sp>
         <p:nvSpPr>
-          <p:cNvPr id="152" name="CustomShape 1"/>
+          <p:cNvPr id="169" name="CustomShape 1"/>
           <p:cNvSpPr/>
           <p:nvPr/>
         </p:nvSpPr>
@@ -5097,7 +5963,8 @@
           </a:ln>
         </p:spPr>
         <p:txBody>
-          <a:bodyPr lIns="0" rIns="0" tIns="0" bIns="0" anchor="ctr"/>
+          <a:bodyPr lIns="0" tIns="0" rIns="0" bIns="0" anchor="ctr"/>
+          <a:lstStyle/>
           <a:p>
             <a:pPr>
               <a:lnSpc>
@@ -5112,22 +5979,22 @@
                 <a:latin typeface="Trebuchet MS"/>
                 <a:ea typeface="DejaVu Sans"/>
               </a:rPr>
-              <a:t>RSA- Verifying with openssl</a:t>
-            </a:r>
-            <a:endParaRPr/>
-          </a:p>
-        </p:txBody>
-      </p:sp>
-      <p:sp>
-        <p:nvSpPr>
-          <p:cNvPr id="153" name="CustomShape 2"/>
+              <a:t>RSA- Attacks</a:t>
+            </a:r>
+            <a:endParaRPr/>
+          </a:p>
+        </p:txBody>
+      </p:sp>
+      <p:sp>
+        <p:nvSpPr>
+          <p:cNvPr id="170" name="CustomShape 2"/>
           <p:cNvSpPr/>
           <p:nvPr/>
         </p:nvSpPr>
         <p:spPr>
           <a:xfrm>
-            <a:off x="457200" y="2224080"/>
-            <a:ext cx="6942960" cy="364680"/>
+            <a:off x="99360" y="2109600"/>
+            <a:ext cx="8869320" cy="4887000"/>
           </a:xfrm>
           <a:prstGeom prst="rect">
             <a:avLst/>
@@ -5138,137 +6005,259 @@
           </a:ln>
         </p:spPr>
         <p:txBody>
-          <a:bodyPr lIns="90000" rIns="90000" tIns="45000" bIns="45000"/>
-          <a:p>
-            <a:pPr>
-              <a:lnSpc>
-                <a:spcPct val="100000"/>
-              </a:lnSpc>
-            </a:pPr>
-            <a:r>
-              <a:rPr lang="en-US">
+          <a:bodyPr lIns="90000" tIns="45000" rIns="90000" bIns="45000"/>
+          <a:lstStyle/>
+          <a:p>
+            <a:pPr>
+              <a:lnSpc>
+                <a:spcPct val="100000"/>
+              </a:lnSpc>
+              <a:buSzPct val="45000"/>
+              <a:buFont typeface="StarSymbol"/>
+              <a:buChar char="l"/>
+            </a:pPr>
+            <a:r>
+              <a:rPr lang="en-US" sz="2200" b="1" dirty="0">
                 <a:solidFill>
                   <a:srgbClr val="000000"/>
                 </a:solidFill>
                 <a:latin typeface="Arial"/>
                 <a:ea typeface="DejaVu Sans"/>
               </a:rPr>
-              <a:t>We show our cipher text</a:t>
-            </a:r>
-            <a:endParaRPr/>
-          </a:p>
-        </p:txBody>
-      </p:sp>
-      <p:pic>
-        <p:nvPicPr>
-          <p:cNvPr id="154" name="Picture 2" descr=""/>
-          <p:cNvPicPr/>
-          <p:nvPr/>
-        </p:nvPicPr>
-        <p:blipFill>
-          <a:blip r:embed="rId1"/>
-          <a:stretch>
-            <a:fillRect/>
-          </a:stretch>
-        </p:blipFill>
-        <p:spPr>
-          <a:xfrm>
-            <a:off x="457200" y="2742840"/>
-            <a:ext cx="4800240" cy="933120"/>
-          </a:xfrm>
-          <a:prstGeom prst="rect">
-            <a:avLst/>
-          </a:prstGeom>
-          <a:ln>
-            <a:noFill/>
-          </a:ln>
-        </p:spPr>
-      </p:pic>
-      <p:sp>
-        <p:nvSpPr>
-          <p:cNvPr id="155" name="CustomShape 3"/>
-          <p:cNvSpPr/>
-          <p:nvPr/>
-        </p:nvSpPr>
-        <p:spPr>
-          <a:xfrm>
-            <a:off x="457200" y="3911040"/>
-            <a:ext cx="6942960" cy="364680"/>
-          </a:xfrm>
-          <a:prstGeom prst="rect">
-            <a:avLst/>
-          </a:prstGeom>
-          <a:noFill/>
-          <a:ln>
-            <a:noFill/>
-          </a:ln>
-        </p:spPr>
-        <p:txBody>
-          <a:bodyPr lIns="90000" rIns="90000" tIns="45000" bIns="45000"/>
-          <a:p>
-            <a:pPr>
-              <a:lnSpc>
-                <a:spcPct val="100000"/>
-              </a:lnSpc>
-            </a:pPr>
-            <a:r>
-              <a:rPr lang="en-US">
+              <a:t>Brute Force</a:t>
+            </a:r>
+            <a:r>
+              <a:rPr lang="en-US" sz="2200" dirty="0">
                 <a:solidFill>
                   <a:srgbClr val="000000"/>
                 </a:solidFill>
                 <a:latin typeface="Arial"/>
                 <a:ea typeface="DejaVu Sans"/>
               </a:rPr>
-              <a:t>We also show OpenSSL cipher text again</a:t>
-            </a:r>
-            <a:endParaRPr/>
-          </a:p>
-        </p:txBody>
-      </p:sp>
-      <p:pic>
-        <p:nvPicPr>
-          <p:cNvPr id="156" name="Picture 6" descr=""/>
-          <p:cNvPicPr/>
-          <p:nvPr/>
-        </p:nvPicPr>
-        <p:blipFill>
-          <a:blip r:embed="rId2"/>
-          <a:srcRect l="18141" t="0" r="-634181" b="0"/>
-          <a:stretch>
-            <a:fillRect/>
-          </a:stretch>
-        </p:blipFill>
-        <p:spPr>
-          <a:xfrm>
-            <a:off x="457200" y="4280400"/>
-            <a:ext cx="8228880" cy="1729800"/>
-          </a:xfrm>
-          <a:prstGeom prst="rect">
-            <a:avLst/>
-          </a:prstGeom>
-          <a:ln>
-            <a:noFill/>
-          </a:ln>
-        </p:spPr>
-      </p:pic>
+              <a:t>: Guessing p or q by iterating through all primes up to n. </a:t>
+            </a:r>
+            <a:endParaRPr dirty="0"/>
+          </a:p>
+          <a:p>
+            <a:pPr>
+              <a:lnSpc>
+                <a:spcPct val="100000"/>
+              </a:lnSpc>
+              <a:buSzPct val="45000"/>
+              <a:buFont typeface="StarSymbol"/>
+              <a:buChar char="l"/>
+            </a:pPr>
+            <a:r>
+              <a:rPr lang="en-US" sz="2200" i="1" dirty="0">
+                <a:solidFill>
+                  <a:srgbClr val="000000"/>
+                </a:solidFill>
+                <a:latin typeface="Arial"/>
+                <a:ea typeface="DejaVu Sans"/>
+              </a:rPr>
+              <a:t>Handy for any n that is not overly large (512 bits plus)</a:t>
+            </a:r>
+            <a:endParaRPr dirty="0"/>
+          </a:p>
+          <a:p>
+            <a:pPr>
+              <a:lnSpc>
+                <a:spcPct val="100000"/>
+              </a:lnSpc>
+            </a:pPr>
+            <a:endParaRPr dirty="0"/>
+          </a:p>
+          <a:p>
+            <a:pPr>
+              <a:lnSpc>
+                <a:spcPct val="100000"/>
+              </a:lnSpc>
+            </a:pPr>
+            <a:endParaRPr dirty="0"/>
+          </a:p>
+          <a:p>
+            <a:pPr>
+              <a:lnSpc>
+                <a:spcPct val="100000"/>
+              </a:lnSpc>
+              <a:buSzPct val="45000"/>
+              <a:buFont typeface="StarSymbol"/>
+              <a:buChar char="l"/>
+            </a:pPr>
+            <a:r>
+              <a:rPr lang="en-US" sz="2200" b="1" dirty="0">
+                <a:solidFill>
+                  <a:srgbClr val="000000"/>
+                </a:solidFill>
+                <a:latin typeface="Arial"/>
+                <a:ea typeface="DejaVu Sans"/>
+              </a:rPr>
+              <a:t>Fermat</a:t>
+            </a:r>
+            <a:r>
+              <a:rPr lang="en-US" sz="2200" dirty="0">
+                <a:solidFill>
+                  <a:srgbClr val="000000"/>
+                </a:solidFill>
+                <a:latin typeface="Arial"/>
+                <a:ea typeface="DejaVu Sans"/>
+              </a:rPr>
+              <a:t>: Factors p and q by checking for perfect squares associated with n.</a:t>
+            </a:r>
+            <a:endParaRPr dirty="0"/>
+          </a:p>
+          <a:p>
+            <a:pPr>
+              <a:lnSpc>
+                <a:spcPct val="100000"/>
+              </a:lnSpc>
+              <a:buSzPct val="45000"/>
+              <a:buFont typeface="StarSymbol"/>
+              <a:buChar char="l"/>
+            </a:pPr>
+            <a:r>
+              <a:rPr lang="en-US" sz="2200" i="1" dirty="0">
+                <a:solidFill>
+                  <a:srgbClr val="000000"/>
+                </a:solidFill>
+                <a:latin typeface="Arial"/>
+                <a:ea typeface="DejaVu Sans"/>
+              </a:rPr>
+              <a:t>Handy for when p and q are near each other</a:t>
+            </a:r>
+            <a:endParaRPr dirty="0"/>
+          </a:p>
+          <a:p>
+            <a:pPr>
+              <a:lnSpc>
+                <a:spcPct val="100000"/>
+              </a:lnSpc>
+            </a:pPr>
+            <a:endParaRPr dirty="0"/>
+          </a:p>
+          <a:p>
+            <a:pPr>
+              <a:lnSpc>
+                <a:spcPct val="100000"/>
+              </a:lnSpc>
+            </a:pPr>
+            <a:endParaRPr dirty="0"/>
+          </a:p>
+          <a:p>
+            <a:pPr>
+              <a:lnSpc>
+                <a:spcPct val="100000"/>
+              </a:lnSpc>
+              <a:buSzPct val="45000"/>
+              <a:buFont typeface="StarSymbol"/>
+              <a:buChar char="l"/>
+            </a:pPr>
+            <a:r>
+              <a:rPr lang="en-US" sz="2200" b="1" dirty="0">
+                <a:solidFill>
+                  <a:srgbClr val="000000"/>
+                </a:solidFill>
+                <a:latin typeface="Arial"/>
+                <a:ea typeface="DejaVu Sans"/>
+              </a:rPr>
+              <a:t>Pollards p-1</a:t>
+            </a:r>
+            <a:r>
+              <a:rPr lang="en-US" sz="2200" dirty="0">
+                <a:solidFill>
+                  <a:srgbClr val="000000"/>
+                </a:solidFill>
+                <a:latin typeface="Arial"/>
+                <a:ea typeface="DejaVu Sans"/>
+              </a:rPr>
+              <a:t>: Factors p by checking when it has a </a:t>
+            </a:r>
+            <a:r>
+              <a:rPr lang="en-US" sz="2200" dirty="0" err="1">
+                <a:solidFill>
+                  <a:srgbClr val="000000"/>
+                </a:solidFill>
+                <a:latin typeface="Arial"/>
+                <a:ea typeface="DejaVu Sans"/>
+              </a:rPr>
+              <a:t>gcd</a:t>
+            </a:r>
+            <a:r>
+              <a:rPr lang="en-US" sz="2200" dirty="0">
+                <a:solidFill>
+                  <a:srgbClr val="000000"/>
+                </a:solidFill>
+                <a:latin typeface="Arial"/>
+                <a:ea typeface="DejaVu Sans"/>
+              </a:rPr>
+              <a:t> with n, accelerated with the use of a quickly expanding </a:t>
+            </a:r>
+            <a:r>
+              <a:rPr lang="en-US" sz="2200" dirty="0" err="1">
+                <a:solidFill>
+                  <a:srgbClr val="000000"/>
+                </a:solidFill>
+                <a:latin typeface="Arial"/>
+                <a:ea typeface="DejaVu Sans"/>
+              </a:rPr>
+              <a:t>modexp</a:t>
+            </a:r>
+            <a:r>
+              <a:rPr lang="en-US" sz="2200" dirty="0">
+                <a:solidFill>
+                  <a:srgbClr val="000000"/>
+                </a:solidFill>
+                <a:latin typeface="Arial"/>
+                <a:ea typeface="DejaVu Sans"/>
+              </a:rPr>
+              <a:t>.</a:t>
+            </a:r>
+            <a:endParaRPr dirty="0"/>
+          </a:p>
+          <a:p>
+            <a:pPr>
+              <a:lnSpc>
+                <a:spcPct val="100000"/>
+              </a:lnSpc>
+              <a:buSzPct val="45000"/>
+              <a:buFont typeface="StarSymbol"/>
+              <a:buChar char="l"/>
+            </a:pPr>
+            <a:r>
+              <a:rPr lang="en-US" sz="2200" i="1" dirty="0">
+                <a:solidFill>
+                  <a:srgbClr val="000000"/>
+                </a:solidFill>
+                <a:latin typeface="Arial"/>
+                <a:ea typeface="DejaVu Sans"/>
+              </a:rPr>
+              <a:t>Handy for when p is not overly large</a:t>
+            </a:r>
+            <a:endParaRPr dirty="0"/>
+          </a:p>
+        </p:txBody>
+      </p:sp>
     </p:spTree>
   </p:cSld>
+  <p:clrMapOvr>
+    <a:masterClrMapping/>
+  </p:clrMapOvr>
   <p:timing>
     <p:tnLst>
       <p:par>
-        <p:cTn id="35" dur="indefinite" restart="never" nodeType="tmRoot">
+        <p:cTn id="1" dur="indefinite" restart="never" nodeType="tmRoot">
           <p:childTnLst>
             <p:seq>
-              <p:cTn id="36" nodeType="mainSeq"/>
+              <p:cTn id="2" nodeType="mainSeq"/>
               <p:prevCondLst>
-                <p:cond delay="0" evt="onPrev">
+                <p:cond evt="onPrev" delay="0">
                   <p:tgtEl>
                     <p:sldTgt/>
                   </p:tgtEl>
                 </p:cond>
               </p:prevCondLst>
               <p:nextCondLst>
-                <p:cond delay="0" evt="onNext">
+                <p:cond evt="onNext" delay="0">
                   <p:tgtEl>
                     <p:sldTgt/>
                   </p:tgtEl>
@@ -5284,7 +6273,7 @@
 </file>
 
 <file path=ppt/slides/slide19.xml><?xml version="1.0" encoding="utf-8"?>
-<p:sld xmlns:a="http://schemas.openxmlformats.org/drawingml/2006/main" xmlns:p="http://schemas.openxmlformats.org/presentationml/2006/main" xmlns:r="http://schemas.openxmlformats.org/officeDocument/2006/relationships">
+<p:sld xmlns:a="http://schemas.openxmlformats.org/drawingml/2006/main" xmlns:r="http://schemas.openxmlformats.org/officeDocument/2006/relationships" xmlns:p="http://schemas.openxmlformats.org/presentationml/2006/main">
   <p:cSld>
     <p:spTree>
       <p:nvGrpSpPr>
@@ -5302,7 +6291,7 @@
       </p:grpSpPr>
       <p:sp>
         <p:nvSpPr>
-          <p:cNvPr id="157" name="CustomShape 1"/>
+          <p:cNvPr id="171" name="CustomShape 1"/>
           <p:cNvSpPr/>
           <p:nvPr/>
         </p:nvSpPr>
@@ -5320,7 +6309,8 @@
           </a:ln>
         </p:spPr>
         <p:txBody>
-          <a:bodyPr lIns="0" rIns="0" tIns="0" bIns="0" anchor="ctr"/>
+          <a:bodyPr lIns="90000" tIns="45000" rIns="90000" bIns="45000" anchor="ctr"/>
+          <a:lstStyle/>
           <a:p>
             <a:pPr>
               <a:lnSpc>
@@ -5335,22 +6325,22 @@
                 <a:latin typeface="Trebuchet MS"/>
                 <a:ea typeface="DejaVu Sans"/>
               </a:rPr>
-              <a:t>RSA- Verifying with openssl</a:t>
-            </a:r>
-            <a:endParaRPr/>
-          </a:p>
-        </p:txBody>
-      </p:sp>
-      <p:sp>
-        <p:nvSpPr>
-          <p:cNvPr id="158" name="CustomShape 2"/>
+              <a:t>RSA Tests</a:t>
+            </a:r>
+            <a:endParaRPr/>
+          </a:p>
+        </p:txBody>
+      </p:sp>
+      <p:sp>
+        <p:nvSpPr>
+          <p:cNvPr id="172" name="CustomShape 2"/>
           <p:cNvSpPr/>
           <p:nvPr/>
         </p:nvSpPr>
         <p:spPr>
           <a:xfrm>
-            <a:off x="457200" y="2333880"/>
-            <a:ext cx="6942960" cy="3107880"/>
+            <a:off x="457200" y="2249280"/>
+            <a:ext cx="8228880" cy="4324320"/>
           </a:xfrm>
           <a:prstGeom prst="rect">
             <a:avLst/>
@@ -5360,124 +6350,28 @@
             <a:noFill/>
           </a:ln>
         </p:spPr>
-        <p:txBody>
-          <a:bodyPr lIns="90000" rIns="90000" tIns="45000" bIns="45000"/>
-          <a:p>
-            <a:pPr>
-              <a:lnSpc>
-                <a:spcPct val="100000"/>
-              </a:lnSpc>
-            </a:pPr>
-            <a:r>
-              <a:rPr lang="en-US">
-                <a:solidFill>
-                  <a:srgbClr val="000000"/>
-                </a:solidFill>
-                <a:latin typeface="Arial"/>
-                <a:ea typeface="DejaVu Sans"/>
-              </a:rPr>
-              <a:t>The reason that the two do not match has to do with how the values are stored.</a:t>
-            </a:r>
-            <a:endParaRPr/>
-          </a:p>
-          <a:p>
-            <a:pPr>
-              <a:lnSpc>
-                <a:spcPct val="100000"/>
-              </a:lnSpc>
-            </a:pPr>
-            <a:endParaRPr/>
-          </a:p>
-          <a:p>
-            <a:pPr>
-              <a:lnSpc>
-                <a:spcPct val="100000"/>
-              </a:lnSpc>
-            </a:pPr>
-            <a:r>
-              <a:rPr lang="en-US">
-                <a:solidFill>
-                  <a:srgbClr val="000000"/>
-                </a:solidFill>
-                <a:latin typeface="Arial"/>
-                <a:ea typeface="DejaVu Sans"/>
-              </a:rPr>
-              <a:t>Our program breaks the message into blocks and writes these blocks to the file in decimal form.</a:t>
-            </a:r>
-            <a:endParaRPr/>
-          </a:p>
-          <a:p>
-            <a:pPr>
-              <a:lnSpc>
-                <a:spcPct val="100000"/>
-              </a:lnSpc>
-            </a:pPr>
-            <a:endParaRPr/>
-          </a:p>
-          <a:p>
-            <a:pPr>
-              <a:lnSpc>
-                <a:spcPct val="100000"/>
-              </a:lnSpc>
-            </a:pPr>
-            <a:r>
-              <a:rPr lang="en-US">
-                <a:solidFill>
-                  <a:srgbClr val="000000"/>
-                </a:solidFill>
-                <a:latin typeface="Arial"/>
-                <a:ea typeface="DejaVu Sans"/>
-              </a:rPr>
-              <a:t>On the other hand, OpenSSL wrote the modified binary data directly to a file, thus we could not directly compare the two.</a:t>
-            </a:r>
-            <a:endParaRPr/>
-          </a:p>
-          <a:p>
-            <a:pPr>
-              <a:lnSpc>
-                <a:spcPct val="100000"/>
-              </a:lnSpc>
-            </a:pPr>
-            <a:endParaRPr/>
-          </a:p>
-          <a:p>
-            <a:pPr>
-              <a:lnSpc>
-                <a:spcPct val="100000"/>
-              </a:lnSpc>
-            </a:pPr>
-            <a:r>
-              <a:rPr lang="en-US">
-                <a:solidFill>
-                  <a:srgbClr val="000000"/>
-                </a:solidFill>
-                <a:latin typeface="Arial"/>
-                <a:ea typeface="DejaVu Sans"/>
-              </a:rPr>
-              <a:t>The implementation is still shown to be correct when they decrypt to the same value.</a:t>
-            </a:r>
-            <a:endParaRPr/>
-          </a:p>
-        </p:txBody>
       </p:sp>
     </p:spTree>
   </p:cSld>
+  <p:clrMapOvr>
+    <a:masterClrMapping/>
+  </p:clrMapOvr>
   <p:timing>
     <p:tnLst>
       <p:par>
-        <p:cTn id="37" dur="indefinite" restart="never" nodeType="tmRoot">
+        <p:cTn id="1" dur="indefinite" restart="never" nodeType="tmRoot">
           <p:childTnLst>
             <p:seq>
-              <p:cTn id="38" nodeType="mainSeq"/>
+              <p:cTn id="2" nodeType="mainSeq"/>
               <p:prevCondLst>
-                <p:cond delay="0" evt="onPrev">
+                <p:cond evt="onPrev" delay="0">
                   <p:tgtEl>
                     <p:sldTgt/>
                   </p:tgtEl>
                 </p:cond>
               </p:prevCondLst>
               <p:nextCondLst>
-                <p:cond delay="0" evt="onNext">
+                <p:cond evt="onNext" delay="0">
                   <p:tgtEl>
                     <p:sldTgt/>
                   </p:tgtEl>
@@ -5493,7 +6387,7 @@
 </file>
 
 <file path=ppt/slides/slide2.xml><?xml version="1.0" encoding="utf-8"?>
-<p:sld xmlns:a="http://schemas.openxmlformats.org/drawingml/2006/main" xmlns:p="http://schemas.openxmlformats.org/presentationml/2006/main" xmlns:r="http://schemas.openxmlformats.org/officeDocument/2006/relationships">
+<p:sld xmlns:a="http://schemas.openxmlformats.org/drawingml/2006/main" xmlns:r="http://schemas.openxmlformats.org/officeDocument/2006/relationships" xmlns:p="http://schemas.openxmlformats.org/presentationml/2006/main">
   <p:cSld>
     <p:spTree>
       <p:nvGrpSpPr>
@@ -5529,7 +6423,8 @@
           </a:ln>
         </p:spPr>
         <p:txBody>
-          <a:bodyPr lIns="90000" rIns="90000" tIns="45000" bIns="45000" anchor="ctr"/>
+          <a:bodyPr lIns="90000" tIns="45000" rIns="90000" bIns="45000" anchor="ctr"/>
+          <a:lstStyle/>
           <a:p>
             <a:pPr>
               <a:lnSpc>
@@ -5570,7 +6465,8 @@
           </a:ln>
         </p:spPr>
         <p:txBody>
-          <a:bodyPr lIns="90000" rIns="90000" tIns="45000" bIns="45000"/>
+          <a:bodyPr lIns="90000" tIns="45000" rIns="90000" bIns="45000"/>
+          <a:lstStyle/>
           <a:p>
             <a:pPr>
               <a:lnSpc>
@@ -5703,22 +6599,25 @@
       </p:sp>
     </p:spTree>
   </p:cSld>
+  <p:clrMapOvr>
+    <a:masterClrMapping/>
+  </p:clrMapOvr>
   <p:timing>
     <p:tnLst>
       <p:par>
-        <p:cTn id="3" dur="indefinite" restart="never" nodeType="tmRoot">
+        <p:cTn id="1" dur="indefinite" restart="never" nodeType="tmRoot">
           <p:childTnLst>
             <p:seq>
-              <p:cTn id="4" nodeType="mainSeq"/>
+              <p:cTn id="2" nodeType="mainSeq"/>
               <p:prevCondLst>
-                <p:cond delay="0" evt="onPrev">
+                <p:cond evt="onPrev" delay="0">
                   <p:tgtEl>
                     <p:sldTgt/>
                   </p:tgtEl>
                 </p:cond>
               </p:prevCondLst>
               <p:nextCondLst>
-                <p:cond delay="0" evt="onNext">
+                <p:cond evt="onNext" delay="0">
                   <p:tgtEl>
                     <p:sldTgt/>
                   </p:tgtEl>
@@ -5734,7 +6633,7 @@
 </file>
 
 <file path=ppt/slides/slide20.xml><?xml version="1.0" encoding="utf-8"?>
-<p:sld xmlns:a="http://schemas.openxmlformats.org/drawingml/2006/main" xmlns:p="http://schemas.openxmlformats.org/presentationml/2006/main" xmlns:r="http://schemas.openxmlformats.org/officeDocument/2006/relationships">
+<p:sld xmlns:a="http://schemas.openxmlformats.org/drawingml/2006/main" xmlns:r="http://schemas.openxmlformats.org/officeDocument/2006/relationships" xmlns:p="http://schemas.openxmlformats.org/presentationml/2006/main">
   <p:cSld>
     <p:spTree>
       <p:nvGrpSpPr>
@@ -5752,7 +6651,7 @@
       </p:grpSpPr>
       <p:sp>
         <p:nvSpPr>
-          <p:cNvPr id="159" name="CustomShape 1"/>
+          <p:cNvPr id="173" name="CustomShape 1"/>
           <p:cNvSpPr/>
           <p:nvPr/>
         </p:nvSpPr>
@@ -5770,7 +6669,8 @@
           </a:ln>
         </p:spPr>
         <p:txBody>
-          <a:bodyPr lIns="0" rIns="0" tIns="0" bIns="0" anchor="ctr"/>
+          <a:bodyPr lIns="90000" tIns="45000" rIns="90000" bIns="45000" anchor="ctr"/>
+          <a:lstStyle/>
           <a:p>
             <a:pPr>
               <a:lnSpc>
@@ -5785,22 +6685,22 @@
                 <a:latin typeface="Trebuchet MS"/>
                 <a:ea typeface="DejaVu Sans"/>
               </a:rPr>
-              <a:t>RSA- Verifying with openssl</a:t>
-            </a:r>
-            <a:endParaRPr/>
-          </a:p>
-        </p:txBody>
-      </p:sp>
-      <p:sp>
-        <p:nvSpPr>
-          <p:cNvPr id="160" name="CustomShape 2"/>
+              <a:t>RSA Attack Tests</a:t>
+            </a:r>
+            <a:endParaRPr/>
+          </a:p>
+        </p:txBody>
+      </p:sp>
+      <p:sp>
+        <p:nvSpPr>
+          <p:cNvPr id="174" name="CustomShape 2"/>
           <p:cNvSpPr/>
           <p:nvPr/>
         </p:nvSpPr>
         <p:spPr>
           <a:xfrm>
-            <a:off x="457200" y="2333880"/>
-            <a:ext cx="6942960" cy="3382200"/>
+            <a:off x="457200" y="2249280"/>
+            <a:ext cx="8228880" cy="4324320"/>
           </a:xfrm>
           <a:prstGeom prst="rect">
             <a:avLst/>
@@ -5811,195 +6711,107 @@
           </a:ln>
         </p:spPr>
         <p:txBody>
-          <a:bodyPr lIns="90000" rIns="90000" tIns="45000" bIns="45000"/>
-          <a:p>
-            <a:pPr>
-              <a:lnSpc>
-                <a:spcPct val="100000"/>
-              </a:lnSpc>
-            </a:pPr>
-            <a:r>
-              <a:rPr lang="en-US">
+          <a:bodyPr lIns="90000" tIns="45000" rIns="90000" bIns="45000"/>
+          <a:lstStyle/>
+          <a:p>
+            <a:pPr>
+              <a:lnSpc>
+                <a:spcPct val="100000"/>
+              </a:lnSpc>
+              <a:buFont typeface="Georgia"/>
+              <a:buChar char="•"/>
+            </a:pPr>
+            <a:r>
+              <a:rPr lang="en-US" sz="2800">
                 <a:solidFill>
                   <a:srgbClr val="000000"/>
                 </a:solidFill>
-                <a:latin typeface="Arial"/>
+                <a:latin typeface="Georgia"/>
                 <a:ea typeface="DejaVu Sans"/>
               </a:rPr>
-              <a:t>Next we decrypt both of the cipher texts with their respective programs.</a:t>
-            </a:r>
-            <a:endParaRPr/>
-          </a:p>
-          <a:p>
-            <a:pPr>
-              <a:lnSpc>
-                <a:spcPct val="100000"/>
-              </a:lnSpc>
-            </a:pPr>
-            <a:endParaRPr/>
-          </a:p>
-          <a:p>
-            <a:pPr>
-              <a:lnSpc>
-                <a:spcPct val="100000"/>
-              </a:lnSpc>
-            </a:pPr>
-            <a:endParaRPr/>
-          </a:p>
-          <a:p>
-            <a:pPr>
-              <a:lnSpc>
-                <a:spcPct val="100000"/>
-              </a:lnSpc>
-            </a:pPr>
-            <a:endParaRPr/>
-          </a:p>
-          <a:p>
-            <a:pPr>
-              <a:lnSpc>
-                <a:spcPct val="100000"/>
-              </a:lnSpc>
-            </a:pPr>
-            <a:r>
-              <a:rPr lang="en-US">
+              <a:t>Fermat_test: Test if Fermat attack is working</a:t>
+            </a:r>
+            <a:endParaRPr/>
+          </a:p>
+          <a:p>
+            <a:pPr>
+              <a:lnSpc>
+                <a:spcPct val="100000"/>
+              </a:lnSpc>
+            </a:pPr>
+            <a:endParaRPr/>
+          </a:p>
+          <a:p>
+            <a:pPr>
+              <a:lnSpc>
+                <a:spcPct val="100000"/>
+              </a:lnSpc>
+              <a:buFont typeface="Georgia"/>
+              <a:buChar char="•"/>
+            </a:pPr>
+            <a:r>
+              <a:rPr lang="en-US" sz="2800">
                 <a:solidFill>
                   <a:srgbClr val="000000"/>
                 </a:solidFill>
-                <a:latin typeface="Arial"/>
+                <a:latin typeface="Georgia"/>
                 <a:ea typeface="DejaVu Sans"/>
               </a:rPr>
-              <a:t>OpenSSL</a:t>
-            </a:r>
-            <a:endParaRPr/>
-          </a:p>
-          <a:p>
-            <a:pPr>
-              <a:lnSpc>
-                <a:spcPct val="100000"/>
-              </a:lnSpc>
-            </a:pPr>
-            <a:endParaRPr/>
-          </a:p>
-          <a:p>
-            <a:pPr>
-              <a:lnSpc>
-                <a:spcPct val="100000"/>
-              </a:lnSpc>
-            </a:pPr>
-            <a:endParaRPr/>
-          </a:p>
-          <a:p>
-            <a:pPr>
-              <a:lnSpc>
-                <a:spcPct val="100000"/>
-              </a:lnSpc>
-            </a:pPr>
-            <a:endParaRPr/>
-          </a:p>
-          <a:p>
-            <a:pPr>
-              <a:lnSpc>
-                <a:spcPct val="100000"/>
-              </a:lnSpc>
-            </a:pPr>
-            <a:endParaRPr/>
-          </a:p>
-          <a:p>
-            <a:pPr>
-              <a:lnSpc>
-                <a:spcPct val="100000"/>
-              </a:lnSpc>
-            </a:pPr>
-            <a:endParaRPr/>
-          </a:p>
-          <a:p>
-            <a:pPr>
-              <a:lnSpc>
-                <a:spcPct val="100000"/>
-              </a:lnSpc>
-            </a:pPr>
-            <a:r>
-              <a:rPr lang="en-US">
+              <a:t>Pollards_test: Test if Pollards attack is working</a:t>
+            </a:r>
+            <a:endParaRPr/>
+          </a:p>
+          <a:p>
+            <a:pPr>
+              <a:lnSpc>
+                <a:spcPct val="100000"/>
+              </a:lnSpc>
+            </a:pPr>
+            <a:endParaRPr/>
+          </a:p>
+          <a:p>
+            <a:pPr>
+              <a:lnSpc>
+                <a:spcPct val="100000"/>
+              </a:lnSpc>
+              <a:buFont typeface="Georgia"/>
+              <a:buChar char="•"/>
+            </a:pPr>
+            <a:r>
+              <a:rPr lang="en-US" sz="2800">
                 <a:solidFill>
                   <a:srgbClr val="000000"/>
                 </a:solidFill>
-                <a:latin typeface="Arial"/>
+                <a:latin typeface="Georgia"/>
                 <a:ea typeface="DejaVu Sans"/>
               </a:rPr>
-              <a:t>Munchkincrypt</a:t>
-            </a:r>
-            <a:endParaRPr/>
-          </a:p>
-        </p:txBody>
-      </p:sp>
-      <p:pic>
-        <p:nvPicPr>
-          <p:cNvPr id="161" name="Picture 2" descr=""/>
-          <p:cNvPicPr/>
-          <p:nvPr/>
-        </p:nvPicPr>
-        <p:blipFill>
-          <a:blip r:embed="rId1"/>
-          <a:stretch>
-            <a:fillRect/>
-          </a:stretch>
-        </p:blipFill>
-        <p:spPr>
-          <a:xfrm>
-            <a:off x="2312640" y="3180600"/>
-            <a:ext cx="6333480" cy="1387080"/>
-          </a:xfrm>
-          <a:prstGeom prst="rect">
-            <a:avLst/>
-          </a:prstGeom>
-          <a:ln>
-            <a:noFill/>
-          </a:ln>
-        </p:spPr>
-      </p:pic>
-      <p:pic>
-        <p:nvPicPr>
-          <p:cNvPr id="162" name="Picture 3" descr=""/>
-          <p:cNvPicPr/>
-          <p:nvPr/>
-        </p:nvPicPr>
-        <p:blipFill>
-          <a:blip r:embed="rId2"/>
-          <a:stretch>
-            <a:fillRect/>
-          </a:stretch>
-        </p:blipFill>
-        <p:spPr>
-          <a:xfrm>
-            <a:off x="2352600" y="4868280"/>
-            <a:ext cx="5981760" cy="1585440"/>
-          </a:xfrm>
-          <a:prstGeom prst="rect">
-            <a:avLst/>
-          </a:prstGeom>
-          <a:ln>
-            <a:noFill/>
-          </a:ln>
-        </p:spPr>
-      </p:pic>
+              <a:t>Brute_force_test: Test if the brute force attack is working correctly</a:t>
+            </a:r>
+            <a:endParaRPr/>
+          </a:p>
+        </p:txBody>
+      </p:sp>
     </p:spTree>
   </p:cSld>
+  <p:clrMapOvr>
+    <a:masterClrMapping/>
+  </p:clrMapOvr>
   <p:timing>
     <p:tnLst>
       <p:par>
-        <p:cTn id="39" dur="indefinite" restart="never" nodeType="tmRoot">
+        <p:cTn id="1" dur="indefinite" restart="never" nodeType="tmRoot">
           <p:childTnLst>
             <p:seq>
-              <p:cTn id="40" nodeType="mainSeq"/>
+              <p:cTn id="2" nodeType="mainSeq"/>
               <p:prevCondLst>
-                <p:cond delay="0" evt="onPrev">
+                <p:cond evt="onPrev" delay="0">
                   <p:tgtEl>
                     <p:sldTgt/>
                   </p:tgtEl>
                 </p:cond>
               </p:prevCondLst>
               <p:nextCondLst>
-                <p:cond delay="0" evt="onNext">
+                <p:cond evt="onNext" delay="0">
                   <p:tgtEl>
                     <p:sldTgt/>
                   </p:tgtEl>
@@ -6015,7 +6827,7 @@
 </file>
 
 <file path=ppt/slides/slide21.xml><?xml version="1.0" encoding="utf-8"?>
-<p:sld xmlns:a="http://schemas.openxmlformats.org/drawingml/2006/main" xmlns:p="http://schemas.openxmlformats.org/presentationml/2006/main" xmlns:r="http://schemas.openxmlformats.org/officeDocument/2006/relationships">
+<p:sld xmlns:a="http://schemas.openxmlformats.org/drawingml/2006/main" xmlns:r="http://schemas.openxmlformats.org/officeDocument/2006/relationships" xmlns:p="http://schemas.openxmlformats.org/presentationml/2006/main">
   <p:cSld>
     <p:spTree>
       <p:nvGrpSpPr>
@@ -6033,14 +6845,14 @@
       </p:grpSpPr>
       <p:sp>
         <p:nvSpPr>
-          <p:cNvPr id="163" name="CustomShape 1"/>
+          <p:cNvPr id="175" name="CustomShape 1"/>
           <p:cNvSpPr/>
           <p:nvPr/>
         </p:nvSpPr>
         <p:spPr>
           <a:xfrm>
-            <a:off x="457200" y="1143000"/>
-            <a:ext cx="8228880" cy="1065960"/>
+            <a:off x="457560" y="762480"/>
+            <a:ext cx="8228880" cy="608760"/>
           </a:xfrm>
           <a:prstGeom prst="rect">
             <a:avLst/>
@@ -6051,37 +6863,38 @@
           </a:ln>
         </p:spPr>
         <p:txBody>
-          <a:bodyPr lIns="0" rIns="0" tIns="0" bIns="0" anchor="ctr"/>
-          <a:p>
-            <a:pPr>
-              <a:lnSpc>
-                <a:spcPct val="100000"/>
-              </a:lnSpc>
-            </a:pPr>
-            <a:r>
-              <a:rPr lang="en-US" sz="4000">
+          <a:bodyPr lIns="0" tIns="0" rIns="0" bIns="0" anchor="ctr"/>
+          <a:lstStyle/>
+          <a:p>
+            <a:pPr>
+              <a:lnSpc>
+                <a:spcPct val="100000"/>
+              </a:lnSpc>
+            </a:pPr>
+            <a:r>
+              <a:rPr lang="en-US">
                 <a:solidFill>
-                  <a:srgbClr val="424456"/>
+                  <a:srgbClr val="000000"/>
                 </a:solidFill>
-                <a:latin typeface="Trebuchet MS"/>
+                <a:latin typeface="Georgia"/>
                 <a:ea typeface="DejaVu Sans"/>
               </a:rPr>
-              <a:t>RSA- Verifying with openssl</a:t>
-            </a:r>
-            <a:endParaRPr/>
-          </a:p>
-        </p:txBody>
-      </p:sp>
-      <p:sp>
-        <p:nvSpPr>
-          <p:cNvPr id="164" name="CustomShape 2"/>
+              <a:t>References to libraries/papers</a:t>
+            </a:r>
+            <a:endParaRPr/>
+          </a:p>
+        </p:txBody>
+      </p:sp>
+      <p:sp>
+        <p:nvSpPr>
+          <p:cNvPr id="176" name="CustomShape 2"/>
           <p:cNvSpPr/>
           <p:nvPr/>
         </p:nvSpPr>
         <p:spPr>
           <a:xfrm>
-            <a:off x="457200" y="2333880"/>
-            <a:ext cx="6942960" cy="3107880"/>
+            <a:off x="370800" y="1592280"/>
+            <a:ext cx="3967920" cy="601920"/>
           </a:xfrm>
           <a:prstGeom prst="rect">
             <a:avLst/>
@@ -6092,7 +6905,8 @@
           </a:ln>
         </p:spPr>
         <p:txBody>
-          <a:bodyPr lIns="90000" rIns="90000" tIns="45000" bIns="45000"/>
+          <a:bodyPr lIns="90000" tIns="45000" rIns="90000" bIns="45000"/>
+          <a:lstStyle/>
           <a:p>
             <a:pPr>
               <a:lnSpc>
@@ -6107,34 +6921,34 @@
                 <a:latin typeface="Arial"/>
                 <a:ea typeface="DejaVu Sans"/>
               </a:rPr>
-              <a:t>The decrypted version of each file is shown below.</a:t>
-            </a:r>
-            <a:endParaRPr/>
-          </a:p>
-          <a:p>
-            <a:pPr>
-              <a:lnSpc>
-                <a:spcPct val="100000"/>
-              </a:lnSpc>
-            </a:pPr>
-            <a:endParaRPr/>
-          </a:p>
-          <a:p>
-            <a:pPr>
-              <a:lnSpc>
-                <a:spcPct val="100000"/>
-              </a:lnSpc>
-            </a:pPr>
-            <a:endParaRPr/>
-          </a:p>
-          <a:p>
-            <a:pPr>
-              <a:lnSpc>
-                <a:spcPct val="100000"/>
-              </a:lnSpc>
-            </a:pPr>
-            <a:endParaRPr/>
-          </a:p>
+              <a:t>https://mattmccutchen.net/bigint/</a:t>
+            </a:r>
+            <a:endParaRPr/>
+          </a:p>
+        </p:txBody>
+      </p:sp>
+      <p:sp>
+        <p:nvSpPr>
+          <p:cNvPr id="177" name="CustomShape 3"/>
+          <p:cNvSpPr/>
+          <p:nvPr/>
+        </p:nvSpPr>
+        <p:spPr>
+          <a:xfrm>
+            <a:off x="375480" y="2188440"/>
+            <a:ext cx="6033600" cy="601920"/>
+          </a:xfrm>
+          <a:prstGeom prst="rect">
+            <a:avLst/>
+          </a:prstGeom>
+          <a:noFill/>
+          <a:ln>
+            <a:noFill/>
+          </a:ln>
+        </p:spPr>
+        <p:txBody>
+          <a:bodyPr lIns="90000" tIns="45000" rIns="90000" bIns="45000"/>
+          <a:lstStyle/>
           <a:p>
             <a:pPr>
               <a:lnSpc>
@@ -6149,50 +6963,42 @@
                 <a:latin typeface="Arial"/>
                 <a:ea typeface="DejaVu Sans"/>
               </a:rPr>
-              <a:t>OpenSSL</a:t>
-            </a:r>
-            <a:endParaRPr/>
-          </a:p>
-          <a:p>
-            <a:pPr>
-              <a:lnSpc>
-                <a:spcPct val="100000"/>
-              </a:lnSpc>
-            </a:pPr>
-            <a:endParaRPr/>
-          </a:p>
-          <a:p>
-            <a:pPr>
-              <a:lnSpc>
-                <a:spcPct val="100000"/>
-              </a:lnSpc>
-            </a:pPr>
-            <a:endParaRPr/>
-          </a:p>
-          <a:p>
-            <a:pPr>
-              <a:lnSpc>
-                <a:spcPct val="100000"/>
-              </a:lnSpc>
-            </a:pPr>
-            <a:endParaRPr/>
-          </a:p>
-          <a:p>
-            <a:pPr>
-              <a:lnSpc>
-                <a:spcPct val="100000"/>
-              </a:lnSpc>
-            </a:pPr>
-            <a:endParaRPr/>
-          </a:p>
-          <a:p>
-            <a:pPr>
-              <a:lnSpc>
-                <a:spcPct val="100000"/>
-              </a:lnSpc>
-            </a:pPr>
-            <a:endParaRPr/>
-          </a:p>
+              <a:t>https://www.cs.purdue.edu/homes/ssw/cs555/2009f.pdf</a:t>
+            </a:r>
+            <a:endParaRPr/>
+          </a:p>
+          <a:p>
+            <a:pPr>
+              <a:lnSpc>
+                <a:spcPct val="100000"/>
+              </a:lnSpc>
+            </a:pPr>
+            <a:endParaRPr/>
+          </a:p>
+        </p:txBody>
+      </p:sp>
+      <p:sp>
+        <p:nvSpPr>
+          <p:cNvPr id="178" name="CustomShape 4"/>
+          <p:cNvSpPr/>
+          <p:nvPr/>
+        </p:nvSpPr>
+        <p:spPr>
+          <a:xfrm>
+            <a:off x="406080" y="2488320"/>
+            <a:ext cx="5235120" cy="345960"/>
+          </a:xfrm>
+          <a:prstGeom prst="rect">
+            <a:avLst/>
+          </a:prstGeom>
+          <a:noFill/>
+          <a:ln>
+            <a:noFill/>
+          </a:ln>
+        </p:spPr>
+        <p:txBody>
+          <a:bodyPr lIns="90000" tIns="45000" rIns="90000" bIns="45000"/>
+          <a:lstStyle/>
           <a:p>
             <a:pPr>
               <a:lnSpc>
@@ -6207,96 +7013,148 @@
                 <a:latin typeface="Arial"/>
                 <a:ea typeface="DejaVu Sans"/>
               </a:rPr>
-              <a:t>Munchkincrypt</a:t>
-            </a:r>
-            <a:endParaRPr/>
-          </a:p>
-        </p:txBody>
-      </p:sp>
-      <p:pic>
-        <p:nvPicPr>
-          <p:cNvPr id="165" name="Picture 4" descr=""/>
-          <p:cNvPicPr/>
-          <p:nvPr/>
-        </p:nvPicPr>
-        <p:blipFill>
-          <a:blip r:embed="rId1"/>
-          <a:stretch>
-            <a:fillRect/>
-          </a:stretch>
-        </p:blipFill>
-        <p:spPr>
-          <a:xfrm>
-            <a:off x="2312640" y="4745520"/>
-            <a:ext cx="6257520" cy="1999800"/>
-          </a:xfrm>
-          <a:prstGeom prst="rect">
-            <a:avLst/>
-          </a:prstGeom>
+              <a:t>http://www.ams.org/notices/199902/boneh.pdf</a:t>
+            </a:r>
+            <a:endParaRPr/>
+          </a:p>
+        </p:txBody>
+      </p:sp>
+      <p:sp>
+        <p:nvSpPr>
+          <p:cNvPr id="179" name="CustomShape 5"/>
+          <p:cNvSpPr/>
+          <p:nvPr/>
+        </p:nvSpPr>
+        <p:spPr>
+          <a:xfrm>
+            <a:off x="406080" y="2790720"/>
+            <a:ext cx="8858160" cy="345960"/>
+          </a:xfrm>
+          <a:prstGeom prst="rect">
+            <a:avLst/>
+          </a:prstGeom>
+          <a:noFill/>
           <a:ln>
             <a:noFill/>
           </a:ln>
         </p:spPr>
-      </p:pic>
-      <p:pic>
-        <p:nvPicPr>
-          <p:cNvPr id="166" name="Picture 5" descr=""/>
-          <p:cNvPicPr/>
-          <p:nvPr/>
-        </p:nvPicPr>
-        <p:blipFill>
-          <a:blip r:embed="rId2"/>
-          <a:stretch>
-            <a:fillRect/>
-          </a:stretch>
-        </p:blipFill>
-        <p:spPr>
-          <a:xfrm>
-            <a:off x="2312640" y="2763360"/>
-            <a:ext cx="6648120" cy="1856880"/>
-          </a:xfrm>
-          <a:prstGeom prst="rect">
-            <a:avLst/>
-          </a:prstGeom>
+        <p:txBody>
+          <a:bodyPr lIns="90000" tIns="45000" rIns="90000" bIns="45000"/>
+          <a:lstStyle/>
+          <a:p>
+            <a:pPr>
+              <a:lnSpc>
+                <a:spcPct val="100000"/>
+              </a:lnSpc>
+            </a:pPr>
+            <a:r>
+              <a:rPr lang="en-US">
+                <a:solidFill>
+                  <a:srgbClr val="000000"/>
+                </a:solidFill>
+                <a:latin typeface="Arial"/>
+                <a:ea typeface="DejaVu Sans"/>
+              </a:rPr>
+              <a:t>http://www.cs.rit.edu/~ib/Classes/CS482-705_Winter10-11/Slides/crypto_6d.pdf</a:t>
+            </a:r>
+            <a:endParaRPr/>
+          </a:p>
+        </p:txBody>
+      </p:sp>
+      <p:sp>
+        <p:nvSpPr>
+          <p:cNvPr id="180" name="CustomShape 6"/>
+          <p:cNvSpPr/>
+          <p:nvPr/>
+        </p:nvSpPr>
+        <p:spPr>
+          <a:xfrm>
+            <a:off x="408960" y="1371600"/>
+            <a:ext cx="1143360" cy="345960"/>
+          </a:xfrm>
+          <a:prstGeom prst="rect">
+            <a:avLst/>
+          </a:prstGeom>
+          <a:noFill/>
           <a:ln>
             <a:noFill/>
           </a:ln>
         </p:spPr>
-      </p:pic>
+        <p:txBody>
+          <a:bodyPr lIns="90000" tIns="45000" rIns="90000" bIns="45000"/>
+          <a:lstStyle/>
+          <a:p>
+            <a:pPr>
+              <a:lnSpc>
+                <a:spcPct val="100000"/>
+              </a:lnSpc>
+            </a:pPr>
+            <a:r>
+              <a:rPr lang="en-US">
+                <a:solidFill>
+                  <a:srgbClr val="000000"/>
+                </a:solidFill>
+                <a:latin typeface="Arial"/>
+                <a:ea typeface="DejaVu Sans"/>
+              </a:rPr>
+              <a:t>Libraries</a:t>
+            </a:r>
+            <a:endParaRPr/>
+          </a:p>
+        </p:txBody>
+      </p:sp>
+      <p:sp>
+        <p:nvSpPr>
+          <p:cNvPr id="181" name="CustomShape 7"/>
+          <p:cNvSpPr/>
+          <p:nvPr/>
+        </p:nvSpPr>
+        <p:spPr>
+          <a:xfrm>
+            <a:off x="406080" y="1967760"/>
+            <a:ext cx="649800" cy="345960"/>
+          </a:xfrm>
+          <a:prstGeom prst="rect">
+            <a:avLst/>
+          </a:prstGeom>
+          <a:noFill/>
+          <a:ln>
+            <a:noFill/>
+          </a:ln>
+        </p:spPr>
+        <p:txBody>
+          <a:bodyPr lIns="90000" tIns="45000" rIns="90000" bIns="45000"/>
+          <a:lstStyle/>
+          <a:p>
+            <a:pPr>
+              <a:lnSpc>
+                <a:spcPct val="100000"/>
+              </a:lnSpc>
+            </a:pPr>
+            <a:r>
+              <a:rPr lang="en-US">
+                <a:solidFill>
+                  <a:srgbClr val="000000"/>
+                </a:solidFill>
+                <a:latin typeface="Arial"/>
+                <a:ea typeface="DejaVu Sans"/>
+              </a:rPr>
+              <a:t>RSA</a:t>
+            </a:r>
+            <a:endParaRPr/>
+          </a:p>
+        </p:txBody>
+      </p:sp>
     </p:spTree>
   </p:cSld>
-  <p:timing>
-    <p:tnLst>
-      <p:par>
-        <p:cTn id="41" dur="indefinite" restart="never" nodeType="tmRoot">
-          <p:childTnLst>
-            <p:seq>
-              <p:cTn id="42" nodeType="mainSeq"/>
-              <p:prevCondLst>
-                <p:cond delay="0" evt="onPrev">
-                  <p:tgtEl>
-                    <p:sldTgt/>
-                  </p:tgtEl>
-                </p:cond>
-              </p:prevCondLst>
-              <p:nextCondLst>
-                <p:cond delay="0" evt="onNext">
-                  <p:tgtEl>
-                    <p:sldTgt/>
-                  </p:tgtEl>
-                </p:cond>
-              </p:nextCondLst>
-            </p:seq>
-          </p:childTnLst>
-        </p:cTn>
-      </p:par>
-    </p:tnLst>
-  </p:timing>
+  <p:clrMapOvr>
+    <a:masterClrMapping/>
+  </p:clrMapOvr>
 </p:sld>
 </file>
 
-<file path=ppt/slides/slide22.xml><?xml version="1.0" encoding="utf-8"?>
-<p:sld xmlns:a="http://schemas.openxmlformats.org/drawingml/2006/main" xmlns:p="http://schemas.openxmlformats.org/presentationml/2006/main" xmlns:r="http://schemas.openxmlformats.org/officeDocument/2006/relationships">
+<file path=ppt/slides/slide3.xml><?xml version="1.0" encoding="utf-8"?>
+<p:sld xmlns:a="http://schemas.openxmlformats.org/drawingml/2006/main" xmlns:r="http://schemas.openxmlformats.org/officeDocument/2006/relationships" xmlns:p="http://schemas.openxmlformats.org/presentationml/2006/main">
   <p:cSld>
     <p:spTree>
       <p:nvGrpSpPr>
@@ -6314,7 +7172,7 @@
       </p:grpSpPr>
       <p:sp>
         <p:nvSpPr>
-          <p:cNvPr id="167" name="CustomShape 1"/>
+          <p:cNvPr id="118" name="CustomShape 1"/>
           <p:cNvSpPr/>
           <p:nvPr/>
         </p:nvSpPr>
@@ -6332,7 +7190,8 @@
           </a:ln>
         </p:spPr>
         <p:txBody>
-          <a:bodyPr lIns="0" rIns="0" tIns="0" bIns="0" anchor="ctr"/>
+          <a:bodyPr lIns="90000" tIns="45000" rIns="90000" bIns="45000" anchor="ctr"/>
+          <a:lstStyle/>
           <a:p>
             <a:pPr>
               <a:lnSpc>
@@ -6347,22 +7206,22 @@
                 <a:latin typeface="Trebuchet MS"/>
                 <a:ea typeface="DejaVu Sans"/>
               </a:rPr>
-              <a:t>RSA- Verifying with openssl</a:t>
-            </a:r>
-            <a:endParaRPr/>
-          </a:p>
-        </p:txBody>
-      </p:sp>
-      <p:sp>
-        <p:nvSpPr>
-          <p:cNvPr id="168" name="CustomShape 2"/>
+              <a:t>LSB Extracting</a:t>
+            </a:r>
+            <a:endParaRPr/>
+          </a:p>
+        </p:txBody>
+      </p:sp>
+      <p:sp>
+        <p:nvSpPr>
+          <p:cNvPr id="119" name="CustomShape 2"/>
           <p:cNvSpPr/>
           <p:nvPr/>
         </p:nvSpPr>
         <p:spPr>
           <a:xfrm>
-            <a:off x="457200" y="2333880"/>
-            <a:ext cx="6942960" cy="2010600"/>
+            <a:off x="457200" y="2249280"/>
+            <a:ext cx="8228880" cy="4324320"/>
           </a:xfrm>
           <a:prstGeom prst="rect">
             <a:avLst/>
@@ -6373,74 +7232,85 @@
           </a:ln>
         </p:spPr>
         <p:txBody>
-          <a:bodyPr lIns="90000" rIns="90000" tIns="45000" bIns="45000"/>
-          <a:p>
-            <a:pPr>
-              <a:lnSpc>
-                <a:spcPct val="100000"/>
-              </a:lnSpc>
-            </a:pPr>
-            <a:r>
-              <a:rPr lang="en-US">
+          <a:bodyPr lIns="90000" tIns="45000" rIns="90000" bIns="45000"/>
+          <a:lstStyle/>
+          <a:p>
+            <a:pPr>
+              <a:lnSpc>
+                <a:spcPct val="100000"/>
+              </a:lnSpc>
+              <a:buFont typeface="Georgia"/>
+              <a:buChar char="•"/>
+            </a:pPr>
+            <a:r>
+              <a:rPr lang="en-US" sz="2800">
                 <a:solidFill>
                   <a:srgbClr val="000000"/>
                 </a:solidFill>
-                <a:latin typeface="Arial"/>
+                <a:latin typeface="Georgia"/>
                 <a:ea typeface="DejaVu Sans"/>
               </a:rPr>
-              <a:t>In this case, both of the decrypted files indeed match.</a:t>
-            </a:r>
-            <a:endParaRPr/>
-          </a:p>
-          <a:p>
-            <a:pPr>
-              <a:lnSpc>
-                <a:spcPct val="100000"/>
-              </a:lnSpc>
-            </a:pPr>
-            <a:endParaRPr/>
-          </a:p>
-          <a:p>
-            <a:pPr>
-              <a:lnSpc>
-                <a:spcPct val="100000"/>
-              </a:lnSpc>
-            </a:pPr>
-            <a:r>
-              <a:rPr lang="en-US">
+              <a:t>First value extracted is the number of characters in the message</a:t>
+            </a:r>
+            <a:endParaRPr/>
+          </a:p>
+          <a:p>
+            <a:pPr>
+              <a:lnSpc>
+                <a:spcPct val="100000"/>
+              </a:lnSpc>
+              <a:buFont typeface="Georgia"/>
+              <a:buChar char="•"/>
+            </a:pPr>
+            <a:r>
+              <a:rPr lang="en-US" sz="2800">
                 <a:solidFill>
                   <a:srgbClr val="000000"/>
                 </a:solidFill>
-                <a:latin typeface="Arial"/>
+                <a:latin typeface="Georgia"/>
                 <a:ea typeface="DejaVu Sans"/>
               </a:rPr>
-              <a:t>This is because both programs decrypt the message into its original, plaintext state and write this directly to the decrypted file.</a:t>
-            </a:r>
-            <a:endParaRPr/>
-          </a:p>
-          <a:p>
-            <a:pPr>
-              <a:lnSpc>
-                <a:spcPct val="100000"/>
-              </a:lnSpc>
-            </a:pPr>
-            <a:endParaRPr/>
-          </a:p>
-          <a:p>
-            <a:pPr>
-              <a:lnSpc>
-                <a:spcPct val="100000"/>
-              </a:lnSpc>
-            </a:pPr>
-            <a:r>
-              <a:rPr lang="en-US">
+              <a:t>Once size is known, message is extracted in binary format, converted to characters and displayed in the terminal</a:t>
+            </a:r>
+            <a:endParaRPr/>
+          </a:p>
+          <a:p>
+            <a:pPr>
+              <a:lnSpc>
+                <a:spcPct val="100000"/>
+              </a:lnSpc>
+              <a:buFont typeface="Georgia"/>
+              <a:buChar char="•"/>
+            </a:pPr>
+            <a:r>
+              <a:rPr lang="en-US" sz="2800">
                 <a:solidFill>
                   <a:srgbClr val="000000"/>
                 </a:solidFill>
-                <a:latin typeface="Arial"/>
+                <a:latin typeface="Georgia"/>
                 <a:ea typeface="DejaVu Sans"/>
               </a:rPr>
-              <a:t>Because of this, OpenSSL verifies that our munchkincrypt program works correctly.</a:t>
+              <a:t>Command line argument:</a:t>
+            </a:r>
+            <a:endParaRPr/>
+          </a:p>
+          <a:p>
+            <a:pPr lvl="1">
+              <a:lnSpc>
+                <a:spcPct val="100000"/>
+              </a:lnSpc>
+              <a:buFont typeface="Georgia"/>
+              <a:buChar char="▫"/>
+            </a:pPr>
+            <a:r>
+              <a:rPr lang="en-US" sz="2600">
+                <a:solidFill>
+                  <a:srgbClr val="438086"/>
+                </a:solidFill>
+                <a:latin typeface="Georgia"/>
+                <a:ea typeface="DejaVu Sans"/>
+              </a:rPr>
+              <a:t>./toto –lsbex filename.bmp</a:t>
             </a:r>
             <a:endParaRPr/>
           </a:p>
@@ -6448,22 +7318,25 @@
       </p:sp>
     </p:spTree>
   </p:cSld>
+  <p:clrMapOvr>
+    <a:masterClrMapping/>
+  </p:clrMapOvr>
   <p:timing>
     <p:tnLst>
       <p:par>
-        <p:cTn id="43" dur="indefinite" restart="never" nodeType="tmRoot">
+        <p:cTn id="1" dur="indefinite" restart="never" nodeType="tmRoot">
           <p:childTnLst>
             <p:seq>
-              <p:cTn id="44" nodeType="mainSeq"/>
+              <p:cTn id="2" nodeType="mainSeq"/>
               <p:prevCondLst>
-                <p:cond delay="0" evt="onPrev">
+                <p:cond evt="onPrev" delay="0">
                   <p:tgtEl>
                     <p:sldTgt/>
                   </p:tgtEl>
                 </p:cond>
               </p:prevCondLst>
               <p:nextCondLst>
-                <p:cond delay="0" evt="onNext">
+                <p:cond evt="onNext" delay="0">
                   <p:tgtEl>
                     <p:sldTgt/>
                   </p:tgtEl>
@@ -6478,8 +7351,8 @@
 </p:sld>
 </file>
 
-<file path=ppt/slides/slide23.xml><?xml version="1.0" encoding="utf-8"?>
-<p:sld xmlns:a="http://schemas.openxmlformats.org/drawingml/2006/main" xmlns:p="http://schemas.openxmlformats.org/presentationml/2006/main" xmlns:r="http://schemas.openxmlformats.org/officeDocument/2006/relationships">
+<file path=ppt/slides/slide4.xml><?xml version="1.0" encoding="utf-8"?>
+<p:sld xmlns:a="http://schemas.openxmlformats.org/drawingml/2006/main" xmlns:r="http://schemas.openxmlformats.org/officeDocument/2006/relationships" xmlns:p="http://schemas.openxmlformats.org/presentationml/2006/main">
   <p:cSld>
     <p:spTree>
       <p:nvGrpSpPr>
@@ -6497,7 +7370,7 @@
       </p:grpSpPr>
       <p:sp>
         <p:nvSpPr>
-          <p:cNvPr id="169" name="CustomShape 1"/>
+          <p:cNvPr id="120" name="CustomShape 1"/>
           <p:cNvSpPr/>
           <p:nvPr/>
         </p:nvSpPr>
@@ -6515,7 +7388,8 @@
           </a:ln>
         </p:spPr>
         <p:txBody>
-          <a:bodyPr lIns="0" rIns="0" tIns="0" bIns="0" anchor="ctr"/>
+          <a:bodyPr lIns="90000" tIns="45000" rIns="90000" bIns="45000" anchor="ctr"/>
+          <a:lstStyle/>
           <a:p>
             <a:pPr>
               <a:lnSpc>
@@ -6530,22 +7404,22 @@
                 <a:latin typeface="Trebuchet MS"/>
                 <a:ea typeface="DejaVu Sans"/>
               </a:rPr>
-              <a:t>RSA- Attacks</a:t>
-            </a:r>
-            <a:endParaRPr/>
-          </a:p>
-        </p:txBody>
-      </p:sp>
-      <p:sp>
-        <p:nvSpPr>
-          <p:cNvPr id="170" name="CustomShape 2"/>
+              <a:t>Randomization Attack</a:t>
+            </a:r>
+            <a:endParaRPr/>
+          </a:p>
+        </p:txBody>
+      </p:sp>
+      <p:sp>
+        <p:nvSpPr>
+          <p:cNvPr id="121" name="CustomShape 2"/>
           <p:cNvSpPr/>
           <p:nvPr/>
         </p:nvSpPr>
         <p:spPr>
           <a:xfrm>
-            <a:off x="99360" y="2109600"/>
-            <a:ext cx="8869320" cy="4887000"/>
+            <a:off x="457200" y="2249280"/>
+            <a:ext cx="8228880" cy="4324320"/>
           </a:xfrm>
           <a:prstGeom prst="rect">
             <a:avLst/>
@@ -6556,192 +7430,85 @@
           </a:ln>
         </p:spPr>
         <p:txBody>
-          <a:bodyPr lIns="90000" rIns="90000" tIns="45000" bIns="45000"/>
-          <a:p>
-            <a:pPr>
-              <a:lnSpc>
-                <a:spcPct val="100000"/>
-              </a:lnSpc>
-              <a:buSzPct val="45000"/>
-              <a:buFont typeface="StarSymbol"/>
-              <a:buChar char="l"/>
-            </a:pPr>
-            <a:r>
-              <a:rPr b="1" lang="en-US" sz="2200">
+          <a:bodyPr lIns="90000" tIns="45000" rIns="90000" bIns="45000"/>
+          <a:lstStyle/>
+          <a:p>
+            <a:pPr>
+              <a:lnSpc>
+                <a:spcPct val="100000"/>
+              </a:lnSpc>
+              <a:buFont typeface="Georgia"/>
+              <a:buChar char="•"/>
+            </a:pPr>
+            <a:r>
+              <a:rPr lang="en-US" sz="2800">
                 <a:solidFill>
                   <a:srgbClr val="000000"/>
                 </a:solidFill>
-                <a:latin typeface="Arial"/>
+                <a:latin typeface="Georgia"/>
                 <a:ea typeface="DejaVu Sans"/>
               </a:rPr>
-              <a:t>Brute Force</a:t>
-            </a:r>
-            <a:r>
-              <a:rPr lang="en-US" sz="2200">
+              <a:t>Randomly selects 0 or 1</a:t>
+            </a:r>
+            <a:endParaRPr/>
+          </a:p>
+          <a:p>
+            <a:pPr>
+              <a:lnSpc>
+                <a:spcPct val="100000"/>
+              </a:lnSpc>
+              <a:buFont typeface="Georgia"/>
+              <a:buChar char="•"/>
+            </a:pPr>
+            <a:r>
+              <a:rPr lang="en-US" sz="2800">
                 <a:solidFill>
                   <a:srgbClr val="000000"/>
                 </a:solidFill>
-                <a:latin typeface="Arial"/>
+                <a:latin typeface="Georgia"/>
                 <a:ea typeface="DejaVu Sans"/>
               </a:rPr>
-              <a:t>: Guessing p or q by iterating through all primes up to n. </a:t>
-            </a:r>
-            <a:endParaRPr/>
-          </a:p>
-          <a:p>
-            <a:pPr>
-              <a:lnSpc>
-                <a:spcPct val="100000"/>
-              </a:lnSpc>
-              <a:buSzPct val="45000"/>
-              <a:buFont typeface="StarSymbol"/>
-              <a:buChar char="l"/>
-            </a:pPr>
-            <a:r>
-              <a:rPr i="1" lang="en-US" sz="2200">
+              <a:t>If the current LSB does not match the randomly selected value, it is changed</a:t>
+            </a:r>
+            <a:endParaRPr/>
+          </a:p>
+          <a:p>
+            <a:pPr>
+              <a:lnSpc>
+                <a:spcPct val="100000"/>
+              </a:lnSpc>
+              <a:buFont typeface="Georgia"/>
+              <a:buChar char="•"/>
+            </a:pPr>
+            <a:r>
+              <a:rPr lang="en-US" sz="2800">
                 <a:solidFill>
                   <a:srgbClr val="000000"/>
                 </a:solidFill>
-                <a:latin typeface="Arial"/>
+                <a:latin typeface="Georgia"/>
                 <a:ea typeface="DejaVu Sans"/>
               </a:rPr>
-              <a:t>Handy for any n that is not overly large (512 bits plus)</a:t>
-            </a:r>
-            <a:endParaRPr/>
-          </a:p>
-          <a:p>
-            <a:pPr>
-              <a:lnSpc>
-                <a:spcPct val="100000"/>
-              </a:lnSpc>
-            </a:pPr>
-            <a:endParaRPr/>
-          </a:p>
-          <a:p>
-            <a:pPr>
-              <a:lnSpc>
-                <a:spcPct val="100000"/>
-              </a:lnSpc>
-            </a:pPr>
-            <a:endParaRPr/>
-          </a:p>
-          <a:p>
-            <a:pPr>
-              <a:lnSpc>
-                <a:spcPct val="100000"/>
-              </a:lnSpc>
-              <a:buSzPct val="45000"/>
-              <a:buFont typeface="StarSymbol"/>
-              <a:buChar char="l"/>
-            </a:pPr>
-            <a:r>
-              <a:rPr b="1" lang="en-US" sz="2200">
+              <a:t>Command line argument:</a:t>
+            </a:r>
+            <a:endParaRPr/>
+          </a:p>
+          <a:p>
+            <a:pPr lvl="1">
+              <a:lnSpc>
+                <a:spcPct val="100000"/>
+              </a:lnSpc>
+              <a:buFont typeface="Georgia"/>
+              <a:buChar char="▫"/>
+            </a:pPr>
+            <a:r>
+              <a:rPr lang="en-US" sz="2600">
                 <a:solidFill>
-                  <a:srgbClr val="000000"/>
+                  <a:srgbClr val="438086"/>
                 </a:solidFill>
-                <a:latin typeface="Arial"/>
+                <a:latin typeface="Georgia"/>
                 <a:ea typeface="DejaVu Sans"/>
               </a:rPr>
-              <a:t>Fermat</a:t>
-            </a:r>
-            <a:r>
-              <a:rPr lang="en-US" sz="2200">
-                <a:solidFill>
-                  <a:srgbClr val="000000"/>
-                </a:solidFill>
-                <a:latin typeface="Arial"/>
-                <a:ea typeface="DejaVu Sans"/>
-              </a:rPr>
-              <a:t>: Factors p and q by checking for perfect squares associated with n.</a:t>
-            </a:r>
-            <a:endParaRPr/>
-          </a:p>
-          <a:p>
-            <a:pPr>
-              <a:lnSpc>
-                <a:spcPct val="100000"/>
-              </a:lnSpc>
-              <a:buSzPct val="45000"/>
-              <a:buFont typeface="StarSymbol"/>
-              <a:buChar char="l"/>
-            </a:pPr>
-            <a:r>
-              <a:rPr i="1" lang="en-US" sz="2200">
-                <a:solidFill>
-                  <a:srgbClr val="000000"/>
-                </a:solidFill>
-                <a:latin typeface="Arial"/>
-                <a:ea typeface="DejaVu Sans"/>
-              </a:rPr>
-              <a:t>Handy for when p and q are near each other</a:t>
-            </a:r>
-            <a:endParaRPr/>
-          </a:p>
-          <a:p>
-            <a:pPr>
-              <a:lnSpc>
-                <a:spcPct val="100000"/>
-              </a:lnSpc>
-            </a:pPr>
-            <a:endParaRPr/>
-          </a:p>
-          <a:p>
-            <a:pPr>
-              <a:lnSpc>
-                <a:spcPct val="100000"/>
-              </a:lnSpc>
-            </a:pPr>
-            <a:endParaRPr/>
-          </a:p>
-          <a:p>
-            <a:pPr>
-              <a:lnSpc>
-                <a:spcPct val="100000"/>
-              </a:lnSpc>
-              <a:buSzPct val="45000"/>
-              <a:buFont typeface="StarSymbol"/>
-              <a:buChar char="l"/>
-            </a:pPr>
-            <a:r>
-              <a:rPr b="1" lang="en-US" sz="2200">
-                <a:solidFill>
-                  <a:srgbClr val="000000"/>
-                </a:solidFill>
-                <a:latin typeface="Arial"/>
-                <a:ea typeface="DejaVu Sans"/>
-              </a:rPr>
-              <a:t>Pollards p-1</a:t>
-            </a:r>
-            <a:r>
-              <a:rPr lang="en-US" sz="2200">
-                <a:solidFill>
-                  <a:srgbClr val="000000"/>
-                </a:solidFill>
-                <a:latin typeface="Arial"/>
-                <a:ea typeface="DejaVu Sans"/>
-              </a:rPr>
-              <a:t>: Factors p by checking when it has a gcd with n, accelerated with the use of a quickly expanding modexp.</a:t>
-            </a:r>
-            <a:endParaRPr/>
-          </a:p>
-          <a:p>
-            <a:pPr>
-              <a:lnSpc>
-                <a:spcPct val="100000"/>
-              </a:lnSpc>
-              <a:buSzPct val="45000"/>
-              <a:buFont typeface="StarSymbol"/>
-              <a:buChar char="l"/>
-            </a:pPr>
-            <a:r>
-              <a:rPr i="1" lang="en-US" sz="2200">
-                <a:solidFill>
-                  <a:srgbClr val="000000"/>
-                </a:solidFill>
-                <a:latin typeface="Arial"/>
-                <a:ea typeface="DejaVu Sans"/>
-              </a:rPr>
-              <a:t>Handy for when p is not overly large</a:t>
+              <a:t>./toto –osfa fileName.bmp</a:t>
             </a:r>
             <a:endParaRPr/>
           </a:p>
@@ -6749,22 +7516,25 @@
       </p:sp>
     </p:spTree>
   </p:cSld>
+  <p:clrMapOvr>
+    <a:masterClrMapping/>
+  </p:clrMapOvr>
   <p:timing>
     <p:tnLst>
       <p:par>
-        <p:cTn id="45" dur="indefinite" restart="never" nodeType="tmRoot">
+        <p:cTn id="1" dur="indefinite" restart="never" nodeType="tmRoot">
           <p:childTnLst>
             <p:seq>
-              <p:cTn id="46" nodeType="mainSeq"/>
+              <p:cTn id="2" nodeType="mainSeq"/>
               <p:prevCondLst>
-                <p:cond delay="0" evt="onPrev">
+                <p:cond evt="onPrev" delay="0">
                   <p:tgtEl>
                     <p:sldTgt/>
                   </p:tgtEl>
                 </p:cond>
               </p:prevCondLst>
               <p:nextCondLst>
-                <p:cond delay="0" evt="onNext">
+                <p:cond evt="onNext" delay="0">
                   <p:tgtEl>
                     <p:sldTgt/>
                   </p:tgtEl>
@@ -6779,8 +7549,8 @@
 </p:sld>
 </file>
 
-<file path=ppt/slides/slide24.xml><?xml version="1.0" encoding="utf-8"?>
-<p:sld xmlns:a="http://schemas.openxmlformats.org/drawingml/2006/main" xmlns:p="http://schemas.openxmlformats.org/presentationml/2006/main" xmlns:r="http://schemas.openxmlformats.org/officeDocument/2006/relationships">
+<file path=ppt/slides/slide5.xml><?xml version="1.0" encoding="utf-8"?>
+<p:sld xmlns:a="http://schemas.openxmlformats.org/drawingml/2006/main" xmlns:r="http://schemas.openxmlformats.org/officeDocument/2006/relationships" xmlns:p="http://schemas.openxmlformats.org/presentationml/2006/main">
   <p:cSld>
     <p:spTree>
       <p:nvGrpSpPr>
@@ -6798,7 +7568,7 @@
       </p:grpSpPr>
       <p:sp>
         <p:nvSpPr>
-          <p:cNvPr id="171" name="CustomShape 1"/>
+          <p:cNvPr id="122" name="CustomShape 1"/>
           <p:cNvSpPr/>
           <p:nvPr/>
         </p:nvSpPr>
@@ -6816,7 +7586,8 @@
           </a:ln>
         </p:spPr>
         <p:txBody>
-          <a:bodyPr lIns="90000" rIns="90000" tIns="45000" bIns="45000" anchor="ctr"/>
+          <a:bodyPr lIns="90000" tIns="45000" rIns="90000" bIns="45000" anchor="ctr"/>
+          <a:lstStyle/>
           <a:p>
             <a:pPr>
               <a:lnSpc>
@@ -6831,15 +7602,15 @@
                 <a:latin typeface="Trebuchet MS"/>
                 <a:ea typeface="DejaVu Sans"/>
               </a:rPr>
-              <a:t>RSA Tests</a:t>
-            </a:r>
-            <a:endParaRPr/>
-          </a:p>
-        </p:txBody>
-      </p:sp>
-      <p:sp>
-        <p:nvSpPr>
-          <p:cNvPr id="172" name="CustomShape 2"/>
+              <a:t>Detection Attack</a:t>
+            </a:r>
+            <a:endParaRPr/>
+          </a:p>
+        </p:txBody>
+      </p:sp>
+      <p:sp>
+        <p:nvSpPr>
+          <p:cNvPr id="123" name="CustomShape 2"/>
           <p:cNvSpPr/>
           <p:nvPr/>
         </p:nvSpPr>
@@ -6856,25 +7627,115 @@
             <a:noFill/>
           </a:ln>
         </p:spPr>
-      </p:sp>
+        <p:txBody>
+          <a:bodyPr lIns="90000" tIns="45000" rIns="90000" bIns="45000"/>
+          <a:lstStyle/>
+          <a:p>
+            <a:pPr>
+              <a:lnSpc>
+                <a:spcPct val="100000"/>
+              </a:lnSpc>
+              <a:buFont typeface="Georgia"/>
+              <a:buChar char="•"/>
+            </a:pPr>
+            <a:r>
+              <a:rPr lang="en-US" sz="2800">
+                <a:solidFill>
+                  <a:srgbClr val="000000"/>
+                </a:solidFill>
+                <a:latin typeface="Georgia"/>
+                <a:ea typeface="DejaVu Sans"/>
+              </a:rPr>
+              <a:t>Command line argument:</a:t>
+            </a:r>
+            <a:endParaRPr/>
+          </a:p>
+          <a:p>
+            <a:pPr lvl="1">
+              <a:lnSpc>
+                <a:spcPct val="100000"/>
+              </a:lnSpc>
+              <a:buFont typeface="Georgia"/>
+              <a:buChar char="▫"/>
+            </a:pPr>
+            <a:r>
+              <a:rPr lang="en-US" sz="2600">
+                <a:solidFill>
+                  <a:srgbClr val="438086"/>
+                </a:solidFill>
+                <a:latin typeface="Georgia"/>
+                <a:ea typeface="DejaVu Sans"/>
+              </a:rPr>
+              <a:t>./toto –ossa filename1.bmp filename2.bmp</a:t>
+            </a:r>
+            <a:endParaRPr/>
+          </a:p>
+          <a:p>
+            <a:pPr>
+              <a:lnSpc>
+                <a:spcPct val="100000"/>
+              </a:lnSpc>
+            </a:pPr>
+            <a:r>
+              <a:rPr lang="en-US" sz="2600">
+                <a:solidFill>
+                  <a:srgbClr val="438086"/>
+                </a:solidFill>
+                <a:latin typeface="Georgia"/>
+                <a:ea typeface="DejaVu Sans"/>
+              </a:rPr>
+              <a:t>	or ./toto –ossa MD5val filename2.bmp</a:t>
+            </a:r>
+            <a:endParaRPr/>
+          </a:p>
+        </p:txBody>
+      </p:sp>
+      <p:pic>
+        <p:nvPicPr>
+          <p:cNvPr id="124" name="Picture 2"/>
+          <p:cNvPicPr/>
+          <p:nvPr/>
+        </p:nvPicPr>
+        <p:blipFill>
+          <a:blip r:embed="rId2"/>
+          <a:stretch>
+            <a:fillRect/>
+          </a:stretch>
+        </p:blipFill>
+        <p:spPr>
+          <a:xfrm>
+            <a:off x="1611360" y="3866760"/>
+            <a:ext cx="5396760" cy="2176200"/>
+          </a:xfrm>
+          <a:prstGeom prst="rect">
+            <a:avLst/>
+          </a:prstGeom>
+          <a:ln>
+            <a:noFill/>
+          </a:ln>
+        </p:spPr>
+      </p:pic>
     </p:spTree>
   </p:cSld>
+  <p:clrMapOvr>
+    <a:masterClrMapping/>
+  </p:clrMapOvr>
   <p:timing>
     <p:tnLst>
       <p:par>
-        <p:cTn id="47" dur="indefinite" restart="never" nodeType="tmRoot">
+        <p:cTn id="1" dur="indefinite" restart="never" nodeType="tmRoot">
           <p:childTnLst>
             <p:seq>
-              <p:cTn id="48" nodeType="mainSeq"/>
+              <p:cTn id="2" nodeType="mainSeq"/>
               <p:prevCondLst>
-                <p:cond delay="0" evt="onPrev">
+                <p:cond evt="onPrev" delay="0">
                   <p:tgtEl>
                     <p:sldTgt/>
                   </p:tgtEl>
                 </p:cond>
               </p:prevCondLst>
               <p:nextCondLst>
-                <p:cond delay="0" evt="onNext">
+                <p:cond evt="onNext" delay="0">
                   <p:tgtEl>
                     <p:sldTgt/>
                   </p:tgtEl>
@@ -6889,8 +7750,8 @@
 </p:sld>
 </file>
 
-<file path=ppt/slides/slide25.xml><?xml version="1.0" encoding="utf-8"?>
-<p:sld xmlns:a="http://schemas.openxmlformats.org/drawingml/2006/main" xmlns:p="http://schemas.openxmlformats.org/presentationml/2006/main" xmlns:r="http://schemas.openxmlformats.org/officeDocument/2006/relationships">
+<file path=ppt/slides/slide6.xml><?xml version="1.0" encoding="utf-8"?>
+<p:sld xmlns:a="http://schemas.openxmlformats.org/drawingml/2006/main" xmlns:r="http://schemas.openxmlformats.org/officeDocument/2006/relationships" xmlns:p="http://schemas.openxmlformats.org/presentationml/2006/main">
   <p:cSld>
     <p:spTree>
       <p:nvGrpSpPr>
@@ -6908,7 +7769,7 @@
       </p:grpSpPr>
       <p:sp>
         <p:nvSpPr>
-          <p:cNvPr id="173" name="CustomShape 1"/>
+          <p:cNvPr id="127" name="CustomShape 1"/>
           <p:cNvSpPr/>
           <p:nvPr/>
         </p:nvSpPr>
@@ -6926,37 +7787,203 @@
           </a:ln>
         </p:spPr>
         <p:txBody>
-          <a:bodyPr lIns="90000" rIns="90000" tIns="45000" bIns="45000" anchor="ctr"/>
-          <a:p>
-            <a:pPr>
-              <a:lnSpc>
-                <a:spcPct val="100000"/>
-              </a:lnSpc>
-            </a:pPr>
-            <a:r>
-              <a:rPr lang="en-US" sz="4000">
+          <a:bodyPr lIns="90000" tIns="45000" rIns="90000" bIns="45000" anchor="ctr"/>
+          <a:lstStyle/>
+          <a:p>
+            <a:pPr>
+              <a:lnSpc>
+                <a:spcPct val="100000"/>
+              </a:lnSpc>
+            </a:pPr>
+            <a:r>
+              <a:rPr lang="en-US" sz="4000" dirty="0" smtClean="0">
                 <a:solidFill>
                   <a:srgbClr val="424456"/>
                 </a:solidFill>
                 <a:latin typeface="Trebuchet MS"/>
                 <a:ea typeface="DejaVu Sans"/>
               </a:rPr>
-              <a:t>RSA Attack Tests</a:t>
-            </a:r>
-            <a:endParaRPr/>
-          </a:p>
-        </p:txBody>
-      </p:sp>
-      <p:sp>
-        <p:nvSpPr>
-          <p:cNvPr id="174" name="CustomShape 2"/>
-          <p:cNvSpPr/>
-          <p:nvPr/>
-        </p:nvSpPr>
-        <p:spPr>
-          <a:xfrm>
-            <a:off x="457200" y="2249280"/>
-            <a:ext cx="8228880" cy="4324320"/>
+              <a:t>Test Driven Design</a:t>
+            </a:r>
+            <a:endParaRPr dirty="0"/>
+          </a:p>
+        </p:txBody>
+      </p:sp>
+      <p:pic>
+        <p:nvPicPr>
+          <p:cNvPr id="128" name="Picture 2"/>
+          <p:cNvPicPr/>
+          <p:nvPr/>
+        </p:nvPicPr>
+        <p:blipFill>
+          <a:blip r:embed="rId2"/>
+          <a:stretch>
+            <a:fillRect/>
+          </a:stretch>
+        </p:blipFill>
+        <p:spPr>
+          <a:xfrm>
+            <a:off x="457200" y="2057400"/>
+            <a:ext cx="4572000" cy="3152760"/>
+          </a:xfrm>
+          <a:prstGeom prst="rect">
+            <a:avLst/>
+          </a:prstGeom>
+          <a:ln>
+            <a:noFill/>
+          </a:ln>
+        </p:spPr>
+      </p:pic>
+      <p:pic>
+        <p:nvPicPr>
+          <p:cNvPr id="4" name="Picture 2"/>
+          <p:cNvPicPr/>
+          <p:nvPr/>
+        </p:nvPicPr>
+        <p:blipFill>
+          <a:blip r:embed="rId3"/>
+          <a:stretch>
+            <a:fillRect/>
+          </a:stretch>
+        </p:blipFill>
+        <p:spPr>
+          <a:xfrm>
+            <a:off x="4817458" y="1066800"/>
+            <a:ext cx="4267200" cy="3358920"/>
+          </a:xfrm>
+          <a:prstGeom prst="rect">
+            <a:avLst/>
+          </a:prstGeom>
+          <a:ln>
+            <a:noFill/>
+          </a:ln>
+        </p:spPr>
+      </p:pic>
+      <p:pic>
+        <p:nvPicPr>
+          <p:cNvPr id="5" name="Picture 2"/>
+          <p:cNvPicPr/>
+          <p:nvPr/>
+        </p:nvPicPr>
+        <p:blipFill>
+          <a:blip r:embed="rId4"/>
+          <a:stretch>
+            <a:fillRect/>
+          </a:stretch>
+        </p:blipFill>
+        <p:spPr>
+          <a:xfrm>
+            <a:off x="381000" y="4038600"/>
+            <a:ext cx="3829320" cy="2687040"/>
+          </a:xfrm>
+          <a:prstGeom prst="rect">
+            <a:avLst/>
+          </a:prstGeom>
+          <a:ln>
+            <a:noFill/>
+          </a:ln>
+        </p:spPr>
+      </p:pic>
+      <p:pic>
+        <p:nvPicPr>
+          <p:cNvPr id="6" name="Picture 2"/>
+          <p:cNvPicPr/>
+          <p:nvPr/>
+        </p:nvPicPr>
+        <p:blipFill>
+          <a:blip r:embed="rId5"/>
+          <a:stretch>
+            <a:fillRect/>
+          </a:stretch>
+        </p:blipFill>
+        <p:spPr>
+          <a:xfrm>
+            <a:off x="3810000" y="3830820"/>
+            <a:ext cx="4259942" cy="2807232"/>
+          </a:xfrm>
+          <a:prstGeom prst="rect">
+            <a:avLst/>
+          </a:prstGeom>
+          <a:ln>
+            <a:noFill/>
+          </a:ln>
+        </p:spPr>
+      </p:pic>
+      <p:pic>
+        <p:nvPicPr>
+          <p:cNvPr id="7" name="Picture 2"/>
+          <p:cNvPicPr/>
+          <p:nvPr/>
+        </p:nvPicPr>
+        <p:blipFill>
+          <a:blip r:embed="rId6"/>
+          <a:stretch>
+            <a:fillRect/>
+          </a:stretch>
+        </p:blipFill>
+        <p:spPr>
+          <a:xfrm>
+            <a:off x="3429000" y="1905000"/>
+            <a:ext cx="3886200" cy="2773140"/>
+          </a:xfrm>
+          <a:prstGeom prst="rect">
+            <a:avLst/>
+          </a:prstGeom>
+          <a:ln>
+            <a:noFill/>
+          </a:ln>
+        </p:spPr>
+      </p:pic>
+      <p:pic>
+        <p:nvPicPr>
+          <p:cNvPr id="8" name="Picture 7"/>
+          <p:cNvPicPr/>
+          <p:nvPr/>
+        </p:nvPicPr>
+        <p:blipFill>
+          <a:blip r:embed="rId7"/>
+          <a:stretch>
+            <a:fillRect/>
+          </a:stretch>
+        </p:blipFill>
+        <p:spPr>
+          <a:xfrm>
+            <a:off x="1639917" y="3641249"/>
+            <a:ext cx="3678000" cy="2484120"/>
+          </a:xfrm>
+          <a:prstGeom prst="rect">
+            <a:avLst/>
+          </a:prstGeom>
+          <a:ln>
+            <a:noFill/>
+          </a:ln>
+        </p:spPr>
+      </p:pic>
+      <p:pic>
+        <p:nvPicPr>
+          <p:cNvPr id="1026" name="Picture 2"/>
+          <p:cNvPicPr>
+            <a:picLocks noChangeAspect="1" noChangeArrowheads="1"/>
+          </p:cNvPicPr>
+          <p:nvPr/>
+        </p:nvPicPr>
+        <p:blipFill>
+          <a:blip r:embed="rId8">
+            <a:extLst>
+              <a:ext uri="{28A0092B-C50C-407E-A947-70E740481C1C}">
+                <a14:useLocalDpi xmlns:a14="http://schemas.microsoft.com/office/drawing/2010/main" val="0"/>
+              </a:ext>
+            </a:extLst>
+          </a:blip>
+          <a:srcRect/>
+          <a:stretch>
+            <a:fillRect/>
+          </a:stretch>
+        </p:blipFill>
+        <p:spPr bwMode="auto">
+          <a:xfrm>
+            <a:off x="5286333" y="2420894"/>
+            <a:ext cx="3767980" cy="4262397"/>
           </a:xfrm>
           <a:prstGeom prst="rect">
             <a:avLst/>
@@ -6965,105 +7992,510 @@
           <a:ln>
             <a:noFill/>
           </a:ln>
-        </p:spPr>
-        <p:txBody>
-          <a:bodyPr lIns="90000" rIns="90000" tIns="45000" bIns="45000"/>
-          <a:p>
-            <a:pPr>
-              <a:lnSpc>
-                <a:spcPct val="100000"/>
-              </a:lnSpc>
-              <a:buFont typeface="Georgia"/>
-              <a:buChar char="•"/>
-            </a:pPr>
-            <a:r>
-              <a:rPr lang="en-US" sz="2800">
+          <a:extLst>
+            <a:ext uri="{909E8E84-426E-40DD-AFC4-6F175D3DCCD1}">
+              <a14:hiddenFill xmlns:a14="http://schemas.microsoft.com/office/drawing/2010/main">
                 <a:solidFill>
-                  <a:srgbClr val="000000"/>
+                  <a:schemeClr val="accent1"/>
                 </a:solidFill>
-                <a:latin typeface="Georgia"/>
-                <a:ea typeface="DejaVu Sans"/>
-              </a:rPr>
-              <a:t>Fermat_test: Test if Fermat attack is working</a:t>
-            </a:r>
-            <a:endParaRPr/>
-          </a:p>
-          <a:p>
-            <a:pPr>
-              <a:lnSpc>
-                <a:spcPct val="100000"/>
-              </a:lnSpc>
-            </a:pPr>
-            <a:endParaRPr/>
-          </a:p>
-          <a:p>
-            <a:pPr>
-              <a:lnSpc>
-                <a:spcPct val="100000"/>
-              </a:lnSpc>
-              <a:buFont typeface="Georgia"/>
-              <a:buChar char="•"/>
-            </a:pPr>
-            <a:r>
-              <a:rPr lang="en-US" sz="2800">
+              </a14:hiddenFill>
+            </a:ext>
+            <a:ext uri="{91240B29-F687-4F45-9708-019B960494DF}">
+              <a14:hiddenLine xmlns:a14="http://schemas.microsoft.com/office/drawing/2010/main" w="9525">
                 <a:solidFill>
-                  <a:srgbClr val="000000"/>
+                  <a:schemeClr val="tx1"/>
                 </a:solidFill>
-                <a:latin typeface="Georgia"/>
-                <a:ea typeface="DejaVu Sans"/>
-              </a:rPr>
-              <a:t>Pollards_test: Test if Pollards attack is working</a:t>
-            </a:r>
-            <a:endParaRPr/>
-          </a:p>
-          <a:p>
-            <a:pPr>
-              <a:lnSpc>
-                <a:spcPct val="100000"/>
-              </a:lnSpc>
-            </a:pPr>
-            <a:endParaRPr/>
-          </a:p>
-          <a:p>
-            <a:pPr>
-              <a:lnSpc>
-                <a:spcPct val="100000"/>
-              </a:lnSpc>
-              <a:buFont typeface="Georgia"/>
-              <a:buChar char="•"/>
-            </a:pPr>
-            <a:r>
-              <a:rPr lang="en-US" sz="2800">
+                <a:miter lim="800000"/>
+                <a:headEnd/>
+                <a:tailEnd/>
+              </a14:hiddenLine>
+            </a:ext>
+          </a:extLst>
+        </p:spPr>
+      </p:pic>
+      <p:pic>
+        <p:nvPicPr>
+          <p:cNvPr id="1027" name="Picture 3"/>
+          <p:cNvPicPr>
+            <a:picLocks noChangeAspect="1" noChangeArrowheads="1"/>
+          </p:cNvPicPr>
+          <p:nvPr/>
+        </p:nvPicPr>
+        <p:blipFill>
+          <a:blip r:embed="rId9">
+            <a:extLst>
+              <a:ext uri="{28A0092B-C50C-407E-A947-70E740481C1C}">
+                <a14:useLocalDpi xmlns:a14="http://schemas.microsoft.com/office/drawing/2010/main" val="0"/>
+              </a:ext>
+            </a:extLst>
+          </a:blip>
+          <a:srcRect/>
+          <a:stretch>
+            <a:fillRect/>
+          </a:stretch>
+        </p:blipFill>
+        <p:spPr bwMode="auto">
+          <a:xfrm>
+            <a:off x="228600" y="2590800"/>
+            <a:ext cx="3445544" cy="3844695"/>
+          </a:xfrm>
+          <a:prstGeom prst="rect">
+            <a:avLst/>
+          </a:prstGeom>
+          <a:noFill/>
+          <a:ln>
+            <a:noFill/>
+          </a:ln>
+          <a:extLst>
+            <a:ext uri="{909E8E84-426E-40DD-AFC4-6F175D3DCCD1}">
+              <a14:hiddenFill xmlns:a14="http://schemas.microsoft.com/office/drawing/2010/main">
                 <a:solidFill>
-                  <a:srgbClr val="000000"/>
+                  <a:schemeClr val="accent1"/>
                 </a:solidFill>
-                <a:latin typeface="Georgia"/>
-                <a:ea typeface="DejaVu Sans"/>
-              </a:rPr>
-              <a:t>Brute_force_test: Test if the brute force attack is working correctly</a:t>
-            </a:r>
-            <a:endParaRPr/>
-          </a:p>
-        </p:txBody>
-      </p:sp>
+              </a14:hiddenFill>
+            </a:ext>
+            <a:ext uri="{91240B29-F687-4F45-9708-019B960494DF}">
+              <a14:hiddenLine xmlns:a14="http://schemas.microsoft.com/office/drawing/2010/main" w="9525">
+                <a:solidFill>
+                  <a:schemeClr val="tx1"/>
+                </a:solidFill>
+                <a:miter lim="800000"/>
+                <a:headEnd/>
+                <a:tailEnd/>
+              </a14:hiddenLine>
+            </a:ext>
+          </a:extLst>
+        </p:spPr>
+      </p:pic>
     </p:spTree>
   </p:cSld>
+  <p:clrMapOvr>
+    <a:masterClrMapping/>
+  </p:clrMapOvr>
   <p:timing>
     <p:tnLst>
       <p:par>
-        <p:cTn id="49" dur="indefinite" restart="never" nodeType="tmRoot">
+        <p:cTn id="1" dur="indefinite" restart="never" nodeType="tmRoot">
           <p:childTnLst>
             <p:seq>
-              <p:cTn id="50" nodeType="mainSeq"/>
+              <p:cTn id="2" nodeType="mainSeq">
+                <p:childTnLst>
+                  <p:par>
+                    <p:cTn id="3" fill="hold">
+                      <p:stCondLst>
+                        <p:cond delay="indefinite"/>
+                      </p:stCondLst>
+                      <p:childTnLst>
+                        <p:par>
+                          <p:cTn id="4" fill="hold">
+                            <p:stCondLst>
+                              <p:cond delay="0"/>
+                            </p:stCondLst>
+                            <p:childTnLst>
+                              <p:par>
+                                <p:cTn id="5" presetID="1" presetClass="entr" presetSubtype="0" fill="hold" nodeType="clickEffect">
+                                  <p:stCondLst>
+                                    <p:cond delay="0"/>
+                                  </p:stCondLst>
+                                  <p:childTnLst>
+                                    <p:set>
+                                      <p:cBhvr>
+                                        <p:cTn id="6" dur="1" fill="hold">
+                                          <p:stCondLst>
+                                            <p:cond delay="0"/>
+                                          </p:stCondLst>
+                                        </p:cTn>
+                                        <p:tgtEl>
+                                          <p:spTgt spid="4"/>
+                                        </p:tgtEl>
+                                        <p:attrNameLst>
+                                          <p:attrName>style.visibility</p:attrName>
+                                        </p:attrNameLst>
+                                      </p:cBhvr>
+                                      <p:to>
+                                        <p:strVal val="visible"/>
+                                      </p:to>
+                                    </p:set>
+                                  </p:childTnLst>
+                                </p:cTn>
+                              </p:par>
+                            </p:childTnLst>
+                          </p:cTn>
+                        </p:par>
+                      </p:childTnLst>
+                    </p:cTn>
+                  </p:par>
+                  <p:par>
+                    <p:cTn id="7" fill="hold">
+                      <p:stCondLst>
+                        <p:cond delay="indefinite"/>
+                      </p:stCondLst>
+                      <p:childTnLst>
+                        <p:par>
+                          <p:cTn id="8" fill="hold">
+                            <p:stCondLst>
+                              <p:cond delay="0"/>
+                            </p:stCondLst>
+                            <p:childTnLst>
+                              <p:par>
+                                <p:cTn id="9" presetID="1" presetClass="entr" presetSubtype="0" fill="hold" nodeType="clickEffect">
+                                  <p:stCondLst>
+                                    <p:cond delay="0"/>
+                                  </p:stCondLst>
+                                  <p:childTnLst>
+                                    <p:set>
+                                      <p:cBhvr>
+                                        <p:cTn id="10" dur="1" fill="hold">
+                                          <p:stCondLst>
+                                            <p:cond delay="0"/>
+                                          </p:stCondLst>
+                                        </p:cTn>
+                                        <p:tgtEl>
+                                          <p:spTgt spid="7"/>
+                                        </p:tgtEl>
+                                        <p:attrNameLst>
+                                          <p:attrName>style.visibility</p:attrName>
+                                        </p:attrNameLst>
+                                      </p:cBhvr>
+                                      <p:to>
+                                        <p:strVal val="visible"/>
+                                      </p:to>
+                                    </p:set>
+                                  </p:childTnLst>
+                                </p:cTn>
+                              </p:par>
+                            </p:childTnLst>
+                          </p:cTn>
+                        </p:par>
+                      </p:childTnLst>
+                    </p:cTn>
+                  </p:par>
+                  <p:par>
+                    <p:cTn id="11" fill="hold">
+                      <p:stCondLst>
+                        <p:cond delay="indefinite"/>
+                      </p:stCondLst>
+                      <p:childTnLst>
+                        <p:par>
+                          <p:cTn id="12" fill="hold">
+                            <p:stCondLst>
+                              <p:cond delay="0"/>
+                            </p:stCondLst>
+                            <p:childTnLst>
+                              <p:par>
+                                <p:cTn id="13" presetID="1" presetClass="entr" presetSubtype="0" fill="hold" nodeType="clickEffect">
+                                  <p:stCondLst>
+                                    <p:cond delay="0"/>
+                                  </p:stCondLst>
+                                  <p:childTnLst>
+                                    <p:set>
+                                      <p:cBhvr>
+                                        <p:cTn id="14" dur="1" fill="hold">
+                                          <p:stCondLst>
+                                            <p:cond delay="0"/>
+                                          </p:stCondLst>
+                                        </p:cTn>
+                                        <p:tgtEl>
+                                          <p:spTgt spid="128"/>
+                                        </p:tgtEl>
+                                        <p:attrNameLst>
+                                          <p:attrName>style.visibility</p:attrName>
+                                        </p:attrNameLst>
+                                      </p:cBhvr>
+                                      <p:to>
+                                        <p:strVal val="visible"/>
+                                      </p:to>
+                                    </p:set>
+                                  </p:childTnLst>
+                                </p:cTn>
+                              </p:par>
+                            </p:childTnLst>
+                          </p:cTn>
+                        </p:par>
+                      </p:childTnLst>
+                    </p:cTn>
+                  </p:par>
+                  <p:par>
+                    <p:cTn id="15" fill="hold">
+                      <p:stCondLst>
+                        <p:cond delay="indefinite"/>
+                      </p:stCondLst>
+                      <p:childTnLst>
+                        <p:par>
+                          <p:cTn id="16" fill="hold">
+                            <p:stCondLst>
+                              <p:cond delay="0"/>
+                            </p:stCondLst>
+                            <p:childTnLst>
+                              <p:par>
+                                <p:cTn id="17" presetID="1" presetClass="entr" presetSubtype="0" fill="hold" nodeType="clickEffect">
+                                  <p:stCondLst>
+                                    <p:cond delay="0"/>
+                                  </p:stCondLst>
+                                  <p:childTnLst>
+                                    <p:set>
+                                      <p:cBhvr>
+                                        <p:cTn id="18" dur="1" fill="hold">
+                                          <p:stCondLst>
+                                            <p:cond delay="0"/>
+                                          </p:stCondLst>
+                                        </p:cTn>
+                                        <p:tgtEl>
+                                          <p:spTgt spid="5"/>
+                                        </p:tgtEl>
+                                        <p:attrNameLst>
+                                          <p:attrName>style.visibility</p:attrName>
+                                        </p:attrNameLst>
+                                      </p:cBhvr>
+                                      <p:to>
+                                        <p:strVal val="visible"/>
+                                      </p:to>
+                                    </p:set>
+                                  </p:childTnLst>
+                                </p:cTn>
+                              </p:par>
+                            </p:childTnLst>
+                          </p:cTn>
+                        </p:par>
+                      </p:childTnLst>
+                    </p:cTn>
+                  </p:par>
+                  <p:par>
+                    <p:cTn id="19" fill="hold">
+                      <p:stCondLst>
+                        <p:cond delay="indefinite"/>
+                      </p:stCondLst>
+                      <p:childTnLst>
+                        <p:par>
+                          <p:cTn id="20" fill="hold">
+                            <p:stCondLst>
+                              <p:cond delay="0"/>
+                            </p:stCondLst>
+                            <p:childTnLst>
+                              <p:par>
+                                <p:cTn id="21" presetID="1" presetClass="entr" presetSubtype="0" fill="hold" nodeType="clickEffect">
+                                  <p:stCondLst>
+                                    <p:cond delay="0"/>
+                                  </p:stCondLst>
+                                  <p:childTnLst>
+                                    <p:set>
+                                      <p:cBhvr>
+                                        <p:cTn id="22" dur="1" fill="hold">
+                                          <p:stCondLst>
+                                            <p:cond delay="0"/>
+                                          </p:stCondLst>
+                                        </p:cTn>
+                                        <p:tgtEl>
+                                          <p:spTgt spid="6"/>
+                                        </p:tgtEl>
+                                        <p:attrNameLst>
+                                          <p:attrName>style.visibility</p:attrName>
+                                        </p:attrNameLst>
+                                      </p:cBhvr>
+                                      <p:to>
+                                        <p:strVal val="visible"/>
+                                      </p:to>
+                                    </p:set>
+                                  </p:childTnLst>
+                                </p:cTn>
+                              </p:par>
+                            </p:childTnLst>
+                          </p:cTn>
+                        </p:par>
+                      </p:childTnLst>
+                    </p:cTn>
+                  </p:par>
+                  <p:par>
+                    <p:cTn id="23" fill="hold">
+                      <p:stCondLst>
+                        <p:cond delay="indefinite"/>
+                      </p:stCondLst>
+                      <p:childTnLst>
+                        <p:par>
+                          <p:cTn id="24" fill="hold">
+                            <p:stCondLst>
+                              <p:cond delay="0"/>
+                            </p:stCondLst>
+                            <p:childTnLst>
+                              <p:par>
+                                <p:cTn id="25" presetID="1" presetClass="entr" presetSubtype="0" fill="hold" nodeType="clickEffect">
+                                  <p:stCondLst>
+                                    <p:cond delay="0"/>
+                                  </p:stCondLst>
+                                  <p:childTnLst>
+                                    <p:set>
+                                      <p:cBhvr>
+                                        <p:cTn id="26" dur="1" fill="hold">
+                                          <p:stCondLst>
+                                            <p:cond delay="0"/>
+                                          </p:stCondLst>
+                                        </p:cTn>
+                                        <p:tgtEl>
+                                          <p:spTgt spid="8"/>
+                                        </p:tgtEl>
+                                        <p:attrNameLst>
+                                          <p:attrName>style.visibility</p:attrName>
+                                        </p:attrNameLst>
+                                      </p:cBhvr>
+                                      <p:to>
+                                        <p:strVal val="visible"/>
+                                      </p:to>
+                                    </p:set>
+                                  </p:childTnLst>
+                                </p:cTn>
+                              </p:par>
+                            </p:childTnLst>
+                          </p:cTn>
+                        </p:par>
+                      </p:childTnLst>
+                    </p:cTn>
+                  </p:par>
+                  <p:par>
+                    <p:cTn id="27" fill="hold">
+                      <p:stCondLst>
+                        <p:cond delay="indefinite"/>
+                      </p:stCondLst>
+                      <p:childTnLst>
+                        <p:par>
+                          <p:cTn id="28" fill="hold">
+                            <p:stCondLst>
+                              <p:cond delay="0"/>
+                            </p:stCondLst>
+                            <p:childTnLst>
+                              <p:par>
+                                <p:cTn id="29" presetID="1" presetClass="entr" presetSubtype="0" fill="hold" nodeType="clickEffect">
+                                  <p:stCondLst>
+                                    <p:cond delay="0"/>
+                                  </p:stCondLst>
+                                  <p:childTnLst>
+                                    <p:set>
+                                      <p:cBhvr>
+                                        <p:cTn id="30" dur="1" fill="hold">
+                                          <p:stCondLst>
+                                            <p:cond delay="0"/>
+                                          </p:stCondLst>
+                                        </p:cTn>
+                                        <p:tgtEl>
+                                          <p:spTgt spid="1027"/>
+                                        </p:tgtEl>
+                                        <p:attrNameLst>
+                                          <p:attrName>style.visibility</p:attrName>
+                                        </p:attrNameLst>
+                                      </p:cBhvr>
+                                      <p:to>
+                                        <p:strVal val="visible"/>
+                                      </p:to>
+                                    </p:set>
+                                  </p:childTnLst>
+                                </p:cTn>
+                              </p:par>
+                            </p:childTnLst>
+                          </p:cTn>
+                        </p:par>
+                      </p:childTnLst>
+                    </p:cTn>
+                  </p:par>
+                  <p:par>
+                    <p:cTn id="31" fill="hold">
+                      <p:stCondLst>
+                        <p:cond delay="indefinite"/>
+                      </p:stCondLst>
+                      <p:childTnLst>
+                        <p:par>
+                          <p:cTn id="32" fill="hold">
+                            <p:stCondLst>
+                              <p:cond delay="0"/>
+                            </p:stCondLst>
+                            <p:childTnLst>
+                              <p:par>
+                                <p:cTn id="33" presetID="1" presetClass="entr" presetSubtype="0" fill="hold" nodeType="clickEffect">
+                                  <p:stCondLst>
+                                    <p:cond delay="0"/>
+                                  </p:stCondLst>
+                                  <p:childTnLst>
+                                    <p:set>
+                                      <p:cBhvr>
+                                        <p:cTn id="34" dur="1" fill="hold">
+                                          <p:stCondLst>
+                                            <p:cond delay="0"/>
+                                          </p:stCondLst>
+                                        </p:cTn>
+                                        <p:tgtEl>
+                                          <p:spTgt spid="1026"/>
+                                        </p:tgtEl>
+                                        <p:attrNameLst>
+                                          <p:attrName>style.visibility</p:attrName>
+                                        </p:attrNameLst>
+                                      </p:cBhvr>
+                                      <p:to>
+                                        <p:strVal val="visible"/>
+                                      </p:to>
+                                    </p:set>
+                                  </p:childTnLst>
+                                </p:cTn>
+                              </p:par>
+                            </p:childTnLst>
+                          </p:cTn>
+                        </p:par>
+                      </p:childTnLst>
+                    </p:cTn>
+                  </p:par>
+                  <p:par>
+                    <p:cTn id="35" fill="hold">
+                      <p:stCondLst>
+                        <p:cond delay="indefinite"/>
+                      </p:stCondLst>
+                      <p:childTnLst>
+                        <p:par>
+                          <p:cTn id="36" fill="hold">
+                            <p:stCondLst>
+                              <p:cond delay="0"/>
+                            </p:stCondLst>
+                            <p:childTnLst>
+                              <p:par>
+                                <p:cTn id="37" presetID="1" presetClass="exit" presetSubtype="0" fill="hold" nodeType="clickEffect">
+                                  <p:stCondLst>
+                                    <p:cond delay="0"/>
+                                  </p:stCondLst>
+                                  <p:childTnLst>
+                                    <p:set>
+                                      <p:cBhvr>
+                                        <p:cTn id="38" dur="1" fill="hold">
+                                          <p:stCondLst>
+                                            <p:cond delay="0"/>
+                                          </p:stCondLst>
+                                        </p:cTn>
+                                        <p:tgtEl>
+                                          <p:spTgt spid="1026"/>
+                                        </p:tgtEl>
+                                        <p:attrNameLst>
+                                          <p:attrName>style.visibility</p:attrName>
+                                        </p:attrNameLst>
+                                      </p:cBhvr>
+                                      <p:to>
+                                        <p:strVal val="hidden"/>
+                                      </p:to>
+                                    </p:set>
+                                  </p:childTnLst>
+                                </p:cTn>
+                              </p:par>
+                            </p:childTnLst>
+                          </p:cTn>
+                        </p:par>
+                      </p:childTnLst>
+                    </p:cTn>
+                  </p:par>
+                </p:childTnLst>
+              </p:cTn>
               <p:prevCondLst>
-                <p:cond delay="0" evt="onPrev">
+                <p:cond evt="onPrev" delay="0">
                   <p:tgtEl>
                     <p:sldTgt/>
                   </p:tgtEl>
                 </p:cond>
               </p:prevCondLst>
               <p:nextCondLst>
-                <p:cond delay="0" evt="onNext">
+                <p:cond evt="onNext" delay="0">
                   <p:tgtEl>
                     <p:sldTgt/>
                   </p:tgtEl>
@@ -7078,8 +8510,8 @@
 </p:sld>
 </file>
 
-<file path=ppt/slides/slide26.xml><?xml version="1.0" encoding="utf-8"?>
-<p:sld xmlns:a="http://schemas.openxmlformats.org/drawingml/2006/main" xmlns:p="http://schemas.openxmlformats.org/presentationml/2006/main" xmlns:r="http://schemas.openxmlformats.org/officeDocument/2006/relationships">
+<file path=ppt/slides/slide7.xml><?xml version="1.0" encoding="utf-8"?>
+<p:sld xmlns:a="http://schemas.openxmlformats.org/drawingml/2006/main" xmlns:r="http://schemas.openxmlformats.org/officeDocument/2006/relationships" xmlns:p="http://schemas.openxmlformats.org/presentationml/2006/main">
   <p:cSld>
     <p:spTree>
       <p:nvGrpSpPr>
@@ -7097,14 +8529,14 @@
       </p:grpSpPr>
       <p:sp>
         <p:nvSpPr>
-          <p:cNvPr id="175" name="CustomShape 1"/>
+          <p:cNvPr id="137" name="CustomShape 1"/>
           <p:cNvSpPr/>
           <p:nvPr/>
         </p:nvSpPr>
         <p:spPr>
           <a:xfrm>
-            <a:off x="457560" y="762480"/>
-            <a:ext cx="8228880" cy="608760"/>
+            <a:off x="457200" y="1143000"/>
+            <a:ext cx="8228880" cy="1065960"/>
           </a:xfrm>
           <a:prstGeom prst="rect">
             <a:avLst/>
@@ -7115,276 +8547,23 @@
           </a:ln>
         </p:spPr>
         <p:txBody>
-          <a:bodyPr lIns="0" rIns="0" tIns="0" bIns="0" anchor="ctr"/>
-          <a:p>
-            <a:pPr>
-              <a:lnSpc>
-                <a:spcPct val="100000"/>
-              </a:lnSpc>
-            </a:pPr>
-            <a:r>
-              <a:rPr lang="en-US">
+          <a:bodyPr lIns="0" tIns="0" rIns="0" bIns="0" anchor="ctr"/>
+          <a:lstStyle/>
+          <a:p>
+            <a:pPr>
+              <a:lnSpc>
+                <a:spcPct val="100000"/>
+              </a:lnSpc>
+            </a:pPr>
+            <a:r>
+              <a:rPr lang="en-US" sz="4000">
                 <a:solidFill>
-                  <a:srgbClr val="000000"/>
+                  <a:srgbClr val="424456"/>
                 </a:solidFill>
-                <a:latin typeface="Georgia"/>
+                <a:latin typeface="Trebuchet MS"/>
                 <a:ea typeface="DejaVu Sans"/>
               </a:rPr>
-              <a:t>References to libraries/papers</a:t>
-            </a:r>
-            <a:endParaRPr/>
-          </a:p>
-        </p:txBody>
-      </p:sp>
-      <p:sp>
-        <p:nvSpPr>
-          <p:cNvPr id="176" name="CustomShape 2"/>
-          <p:cNvSpPr/>
-          <p:nvPr/>
-        </p:nvSpPr>
-        <p:spPr>
-          <a:xfrm>
-            <a:off x="370800" y="1592280"/>
-            <a:ext cx="3967920" cy="601920"/>
-          </a:xfrm>
-          <a:prstGeom prst="rect">
-            <a:avLst/>
-          </a:prstGeom>
-          <a:noFill/>
-          <a:ln>
-            <a:noFill/>
-          </a:ln>
-        </p:spPr>
-        <p:txBody>
-          <a:bodyPr lIns="90000" rIns="90000" tIns="45000" bIns="45000"/>
-          <a:p>
-            <a:pPr>
-              <a:lnSpc>
-                <a:spcPct val="100000"/>
-              </a:lnSpc>
-            </a:pPr>
-            <a:r>
-              <a:rPr lang="en-US">
-                <a:solidFill>
-                  <a:srgbClr val="000000"/>
-                </a:solidFill>
-                <a:latin typeface="Arial"/>
-                <a:ea typeface="DejaVu Sans"/>
-              </a:rPr>
-              <a:t>https://mattmccutchen.net/bigint/</a:t>
-            </a:r>
-            <a:endParaRPr/>
-          </a:p>
-        </p:txBody>
-      </p:sp>
-      <p:sp>
-        <p:nvSpPr>
-          <p:cNvPr id="177" name="CustomShape 3"/>
-          <p:cNvSpPr/>
-          <p:nvPr/>
-        </p:nvSpPr>
-        <p:spPr>
-          <a:xfrm>
-            <a:off x="375480" y="2188440"/>
-            <a:ext cx="6033600" cy="601920"/>
-          </a:xfrm>
-          <a:prstGeom prst="rect">
-            <a:avLst/>
-          </a:prstGeom>
-          <a:noFill/>
-          <a:ln>
-            <a:noFill/>
-          </a:ln>
-        </p:spPr>
-        <p:txBody>
-          <a:bodyPr lIns="90000" rIns="90000" tIns="45000" bIns="45000"/>
-          <a:p>
-            <a:pPr>
-              <a:lnSpc>
-                <a:spcPct val="100000"/>
-              </a:lnSpc>
-            </a:pPr>
-            <a:r>
-              <a:rPr lang="en-US">
-                <a:solidFill>
-                  <a:srgbClr val="000000"/>
-                </a:solidFill>
-                <a:latin typeface="Arial"/>
-                <a:ea typeface="DejaVu Sans"/>
-              </a:rPr>
-              <a:t>https://www.cs.purdue.edu/homes/ssw/cs555/2009f.pdf</a:t>
-            </a:r>
-            <a:endParaRPr/>
-          </a:p>
-          <a:p>
-            <a:pPr>
-              <a:lnSpc>
-                <a:spcPct val="100000"/>
-              </a:lnSpc>
-            </a:pPr>
-            <a:endParaRPr/>
-          </a:p>
-        </p:txBody>
-      </p:sp>
-      <p:sp>
-        <p:nvSpPr>
-          <p:cNvPr id="178" name="CustomShape 4"/>
-          <p:cNvSpPr/>
-          <p:nvPr/>
-        </p:nvSpPr>
-        <p:spPr>
-          <a:xfrm>
-            <a:off x="406080" y="2488320"/>
-            <a:ext cx="5235120" cy="345960"/>
-          </a:xfrm>
-          <a:prstGeom prst="rect">
-            <a:avLst/>
-          </a:prstGeom>
-          <a:noFill/>
-          <a:ln>
-            <a:noFill/>
-          </a:ln>
-        </p:spPr>
-        <p:txBody>
-          <a:bodyPr lIns="90000" rIns="90000" tIns="45000" bIns="45000"/>
-          <a:p>
-            <a:pPr>
-              <a:lnSpc>
-                <a:spcPct val="100000"/>
-              </a:lnSpc>
-            </a:pPr>
-            <a:r>
-              <a:rPr lang="en-US">
-                <a:solidFill>
-                  <a:srgbClr val="000000"/>
-                </a:solidFill>
-                <a:latin typeface="Arial"/>
-                <a:ea typeface="DejaVu Sans"/>
-              </a:rPr>
-              <a:t>http://www.ams.org/notices/199902/boneh.pdf</a:t>
-            </a:r>
-            <a:endParaRPr/>
-          </a:p>
-        </p:txBody>
-      </p:sp>
-      <p:sp>
-        <p:nvSpPr>
-          <p:cNvPr id="179" name="CustomShape 5"/>
-          <p:cNvSpPr/>
-          <p:nvPr/>
-        </p:nvSpPr>
-        <p:spPr>
-          <a:xfrm>
-            <a:off x="406080" y="2790720"/>
-            <a:ext cx="8858160" cy="345960"/>
-          </a:xfrm>
-          <a:prstGeom prst="rect">
-            <a:avLst/>
-          </a:prstGeom>
-          <a:noFill/>
-          <a:ln>
-            <a:noFill/>
-          </a:ln>
-        </p:spPr>
-        <p:txBody>
-          <a:bodyPr lIns="90000" rIns="90000" tIns="45000" bIns="45000"/>
-          <a:p>
-            <a:pPr>
-              <a:lnSpc>
-                <a:spcPct val="100000"/>
-              </a:lnSpc>
-            </a:pPr>
-            <a:r>
-              <a:rPr lang="en-US">
-                <a:solidFill>
-                  <a:srgbClr val="000000"/>
-                </a:solidFill>
-                <a:latin typeface="Arial"/>
-                <a:ea typeface="DejaVu Sans"/>
-              </a:rPr>
-              <a:t>http://www.cs.rit.edu/~ib/Classes/CS482-705_Winter10-11/Slides/crypto_6d.pdf</a:t>
-            </a:r>
-            <a:endParaRPr/>
-          </a:p>
-        </p:txBody>
-      </p:sp>
-      <p:sp>
-        <p:nvSpPr>
-          <p:cNvPr id="180" name="CustomShape 6"/>
-          <p:cNvSpPr/>
-          <p:nvPr/>
-        </p:nvSpPr>
-        <p:spPr>
-          <a:xfrm>
-            <a:off x="408960" y="1371600"/>
-            <a:ext cx="1143360" cy="345960"/>
-          </a:xfrm>
-          <a:prstGeom prst="rect">
-            <a:avLst/>
-          </a:prstGeom>
-          <a:noFill/>
-          <a:ln>
-            <a:noFill/>
-          </a:ln>
-        </p:spPr>
-        <p:txBody>
-          <a:bodyPr lIns="90000" rIns="90000" tIns="45000" bIns="45000"/>
-          <a:p>
-            <a:pPr>
-              <a:lnSpc>
-                <a:spcPct val="100000"/>
-              </a:lnSpc>
-            </a:pPr>
-            <a:r>
-              <a:rPr lang="en-US">
-                <a:solidFill>
-                  <a:srgbClr val="000000"/>
-                </a:solidFill>
-                <a:latin typeface="Arial"/>
-                <a:ea typeface="DejaVu Sans"/>
-              </a:rPr>
-              <a:t>Libraries</a:t>
-            </a:r>
-            <a:endParaRPr/>
-          </a:p>
-        </p:txBody>
-      </p:sp>
-      <p:sp>
-        <p:nvSpPr>
-          <p:cNvPr id="181" name="CustomShape 7"/>
-          <p:cNvSpPr/>
-          <p:nvPr/>
-        </p:nvSpPr>
-        <p:spPr>
-          <a:xfrm>
-            <a:off x="406080" y="1967760"/>
-            <a:ext cx="649800" cy="345960"/>
-          </a:xfrm>
-          <a:prstGeom prst="rect">
-            <a:avLst/>
-          </a:prstGeom>
-          <a:noFill/>
-          <a:ln>
-            <a:noFill/>
-          </a:ln>
-        </p:spPr>
-        <p:txBody>
-          <a:bodyPr lIns="90000" rIns="90000" tIns="45000" bIns="45000"/>
-          <a:p>
-            <a:pPr>
-              <a:lnSpc>
-                <a:spcPct val="100000"/>
-              </a:lnSpc>
-            </a:pPr>
-            <a:r>
-              <a:rPr lang="en-US">
-                <a:solidFill>
-                  <a:srgbClr val="000000"/>
-                </a:solidFill>
-                <a:latin typeface="Arial"/>
-                <a:ea typeface="DejaVu Sans"/>
-              </a:rPr>
-              <a:t>RSA</a:t>
+              <a:t>RSA- Generating Primes and Keys</a:t>
             </a:r>
             <a:endParaRPr/>
           </a:p>
@@ -7392,11 +8571,41 @@
       </p:sp>
     </p:spTree>
   </p:cSld>
+  <p:clrMapOvr>
+    <a:masterClrMapping/>
+  </p:clrMapOvr>
+  <p:timing>
+    <p:tnLst>
+      <p:par>
+        <p:cTn id="1" dur="indefinite" restart="never" nodeType="tmRoot">
+          <p:childTnLst>
+            <p:seq>
+              <p:cTn id="2" nodeType="mainSeq"/>
+              <p:prevCondLst>
+                <p:cond evt="onPrev" delay="0">
+                  <p:tgtEl>
+                    <p:sldTgt/>
+                  </p:tgtEl>
+                </p:cond>
+              </p:prevCondLst>
+              <p:nextCondLst>
+                <p:cond evt="onNext" delay="0">
+                  <p:tgtEl>
+                    <p:sldTgt/>
+                  </p:tgtEl>
+                </p:cond>
+              </p:nextCondLst>
+            </p:seq>
+          </p:childTnLst>
+        </p:cTn>
+      </p:par>
+    </p:tnLst>
+  </p:timing>
 </p:sld>
 </file>
 
-<file path=ppt/slides/slide3.xml><?xml version="1.0" encoding="utf-8"?>
-<p:sld xmlns:a="http://schemas.openxmlformats.org/drawingml/2006/main" xmlns:p="http://schemas.openxmlformats.org/presentationml/2006/main" xmlns:r="http://schemas.openxmlformats.org/officeDocument/2006/relationships">
+<file path=ppt/slides/slide8.xml><?xml version="1.0" encoding="utf-8"?>
+<p:sld xmlns:a="http://schemas.openxmlformats.org/drawingml/2006/main" xmlns:r="http://schemas.openxmlformats.org/officeDocument/2006/relationships" xmlns:p="http://schemas.openxmlformats.org/presentationml/2006/main">
   <p:cSld>
     <p:spTree>
       <p:nvGrpSpPr>
@@ -7414,7 +8623,7 @@
       </p:grpSpPr>
       <p:sp>
         <p:nvSpPr>
-          <p:cNvPr id="118" name="CustomShape 1"/>
+          <p:cNvPr id="139" name="CustomShape 1"/>
           <p:cNvSpPr/>
           <p:nvPr/>
         </p:nvSpPr>
@@ -7432,7 +8641,8 @@
           </a:ln>
         </p:spPr>
         <p:txBody>
-          <a:bodyPr lIns="90000" rIns="90000" tIns="45000" bIns="45000" anchor="ctr"/>
+          <a:bodyPr lIns="0" tIns="0" rIns="0" bIns="0" anchor="ctr"/>
+          <a:lstStyle/>
           <a:p>
             <a:pPr>
               <a:lnSpc>
@@ -7447,110 +8657,7 @@
                 <a:latin typeface="Trebuchet MS"/>
                 <a:ea typeface="DejaVu Sans"/>
               </a:rPr>
-              <a:t>LSB Extracting</a:t>
-            </a:r>
-            <a:endParaRPr/>
-          </a:p>
-        </p:txBody>
-      </p:sp>
-      <p:sp>
-        <p:nvSpPr>
-          <p:cNvPr id="119" name="CustomShape 2"/>
-          <p:cNvSpPr/>
-          <p:nvPr/>
-        </p:nvSpPr>
-        <p:spPr>
-          <a:xfrm>
-            <a:off x="457200" y="2249280"/>
-            <a:ext cx="8228880" cy="4324320"/>
-          </a:xfrm>
-          <a:prstGeom prst="rect">
-            <a:avLst/>
-          </a:prstGeom>
-          <a:noFill/>
-          <a:ln>
-            <a:noFill/>
-          </a:ln>
-        </p:spPr>
-        <p:txBody>
-          <a:bodyPr lIns="90000" rIns="90000" tIns="45000" bIns="45000"/>
-          <a:p>
-            <a:pPr>
-              <a:lnSpc>
-                <a:spcPct val="100000"/>
-              </a:lnSpc>
-              <a:buFont typeface="Georgia"/>
-              <a:buChar char="•"/>
-            </a:pPr>
-            <a:r>
-              <a:rPr lang="en-US" sz="2800">
-                <a:solidFill>
-                  <a:srgbClr val="000000"/>
-                </a:solidFill>
-                <a:latin typeface="Georgia"/>
-                <a:ea typeface="DejaVu Sans"/>
-              </a:rPr>
-              <a:t>First value extracted is the number of characters in the message</a:t>
-            </a:r>
-            <a:endParaRPr/>
-          </a:p>
-          <a:p>
-            <a:pPr>
-              <a:lnSpc>
-                <a:spcPct val="100000"/>
-              </a:lnSpc>
-              <a:buFont typeface="Georgia"/>
-              <a:buChar char="•"/>
-            </a:pPr>
-            <a:r>
-              <a:rPr lang="en-US" sz="2800">
-                <a:solidFill>
-                  <a:srgbClr val="000000"/>
-                </a:solidFill>
-                <a:latin typeface="Georgia"/>
-                <a:ea typeface="DejaVu Sans"/>
-              </a:rPr>
-              <a:t>Once size is known, message is extracted in binary format, converted to characters and displayed in the terminal</a:t>
-            </a:r>
-            <a:endParaRPr/>
-          </a:p>
-          <a:p>
-            <a:pPr>
-              <a:lnSpc>
-                <a:spcPct val="100000"/>
-              </a:lnSpc>
-              <a:buFont typeface="Georgia"/>
-              <a:buChar char="•"/>
-            </a:pPr>
-            <a:r>
-              <a:rPr lang="en-US" sz="2800">
-                <a:solidFill>
-                  <a:srgbClr val="000000"/>
-                </a:solidFill>
-                <a:latin typeface="Georgia"/>
-                <a:ea typeface="DejaVu Sans"/>
-              </a:rPr>
-              <a:t>Command line argument:</a:t>
-            </a:r>
-            <a:endParaRPr/>
-          </a:p>
-          <a:p>
-            <a:pPr lvl="1">
-              <a:lnSpc>
-                <a:spcPct val="100000"/>
-              </a:lnSpc>
-              <a:buFont typeface="Georgia"/>
-              <a:buChar char="▫"/>
-            </a:pPr>
-            <a:r>
-              <a:rPr lang="en-US" sz="2600">
-                <a:solidFill>
-                  <a:srgbClr val="438086"/>
-                </a:solidFill>
-                <a:latin typeface="Georgia"/>
-                <a:ea typeface="DejaVu Sans"/>
-              </a:rPr>
-              <a:t>./toto –lsbex filename.bmp</a:t>
+              <a:t>RSA- Encryption and Decryption</a:t>
             </a:r>
             <a:endParaRPr/>
           </a:p>
@@ -7558,22 +8665,25 @@
       </p:sp>
     </p:spTree>
   </p:cSld>
+  <p:clrMapOvr>
+    <a:masterClrMapping/>
+  </p:clrMapOvr>
   <p:timing>
     <p:tnLst>
       <p:par>
-        <p:cTn id="5" dur="indefinite" restart="never" nodeType="tmRoot">
+        <p:cTn id="1" dur="indefinite" restart="never" nodeType="tmRoot">
           <p:childTnLst>
             <p:seq>
-              <p:cTn id="6" nodeType="mainSeq"/>
+              <p:cTn id="2" nodeType="mainSeq"/>
               <p:prevCondLst>
-                <p:cond delay="0" evt="onPrev">
+                <p:cond evt="onPrev" delay="0">
                   <p:tgtEl>
                     <p:sldTgt/>
                   </p:tgtEl>
                 </p:cond>
               </p:prevCondLst>
               <p:nextCondLst>
-                <p:cond delay="0" evt="onNext">
+                <p:cond evt="onNext" delay="0">
                   <p:tgtEl>
                     <p:sldTgt/>
                   </p:tgtEl>
@@ -7588,8 +8698,8 @@
 </p:sld>
 </file>
 
-<file path=ppt/slides/slide4.xml><?xml version="1.0" encoding="utf-8"?>
-<p:sld xmlns:a="http://schemas.openxmlformats.org/drawingml/2006/main" xmlns:p="http://schemas.openxmlformats.org/presentationml/2006/main" xmlns:r="http://schemas.openxmlformats.org/officeDocument/2006/relationships">
+<file path=ppt/slides/slide9.xml><?xml version="1.0" encoding="utf-8"?>
+<p:sld xmlns:a="http://schemas.openxmlformats.org/drawingml/2006/main" xmlns:r="http://schemas.openxmlformats.org/officeDocument/2006/relationships" xmlns:p="http://schemas.openxmlformats.org/presentationml/2006/main">
   <p:cSld>
     <p:spTree>
       <p:nvGrpSpPr>
@@ -7607,7 +8717,7 @@
       </p:grpSpPr>
       <p:sp>
         <p:nvSpPr>
-          <p:cNvPr id="120" name="CustomShape 1"/>
+          <p:cNvPr id="140" name="CustomShape 1"/>
           <p:cNvSpPr/>
           <p:nvPr/>
         </p:nvSpPr>
@@ -7625,7 +8735,8 @@
           </a:ln>
         </p:spPr>
         <p:txBody>
-          <a:bodyPr lIns="90000" rIns="90000" tIns="45000" bIns="45000" anchor="ctr"/>
+          <a:bodyPr lIns="0" tIns="0" rIns="0" bIns="0" anchor="ctr"/>
+          <a:lstStyle/>
           <a:p>
             <a:pPr>
               <a:lnSpc>
@@ -7640,22 +8751,22 @@
                 <a:latin typeface="Trebuchet MS"/>
                 <a:ea typeface="DejaVu Sans"/>
               </a:rPr>
-              <a:t>Randomization Attack</a:t>
-            </a:r>
-            <a:endParaRPr/>
-          </a:p>
-        </p:txBody>
-      </p:sp>
-      <p:sp>
-        <p:nvSpPr>
-          <p:cNvPr id="121" name="CustomShape 2"/>
+              <a:t>RSA- Verifying with openssl</a:t>
+            </a:r>
+            <a:endParaRPr/>
+          </a:p>
+        </p:txBody>
+      </p:sp>
+      <p:sp>
+        <p:nvSpPr>
+          <p:cNvPr id="141" name="CustomShape 2"/>
           <p:cNvSpPr/>
           <p:nvPr/>
         </p:nvSpPr>
         <p:spPr>
           <a:xfrm>
-            <a:off x="457200" y="2249280"/>
-            <a:ext cx="8228880" cy="4324320"/>
+            <a:off x="457200" y="2224080"/>
+            <a:ext cx="6942960" cy="1187640"/>
           </a:xfrm>
           <a:prstGeom prst="rect">
             <a:avLst/>
@@ -7666,851 +8777,100 @@
           </a:ln>
         </p:spPr>
         <p:txBody>
-          <a:bodyPr lIns="90000" rIns="90000" tIns="45000" bIns="45000"/>
-          <a:p>
-            <a:pPr>
-              <a:lnSpc>
-                <a:spcPct val="100000"/>
-              </a:lnSpc>
-              <a:buFont typeface="Georgia"/>
-              <a:buChar char="•"/>
-            </a:pPr>
-            <a:r>
-              <a:rPr lang="en-US" sz="2800">
+          <a:bodyPr lIns="90000" tIns="45000" rIns="90000" bIns="45000"/>
+          <a:lstStyle/>
+          <a:p>
+            <a:pPr>
+              <a:lnSpc>
+                <a:spcPct val="100000"/>
+              </a:lnSpc>
+            </a:pPr>
+            <a:r>
+              <a:rPr lang="en-US">
                 <a:solidFill>
                   <a:srgbClr val="000000"/>
                 </a:solidFill>
-                <a:latin typeface="Georgia"/>
+                <a:latin typeface="Arial"/>
                 <a:ea typeface="DejaVu Sans"/>
               </a:rPr>
-              <a:t>Randomly selects 0 or 1</a:t>
-            </a:r>
-            <a:endParaRPr/>
-          </a:p>
-          <a:p>
-            <a:pPr>
-              <a:lnSpc>
-                <a:spcPct val="100000"/>
-              </a:lnSpc>
-              <a:buFont typeface="Georgia"/>
-              <a:buChar char="•"/>
-            </a:pPr>
-            <a:r>
-              <a:rPr lang="en-US" sz="2800">
+              <a:t>To verify with openssl, we first generated keys.</a:t>
+            </a:r>
+            <a:endParaRPr/>
+          </a:p>
+          <a:p>
+            <a:pPr>
+              <a:lnSpc>
+                <a:spcPct val="100000"/>
+              </a:lnSpc>
+            </a:pPr>
+            <a:endParaRPr/>
+          </a:p>
+          <a:p>
+            <a:pPr>
+              <a:lnSpc>
+                <a:spcPct val="100000"/>
+              </a:lnSpc>
+            </a:pPr>
+            <a:r>
+              <a:rPr lang="en-US">
                 <a:solidFill>
                   <a:srgbClr val="000000"/>
                 </a:solidFill>
-                <a:latin typeface="Georgia"/>
+                <a:latin typeface="Arial"/>
                 <a:ea typeface="DejaVu Sans"/>
               </a:rPr>
-              <a:t>If the current LSB does not match the randomly selected value, it is changed</a:t>
-            </a:r>
-            <a:endParaRPr/>
-          </a:p>
-          <a:p>
-            <a:pPr>
-              <a:lnSpc>
-                <a:spcPct val="100000"/>
-              </a:lnSpc>
-              <a:buFont typeface="Georgia"/>
-              <a:buChar char="•"/>
-            </a:pPr>
-            <a:r>
-              <a:rPr lang="en-US" sz="2800">
-                <a:solidFill>
-                  <a:srgbClr val="000000"/>
-                </a:solidFill>
-                <a:latin typeface="Georgia"/>
-                <a:ea typeface="DejaVu Sans"/>
-              </a:rPr>
-              <a:t>Command line argument:</a:t>
-            </a:r>
-            <a:endParaRPr/>
-          </a:p>
-          <a:p>
-            <a:pPr lvl="1">
-              <a:lnSpc>
-                <a:spcPct val="100000"/>
-              </a:lnSpc>
-              <a:buFont typeface="Georgia"/>
-              <a:buChar char="▫"/>
-            </a:pPr>
-            <a:r>
-              <a:rPr lang="en-US" sz="2600">
-                <a:solidFill>
-                  <a:srgbClr val="438086"/>
-                </a:solidFill>
-                <a:latin typeface="Georgia"/>
-                <a:ea typeface="DejaVu Sans"/>
-              </a:rPr>
-              <a:t>./toto –osfa fileName.bmp</a:t>
-            </a:r>
-            <a:endParaRPr/>
-          </a:p>
-        </p:txBody>
-      </p:sp>
+              <a:t>In this case, we will use 64 bit keys and encrypt the message, “Message” contained in text.txt.</a:t>
+            </a:r>
+            <a:endParaRPr/>
+          </a:p>
+        </p:txBody>
+      </p:sp>
+      <p:pic>
+        <p:nvPicPr>
+          <p:cNvPr id="142" name="Picture 2"/>
+          <p:cNvPicPr/>
+          <p:nvPr/>
+        </p:nvPicPr>
+        <p:blipFill>
+          <a:blip r:embed="rId2"/>
+          <a:stretch>
+            <a:fillRect/>
+          </a:stretch>
+        </p:blipFill>
+        <p:spPr>
+          <a:xfrm>
+            <a:off x="457200" y="3439080"/>
+            <a:ext cx="8591040" cy="3238200"/>
+          </a:xfrm>
+          <a:prstGeom prst="rect">
+            <a:avLst/>
+          </a:prstGeom>
+          <a:ln>
+            <a:noFill/>
+          </a:ln>
+        </p:spPr>
+      </p:pic>
     </p:spTree>
   </p:cSld>
+  <p:clrMapOvr>
+    <a:masterClrMapping/>
+  </p:clrMapOvr>
   <p:timing>
     <p:tnLst>
       <p:par>
-        <p:cTn id="7" dur="indefinite" restart="never" nodeType="tmRoot">
+        <p:cTn id="1" dur="indefinite" restart="never" nodeType="tmRoot">
           <p:childTnLst>
             <p:seq>
-              <p:cTn id="8" nodeType="mainSeq"/>
+              <p:cTn id="2" nodeType="mainSeq"/>
               <p:prevCondLst>
-                <p:cond delay="0" evt="onPrev">
+                <p:cond evt="onPrev" delay="0">
                   <p:tgtEl>
                     <p:sldTgt/>
                   </p:tgtEl>
                 </p:cond>
               </p:prevCondLst>
               <p:nextCondLst>
-                <p:cond delay="0" evt="onNext">
-                  <p:tgtEl>
-                    <p:sldTgt/>
-                  </p:tgtEl>
-                </p:cond>
-              </p:nextCondLst>
-            </p:seq>
-          </p:childTnLst>
-        </p:cTn>
-      </p:par>
-    </p:tnLst>
-  </p:timing>
-</p:sld>
-</file>
-
-<file path=ppt/slides/slide5.xml><?xml version="1.0" encoding="utf-8"?>
-<p:sld xmlns:a="http://schemas.openxmlformats.org/drawingml/2006/main" xmlns:p="http://schemas.openxmlformats.org/presentationml/2006/main" xmlns:r="http://schemas.openxmlformats.org/officeDocument/2006/relationships">
-  <p:cSld>
-    <p:spTree>
-      <p:nvGrpSpPr>
-        <p:cNvPr id="1" name=""/>
-        <p:cNvGrpSpPr/>
-        <p:nvPr/>
-      </p:nvGrpSpPr>
-      <p:grpSpPr>
-        <a:xfrm>
-          <a:off x="0" y="0"/>
-          <a:ext cx="0" cy="0"/>
-          <a:chOff x="0" y="0"/>
-          <a:chExt cx="0" cy="0"/>
-        </a:xfrm>
-      </p:grpSpPr>
-      <p:sp>
-        <p:nvSpPr>
-          <p:cNvPr id="122" name="CustomShape 1"/>
-          <p:cNvSpPr/>
-          <p:nvPr/>
-        </p:nvSpPr>
-        <p:spPr>
-          <a:xfrm>
-            <a:off x="457200" y="1143000"/>
-            <a:ext cx="8228880" cy="1065960"/>
-          </a:xfrm>
-          <a:prstGeom prst="rect">
-            <a:avLst/>
-          </a:prstGeom>
-          <a:noFill/>
-          <a:ln>
-            <a:noFill/>
-          </a:ln>
-        </p:spPr>
-        <p:txBody>
-          <a:bodyPr lIns="90000" rIns="90000" tIns="45000" bIns="45000" anchor="ctr"/>
-          <a:p>
-            <a:pPr>
-              <a:lnSpc>
-                <a:spcPct val="100000"/>
-              </a:lnSpc>
-            </a:pPr>
-            <a:r>
-              <a:rPr lang="en-US" sz="4000">
-                <a:solidFill>
-                  <a:srgbClr val="424456"/>
-                </a:solidFill>
-                <a:latin typeface="Trebuchet MS"/>
-                <a:ea typeface="DejaVu Sans"/>
-              </a:rPr>
-              <a:t>Detection Attack</a:t>
-            </a:r>
-            <a:endParaRPr/>
-          </a:p>
-        </p:txBody>
-      </p:sp>
-      <p:sp>
-        <p:nvSpPr>
-          <p:cNvPr id="123" name="CustomShape 2"/>
-          <p:cNvSpPr/>
-          <p:nvPr/>
-        </p:nvSpPr>
-        <p:spPr>
-          <a:xfrm>
-            <a:off x="457200" y="2249280"/>
-            <a:ext cx="8228880" cy="4324320"/>
-          </a:xfrm>
-          <a:prstGeom prst="rect">
-            <a:avLst/>
-          </a:prstGeom>
-          <a:noFill/>
-          <a:ln>
-            <a:noFill/>
-          </a:ln>
-        </p:spPr>
-        <p:txBody>
-          <a:bodyPr lIns="90000" rIns="90000" tIns="45000" bIns="45000"/>
-          <a:p>
-            <a:pPr>
-              <a:lnSpc>
-                <a:spcPct val="100000"/>
-              </a:lnSpc>
-              <a:buFont typeface="Georgia"/>
-              <a:buChar char="•"/>
-            </a:pPr>
-            <a:r>
-              <a:rPr lang="en-US" sz="2800">
-                <a:solidFill>
-                  <a:srgbClr val="000000"/>
-                </a:solidFill>
-                <a:latin typeface="Georgia"/>
-                <a:ea typeface="DejaVu Sans"/>
-              </a:rPr>
-              <a:t>Command line argument:</a:t>
-            </a:r>
-            <a:endParaRPr/>
-          </a:p>
-          <a:p>
-            <a:pPr lvl="1">
-              <a:lnSpc>
-                <a:spcPct val="100000"/>
-              </a:lnSpc>
-              <a:buFont typeface="Georgia"/>
-              <a:buChar char="▫"/>
-            </a:pPr>
-            <a:r>
-              <a:rPr lang="en-US" sz="2600">
-                <a:solidFill>
-                  <a:srgbClr val="438086"/>
-                </a:solidFill>
-                <a:latin typeface="Georgia"/>
-                <a:ea typeface="DejaVu Sans"/>
-              </a:rPr>
-              <a:t>./toto –ossa filename1.bmp filename2.bmp</a:t>
-            </a:r>
-            <a:endParaRPr/>
-          </a:p>
-          <a:p>
-            <a:pPr>
-              <a:lnSpc>
-                <a:spcPct val="100000"/>
-              </a:lnSpc>
-            </a:pPr>
-            <a:r>
-              <a:rPr lang="en-US" sz="2600">
-                <a:solidFill>
-                  <a:srgbClr val="438086"/>
-                </a:solidFill>
-                <a:latin typeface="Georgia"/>
-                <a:ea typeface="DejaVu Sans"/>
-              </a:rPr>
-              <a:t>	</a:t>
-            </a:r>
-            <a:r>
-              <a:rPr lang="en-US" sz="2600">
-                <a:solidFill>
-                  <a:srgbClr val="438086"/>
-                </a:solidFill>
-                <a:latin typeface="Georgia"/>
-                <a:ea typeface="DejaVu Sans"/>
-              </a:rPr>
-              <a:t>or ./toto –ossa MD5val filename2.bmp</a:t>
-            </a:r>
-            <a:endParaRPr/>
-          </a:p>
-        </p:txBody>
-      </p:sp>
-      <p:pic>
-        <p:nvPicPr>
-          <p:cNvPr id="124" name="Picture 2" descr=""/>
-          <p:cNvPicPr/>
-          <p:nvPr/>
-        </p:nvPicPr>
-        <p:blipFill>
-          <a:blip r:embed="rId1"/>
-          <a:stretch>
-            <a:fillRect/>
-          </a:stretch>
-        </p:blipFill>
-        <p:spPr>
-          <a:xfrm>
-            <a:off x="1611360" y="3866760"/>
-            <a:ext cx="5396760" cy="2176200"/>
-          </a:xfrm>
-          <a:prstGeom prst="rect">
-            <a:avLst/>
-          </a:prstGeom>
-          <a:ln>
-            <a:noFill/>
-          </a:ln>
-        </p:spPr>
-      </p:pic>
-    </p:spTree>
-  </p:cSld>
-  <p:timing>
-    <p:tnLst>
-      <p:par>
-        <p:cTn id="9" dur="indefinite" restart="never" nodeType="tmRoot">
-          <p:childTnLst>
-            <p:seq>
-              <p:cTn id="10" nodeType="mainSeq"/>
-              <p:prevCondLst>
-                <p:cond delay="0" evt="onPrev">
-                  <p:tgtEl>
-                    <p:sldTgt/>
-                  </p:tgtEl>
-                </p:cond>
-              </p:prevCondLst>
-              <p:nextCondLst>
-                <p:cond delay="0" evt="onNext">
-                  <p:tgtEl>
-                    <p:sldTgt/>
-                  </p:tgtEl>
-                </p:cond>
-              </p:nextCondLst>
-            </p:seq>
-          </p:childTnLst>
-        </p:cTn>
-      </p:par>
-    </p:tnLst>
-  </p:timing>
-</p:sld>
-</file>
-
-<file path=ppt/slides/slide6.xml><?xml version="1.0" encoding="utf-8"?>
-<p:sld xmlns:a="http://schemas.openxmlformats.org/drawingml/2006/main" xmlns:p="http://schemas.openxmlformats.org/presentationml/2006/main" xmlns:r="http://schemas.openxmlformats.org/officeDocument/2006/relationships">
-  <p:cSld>
-    <p:spTree>
-      <p:nvGrpSpPr>
-        <p:cNvPr id="1" name=""/>
-        <p:cNvGrpSpPr/>
-        <p:nvPr/>
-      </p:nvGrpSpPr>
-      <p:grpSpPr>
-        <a:xfrm>
-          <a:off x="0" y="0"/>
-          <a:ext cx="0" cy="0"/>
-          <a:chOff x="0" y="0"/>
-          <a:chExt cx="0" cy="0"/>
-        </a:xfrm>
-      </p:grpSpPr>
-      <p:sp>
-        <p:nvSpPr>
-          <p:cNvPr id="125" name="CustomShape 1"/>
-          <p:cNvSpPr/>
-          <p:nvPr/>
-        </p:nvSpPr>
-        <p:spPr>
-          <a:xfrm>
-            <a:off x="457200" y="1143000"/>
-            <a:ext cx="8228880" cy="1065960"/>
-          </a:xfrm>
-          <a:prstGeom prst="rect">
-            <a:avLst/>
-          </a:prstGeom>
-          <a:noFill/>
-          <a:ln>
-            <a:noFill/>
-          </a:ln>
-        </p:spPr>
-        <p:txBody>
-          <a:bodyPr lIns="90000" rIns="90000" tIns="45000" bIns="45000" anchor="ctr"/>
-          <a:p>
-            <a:pPr>
-              <a:lnSpc>
-                <a:spcPct val="100000"/>
-              </a:lnSpc>
-            </a:pPr>
-            <a:r>
-              <a:rPr lang="en-US" sz="4000">
-                <a:solidFill>
-                  <a:srgbClr val="424456"/>
-                </a:solidFill>
-                <a:latin typeface="Trebuchet MS"/>
-                <a:ea typeface="DejaVu Sans"/>
-              </a:rPr>
-              <a:t>Tests</a:t>
-            </a:r>
-            <a:endParaRPr/>
-          </a:p>
-        </p:txBody>
-      </p:sp>
-      <p:sp>
-        <p:nvSpPr>
-          <p:cNvPr id="126" name="CustomShape 2"/>
-          <p:cNvSpPr/>
-          <p:nvPr/>
-        </p:nvSpPr>
-        <p:spPr>
-          <a:xfrm>
-            <a:off x="457200" y="2249280"/>
-            <a:ext cx="8228880" cy="4324320"/>
-          </a:xfrm>
-          <a:prstGeom prst="rect">
-            <a:avLst/>
-          </a:prstGeom>
-          <a:noFill/>
-          <a:ln>
-            <a:noFill/>
-          </a:ln>
-        </p:spPr>
-        <p:txBody>
-          <a:bodyPr lIns="90000" rIns="90000" tIns="45000" bIns="45000"/>
-          <a:p>
-            <a:pPr>
-              <a:lnSpc>
-                <a:spcPct val="100000"/>
-              </a:lnSpc>
-              <a:buFont typeface="Georgia"/>
-              <a:buChar char="•"/>
-            </a:pPr>
-            <a:r>
-              <a:rPr lang="en-US" sz="2800">
-                <a:solidFill>
-                  <a:srgbClr val="000000"/>
-                </a:solidFill>
-                <a:latin typeface="Georgia"/>
-                <a:ea typeface="DejaVu Sans"/>
-              </a:rPr>
-              <a:t>Test 1: Message embedded and extracted correctly with fixed size?</a:t>
-            </a:r>
-            <a:endParaRPr/>
-          </a:p>
-          <a:p>
-            <a:pPr>
-              <a:lnSpc>
-                <a:spcPct val="100000"/>
-              </a:lnSpc>
-              <a:buFont typeface="Georgia"/>
-              <a:buChar char="•"/>
-            </a:pPr>
-            <a:r>
-              <a:rPr lang="en-US" sz="2800">
-                <a:solidFill>
-                  <a:srgbClr val="000000"/>
-                </a:solidFill>
-                <a:latin typeface="Georgia"/>
-                <a:ea typeface="DejaVu Sans"/>
-              </a:rPr>
-              <a:t>Test2: Size embedded correctly?</a:t>
-            </a:r>
-            <a:endParaRPr/>
-          </a:p>
-          <a:p>
-            <a:pPr>
-              <a:lnSpc>
-                <a:spcPct val="100000"/>
-              </a:lnSpc>
-              <a:buFont typeface="Georgia"/>
-              <a:buChar char="•"/>
-            </a:pPr>
-            <a:r>
-              <a:rPr lang="en-US" sz="2800">
-                <a:solidFill>
-                  <a:srgbClr val="000000"/>
-                </a:solidFill>
-                <a:latin typeface="Georgia"/>
-                <a:ea typeface="DejaVu Sans"/>
-              </a:rPr>
-              <a:t>Test3: Message embedded and extracted correctly using size embedded?</a:t>
-            </a:r>
-            <a:endParaRPr/>
-          </a:p>
-          <a:p>
-            <a:pPr>
-              <a:lnSpc>
-                <a:spcPct val="100000"/>
-              </a:lnSpc>
-              <a:buFont typeface="Georgia"/>
-              <a:buChar char="•"/>
-            </a:pPr>
-            <a:r>
-              <a:rPr lang="en-US" sz="2800">
-                <a:solidFill>
-                  <a:srgbClr val="000000"/>
-                </a:solidFill>
-                <a:latin typeface="Georgia"/>
-                <a:ea typeface="DejaVu Sans"/>
-              </a:rPr>
-              <a:t>Test4: Message is not the same as before the attack?</a:t>
-            </a:r>
-            <a:endParaRPr/>
-          </a:p>
-        </p:txBody>
-      </p:sp>
-    </p:spTree>
-  </p:cSld>
-  <p:timing>
-    <p:tnLst>
-      <p:par>
-        <p:cTn id="11" dur="indefinite" restart="never" nodeType="tmRoot">
-          <p:childTnLst>
-            <p:seq>
-              <p:cTn id="12" nodeType="mainSeq"/>
-              <p:prevCondLst>
-                <p:cond delay="0" evt="onPrev">
-                  <p:tgtEl>
-                    <p:sldTgt/>
-                  </p:tgtEl>
-                </p:cond>
-              </p:prevCondLst>
-              <p:nextCondLst>
-                <p:cond delay="0" evt="onNext">
-                  <p:tgtEl>
-                    <p:sldTgt/>
-                  </p:tgtEl>
-                </p:cond>
-              </p:nextCondLst>
-            </p:seq>
-          </p:childTnLst>
-        </p:cTn>
-      </p:par>
-    </p:tnLst>
-  </p:timing>
-</p:sld>
-</file>
-
-<file path=ppt/slides/slide7.xml><?xml version="1.0" encoding="utf-8"?>
-<p:sld xmlns:a="http://schemas.openxmlformats.org/drawingml/2006/main" xmlns:p="http://schemas.openxmlformats.org/presentationml/2006/main" xmlns:r="http://schemas.openxmlformats.org/officeDocument/2006/relationships">
-  <p:cSld>
-    <p:spTree>
-      <p:nvGrpSpPr>
-        <p:cNvPr id="1" name=""/>
-        <p:cNvGrpSpPr/>
-        <p:nvPr/>
-      </p:nvGrpSpPr>
-      <p:grpSpPr>
-        <a:xfrm>
-          <a:off x="0" y="0"/>
-          <a:ext cx="0" cy="0"/>
-          <a:chOff x="0" y="0"/>
-          <a:chExt cx="0" cy="0"/>
-        </a:xfrm>
-      </p:grpSpPr>
-      <p:sp>
-        <p:nvSpPr>
-          <p:cNvPr id="127" name="CustomShape 1"/>
-          <p:cNvSpPr/>
-          <p:nvPr/>
-        </p:nvSpPr>
-        <p:spPr>
-          <a:xfrm>
-            <a:off x="457200" y="1143000"/>
-            <a:ext cx="8228880" cy="1065960"/>
-          </a:xfrm>
-          <a:prstGeom prst="rect">
-            <a:avLst/>
-          </a:prstGeom>
-          <a:noFill/>
-          <a:ln>
-            <a:noFill/>
-          </a:ln>
-        </p:spPr>
-        <p:txBody>
-          <a:bodyPr lIns="90000" rIns="90000" tIns="45000" bIns="45000" anchor="ctr"/>
-          <a:p>
-            <a:pPr>
-              <a:lnSpc>
-                <a:spcPct val="100000"/>
-              </a:lnSpc>
-            </a:pPr>
-            <a:r>
-              <a:rPr lang="en-US" sz="4000">
-                <a:solidFill>
-                  <a:srgbClr val="424456"/>
-                </a:solidFill>
-                <a:latin typeface="Trebuchet MS"/>
-                <a:ea typeface="DejaVu Sans"/>
-              </a:rPr>
-              <a:t>Initial Failures</a:t>
-            </a:r>
-            <a:endParaRPr/>
-          </a:p>
-        </p:txBody>
-      </p:sp>
-      <p:pic>
-        <p:nvPicPr>
-          <p:cNvPr id="128" name="Picture 2" descr=""/>
-          <p:cNvPicPr/>
-          <p:nvPr/>
-        </p:nvPicPr>
-        <p:blipFill>
-          <a:blip r:embed="rId1"/>
-          <a:stretch>
-            <a:fillRect/>
-          </a:stretch>
-        </p:blipFill>
-        <p:spPr>
-          <a:xfrm>
-            <a:off x="1409400" y="2415960"/>
-            <a:ext cx="6324840" cy="3990960"/>
-          </a:xfrm>
-          <a:prstGeom prst="rect">
-            <a:avLst/>
-          </a:prstGeom>
-          <a:ln>
-            <a:noFill/>
-          </a:ln>
-        </p:spPr>
-      </p:pic>
-    </p:spTree>
-  </p:cSld>
-  <p:timing>
-    <p:tnLst>
-      <p:par>
-        <p:cTn id="13" dur="indefinite" restart="never" nodeType="tmRoot">
-          <p:childTnLst>
-            <p:seq>
-              <p:cTn id="14" nodeType="mainSeq"/>
-              <p:prevCondLst>
-                <p:cond delay="0" evt="onPrev">
-                  <p:tgtEl>
-                    <p:sldTgt/>
-                  </p:tgtEl>
-                </p:cond>
-              </p:prevCondLst>
-              <p:nextCondLst>
-                <p:cond delay="0" evt="onNext">
-                  <p:tgtEl>
-                    <p:sldTgt/>
-                  </p:tgtEl>
-                </p:cond>
-              </p:nextCondLst>
-            </p:seq>
-          </p:childTnLst>
-        </p:cTn>
-      </p:par>
-    </p:tnLst>
-  </p:timing>
-</p:sld>
-</file>
-
-<file path=ppt/slides/slide8.xml><?xml version="1.0" encoding="utf-8"?>
-<p:sld xmlns:a="http://schemas.openxmlformats.org/drawingml/2006/main" xmlns:p="http://schemas.openxmlformats.org/presentationml/2006/main" xmlns:r="http://schemas.openxmlformats.org/officeDocument/2006/relationships">
-  <p:cSld>
-    <p:spTree>
-      <p:nvGrpSpPr>
-        <p:cNvPr id="1" name=""/>
-        <p:cNvGrpSpPr/>
-        <p:nvPr/>
-      </p:nvGrpSpPr>
-      <p:grpSpPr>
-        <a:xfrm>
-          <a:off x="0" y="0"/>
-          <a:ext cx="0" cy="0"/>
-          <a:chOff x="0" y="0"/>
-          <a:chExt cx="0" cy="0"/>
-        </a:xfrm>
-      </p:grpSpPr>
-      <p:sp>
-        <p:nvSpPr>
-          <p:cNvPr id="129" name="CustomShape 1"/>
-          <p:cNvSpPr/>
-          <p:nvPr/>
-        </p:nvSpPr>
-        <p:spPr>
-          <a:xfrm>
-            <a:off x="457200" y="1143000"/>
-            <a:ext cx="8228880" cy="1065960"/>
-          </a:xfrm>
-          <a:prstGeom prst="rect">
-            <a:avLst/>
-          </a:prstGeom>
-          <a:noFill/>
-          <a:ln>
-            <a:noFill/>
-          </a:ln>
-        </p:spPr>
-        <p:txBody>
-          <a:bodyPr lIns="90000" rIns="90000" tIns="45000" bIns="45000" anchor="ctr"/>
-          <a:p>
-            <a:pPr>
-              <a:lnSpc>
-                <a:spcPct val="100000"/>
-              </a:lnSpc>
-            </a:pPr>
-            <a:r>
-              <a:rPr lang="en-US" sz="4000">
-                <a:solidFill>
-                  <a:srgbClr val="424456"/>
-                </a:solidFill>
-                <a:latin typeface="Trebuchet MS"/>
-                <a:ea typeface="DejaVu Sans"/>
-              </a:rPr>
-              <a:t>Test 1 success</a:t>
-            </a:r>
-            <a:endParaRPr/>
-          </a:p>
-        </p:txBody>
-      </p:sp>
-      <p:pic>
-        <p:nvPicPr>
-          <p:cNvPr id="130" name="Picture 2" descr=""/>
-          <p:cNvPicPr/>
-          <p:nvPr/>
-        </p:nvPicPr>
-        <p:blipFill>
-          <a:blip r:embed="rId1"/>
-          <a:stretch>
-            <a:fillRect/>
-          </a:stretch>
-        </p:blipFill>
-        <p:spPr>
-          <a:xfrm>
-            <a:off x="1409400" y="2415960"/>
-            <a:ext cx="6324840" cy="3990960"/>
-          </a:xfrm>
-          <a:prstGeom prst="rect">
-            <a:avLst/>
-          </a:prstGeom>
-          <a:ln>
-            <a:noFill/>
-          </a:ln>
-        </p:spPr>
-      </p:pic>
-    </p:spTree>
-  </p:cSld>
-  <p:timing>
-    <p:tnLst>
-      <p:par>
-        <p:cTn id="15" dur="indefinite" restart="never" nodeType="tmRoot">
-          <p:childTnLst>
-            <p:seq>
-              <p:cTn id="16" nodeType="mainSeq"/>
-              <p:prevCondLst>
-                <p:cond delay="0" evt="onPrev">
-                  <p:tgtEl>
-                    <p:sldTgt/>
-                  </p:tgtEl>
-                </p:cond>
-              </p:prevCondLst>
-              <p:nextCondLst>
-                <p:cond delay="0" evt="onNext">
-                  <p:tgtEl>
-                    <p:sldTgt/>
-                  </p:tgtEl>
-                </p:cond>
-              </p:nextCondLst>
-            </p:seq>
-          </p:childTnLst>
-        </p:cTn>
-      </p:par>
-    </p:tnLst>
-  </p:timing>
-</p:sld>
-</file>
-
-<file path=ppt/slides/slide9.xml><?xml version="1.0" encoding="utf-8"?>
-<p:sld xmlns:a="http://schemas.openxmlformats.org/drawingml/2006/main" xmlns:p="http://schemas.openxmlformats.org/presentationml/2006/main" xmlns:r="http://schemas.openxmlformats.org/officeDocument/2006/relationships">
-  <p:cSld>
-    <p:spTree>
-      <p:nvGrpSpPr>
-        <p:cNvPr id="1" name=""/>
-        <p:cNvGrpSpPr/>
-        <p:nvPr/>
-      </p:nvGrpSpPr>
-      <p:grpSpPr>
-        <a:xfrm>
-          <a:off x="0" y="0"/>
-          <a:ext cx="0" cy="0"/>
-          <a:chOff x="0" y="0"/>
-          <a:chExt cx="0" cy="0"/>
-        </a:xfrm>
-      </p:grpSpPr>
-      <p:sp>
-        <p:nvSpPr>
-          <p:cNvPr id="131" name="CustomShape 1"/>
-          <p:cNvSpPr/>
-          <p:nvPr/>
-        </p:nvSpPr>
-        <p:spPr>
-          <a:xfrm>
-            <a:off x="457200" y="1143000"/>
-            <a:ext cx="8228880" cy="1065960"/>
-          </a:xfrm>
-          <a:prstGeom prst="rect">
-            <a:avLst/>
-          </a:prstGeom>
-          <a:noFill/>
-          <a:ln>
-            <a:noFill/>
-          </a:ln>
-        </p:spPr>
-        <p:txBody>
-          <a:bodyPr lIns="90000" rIns="90000" tIns="45000" bIns="45000" anchor="ctr"/>
-          <a:p>
-            <a:pPr>
-              <a:lnSpc>
-                <a:spcPct val="100000"/>
-              </a:lnSpc>
-            </a:pPr>
-            <a:r>
-              <a:rPr lang="en-US" sz="4000">
-                <a:solidFill>
-                  <a:srgbClr val="424456"/>
-                </a:solidFill>
-                <a:latin typeface="Trebuchet MS"/>
-                <a:ea typeface="DejaVu Sans"/>
-              </a:rPr>
-              <a:t>Test 2 and 3 success</a:t>
-            </a:r>
-            <a:endParaRPr/>
-          </a:p>
-        </p:txBody>
-      </p:sp>
-      <p:pic>
-        <p:nvPicPr>
-          <p:cNvPr id="132" name="Picture 2" descr=""/>
-          <p:cNvPicPr/>
-          <p:nvPr/>
-        </p:nvPicPr>
-        <p:blipFill>
-          <a:blip r:embed="rId1"/>
-          <a:stretch>
-            <a:fillRect/>
-          </a:stretch>
-        </p:blipFill>
-        <p:spPr>
-          <a:xfrm>
-            <a:off x="1428480" y="2249640"/>
-            <a:ext cx="6285960" cy="4323600"/>
-          </a:xfrm>
-          <a:prstGeom prst="rect">
-            <a:avLst/>
-          </a:prstGeom>
-          <a:ln>
-            <a:noFill/>
-          </a:ln>
-        </p:spPr>
-      </p:pic>
-    </p:spTree>
-  </p:cSld>
-  <p:timing>
-    <p:tnLst>
-      <p:par>
-        <p:cTn id="17" dur="indefinite" restart="never" nodeType="tmRoot">
-          <p:childTnLst>
-            <p:seq>
-              <p:cTn id="18" nodeType="mainSeq"/>
-              <p:prevCondLst>
-                <p:cond delay="0" evt="onPrev">
-                  <p:tgtEl>
-                    <p:sldTgt/>
-                  </p:tgtEl>
-                </p:cond>
-              </p:prevCondLst>
-              <p:nextCondLst>
-                <p:cond delay="0" evt="onNext">
+                <p:cond evt="onNext" delay="0">
                   <p:tgtEl>
                     <p:sldTgt/>
                   </p:tgtEl>
@@ -8745,6 +9105,8 @@
       </a:bgFillStyleLst>
     </a:fmtScheme>
   </a:themeElements>
+  <a:objectDefaults/>
+  <a:extraClrSchemeLst/>
 </a:theme>
 </file>
 
@@ -8968,6 +9330,8 @@
       </a:bgFillStyleLst>
     </a:fmtScheme>
   </a:themeElements>
+  <a:objectDefaults/>
+  <a:extraClrSchemeLst/>
 </a:theme>
 </file>
 
@@ -9191,5 +9555,7 @@
       </a:bgFillStyleLst>
     </a:fmtScheme>
   </a:themeElements>
+  <a:objectDefaults/>
+  <a:extraClrSchemeLst/>
 </a:theme>
 </file>
--- a/FinalPresentation.pptx
+++ b/FinalPresentation.pptx
@@ -4897,16 +4897,14 @@
           <p:cNvPicPr/>
           <p:nvPr/>
         </p:nvPicPr>
-        <p:blipFill>
+        <p:blipFill rotWithShape="1">
           <a:blip r:embed="rId3"/>
-          <a:srcRect l="18141" r="-634181"/>
-          <a:stretch>
-            <a:fillRect/>
-          </a:stretch>
+          <a:srcRect l="-7741" r="-19009"/>
+          <a:stretch/>
         </p:blipFill>
         <p:spPr>
           <a:xfrm>
-            <a:off x="457200" y="4280400"/>
+            <a:off x="0" y="4275720"/>
             <a:ext cx="8228880" cy="1729800"/>
           </a:xfrm>
           <a:prstGeom prst="rect">
@@ -5040,7 +5038,7 @@
               </a:lnSpc>
             </a:pPr>
             <a:r>
-              <a:rPr lang="en-US">
+              <a:rPr lang="en-US" dirty="0">
                 <a:solidFill>
                   <a:srgbClr val="000000"/>
                 </a:solidFill>
@@ -5049,85 +5047,162 @@
               </a:rPr>
               <a:t>The reason that the two do not match has to do with how the values are stored.</a:t>
             </a:r>
-            <a:endParaRPr/>
-          </a:p>
-          <a:p>
-            <a:pPr>
-              <a:lnSpc>
-                <a:spcPct val="100000"/>
-              </a:lnSpc>
-            </a:pPr>
-            <a:endParaRPr/>
-          </a:p>
-          <a:p>
-            <a:pPr>
-              <a:lnSpc>
-                <a:spcPct val="100000"/>
-              </a:lnSpc>
-            </a:pPr>
-            <a:r>
-              <a:rPr lang="en-US">
+            <a:endParaRPr dirty="0"/>
+          </a:p>
+          <a:p>
+            <a:pPr>
+              <a:lnSpc>
+                <a:spcPct val="100000"/>
+              </a:lnSpc>
+            </a:pPr>
+            <a:endParaRPr dirty="0"/>
+          </a:p>
+          <a:p>
+            <a:pPr>
+              <a:lnSpc>
+                <a:spcPct val="100000"/>
+              </a:lnSpc>
+            </a:pPr>
+            <a:r>
+              <a:rPr lang="en-US" dirty="0">
                 <a:solidFill>
                   <a:srgbClr val="000000"/>
                 </a:solidFill>
                 <a:latin typeface="Arial"/>
                 <a:ea typeface="DejaVu Sans"/>
               </a:rPr>
-              <a:t>Our program breaks the message into blocks and writes these blocks to the file in decimal form.</a:t>
-            </a:r>
-            <a:endParaRPr/>
-          </a:p>
-          <a:p>
-            <a:pPr>
-              <a:lnSpc>
-                <a:spcPct val="100000"/>
-              </a:lnSpc>
-            </a:pPr>
-            <a:endParaRPr/>
-          </a:p>
-          <a:p>
-            <a:pPr>
-              <a:lnSpc>
-                <a:spcPct val="100000"/>
-              </a:lnSpc>
-            </a:pPr>
-            <a:r>
-              <a:rPr lang="en-US">
+              <a:t>Our program breaks the message into blocks and writes these blocks to the file in decimal form</a:t>
+            </a:r>
+            <a:r>
+              <a:rPr lang="en-US" dirty="0" smtClean="0">
                 <a:solidFill>
                   <a:srgbClr val="000000"/>
                 </a:solidFill>
                 <a:latin typeface="Arial"/>
                 <a:ea typeface="DejaVu Sans"/>
               </a:rPr>
-              <a:t>On the other hand, OpenSSL wrote the modified binary data directly to a file, thus we could not directly compare the two.</a:t>
-            </a:r>
-            <a:endParaRPr/>
-          </a:p>
-          <a:p>
-            <a:pPr>
-              <a:lnSpc>
-                <a:spcPct val="100000"/>
-              </a:lnSpc>
-            </a:pPr>
-            <a:endParaRPr/>
-          </a:p>
-          <a:p>
-            <a:pPr>
-              <a:lnSpc>
-                <a:spcPct val="100000"/>
-              </a:lnSpc>
-            </a:pPr>
-            <a:r>
-              <a:rPr lang="en-US">
+              <a:t>.</a:t>
+            </a:r>
+          </a:p>
+          <a:p>
+            <a:pPr>
+              <a:lnSpc>
+                <a:spcPct val="100000"/>
+              </a:lnSpc>
+            </a:pPr>
+            <a:endParaRPr lang="en-US" dirty="0" smtClean="0">
+              <a:solidFill>
+                <a:srgbClr val="000000"/>
+              </a:solidFill>
+              <a:latin typeface="Arial"/>
+            </a:endParaRPr>
+          </a:p>
+          <a:p>
+            <a:pPr>
+              <a:lnSpc>
+                <a:spcPct val="100000"/>
+              </a:lnSpc>
+            </a:pPr>
+            <a:r>
+              <a:rPr lang="en-US" dirty="0" smtClean="0">
+                <a:solidFill>
+                  <a:srgbClr val="000000"/>
+                </a:solidFill>
+                <a:latin typeface="Arial"/>
+              </a:rPr>
+              <a:t>It also stores the message in reverse. It starts by encoding </a:t>
+            </a:r>
+            <a:r>
+              <a:rPr lang="en-US" smtClean="0">
+                <a:solidFill>
+                  <a:srgbClr val="000000"/>
+                </a:solidFill>
+                <a:latin typeface="Arial"/>
+              </a:rPr>
+              <a:t>the last </a:t>
+            </a:r>
+            <a:r>
+              <a:rPr lang="en-US" dirty="0" smtClean="0">
+                <a:solidFill>
+                  <a:srgbClr val="000000"/>
+                </a:solidFill>
+                <a:latin typeface="Arial"/>
+              </a:rPr>
+              <a:t>character and works back from there.</a:t>
+            </a:r>
+            <a:endParaRPr dirty="0"/>
+          </a:p>
+          <a:p>
+            <a:pPr>
+              <a:lnSpc>
+                <a:spcPct val="100000"/>
+              </a:lnSpc>
+            </a:pPr>
+            <a:endParaRPr dirty="0"/>
+          </a:p>
+          <a:p>
+            <a:pPr>
+              <a:lnSpc>
+                <a:spcPct val="100000"/>
+              </a:lnSpc>
+            </a:pPr>
+            <a:r>
+              <a:rPr lang="en-US" dirty="0">
                 <a:solidFill>
                   <a:srgbClr val="000000"/>
                 </a:solidFill>
                 <a:latin typeface="Arial"/>
                 <a:ea typeface="DejaVu Sans"/>
               </a:rPr>
+              <a:t>On the other hand, </a:t>
+            </a:r>
+            <a:r>
+              <a:rPr lang="en-US" dirty="0" err="1">
+                <a:solidFill>
+                  <a:srgbClr val="000000"/>
+                </a:solidFill>
+                <a:latin typeface="Arial"/>
+                <a:ea typeface="DejaVu Sans"/>
+              </a:rPr>
+              <a:t>OpenSSL</a:t>
+            </a:r>
+            <a:r>
+              <a:rPr lang="en-US" dirty="0">
+                <a:solidFill>
+                  <a:srgbClr val="000000"/>
+                </a:solidFill>
+                <a:latin typeface="Arial"/>
+                <a:ea typeface="DejaVu Sans"/>
+              </a:rPr>
+              <a:t> wrote the modified binary data directly to a file, thus we could not directly compare the two.</a:t>
+            </a:r>
+            <a:endParaRPr dirty="0"/>
+          </a:p>
+          <a:p>
+            <a:pPr>
+              <a:lnSpc>
+                <a:spcPct val="100000"/>
+              </a:lnSpc>
+            </a:pPr>
+            <a:endParaRPr dirty="0"/>
+          </a:p>
+          <a:p>
+            <a:pPr>
+              <a:lnSpc>
+                <a:spcPct val="100000"/>
+              </a:lnSpc>
+            </a:pPr>
+            <a:r>
+              <a:rPr lang="en-US" dirty="0">
+                <a:solidFill>
+                  <a:srgbClr val="000000"/>
+                </a:solidFill>
+                <a:latin typeface="Arial"/>
+                <a:ea typeface="DejaVu Sans"/>
+              </a:rPr>
               <a:t>The implementation is still shown to be correct when they decrypt to the same value.</a:t>
             </a:r>
-            <a:endParaRPr/>
+            <a:endParaRPr dirty="0"/>
           </a:p>
         </p:txBody>
       </p:sp>

--- a/FinalPresentation.pptx
+++ b/FinalPresentation.pptx
@@ -6,7 +6,7 @@
     <p:sldMasterId id="2147483661" r:id="rId2"/>
   </p:sldMasterIdLst>
   <p:notesMasterIdLst>
-    <p:notesMasterId r:id="rId24"/>
+    <p:notesMasterId r:id="rId25"/>
   </p:notesMasterIdLst>
   <p:sldIdLst>
     <p:sldId id="256" r:id="rId3"/>
@@ -27,9 +27,10 @@
     <p:sldId id="276" r:id="rId18"/>
     <p:sldId id="277" r:id="rId19"/>
     <p:sldId id="278" r:id="rId20"/>
-    <p:sldId id="279" r:id="rId21"/>
-    <p:sldId id="280" r:id="rId22"/>
-    <p:sldId id="281" r:id="rId23"/>
+    <p:sldId id="282" r:id="rId21"/>
+    <p:sldId id="279" r:id="rId22"/>
+    <p:sldId id="280" r:id="rId23"/>
+    <p:sldId id="281" r:id="rId24"/>
   </p:sldIdLst>
   <p:sldSz cx="9144000" cy="6858000" type="screen4x3"/>
   <p:notesSz cx="6858000" cy="9144000"/>
@@ -6047,7 +6048,7 @@
               </a:lnSpc>
             </a:pPr>
             <a:r>
-              <a:rPr lang="en-US" sz="4000">
+              <a:rPr lang="en-US" sz="4000" dirty="0">
                 <a:solidFill>
                   <a:srgbClr val="424456"/>
                 </a:solidFill>
@@ -6056,7 +6057,7 @@
               </a:rPr>
               <a:t>RSA- Attacks</a:t>
             </a:r>
-            <a:endParaRPr/>
+            <a:endParaRPr dirty="0"/>
           </a:p>
         </p:txBody>
       </p:sp>
@@ -6364,15 +6365,56 @@
           <a:chExt cx="0" cy="0"/>
         </a:xfrm>
       </p:grpSpPr>
-      <p:sp>
-        <p:nvSpPr>
-          <p:cNvPr id="171" name="CustomShape 1"/>
+      <p:pic>
+        <p:nvPicPr>
+          <p:cNvPr id="1028" name="Picture 4" descr="http://www.net-security.org/images/articles/rsa-token-broken.jpg"/>
+          <p:cNvPicPr>
+            <a:picLocks noChangeAspect="1" noChangeArrowheads="1"/>
+          </p:cNvPicPr>
+          <p:nvPr/>
+        </p:nvPicPr>
+        <p:blipFill>
+          <a:blip r:embed="rId2">
+            <a:extLst>
+              <a:ext uri="{28A0092B-C50C-407E-A947-70E740481C1C}">
+                <a14:useLocalDpi xmlns:a14="http://schemas.microsoft.com/office/drawing/2010/main" val="0"/>
+              </a:ext>
+            </a:extLst>
+          </a:blip>
+          <a:srcRect/>
+          <a:stretch>
+            <a:fillRect/>
+          </a:stretch>
+        </p:blipFill>
+        <p:spPr bwMode="auto">
+          <a:xfrm>
+            <a:off x="1966301" y="2895600"/>
+            <a:ext cx="5216071" cy="2190750"/>
+          </a:xfrm>
+          <a:prstGeom prst="rect">
+            <a:avLst/>
+          </a:prstGeom>
+          <a:noFill/>
+          <a:extLst>
+            <a:ext uri="{909E8E84-426E-40DD-AFC4-6F175D3DCCD1}">
+              <a14:hiddenFill xmlns:a14="http://schemas.microsoft.com/office/drawing/2010/main">
+                <a:solidFill>
+                  <a:srgbClr val="FFFFFF"/>
+                </a:solidFill>
+              </a14:hiddenFill>
+            </a:ext>
+          </a:extLst>
+        </p:spPr>
+      </p:pic>
+      <p:sp>
+        <p:nvSpPr>
+          <p:cNvPr id="4" name="CustomShape 1"/>
           <p:cNvSpPr/>
           <p:nvPr/>
         </p:nvSpPr>
         <p:spPr>
           <a:xfrm>
-            <a:off x="457200" y="1143000"/>
+            <a:off x="459897" y="685800"/>
             <a:ext cx="8228880" cy="1065960"/>
           </a:xfrm>
           <a:prstGeom prst="rect">
@@ -6384,7 +6426,7 @@
           </a:ln>
         </p:spPr>
         <p:txBody>
-          <a:bodyPr lIns="90000" tIns="45000" rIns="90000" bIns="45000" anchor="ctr"/>
+          <a:bodyPr lIns="0" tIns="0" rIns="0" bIns="0" anchor="ctr"/>
           <a:lstStyle/>
           <a:p>
             <a:pPr>
@@ -6393,40 +6435,230 @@
               </a:lnSpc>
             </a:pPr>
             <a:r>
-              <a:rPr lang="en-US" sz="4000">
+              <a:rPr lang="en-US" sz="4000" dirty="0">
                 <a:solidFill>
                   <a:srgbClr val="424456"/>
                 </a:solidFill>
                 <a:latin typeface="Trebuchet MS"/>
                 <a:ea typeface="DejaVu Sans"/>
               </a:rPr>
-              <a:t>RSA Tests</a:t>
+              <a:t>RSA- Attacks</a:t>
             </a:r>
-            <a:endParaRPr/>
-          </a:p>
-        </p:txBody>
-      </p:sp>
-      <p:sp>
-        <p:nvSpPr>
-          <p:cNvPr id="172" name="CustomShape 2"/>
-          <p:cNvSpPr/>
-          <p:nvPr/>
-        </p:nvSpPr>
-        <p:spPr>
-          <a:xfrm>
-            <a:off x="457200" y="2249280"/>
-            <a:ext cx="8228880" cy="4324320"/>
+            <a:endParaRPr dirty="0"/>
+          </a:p>
+        </p:txBody>
+      </p:sp>
+      <p:pic>
+        <p:nvPicPr>
+          <p:cNvPr id="1026" name="Picture 2" descr="H:\ms_windows\cpsc_redirected\My Documents\My Pictures\more.png"/>
+          <p:cNvPicPr>
+            <a:picLocks noChangeAspect="1" noChangeArrowheads="1"/>
+          </p:cNvPicPr>
+          <p:nvPr/>
+        </p:nvPicPr>
+        <p:blipFill>
+          <a:blip r:embed="rId3">
+            <a:extLst>
+              <a:ext uri="{28A0092B-C50C-407E-A947-70E740481C1C}">
+                <a14:useLocalDpi xmlns:a14="http://schemas.microsoft.com/office/drawing/2010/main" val="0"/>
+              </a:ext>
+            </a:extLst>
+          </a:blip>
+          <a:srcRect/>
+          <a:stretch>
+            <a:fillRect/>
+          </a:stretch>
+        </p:blipFill>
+        <p:spPr bwMode="auto">
+          <a:xfrm>
+            <a:off x="658458" y="1751760"/>
+            <a:ext cx="6497638" cy="4095750"/>
           </a:xfrm>
           <a:prstGeom prst="rect">
             <a:avLst/>
           </a:prstGeom>
           <a:noFill/>
-          <a:ln>
-            <a:noFill/>
-          </a:ln>
-        </p:spPr>
-      </p:sp>
+          <a:extLst>
+            <a:ext uri="{909E8E84-426E-40DD-AFC4-6F175D3DCCD1}">
+              <a14:hiddenFill xmlns:a14="http://schemas.microsoft.com/office/drawing/2010/main">
+                <a:solidFill>
+                  <a:srgbClr val="FFFFFF"/>
+                </a:solidFill>
+              </a14:hiddenFill>
+            </a:ext>
+          </a:extLst>
+        </p:spPr>
+      </p:pic>
+      <p:pic>
+        <p:nvPicPr>
+          <p:cNvPr id="1029" name="Picture 5" descr="H:\ms_windows\cpsc_redirected\My Documents\My Pictures\cipher.png"/>
+          <p:cNvPicPr>
+            <a:picLocks noChangeAspect="1" noChangeArrowheads="1"/>
+          </p:cNvPicPr>
+          <p:nvPr/>
+        </p:nvPicPr>
+        <p:blipFill>
+          <a:blip r:embed="rId4">
+            <a:extLst>
+              <a:ext uri="{28A0092B-C50C-407E-A947-70E740481C1C}">
+                <a14:useLocalDpi xmlns:a14="http://schemas.microsoft.com/office/drawing/2010/main" val="0"/>
+              </a:ext>
+            </a:extLst>
+          </a:blip>
+          <a:srcRect/>
+          <a:stretch>
+            <a:fillRect/>
+          </a:stretch>
+        </p:blipFill>
+        <p:spPr bwMode="auto">
+          <a:xfrm>
+            <a:off x="655830" y="1685925"/>
+            <a:ext cx="6402388" cy="4476750"/>
+          </a:xfrm>
+          <a:prstGeom prst="rect">
+            <a:avLst/>
+          </a:prstGeom>
+          <a:noFill/>
+          <a:extLst>
+            <a:ext uri="{909E8E84-426E-40DD-AFC4-6F175D3DCCD1}">
+              <a14:hiddenFill xmlns:a14="http://schemas.microsoft.com/office/drawing/2010/main">
+                <a:solidFill>
+                  <a:srgbClr val="FFFFFF"/>
+                </a:solidFill>
+              </a14:hiddenFill>
+            </a:ext>
+          </a:extLst>
+        </p:spPr>
+      </p:pic>
+      <p:pic>
+        <p:nvPicPr>
+          <p:cNvPr id="1030" name="Picture 6" descr="H:\ms_windows\cpsc_redirected\My Documents\My Pictures\brute.png"/>
+          <p:cNvPicPr>
+            <a:picLocks noChangeAspect="1" noChangeArrowheads="1"/>
+          </p:cNvPicPr>
+          <p:nvPr/>
+        </p:nvPicPr>
+        <p:blipFill>
+          <a:blip r:embed="rId5">
+            <a:extLst>
+              <a:ext uri="{28A0092B-C50C-407E-A947-70E740481C1C}">
+                <a14:useLocalDpi xmlns:a14="http://schemas.microsoft.com/office/drawing/2010/main" val="0"/>
+              </a:ext>
+            </a:extLst>
+          </a:blip>
+          <a:srcRect/>
+          <a:stretch>
+            <a:fillRect/>
+          </a:stretch>
+        </p:blipFill>
+        <p:spPr bwMode="auto">
+          <a:xfrm>
+            <a:off x="655830" y="1659649"/>
+            <a:ext cx="7412038" cy="4503026"/>
+          </a:xfrm>
+          <a:prstGeom prst="rect">
+            <a:avLst/>
+          </a:prstGeom>
+          <a:noFill/>
+          <a:extLst>
+            <a:ext uri="{909E8E84-426E-40DD-AFC4-6F175D3DCCD1}">
+              <a14:hiddenFill xmlns:a14="http://schemas.microsoft.com/office/drawing/2010/main">
+                <a:solidFill>
+                  <a:srgbClr val="FFFFFF"/>
+                </a:solidFill>
+              </a14:hiddenFill>
+            </a:ext>
+          </a:extLst>
+        </p:spPr>
+      </p:pic>
+      <p:pic>
+        <p:nvPicPr>
+          <p:cNvPr id="1031" name="Picture 7" descr="H:\ms_windows\cpsc_redirected\My Documents\My Pictures\pollards.png"/>
+          <p:cNvPicPr>
+            <a:picLocks noChangeAspect="1" noChangeArrowheads="1"/>
+          </p:cNvPicPr>
+          <p:nvPr/>
+        </p:nvPicPr>
+        <p:blipFill>
+          <a:blip r:embed="rId6">
+            <a:extLst>
+              <a:ext uri="{28A0092B-C50C-407E-A947-70E740481C1C}">
+                <a14:useLocalDpi xmlns:a14="http://schemas.microsoft.com/office/drawing/2010/main" val="0"/>
+              </a:ext>
+            </a:extLst>
+          </a:blip>
+          <a:srcRect/>
+          <a:stretch>
+            <a:fillRect/>
+          </a:stretch>
+        </p:blipFill>
+        <p:spPr bwMode="auto">
+          <a:xfrm>
+            <a:off x="486173" y="1564235"/>
+            <a:ext cx="7616468" cy="4693854"/>
+          </a:xfrm>
+          <a:prstGeom prst="rect">
+            <a:avLst/>
+          </a:prstGeom>
+          <a:noFill/>
+          <a:extLst>
+            <a:ext uri="{909E8E84-426E-40DD-AFC4-6F175D3DCCD1}">
+              <a14:hiddenFill xmlns:a14="http://schemas.microsoft.com/office/drawing/2010/main">
+                <a:solidFill>
+                  <a:srgbClr val="FFFFFF"/>
+                </a:solidFill>
+              </a14:hiddenFill>
+            </a:ext>
+          </a:extLst>
+        </p:spPr>
+      </p:pic>
+      <p:pic>
+        <p:nvPicPr>
+          <p:cNvPr id="1032" name="Picture 8" descr="H:\ms_windows\cpsc_redirected\My Documents\My Pictures\fermat.png"/>
+          <p:cNvPicPr>
+            <a:picLocks noChangeAspect="1" noChangeArrowheads="1"/>
+          </p:cNvPicPr>
+          <p:nvPr/>
+        </p:nvPicPr>
+        <p:blipFill>
+          <a:blip r:embed="rId7">
+            <a:extLst>
+              <a:ext uri="{28A0092B-C50C-407E-A947-70E740481C1C}">
+                <a14:useLocalDpi xmlns:a14="http://schemas.microsoft.com/office/drawing/2010/main" val="0"/>
+              </a:ext>
+            </a:extLst>
+          </a:blip>
+          <a:srcRect/>
+          <a:stretch>
+            <a:fillRect/>
+          </a:stretch>
+        </p:blipFill>
+        <p:spPr bwMode="auto">
+          <a:xfrm>
+            <a:off x="459897" y="1535331"/>
+            <a:ext cx="7873135" cy="4722757"/>
+          </a:xfrm>
+          <a:prstGeom prst="rect">
+            <a:avLst/>
+          </a:prstGeom>
+          <a:noFill/>
+          <a:extLst>
+            <a:ext uri="{909E8E84-426E-40DD-AFC4-6F175D3DCCD1}">
+              <a14:hiddenFill xmlns:a14="http://schemas.microsoft.com/office/drawing/2010/main">
+                <a:solidFill>
+                  <a:srgbClr val="FFFFFF"/>
+                </a:solidFill>
+              </a14:hiddenFill>
+            </a:ext>
+          </a:extLst>
+        </p:spPr>
+      </p:pic>
     </p:spTree>
+    <p:extLst>
+      <p:ext uri="{BB962C8B-B14F-4D97-AF65-F5344CB8AC3E}">
+        <p14:creationId xmlns:p14="http://schemas.microsoft.com/office/powerpoint/2010/main" val="1163282077"/>
+      </p:ext>
+    </p:extLst>
   </p:cSld>
   <p:clrMapOvr>
     <a:masterClrMapping/>
@@ -6436,8 +6668,1089 @@
       <p:par>
         <p:cTn id="1" dur="indefinite" restart="never" nodeType="tmRoot">
           <p:childTnLst>
-            <p:seq>
-              <p:cTn id="2" nodeType="mainSeq"/>
+            <p:seq concurrent="1" nextAc="seek">
+              <p:cTn id="2" dur="indefinite" nodeType="mainSeq">
+                <p:childTnLst>
+                  <p:par>
+                    <p:cTn id="3" fill="hold">
+                      <p:stCondLst>
+                        <p:cond delay="indefinite"/>
+                      </p:stCondLst>
+                      <p:childTnLst>
+                        <p:par>
+                          <p:cTn id="4" fill="hold">
+                            <p:stCondLst>
+                              <p:cond delay="0"/>
+                            </p:stCondLst>
+                            <p:childTnLst>
+                              <p:par>
+                                <p:cTn id="5" presetID="2" presetClass="entr" presetSubtype="4" fill="hold" nodeType="clickEffect">
+                                  <p:stCondLst>
+                                    <p:cond delay="0"/>
+                                  </p:stCondLst>
+                                  <p:childTnLst>
+                                    <p:set>
+                                      <p:cBhvr>
+                                        <p:cTn id="6" dur="1" fill="hold">
+                                          <p:stCondLst>
+                                            <p:cond delay="0"/>
+                                          </p:stCondLst>
+                                        </p:cTn>
+                                        <p:tgtEl>
+                                          <p:spTgt spid="1026"/>
+                                        </p:tgtEl>
+                                        <p:attrNameLst>
+                                          <p:attrName>style.visibility</p:attrName>
+                                        </p:attrNameLst>
+                                      </p:cBhvr>
+                                      <p:to>
+                                        <p:strVal val="visible"/>
+                                      </p:to>
+                                    </p:set>
+                                    <p:anim calcmode="lin" valueType="num">
+                                      <p:cBhvr additive="base">
+                                        <p:cTn id="7" dur="500" fill="hold"/>
+                                        <p:tgtEl>
+                                          <p:spTgt spid="1026"/>
+                                        </p:tgtEl>
+                                        <p:attrNameLst>
+                                          <p:attrName>ppt_x</p:attrName>
+                                        </p:attrNameLst>
+                                      </p:cBhvr>
+                                      <p:tavLst>
+                                        <p:tav tm="0">
+                                          <p:val>
+                                            <p:strVal val="#ppt_x"/>
+                                          </p:val>
+                                        </p:tav>
+                                        <p:tav tm="100000">
+                                          <p:val>
+                                            <p:strVal val="#ppt_x"/>
+                                          </p:val>
+                                        </p:tav>
+                                      </p:tavLst>
+                                    </p:anim>
+                                    <p:anim calcmode="lin" valueType="num">
+                                      <p:cBhvr additive="base">
+                                        <p:cTn id="8" dur="500" fill="hold"/>
+                                        <p:tgtEl>
+                                          <p:spTgt spid="1026"/>
+                                        </p:tgtEl>
+                                        <p:attrNameLst>
+                                          <p:attrName>ppt_y</p:attrName>
+                                        </p:attrNameLst>
+                                      </p:cBhvr>
+                                      <p:tavLst>
+                                        <p:tav tm="0">
+                                          <p:val>
+                                            <p:strVal val="1+#ppt_h/2"/>
+                                          </p:val>
+                                        </p:tav>
+                                        <p:tav tm="100000">
+                                          <p:val>
+                                            <p:strVal val="#ppt_y"/>
+                                          </p:val>
+                                        </p:tav>
+                                      </p:tavLst>
+                                    </p:anim>
+                                  </p:childTnLst>
+                                </p:cTn>
+                              </p:par>
+                            </p:childTnLst>
+                          </p:cTn>
+                        </p:par>
+                      </p:childTnLst>
+                    </p:cTn>
+                  </p:par>
+                  <p:par>
+                    <p:cTn id="9" fill="hold">
+                      <p:stCondLst>
+                        <p:cond delay="indefinite"/>
+                      </p:stCondLst>
+                      <p:childTnLst>
+                        <p:par>
+                          <p:cTn id="10" fill="hold">
+                            <p:stCondLst>
+                              <p:cond delay="0"/>
+                            </p:stCondLst>
+                            <p:childTnLst>
+                              <p:par>
+                                <p:cTn id="11" presetID="45" presetClass="entr" presetSubtype="0" fill="hold" nodeType="clickEffect">
+                                  <p:stCondLst>
+                                    <p:cond delay="0"/>
+                                  </p:stCondLst>
+                                  <p:childTnLst>
+                                    <p:set>
+                                      <p:cBhvr>
+                                        <p:cTn id="12" dur="1" fill="hold">
+                                          <p:stCondLst>
+                                            <p:cond delay="0"/>
+                                          </p:stCondLst>
+                                        </p:cTn>
+                                        <p:tgtEl>
+                                          <p:spTgt spid="1029"/>
+                                        </p:tgtEl>
+                                        <p:attrNameLst>
+                                          <p:attrName>style.visibility</p:attrName>
+                                        </p:attrNameLst>
+                                      </p:cBhvr>
+                                      <p:to>
+                                        <p:strVal val="visible"/>
+                                      </p:to>
+                                    </p:set>
+                                    <p:animEffect transition="in" filter="fade">
+                                      <p:cBhvr>
+                                        <p:cTn id="13" dur="2000"/>
+                                        <p:tgtEl>
+                                          <p:spTgt spid="1029"/>
+                                        </p:tgtEl>
+                                      </p:cBhvr>
+                                    </p:animEffect>
+                                    <p:anim calcmode="lin" valueType="num">
+                                      <p:cBhvr>
+                                        <p:cTn id="14" dur="2000" fill="hold"/>
+                                        <p:tgtEl>
+                                          <p:spTgt spid="1029"/>
+                                        </p:tgtEl>
+                                        <p:attrNameLst>
+                                          <p:attrName>ppt_w</p:attrName>
+                                        </p:attrNameLst>
+                                      </p:cBhvr>
+                                      <p:tavLst>
+                                        <p:tav tm="0" fmla="#ppt_w*sin(2.5*pi*$)">
+                                          <p:val>
+                                            <p:fltVal val="0"/>
+                                          </p:val>
+                                        </p:tav>
+                                        <p:tav tm="100000">
+                                          <p:val>
+                                            <p:fltVal val="1"/>
+                                          </p:val>
+                                        </p:tav>
+                                      </p:tavLst>
+                                    </p:anim>
+                                    <p:anim calcmode="lin" valueType="num">
+                                      <p:cBhvr>
+                                        <p:cTn id="15" dur="2000" fill="hold"/>
+                                        <p:tgtEl>
+                                          <p:spTgt spid="1029"/>
+                                        </p:tgtEl>
+                                        <p:attrNameLst>
+                                          <p:attrName>ppt_h</p:attrName>
+                                        </p:attrNameLst>
+                                      </p:cBhvr>
+                                      <p:tavLst>
+                                        <p:tav tm="0">
+                                          <p:val>
+                                            <p:strVal val="#ppt_h"/>
+                                          </p:val>
+                                        </p:tav>
+                                        <p:tav tm="100000">
+                                          <p:val>
+                                            <p:strVal val="#ppt_h"/>
+                                          </p:val>
+                                        </p:tav>
+                                      </p:tavLst>
+                                    </p:anim>
+                                  </p:childTnLst>
+                                </p:cTn>
+                              </p:par>
+                            </p:childTnLst>
+                          </p:cTn>
+                        </p:par>
+                      </p:childTnLst>
+                    </p:cTn>
+                  </p:par>
+                  <p:par>
+                    <p:cTn id="16" fill="hold">
+                      <p:stCondLst>
+                        <p:cond delay="indefinite"/>
+                      </p:stCondLst>
+                      <p:childTnLst>
+                        <p:par>
+                          <p:cTn id="17" fill="hold">
+                            <p:stCondLst>
+                              <p:cond delay="0"/>
+                            </p:stCondLst>
+                            <p:childTnLst>
+                              <p:par>
+                                <p:cTn id="18" presetID="26" presetClass="entr" presetSubtype="0" fill="hold" nodeType="clickEffect">
+                                  <p:stCondLst>
+                                    <p:cond delay="0"/>
+                                  </p:stCondLst>
+                                  <p:childTnLst>
+                                    <p:set>
+                                      <p:cBhvr>
+                                        <p:cTn id="19" dur="1" fill="hold">
+                                          <p:stCondLst>
+                                            <p:cond delay="0"/>
+                                          </p:stCondLst>
+                                        </p:cTn>
+                                        <p:tgtEl>
+                                          <p:spTgt spid="1030"/>
+                                        </p:tgtEl>
+                                        <p:attrNameLst>
+                                          <p:attrName>style.visibility</p:attrName>
+                                        </p:attrNameLst>
+                                      </p:cBhvr>
+                                      <p:to>
+                                        <p:strVal val="visible"/>
+                                      </p:to>
+                                    </p:set>
+                                    <p:animEffect transition="in" filter="wipe(down)">
+                                      <p:cBhvr>
+                                        <p:cTn id="20" dur="580">
+                                          <p:stCondLst>
+                                            <p:cond delay="0"/>
+                                          </p:stCondLst>
+                                        </p:cTn>
+                                        <p:tgtEl>
+                                          <p:spTgt spid="1030"/>
+                                        </p:tgtEl>
+                                      </p:cBhvr>
+                                    </p:animEffect>
+                                    <p:anim calcmode="lin" valueType="num">
+                                      <p:cBhvr>
+                                        <p:cTn id="21" dur="1822" tmFilter="0,0; 0.14,0.36; 0.43,0.73; 0.71,0.91; 1.0,1.0">
+                                          <p:stCondLst>
+                                            <p:cond delay="0"/>
+                                          </p:stCondLst>
+                                        </p:cTn>
+                                        <p:tgtEl>
+                                          <p:spTgt spid="1030"/>
+                                        </p:tgtEl>
+                                        <p:attrNameLst>
+                                          <p:attrName>ppt_x</p:attrName>
+                                        </p:attrNameLst>
+                                      </p:cBhvr>
+                                      <p:tavLst>
+                                        <p:tav tm="0">
+                                          <p:val>
+                                            <p:strVal val="#ppt_x-0.25"/>
+                                          </p:val>
+                                        </p:tav>
+                                        <p:tav tm="100000">
+                                          <p:val>
+                                            <p:strVal val="#ppt_x"/>
+                                          </p:val>
+                                        </p:tav>
+                                      </p:tavLst>
+                                    </p:anim>
+                                    <p:anim calcmode="lin" valueType="num">
+                                      <p:cBhvr>
+                                        <p:cTn id="22" dur="664" tmFilter="0.0,0.0; 0.25,0.07; 0.50,0.2; 0.75,0.467; 1.0,1.0">
+                                          <p:stCondLst>
+                                            <p:cond delay="0"/>
+                                          </p:stCondLst>
+                                        </p:cTn>
+                                        <p:tgtEl>
+                                          <p:spTgt spid="1030"/>
+                                        </p:tgtEl>
+                                        <p:attrNameLst>
+                                          <p:attrName>ppt_y</p:attrName>
+                                        </p:attrNameLst>
+                                      </p:cBhvr>
+                                      <p:tavLst>
+                                        <p:tav tm="0" fmla="#ppt_y-sin(pi*$)/3">
+                                          <p:val>
+                                            <p:fltVal val="0.5"/>
+                                          </p:val>
+                                        </p:tav>
+                                        <p:tav tm="100000">
+                                          <p:val>
+                                            <p:fltVal val="1"/>
+                                          </p:val>
+                                        </p:tav>
+                                      </p:tavLst>
+                                    </p:anim>
+                                    <p:anim calcmode="lin" valueType="num">
+                                      <p:cBhvr>
+                                        <p:cTn id="23" dur="664" tmFilter="0, 0; 0.125,0.2665; 0.25,0.4; 0.375,0.465; 0.5,0.5;  0.625,0.535; 0.75,0.6; 0.875,0.7335; 1,1">
+                                          <p:stCondLst>
+                                            <p:cond delay="664"/>
+                                          </p:stCondLst>
+                                        </p:cTn>
+                                        <p:tgtEl>
+                                          <p:spTgt spid="1030"/>
+                                        </p:tgtEl>
+                                        <p:attrNameLst>
+                                          <p:attrName>ppt_y</p:attrName>
+                                        </p:attrNameLst>
+                                      </p:cBhvr>
+                                      <p:tavLst>
+                                        <p:tav tm="0" fmla="#ppt_y-sin(pi*$)/9">
+                                          <p:val>
+                                            <p:fltVal val="0"/>
+                                          </p:val>
+                                        </p:tav>
+                                        <p:tav tm="100000">
+                                          <p:val>
+                                            <p:fltVal val="1"/>
+                                          </p:val>
+                                        </p:tav>
+                                      </p:tavLst>
+                                    </p:anim>
+                                    <p:anim calcmode="lin" valueType="num">
+                                      <p:cBhvr>
+                                        <p:cTn id="24" dur="332" tmFilter="0, 0; 0.125,0.2665; 0.25,0.4; 0.375,0.465; 0.5,0.5;  0.625,0.535; 0.75,0.6; 0.875,0.7335; 1,1">
+                                          <p:stCondLst>
+                                            <p:cond delay="1324"/>
+                                          </p:stCondLst>
+                                        </p:cTn>
+                                        <p:tgtEl>
+                                          <p:spTgt spid="1030"/>
+                                        </p:tgtEl>
+                                        <p:attrNameLst>
+                                          <p:attrName>ppt_y</p:attrName>
+                                        </p:attrNameLst>
+                                      </p:cBhvr>
+                                      <p:tavLst>
+                                        <p:tav tm="0" fmla="#ppt_y-sin(pi*$)/27">
+                                          <p:val>
+                                            <p:fltVal val="0"/>
+                                          </p:val>
+                                        </p:tav>
+                                        <p:tav tm="100000">
+                                          <p:val>
+                                            <p:fltVal val="1"/>
+                                          </p:val>
+                                        </p:tav>
+                                      </p:tavLst>
+                                    </p:anim>
+                                    <p:anim calcmode="lin" valueType="num">
+                                      <p:cBhvr>
+                                        <p:cTn id="25" dur="164" tmFilter="0, 0; 0.125,0.2665; 0.25,0.4; 0.375,0.465; 0.5,0.5;  0.625,0.535; 0.75,0.6; 0.875,0.7335; 1,1">
+                                          <p:stCondLst>
+                                            <p:cond delay="1656"/>
+                                          </p:stCondLst>
+                                        </p:cTn>
+                                        <p:tgtEl>
+                                          <p:spTgt spid="1030"/>
+                                        </p:tgtEl>
+                                        <p:attrNameLst>
+                                          <p:attrName>ppt_y</p:attrName>
+                                        </p:attrNameLst>
+                                      </p:cBhvr>
+                                      <p:tavLst>
+                                        <p:tav tm="0" fmla="#ppt_y-sin(pi*$)/81">
+                                          <p:val>
+                                            <p:fltVal val="0"/>
+                                          </p:val>
+                                        </p:tav>
+                                        <p:tav tm="100000">
+                                          <p:val>
+                                            <p:fltVal val="1"/>
+                                          </p:val>
+                                        </p:tav>
+                                      </p:tavLst>
+                                    </p:anim>
+                                    <p:animScale>
+                                      <p:cBhvr>
+                                        <p:cTn id="26" dur="26">
+                                          <p:stCondLst>
+                                            <p:cond delay="650"/>
+                                          </p:stCondLst>
+                                        </p:cTn>
+                                        <p:tgtEl>
+                                          <p:spTgt spid="1030"/>
+                                        </p:tgtEl>
+                                      </p:cBhvr>
+                                      <p:to x="100000" y="60000"/>
+                                    </p:animScale>
+                                    <p:animScale>
+                                      <p:cBhvr>
+                                        <p:cTn id="27" dur="166" decel="50000">
+                                          <p:stCondLst>
+                                            <p:cond delay="676"/>
+                                          </p:stCondLst>
+                                        </p:cTn>
+                                        <p:tgtEl>
+                                          <p:spTgt spid="1030"/>
+                                        </p:tgtEl>
+                                      </p:cBhvr>
+                                      <p:to x="100000" y="100000"/>
+                                    </p:animScale>
+                                    <p:animScale>
+                                      <p:cBhvr>
+                                        <p:cTn id="28" dur="26">
+                                          <p:stCondLst>
+                                            <p:cond delay="1312"/>
+                                          </p:stCondLst>
+                                        </p:cTn>
+                                        <p:tgtEl>
+                                          <p:spTgt spid="1030"/>
+                                        </p:tgtEl>
+                                      </p:cBhvr>
+                                      <p:to x="100000" y="80000"/>
+                                    </p:animScale>
+                                    <p:animScale>
+                                      <p:cBhvr>
+                                        <p:cTn id="29" dur="166" decel="50000">
+                                          <p:stCondLst>
+                                            <p:cond delay="1338"/>
+                                          </p:stCondLst>
+                                        </p:cTn>
+                                        <p:tgtEl>
+                                          <p:spTgt spid="1030"/>
+                                        </p:tgtEl>
+                                      </p:cBhvr>
+                                      <p:to x="100000" y="100000"/>
+                                    </p:animScale>
+                                    <p:animScale>
+                                      <p:cBhvr>
+                                        <p:cTn id="30" dur="26">
+                                          <p:stCondLst>
+                                            <p:cond delay="1642"/>
+                                          </p:stCondLst>
+                                        </p:cTn>
+                                        <p:tgtEl>
+                                          <p:spTgt spid="1030"/>
+                                        </p:tgtEl>
+                                      </p:cBhvr>
+                                      <p:to x="100000" y="90000"/>
+                                    </p:animScale>
+                                    <p:animScale>
+                                      <p:cBhvr>
+                                        <p:cTn id="31" dur="166" decel="50000">
+                                          <p:stCondLst>
+                                            <p:cond delay="1668"/>
+                                          </p:stCondLst>
+                                        </p:cTn>
+                                        <p:tgtEl>
+                                          <p:spTgt spid="1030"/>
+                                        </p:tgtEl>
+                                      </p:cBhvr>
+                                      <p:to x="100000" y="100000"/>
+                                    </p:animScale>
+                                    <p:animScale>
+                                      <p:cBhvr>
+                                        <p:cTn id="32" dur="26">
+                                          <p:stCondLst>
+                                            <p:cond delay="1808"/>
+                                          </p:stCondLst>
+                                        </p:cTn>
+                                        <p:tgtEl>
+                                          <p:spTgt spid="1030"/>
+                                        </p:tgtEl>
+                                      </p:cBhvr>
+                                      <p:to x="100000" y="95000"/>
+                                    </p:animScale>
+                                    <p:animScale>
+                                      <p:cBhvr>
+                                        <p:cTn id="33" dur="166" decel="50000">
+                                          <p:stCondLst>
+                                            <p:cond delay="1834"/>
+                                          </p:stCondLst>
+                                        </p:cTn>
+                                        <p:tgtEl>
+                                          <p:spTgt spid="1030"/>
+                                        </p:tgtEl>
+                                      </p:cBhvr>
+                                      <p:to x="100000" y="100000"/>
+                                    </p:animScale>
+                                  </p:childTnLst>
+                                </p:cTn>
+                              </p:par>
+                            </p:childTnLst>
+                          </p:cTn>
+                        </p:par>
+                      </p:childTnLst>
+                    </p:cTn>
+                  </p:par>
+                  <p:par>
+                    <p:cTn id="34" fill="hold">
+                      <p:stCondLst>
+                        <p:cond delay="indefinite"/>
+                      </p:stCondLst>
+                      <p:childTnLst>
+                        <p:par>
+                          <p:cTn id="35" fill="hold">
+                            <p:stCondLst>
+                              <p:cond delay="0"/>
+                            </p:stCondLst>
+                            <p:childTnLst>
+                              <p:par>
+                                <p:cTn id="36" presetID="26" presetClass="entr" presetSubtype="0" fill="hold" nodeType="clickEffect">
+                                  <p:stCondLst>
+                                    <p:cond delay="0"/>
+                                  </p:stCondLst>
+                                  <p:childTnLst>
+                                    <p:set>
+                                      <p:cBhvr>
+                                        <p:cTn id="37" dur="1" fill="hold">
+                                          <p:stCondLst>
+                                            <p:cond delay="0"/>
+                                          </p:stCondLst>
+                                        </p:cTn>
+                                        <p:tgtEl>
+                                          <p:spTgt spid="1031"/>
+                                        </p:tgtEl>
+                                        <p:attrNameLst>
+                                          <p:attrName>style.visibility</p:attrName>
+                                        </p:attrNameLst>
+                                      </p:cBhvr>
+                                      <p:to>
+                                        <p:strVal val="visible"/>
+                                      </p:to>
+                                    </p:set>
+                                    <p:animEffect transition="in" filter="wipe(down)">
+                                      <p:cBhvr>
+                                        <p:cTn id="38" dur="580">
+                                          <p:stCondLst>
+                                            <p:cond delay="0"/>
+                                          </p:stCondLst>
+                                        </p:cTn>
+                                        <p:tgtEl>
+                                          <p:spTgt spid="1031"/>
+                                        </p:tgtEl>
+                                      </p:cBhvr>
+                                    </p:animEffect>
+                                    <p:anim calcmode="lin" valueType="num">
+                                      <p:cBhvr>
+                                        <p:cTn id="39" dur="1822" tmFilter="0,0; 0.14,0.36; 0.43,0.73; 0.71,0.91; 1.0,1.0">
+                                          <p:stCondLst>
+                                            <p:cond delay="0"/>
+                                          </p:stCondLst>
+                                        </p:cTn>
+                                        <p:tgtEl>
+                                          <p:spTgt spid="1031"/>
+                                        </p:tgtEl>
+                                        <p:attrNameLst>
+                                          <p:attrName>ppt_x</p:attrName>
+                                        </p:attrNameLst>
+                                      </p:cBhvr>
+                                      <p:tavLst>
+                                        <p:tav tm="0">
+                                          <p:val>
+                                            <p:strVal val="#ppt_x-0.25"/>
+                                          </p:val>
+                                        </p:tav>
+                                        <p:tav tm="100000">
+                                          <p:val>
+                                            <p:strVal val="#ppt_x"/>
+                                          </p:val>
+                                        </p:tav>
+                                      </p:tavLst>
+                                    </p:anim>
+                                    <p:anim calcmode="lin" valueType="num">
+                                      <p:cBhvr>
+                                        <p:cTn id="40" dur="664" tmFilter="0.0,0.0; 0.25,0.07; 0.50,0.2; 0.75,0.467; 1.0,1.0">
+                                          <p:stCondLst>
+                                            <p:cond delay="0"/>
+                                          </p:stCondLst>
+                                        </p:cTn>
+                                        <p:tgtEl>
+                                          <p:spTgt spid="1031"/>
+                                        </p:tgtEl>
+                                        <p:attrNameLst>
+                                          <p:attrName>ppt_y</p:attrName>
+                                        </p:attrNameLst>
+                                      </p:cBhvr>
+                                      <p:tavLst>
+                                        <p:tav tm="0" fmla="#ppt_y-sin(pi*$)/3">
+                                          <p:val>
+                                            <p:fltVal val="0.5"/>
+                                          </p:val>
+                                        </p:tav>
+                                        <p:tav tm="100000">
+                                          <p:val>
+                                            <p:fltVal val="1"/>
+                                          </p:val>
+                                        </p:tav>
+                                      </p:tavLst>
+                                    </p:anim>
+                                    <p:anim calcmode="lin" valueType="num">
+                                      <p:cBhvr>
+                                        <p:cTn id="41" dur="664" tmFilter="0, 0; 0.125,0.2665; 0.25,0.4; 0.375,0.465; 0.5,0.5;  0.625,0.535; 0.75,0.6; 0.875,0.7335; 1,1">
+                                          <p:stCondLst>
+                                            <p:cond delay="664"/>
+                                          </p:stCondLst>
+                                        </p:cTn>
+                                        <p:tgtEl>
+                                          <p:spTgt spid="1031"/>
+                                        </p:tgtEl>
+                                        <p:attrNameLst>
+                                          <p:attrName>ppt_y</p:attrName>
+                                        </p:attrNameLst>
+                                      </p:cBhvr>
+                                      <p:tavLst>
+                                        <p:tav tm="0" fmla="#ppt_y-sin(pi*$)/9">
+                                          <p:val>
+                                            <p:fltVal val="0"/>
+                                          </p:val>
+                                        </p:tav>
+                                        <p:tav tm="100000">
+                                          <p:val>
+                                            <p:fltVal val="1"/>
+                                          </p:val>
+                                        </p:tav>
+                                      </p:tavLst>
+                                    </p:anim>
+                                    <p:anim calcmode="lin" valueType="num">
+                                      <p:cBhvr>
+                                        <p:cTn id="42" dur="332" tmFilter="0, 0; 0.125,0.2665; 0.25,0.4; 0.375,0.465; 0.5,0.5;  0.625,0.535; 0.75,0.6; 0.875,0.7335; 1,1">
+                                          <p:stCondLst>
+                                            <p:cond delay="1324"/>
+                                          </p:stCondLst>
+                                        </p:cTn>
+                                        <p:tgtEl>
+                                          <p:spTgt spid="1031"/>
+                                        </p:tgtEl>
+                                        <p:attrNameLst>
+                                          <p:attrName>ppt_y</p:attrName>
+                                        </p:attrNameLst>
+                                      </p:cBhvr>
+                                      <p:tavLst>
+                                        <p:tav tm="0" fmla="#ppt_y-sin(pi*$)/27">
+                                          <p:val>
+                                            <p:fltVal val="0"/>
+                                          </p:val>
+                                        </p:tav>
+                                        <p:tav tm="100000">
+                                          <p:val>
+                                            <p:fltVal val="1"/>
+                                          </p:val>
+                                        </p:tav>
+                                      </p:tavLst>
+                                    </p:anim>
+                                    <p:anim calcmode="lin" valueType="num">
+                                      <p:cBhvr>
+                                        <p:cTn id="43" dur="164" tmFilter="0, 0; 0.125,0.2665; 0.25,0.4; 0.375,0.465; 0.5,0.5;  0.625,0.535; 0.75,0.6; 0.875,0.7335; 1,1">
+                                          <p:stCondLst>
+                                            <p:cond delay="1656"/>
+                                          </p:stCondLst>
+                                        </p:cTn>
+                                        <p:tgtEl>
+                                          <p:spTgt spid="1031"/>
+                                        </p:tgtEl>
+                                        <p:attrNameLst>
+                                          <p:attrName>ppt_y</p:attrName>
+                                        </p:attrNameLst>
+                                      </p:cBhvr>
+                                      <p:tavLst>
+                                        <p:tav tm="0" fmla="#ppt_y-sin(pi*$)/81">
+                                          <p:val>
+                                            <p:fltVal val="0"/>
+                                          </p:val>
+                                        </p:tav>
+                                        <p:tav tm="100000">
+                                          <p:val>
+                                            <p:fltVal val="1"/>
+                                          </p:val>
+                                        </p:tav>
+                                      </p:tavLst>
+                                    </p:anim>
+                                    <p:animScale>
+                                      <p:cBhvr>
+                                        <p:cTn id="44" dur="26">
+                                          <p:stCondLst>
+                                            <p:cond delay="650"/>
+                                          </p:stCondLst>
+                                        </p:cTn>
+                                        <p:tgtEl>
+                                          <p:spTgt spid="1031"/>
+                                        </p:tgtEl>
+                                      </p:cBhvr>
+                                      <p:to x="100000" y="60000"/>
+                                    </p:animScale>
+                                    <p:animScale>
+                                      <p:cBhvr>
+                                        <p:cTn id="45" dur="166" decel="50000">
+                                          <p:stCondLst>
+                                            <p:cond delay="676"/>
+                                          </p:stCondLst>
+                                        </p:cTn>
+                                        <p:tgtEl>
+                                          <p:spTgt spid="1031"/>
+                                        </p:tgtEl>
+                                      </p:cBhvr>
+                                      <p:to x="100000" y="100000"/>
+                                    </p:animScale>
+                                    <p:animScale>
+                                      <p:cBhvr>
+                                        <p:cTn id="46" dur="26">
+                                          <p:stCondLst>
+                                            <p:cond delay="1312"/>
+                                          </p:stCondLst>
+                                        </p:cTn>
+                                        <p:tgtEl>
+                                          <p:spTgt spid="1031"/>
+                                        </p:tgtEl>
+                                      </p:cBhvr>
+                                      <p:to x="100000" y="80000"/>
+                                    </p:animScale>
+                                    <p:animScale>
+                                      <p:cBhvr>
+                                        <p:cTn id="47" dur="166" decel="50000">
+                                          <p:stCondLst>
+                                            <p:cond delay="1338"/>
+                                          </p:stCondLst>
+                                        </p:cTn>
+                                        <p:tgtEl>
+                                          <p:spTgt spid="1031"/>
+                                        </p:tgtEl>
+                                      </p:cBhvr>
+                                      <p:to x="100000" y="100000"/>
+                                    </p:animScale>
+                                    <p:animScale>
+                                      <p:cBhvr>
+                                        <p:cTn id="48" dur="26">
+                                          <p:stCondLst>
+                                            <p:cond delay="1642"/>
+                                          </p:stCondLst>
+                                        </p:cTn>
+                                        <p:tgtEl>
+                                          <p:spTgt spid="1031"/>
+                                        </p:tgtEl>
+                                      </p:cBhvr>
+                                      <p:to x="100000" y="90000"/>
+                                    </p:animScale>
+                                    <p:animScale>
+                                      <p:cBhvr>
+                                        <p:cTn id="49" dur="166" decel="50000">
+                                          <p:stCondLst>
+                                            <p:cond delay="1668"/>
+                                          </p:stCondLst>
+                                        </p:cTn>
+                                        <p:tgtEl>
+                                          <p:spTgt spid="1031"/>
+                                        </p:tgtEl>
+                                      </p:cBhvr>
+                                      <p:to x="100000" y="100000"/>
+                                    </p:animScale>
+                                    <p:animScale>
+                                      <p:cBhvr>
+                                        <p:cTn id="50" dur="26">
+                                          <p:stCondLst>
+                                            <p:cond delay="1808"/>
+                                          </p:stCondLst>
+                                        </p:cTn>
+                                        <p:tgtEl>
+                                          <p:spTgt spid="1031"/>
+                                        </p:tgtEl>
+                                      </p:cBhvr>
+                                      <p:to x="100000" y="95000"/>
+                                    </p:animScale>
+                                    <p:animScale>
+                                      <p:cBhvr>
+                                        <p:cTn id="51" dur="166" decel="50000">
+                                          <p:stCondLst>
+                                            <p:cond delay="1834"/>
+                                          </p:stCondLst>
+                                        </p:cTn>
+                                        <p:tgtEl>
+                                          <p:spTgt spid="1031"/>
+                                        </p:tgtEl>
+                                      </p:cBhvr>
+                                      <p:to x="100000" y="100000"/>
+                                    </p:animScale>
+                                  </p:childTnLst>
+                                </p:cTn>
+                              </p:par>
+                            </p:childTnLst>
+                          </p:cTn>
+                        </p:par>
+                      </p:childTnLst>
+                    </p:cTn>
+                  </p:par>
+                  <p:par>
+                    <p:cTn id="52" fill="hold">
+                      <p:stCondLst>
+                        <p:cond delay="indefinite"/>
+                      </p:stCondLst>
+                      <p:childTnLst>
+                        <p:par>
+                          <p:cTn id="53" fill="hold">
+                            <p:stCondLst>
+                              <p:cond delay="0"/>
+                            </p:stCondLst>
+                            <p:childTnLst>
+                              <p:par>
+                                <p:cTn id="54" presetID="26" presetClass="entr" presetSubtype="0" fill="hold" nodeType="clickEffect">
+                                  <p:stCondLst>
+                                    <p:cond delay="0"/>
+                                  </p:stCondLst>
+                                  <p:childTnLst>
+                                    <p:set>
+                                      <p:cBhvr>
+                                        <p:cTn id="55" dur="1" fill="hold">
+                                          <p:stCondLst>
+                                            <p:cond delay="0"/>
+                                          </p:stCondLst>
+                                        </p:cTn>
+                                        <p:tgtEl>
+                                          <p:spTgt spid="1032"/>
+                                        </p:tgtEl>
+                                        <p:attrNameLst>
+                                          <p:attrName>style.visibility</p:attrName>
+                                        </p:attrNameLst>
+                                      </p:cBhvr>
+                                      <p:to>
+                                        <p:strVal val="visible"/>
+                                      </p:to>
+                                    </p:set>
+                                    <p:animEffect transition="in" filter="wipe(down)">
+                                      <p:cBhvr>
+                                        <p:cTn id="56" dur="580">
+                                          <p:stCondLst>
+                                            <p:cond delay="0"/>
+                                          </p:stCondLst>
+                                        </p:cTn>
+                                        <p:tgtEl>
+                                          <p:spTgt spid="1032"/>
+                                        </p:tgtEl>
+                                      </p:cBhvr>
+                                    </p:animEffect>
+                                    <p:anim calcmode="lin" valueType="num">
+                                      <p:cBhvr>
+                                        <p:cTn id="57" dur="1822" tmFilter="0,0; 0.14,0.36; 0.43,0.73; 0.71,0.91; 1.0,1.0">
+                                          <p:stCondLst>
+                                            <p:cond delay="0"/>
+                                          </p:stCondLst>
+                                        </p:cTn>
+                                        <p:tgtEl>
+                                          <p:spTgt spid="1032"/>
+                                        </p:tgtEl>
+                                        <p:attrNameLst>
+                                          <p:attrName>ppt_x</p:attrName>
+                                        </p:attrNameLst>
+                                      </p:cBhvr>
+                                      <p:tavLst>
+                                        <p:tav tm="0">
+                                          <p:val>
+                                            <p:strVal val="#ppt_x-0.25"/>
+                                          </p:val>
+                                        </p:tav>
+                                        <p:tav tm="100000">
+                                          <p:val>
+                                            <p:strVal val="#ppt_x"/>
+                                          </p:val>
+                                        </p:tav>
+                                      </p:tavLst>
+                                    </p:anim>
+                                    <p:anim calcmode="lin" valueType="num">
+                                      <p:cBhvr>
+                                        <p:cTn id="58" dur="664" tmFilter="0.0,0.0; 0.25,0.07; 0.50,0.2; 0.75,0.467; 1.0,1.0">
+                                          <p:stCondLst>
+                                            <p:cond delay="0"/>
+                                          </p:stCondLst>
+                                        </p:cTn>
+                                        <p:tgtEl>
+                                          <p:spTgt spid="1032"/>
+                                        </p:tgtEl>
+                                        <p:attrNameLst>
+                                          <p:attrName>ppt_y</p:attrName>
+                                        </p:attrNameLst>
+                                      </p:cBhvr>
+                                      <p:tavLst>
+                                        <p:tav tm="0" fmla="#ppt_y-sin(pi*$)/3">
+                                          <p:val>
+                                            <p:fltVal val="0.5"/>
+                                          </p:val>
+                                        </p:tav>
+                                        <p:tav tm="100000">
+                                          <p:val>
+                                            <p:fltVal val="1"/>
+                                          </p:val>
+                                        </p:tav>
+                                      </p:tavLst>
+                                    </p:anim>
+                                    <p:anim calcmode="lin" valueType="num">
+                                      <p:cBhvr>
+                                        <p:cTn id="59" dur="664" tmFilter="0, 0; 0.125,0.2665; 0.25,0.4; 0.375,0.465; 0.5,0.5;  0.625,0.535; 0.75,0.6; 0.875,0.7335; 1,1">
+                                          <p:stCondLst>
+                                            <p:cond delay="664"/>
+                                          </p:stCondLst>
+                                        </p:cTn>
+                                        <p:tgtEl>
+                                          <p:spTgt spid="1032"/>
+                                        </p:tgtEl>
+                                        <p:attrNameLst>
+                                          <p:attrName>ppt_y</p:attrName>
+                                        </p:attrNameLst>
+                                      </p:cBhvr>
+                                      <p:tavLst>
+                                        <p:tav tm="0" fmla="#ppt_y-sin(pi*$)/9">
+                                          <p:val>
+                                            <p:fltVal val="0"/>
+                                          </p:val>
+                                        </p:tav>
+                                        <p:tav tm="100000">
+                                          <p:val>
+                                            <p:fltVal val="1"/>
+                                          </p:val>
+                                        </p:tav>
+                                      </p:tavLst>
+                                    </p:anim>
+                                    <p:anim calcmode="lin" valueType="num">
+                                      <p:cBhvr>
+                                        <p:cTn id="60" dur="332" tmFilter="0, 0; 0.125,0.2665; 0.25,0.4; 0.375,0.465; 0.5,0.5;  0.625,0.535; 0.75,0.6; 0.875,0.7335; 1,1">
+                                          <p:stCondLst>
+                                            <p:cond delay="1324"/>
+                                          </p:stCondLst>
+                                        </p:cTn>
+                                        <p:tgtEl>
+                                          <p:spTgt spid="1032"/>
+                                        </p:tgtEl>
+                                        <p:attrNameLst>
+                                          <p:attrName>ppt_y</p:attrName>
+                                        </p:attrNameLst>
+                                      </p:cBhvr>
+                                      <p:tavLst>
+                                        <p:tav tm="0" fmla="#ppt_y-sin(pi*$)/27">
+                                          <p:val>
+                                            <p:fltVal val="0"/>
+                                          </p:val>
+                                        </p:tav>
+                                        <p:tav tm="100000">
+                                          <p:val>
+                                            <p:fltVal val="1"/>
+                                          </p:val>
+                                        </p:tav>
+                                      </p:tavLst>
+                                    </p:anim>
+                                    <p:anim calcmode="lin" valueType="num">
+                                      <p:cBhvr>
+                                        <p:cTn id="61" dur="164" tmFilter="0, 0; 0.125,0.2665; 0.25,0.4; 0.375,0.465; 0.5,0.5;  0.625,0.535; 0.75,0.6; 0.875,0.7335; 1,1">
+                                          <p:stCondLst>
+                                            <p:cond delay="1656"/>
+                                          </p:stCondLst>
+                                        </p:cTn>
+                                        <p:tgtEl>
+                                          <p:spTgt spid="1032"/>
+                                        </p:tgtEl>
+                                        <p:attrNameLst>
+                                          <p:attrName>ppt_y</p:attrName>
+                                        </p:attrNameLst>
+                                      </p:cBhvr>
+                                      <p:tavLst>
+                                        <p:tav tm="0" fmla="#ppt_y-sin(pi*$)/81">
+                                          <p:val>
+                                            <p:fltVal val="0"/>
+                                          </p:val>
+                                        </p:tav>
+                                        <p:tav tm="100000">
+                                          <p:val>
+                                            <p:fltVal val="1"/>
+                                          </p:val>
+                                        </p:tav>
+                                      </p:tavLst>
+                                    </p:anim>
+                                    <p:animScale>
+                                      <p:cBhvr>
+                                        <p:cTn id="62" dur="26">
+                                          <p:stCondLst>
+                                            <p:cond delay="650"/>
+                                          </p:stCondLst>
+                                        </p:cTn>
+                                        <p:tgtEl>
+                                          <p:spTgt spid="1032"/>
+                                        </p:tgtEl>
+                                      </p:cBhvr>
+                                      <p:to x="100000" y="60000"/>
+                                    </p:animScale>
+                                    <p:animScale>
+                                      <p:cBhvr>
+                                        <p:cTn id="63" dur="166" decel="50000">
+                                          <p:stCondLst>
+                                            <p:cond delay="676"/>
+                                          </p:stCondLst>
+                                        </p:cTn>
+                                        <p:tgtEl>
+                                          <p:spTgt spid="1032"/>
+                                        </p:tgtEl>
+                                      </p:cBhvr>
+                                      <p:to x="100000" y="100000"/>
+                                    </p:animScale>
+                                    <p:animScale>
+                                      <p:cBhvr>
+                                        <p:cTn id="64" dur="26">
+                                          <p:stCondLst>
+                                            <p:cond delay="1312"/>
+                                          </p:stCondLst>
+                                        </p:cTn>
+                                        <p:tgtEl>
+                                          <p:spTgt spid="1032"/>
+                                        </p:tgtEl>
+                                      </p:cBhvr>
+                                      <p:to x="100000" y="80000"/>
+                                    </p:animScale>
+                                    <p:animScale>
+                                      <p:cBhvr>
+                                        <p:cTn id="65" dur="166" decel="50000">
+                                          <p:stCondLst>
+                                            <p:cond delay="1338"/>
+                                          </p:stCondLst>
+                                        </p:cTn>
+                                        <p:tgtEl>
+                                          <p:spTgt spid="1032"/>
+                                        </p:tgtEl>
+                                      </p:cBhvr>
+                                      <p:to x="100000" y="100000"/>
+                                    </p:animScale>
+                                    <p:animScale>
+                                      <p:cBhvr>
+                                        <p:cTn id="66" dur="26">
+                                          <p:stCondLst>
+                                            <p:cond delay="1642"/>
+                                          </p:stCondLst>
+                                        </p:cTn>
+                                        <p:tgtEl>
+                                          <p:spTgt spid="1032"/>
+                                        </p:tgtEl>
+                                      </p:cBhvr>
+                                      <p:to x="100000" y="90000"/>
+                                    </p:animScale>
+                                    <p:animScale>
+                                      <p:cBhvr>
+                                        <p:cTn id="67" dur="166" decel="50000">
+                                          <p:stCondLst>
+                                            <p:cond delay="1668"/>
+                                          </p:stCondLst>
+                                        </p:cTn>
+                                        <p:tgtEl>
+                                          <p:spTgt spid="1032"/>
+                                        </p:tgtEl>
+                                      </p:cBhvr>
+                                      <p:to x="100000" y="100000"/>
+                                    </p:animScale>
+                                    <p:animScale>
+                                      <p:cBhvr>
+                                        <p:cTn id="68" dur="26">
+                                          <p:stCondLst>
+                                            <p:cond delay="1808"/>
+                                          </p:stCondLst>
+                                        </p:cTn>
+                                        <p:tgtEl>
+                                          <p:spTgt spid="1032"/>
+                                        </p:tgtEl>
+                                      </p:cBhvr>
+                                      <p:to x="100000" y="95000"/>
+                                    </p:animScale>
+                                    <p:animScale>
+                                      <p:cBhvr>
+                                        <p:cTn id="69" dur="166" decel="50000">
+                                          <p:stCondLst>
+                                            <p:cond delay="1834"/>
+                                          </p:stCondLst>
+                                        </p:cTn>
+                                        <p:tgtEl>
+                                          <p:spTgt spid="1032"/>
+                                        </p:tgtEl>
+                                      </p:cBhvr>
+                                      <p:to x="100000" y="100000"/>
+                                    </p:animScale>
+                                  </p:childTnLst>
+                                </p:cTn>
+                              </p:par>
+                            </p:childTnLst>
+                          </p:cTn>
+                        </p:par>
+                      </p:childTnLst>
+                    </p:cTn>
+                  </p:par>
+                </p:childTnLst>
+              </p:cTn>
               <p:prevCondLst>
                 <p:cond evt="onPrev" delay="0">
                   <p:tgtEl>
@@ -6726,13 +8039,13 @@
       </p:grpSpPr>
       <p:sp>
         <p:nvSpPr>
-          <p:cNvPr id="173" name="CustomShape 1"/>
+          <p:cNvPr id="171" name="CustomShape 1"/>
           <p:cNvSpPr/>
           <p:nvPr/>
         </p:nvSpPr>
         <p:spPr>
           <a:xfrm>
-            <a:off x="457200" y="1143000"/>
+            <a:off x="2971800" y="2667000"/>
             <a:ext cx="8228880" cy="1065960"/>
           </a:xfrm>
           <a:prstGeom prst="rect">
@@ -6753,22 +8066,22 @@
               </a:lnSpc>
             </a:pPr>
             <a:r>
-              <a:rPr lang="en-US" sz="4000">
+              <a:rPr lang="en-US" sz="4000" dirty="0">
                 <a:solidFill>
                   <a:srgbClr val="424456"/>
                 </a:solidFill>
                 <a:latin typeface="Trebuchet MS"/>
                 <a:ea typeface="DejaVu Sans"/>
               </a:rPr>
-              <a:t>RSA Attack Tests</a:t>
+              <a:t>RSA Tests</a:t>
             </a:r>
-            <a:endParaRPr/>
-          </a:p>
-        </p:txBody>
-      </p:sp>
-      <p:sp>
-        <p:nvSpPr>
-          <p:cNvPr id="174" name="CustomShape 2"/>
+            <a:endParaRPr dirty="0"/>
+          </a:p>
+        </p:txBody>
+      </p:sp>
+      <p:sp>
+        <p:nvSpPr>
+          <p:cNvPr id="172" name="CustomShape 2"/>
           <p:cNvSpPr/>
           <p:nvPr/>
         </p:nvSpPr>
@@ -6785,86 +8098,6 @@
             <a:noFill/>
           </a:ln>
         </p:spPr>
-        <p:txBody>
-          <a:bodyPr lIns="90000" tIns="45000" rIns="90000" bIns="45000"/>
-          <a:lstStyle/>
-          <a:p>
-            <a:pPr>
-              <a:lnSpc>
-                <a:spcPct val="100000"/>
-              </a:lnSpc>
-              <a:buFont typeface="Georgia"/>
-              <a:buChar char="•"/>
-            </a:pPr>
-            <a:r>
-              <a:rPr lang="en-US" sz="2800">
-                <a:solidFill>
-                  <a:srgbClr val="000000"/>
-                </a:solidFill>
-                <a:latin typeface="Georgia"/>
-                <a:ea typeface="DejaVu Sans"/>
-              </a:rPr>
-              <a:t>Fermat_test: Test if Fermat attack is working</a:t>
-            </a:r>
-            <a:endParaRPr/>
-          </a:p>
-          <a:p>
-            <a:pPr>
-              <a:lnSpc>
-                <a:spcPct val="100000"/>
-              </a:lnSpc>
-            </a:pPr>
-            <a:endParaRPr/>
-          </a:p>
-          <a:p>
-            <a:pPr>
-              <a:lnSpc>
-                <a:spcPct val="100000"/>
-              </a:lnSpc>
-              <a:buFont typeface="Georgia"/>
-              <a:buChar char="•"/>
-            </a:pPr>
-            <a:r>
-              <a:rPr lang="en-US" sz="2800">
-                <a:solidFill>
-                  <a:srgbClr val="000000"/>
-                </a:solidFill>
-                <a:latin typeface="Georgia"/>
-                <a:ea typeface="DejaVu Sans"/>
-              </a:rPr>
-              <a:t>Pollards_test: Test if Pollards attack is working</a:t>
-            </a:r>
-            <a:endParaRPr/>
-          </a:p>
-          <a:p>
-            <a:pPr>
-              <a:lnSpc>
-                <a:spcPct val="100000"/>
-              </a:lnSpc>
-            </a:pPr>
-            <a:endParaRPr/>
-          </a:p>
-          <a:p>
-            <a:pPr>
-              <a:lnSpc>
-                <a:spcPct val="100000"/>
-              </a:lnSpc>
-              <a:buFont typeface="Georgia"/>
-              <a:buChar char="•"/>
-            </a:pPr>
-            <a:r>
-              <a:rPr lang="en-US" sz="2800">
-                <a:solidFill>
-                  <a:srgbClr val="000000"/>
-                </a:solidFill>
-                <a:latin typeface="Georgia"/>
-                <a:ea typeface="DejaVu Sans"/>
-              </a:rPr>
-              <a:t>Brute_force_test: Test if the brute force attack is working correctly</a:t>
-            </a:r>
-            <a:endParaRPr/>
-          </a:p>
-        </p:txBody>
       </p:sp>
     </p:spTree>
   </p:cSld>
@@ -6920,6 +8153,200 @@
       </p:grpSpPr>
       <p:sp>
         <p:nvSpPr>
+          <p:cNvPr id="173" name="CustomShape 1"/>
+          <p:cNvSpPr/>
+          <p:nvPr/>
+        </p:nvSpPr>
+        <p:spPr>
+          <a:xfrm>
+            <a:off x="457200" y="1143000"/>
+            <a:ext cx="8228880" cy="1065960"/>
+          </a:xfrm>
+          <a:prstGeom prst="rect">
+            <a:avLst/>
+          </a:prstGeom>
+          <a:noFill/>
+          <a:ln>
+            <a:noFill/>
+          </a:ln>
+        </p:spPr>
+        <p:txBody>
+          <a:bodyPr lIns="90000" tIns="45000" rIns="90000" bIns="45000" anchor="ctr"/>
+          <a:lstStyle/>
+          <a:p>
+            <a:pPr>
+              <a:lnSpc>
+                <a:spcPct val="100000"/>
+              </a:lnSpc>
+            </a:pPr>
+            <a:r>
+              <a:rPr lang="en-US" sz="4000">
+                <a:solidFill>
+                  <a:srgbClr val="424456"/>
+                </a:solidFill>
+                <a:latin typeface="Trebuchet MS"/>
+                <a:ea typeface="DejaVu Sans"/>
+              </a:rPr>
+              <a:t>RSA Attack Tests</a:t>
+            </a:r>
+            <a:endParaRPr/>
+          </a:p>
+        </p:txBody>
+      </p:sp>
+      <p:sp>
+        <p:nvSpPr>
+          <p:cNvPr id="174" name="CustomShape 2"/>
+          <p:cNvSpPr/>
+          <p:nvPr/>
+        </p:nvSpPr>
+        <p:spPr>
+          <a:xfrm>
+            <a:off x="457200" y="2249280"/>
+            <a:ext cx="8228880" cy="4324320"/>
+          </a:xfrm>
+          <a:prstGeom prst="rect">
+            <a:avLst/>
+          </a:prstGeom>
+          <a:noFill/>
+          <a:ln>
+            <a:noFill/>
+          </a:ln>
+        </p:spPr>
+        <p:txBody>
+          <a:bodyPr lIns="90000" tIns="45000" rIns="90000" bIns="45000"/>
+          <a:lstStyle/>
+          <a:p>
+            <a:pPr>
+              <a:lnSpc>
+                <a:spcPct val="100000"/>
+              </a:lnSpc>
+              <a:buFont typeface="Georgia"/>
+              <a:buChar char="•"/>
+            </a:pPr>
+            <a:r>
+              <a:rPr lang="en-US" sz="2800">
+                <a:solidFill>
+                  <a:srgbClr val="000000"/>
+                </a:solidFill>
+                <a:latin typeface="Georgia"/>
+                <a:ea typeface="DejaVu Sans"/>
+              </a:rPr>
+              <a:t>Fermat_test: Test if Fermat attack is working</a:t>
+            </a:r>
+            <a:endParaRPr/>
+          </a:p>
+          <a:p>
+            <a:pPr>
+              <a:lnSpc>
+                <a:spcPct val="100000"/>
+              </a:lnSpc>
+            </a:pPr>
+            <a:endParaRPr/>
+          </a:p>
+          <a:p>
+            <a:pPr>
+              <a:lnSpc>
+                <a:spcPct val="100000"/>
+              </a:lnSpc>
+              <a:buFont typeface="Georgia"/>
+              <a:buChar char="•"/>
+            </a:pPr>
+            <a:r>
+              <a:rPr lang="en-US" sz="2800">
+                <a:solidFill>
+                  <a:srgbClr val="000000"/>
+                </a:solidFill>
+                <a:latin typeface="Georgia"/>
+                <a:ea typeface="DejaVu Sans"/>
+              </a:rPr>
+              <a:t>Pollards_test: Test if Pollards attack is working</a:t>
+            </a:r>
+            <a:endParaRPr/>
+          </a:p>
+          <a:p>
+            <a:pPr>
+              <a:lnSpc>
+                <a:spcPct val="100000"/>
+              </a:lnSpc>
+            </a:pPr>
+            <a:endParaRPr/>
+          </a:p>
+          <a:p>
+            <a:pPr>
+              <a:lnSpc>
+                <a:spcPct val="100000"/>
+              </a:lnSpc>
+              <a:buFont typeface="Georgia"/>
+              <a:buChar char="•"/>
+            </a:pPr>
+            <a:r>
+              <a:rPr lang="en-US" sz="2800">
+                <a:solidFill>
+                  <a:srgbClr val="000000"/>
+                </a:solidFill>
+                <a:latin typeface="Georgia"/>
+                <a:ea typeface="DejaVu Sans"/>
+              </a:rPr>
+              <a:t>Brute_force_test: Test if the brute force attack is working correctly</a:t>
+            </a:r>
+            <a:endParaRPr/>
+          </a:p>
+        </p:txBody>
+      </p:sp>
+    </p:spTree>
+  </p:cSld>
+  <p:clrMapOvr>
+    <a:masterClrMapping/>
+  </p:clrMapOvr>
+  <p:timing>
+    <p:tnLst>
+      <p:par>
+        <p:cTn id="1" dur="indefinite" restart="never" nodeType="tmRoot">
+          <p:childTnLst>
+            <p:seq>
+              <p:cTn id="2" nodeType="mainSeq"/>
+              <p:prevCondLst>
+                <p:cond evt="onPrev" delay="0">
+                  <p:tgtEl>
+                    <p:sldTgt/>
+                  </p:tgtEl>
+                </p:cond>
+              </p:prevCondLst>
+              <p:nextCondLst>
+                <p:cond evt="onNext" delay="0">
+                  <p:tgtEl>
+                    <p:sldTgt/>
+                  </p:tgtEl>
+                </p:cond>
+              </p:nextCondLst>
+            </p:seq>
+          </p:childTnLst>
+        </p:cTn>
+      </p:par>
+    </p:tnLst>
+  </p:timing>
+</p:sld>
+</file>
+
+<file path=ppt/slides/slide22.xml><?xml version="1.0" encoding="utf-8"?>
+<p:sld xmlns:a="http://schemas.openxmlformats.org/drawingml/2006/main" xmlns:r="http://schemas.openxmlformats.org/officeDocument/2006/relationships" xmlns:p="http://schemas.openxmlformats.org/presentationml/2006/main">
+  <p:cSld>
+    <p:spTree>
+      <p:nvGrpSpPr>
+        <p:cNvPr id="1" name=""/>
+        <p:cNvGrpSpPr/>
+        <p:nvPr/>
+      </p:nvGrpSpPr>
+      <p:grpSpPr>
+        <a:xfrm>
+          <a:off x="0" y="0"/>
+          <a:ext cx="0" cy="0"/>
+          <a:chOff x="0" y="0"/>
+          <a:chExt cx="0" cy="0"/>
+        </a:xfrm>
+      </p:grpSpPr>
+      <p:sp>
+        <p:nvSpPr>
           <p:cNvPr id="175" name="CustomShape 1"/>
           <p:cNvSpPr/>
           <p:nvPr/>
@@ -7225,6 +8652,13 @@
   <p:clrMapOvr>
     <a:masterClrMapping/>
   </p:clrMapOvr>
+  <p:timing>
+    <p:tnLst>
+      <p:par>
+        <p:cTn id="1" dur="indefinite" restart="never" nodeType="tmRoot"/>
+      </p:par>
+    </p:tnLst>
+  </p:timing>
 </p:sld>
 </file>
 
